--- a/Graphics and Computational Programming.pptx
+++ b/Graphics and Computational Programming.pptx
@@ -5,14 +5,18 @@
     <p:sldMasterId id="2147483777" r:id="rId6"/>
   </p:sldMasterIdLst>
   <p:notesMasterIdLst>
-    <p:notesMasterId r:id="rId12"/>
+    <p:notesMasterId r:id="rId16"/>
   </p:notesMasterIdLst>
   <p:sldIdLst>
     <p:sldId id="277" r:id="rId7"/>
     <p:sldId id="278" r:id="rId8"/>
     <p:sldId id="280" r:id="rId9"/>
     <p:sldId id="279" r:id="rId10"/>
-    <p:sldId id="281" r:id="rId11"/>
+    <p:sldId id="285" r:id="rId11"/>
+    <p:sldId id="281" r:id="rId12"/>
+    <p:sldId id="282" r:id="rId13"/>
+    <p:sldId id="283" r:id="rId14"/>
+    <p:sldId id="284" r:id="rId15"/>
   </p:sldIdLst>
   <p:sldSz cx="12192000" cy="6858000"/>
   <p:notesSz cx="6858000" cy="9144000"/>
@@ -120,7 +124,11 @@
             <p14:sldId id="278"/>
             <p14:sldId id="280"/>
             <p14:sldId id="279"/>
+            <p14:sldId id="285"/>
             <p14:sldId id="281"/>
+            <p14:sldId id="282"/>
+            <p14:sldId id="283"/>
+            <p14:sldId id="284"/>
           </p14:sldIdLst>
         </p14:section>
       </p14:sectionLst>
@@ -214,7 +222,7 @@
           <a:p>
             <a:fld id="{181EC09C-9CDC-48F0-BB82-ED223F986966}" type="datetimeFigureOut">
               <a:rPr lang="en-US" smtClean="0"/>
-              <a:t>12/3/2019</a:t>
+              <a:t>12/9/2019</a:t>
             </a:fld>
             <a:endParaRPr lang="en-US" dirty="0"/>
           </a:p>
@@ -710,7 +718,7 @@
           <a:p>
             <a:fld id="{9D874152-028B-486A-9CCC-467A5536A7DC}" type="datetime1">
               <a:rPr lang="en-US" smtClean="0"/>
-              <a:t>12/3/2019</a:t>
+              <a:t>12/9/2019</a:t>
             </a:fld>
             <a:endParaRPr lang="en-US" dirty="0"/>
           </a:p>
@@ -1045,7 +1053,7 @@
           <a:p>
             <a:fld id="{8A1558FF-9F53-4DAD-84A1-1EEE4F190FF1}" type="datetime1">
               <a:rPr lang="en-US" smtClean="0"/>
-              <a:t>12/3/2019</a:t>
+              <a:t>12/9/2019</a:t>
             </a:fld>
             <a:endParaRPr lang="en-US" dirty="0"/>
           </a:p>
@@ -1324,7 +1332,7 @@
           <a:p>
             <a:fld id="{A78FA1A6-D89D-4E0B-ACDC-F92429034F56}" type="datetime1">
               <a:rPr lang="en-US" smtClean="0"/>
-              <a:t>12/3/2019</a:t>
+              <a:t>12/9/2019</a:t>
             </a:fld>
             <a:endParaRPr lang="en-US" dirty="0"/>
           </a:p>
@@ -1893,7 +1901,7 @@
           <a:p>
             <a:fld id="{8BA382F0-6EA8-4D82-951F-1579D6A93CC4}" type="datetime1">
               <a:rPr lang="en-US" smtClean="0"/>
-              <a:t>12/3/2019</a:t>
+              <a:t>12/9/2019</a:t>
             </a:fld>
             <a:endParaRPr lang="en-US" dirty="0"/>
           </a:p>
@@ -2172,7 +2180,7 @@
           <a:p>
             <a:fld id="{CDBE913C-F349-4CE3-A910-0EA13427FE0D}" type="datetime1">
               <a:rPr lang="en-US" smtClean="0"/>
-              <a:t>12/3/2019</a:t>
+              <a:t>12/9/2019</a:t>
             </a:fld>
             <a:endParaRPr lang="en-US" dirty="0"/>
           </a:p>
@@ -2735,7 +2743,7 @@
           <a:p>
             <a:fld id="{70D4C5C7-4D27-4EBE-9DB8-92F5F0F40B34}" type="datetime1">
               <a:rPr lang="en-US" smtClean="0"/>
-              <a:t>12/3/2019</a:t>
+              <a:t>12/9/2019</a:t>
             </a:fld>
             <a:endParaRPr lang="en-US" dirty="0"/>
           </a:p>
@@ -3063,7 +3071,7 @@
           <a:p>
             <a:fld id="{B6CDAF82-EDB2-4FBF-83F4-247A1B3455CB}" type="datetime1">
               <a:rPr lang="en-US" smtClean="0"/>
-              <a:t>12/3/2019</a:t>
+              <a:t>12/9/2019</a:t>
             </a:fld>
             <a:endParaRPr lang="en-US" dirty="0"/>
           </a:p>
@@ -3269,7 +3277,7 @@
           <a:p>
             <a:fld id="{2D5E59DB-4C5A-44A3-897C-FF6803F94296}" type="datetime1">
               <a:rPr lang="en-US" smtClean="0"/>
-              <a:t>12/3/2019</a:t>
+              <a:t>12/9/2019</a:t>
             </a:fld>
             <a:endParaRPr lang="en-US" dirty="0"/>
           </a:p>
@@ -3480,7 +3488,7 @@
           <a:p>
             <a:fld id="{E9F6B6E0-E0F8-4800-BD74-7D33DFE5ED7E}" type="datetime1">
               <a:rPr lang="en-US" smtClean="0"/>
-              <a:t>12/3/2019</a:t>
+              <a:t>12/9/2019</a:t>
             </a:fld>
             <a:endParaRPr lang="en-US" dirty="0"/>
           </a:p>
@@ -3681,7 +3689,7 @@
           <a:p>
             <a:fld id="{6E6DC824-D0E7-4046-8B44-4AAD1C4DE2CF}" type="datetime1">
               <a:rPr lang="en-US" smtClean="0"/>
-              <a:t>12/3/2019</a:t>
+              <a:t>12/9/2019</a:t>
             </a:fld>
             <a:endParaRPr lang="en-US" dirty="0"/>
           </a:p>
@@ -3958,7 +3966,7 @@
           <a:p>
             <a:fld id="{FEFC221C-17A4-4F42-9F54-9F7E03AA1BBB}" type="datetime1">
               <a:rPr lang="en-US" smtClean="0"/>
-              <a:t>12/3/2019</a:t>
+              <a:t>12/9/2019</a:t>
             </a:fld>
             <a:endParaRPr lang="en-US" dirty="0"/>
           </a:p>
@@ -4225,7 +4233,7 @@
           <a:p>
             <a:fld id="{38CD7CBA-5256-42F3-BAB5-33F095514AE3}" type="datetime1">
               <a:rPr lang="en-US" smtClean="0"/>
-              <a:t>12/3/2019</a:t>
+              <a:t>12/9/2019</a:t>
             </a:fld>
             <a:endParaRPr lang="en-US" dirty="0"/>
           </a:p>
@@ -4600,7 +4608,7 @@
           <a:p>
             <a:fld id="{8EB80C04-2E33-403B-B014-7E203A57326C}" type="datetime1">
               <a:rPr lang="en-US" smtClean="0"/>
-              <a:t>12/3/2019</a:t>
+              <a:t>12/9/2019</a:t>
             </a:fld>
             <a:endParaRPr lang="en-US" dirty="0"/>
           </a:p>
@@ -4749,7 +4757,7 @@
           <a:p>
             <a:fld id="{8C92A49D-7D7F-4D69-A8AA-65D6B58C15F2}" type="datetime1">
               <a:rPr lang="en-US" smtClean="0"/>
-              <a:t>12/3/2019</a:t>
+              <a:t>12/9/2019</a:t>
             </a:fld>
             <a:endParaRPr lang="en-US" dirty="0"/>
           </a:p>
@@ -4875,7 +4883,7 @@
           <a:p>
             <a:fld id="{09E02903-36C1-4F6B-9F27-EA2305255204}" type="datetime1">
               <a:rPr lang="en-US" smtClean="0"/>
-              <a:t>12/3/2019</a:t>
+              <a:t>12/9/2019</a:t>
             </a:fld>
             <a:endParaRPr lang="en-US" dirty="0"/>
           </a:p>
@@ -5161,7 +5169,7 @@
           <a:p>
             <a:fld id="{2E8BBFA8-C775-4121-A7F6-6851C8035873}" type="datetime1">
               <a:rPr lang="en-US" smtClean="0"/>
-              <a:t>12/3/2019</a:t>
+              <a:t>12/9/2019</a:t>
             </a:fld>
             <a:endParaRPr lang="en-US" dirty="0"/>
           </a:p>
@@ -5486,7 +5494,7 @@
           <a:p>
             <a:fld id="{6EC01760-8EEC-4A4C-BD0D-3CDAAA80A266}" type="datetime1">
               <a:rPr lang="en-US" smtClean="0"/>
-              <a:t>12/3/2019</a:t>
+              <a:t>12/9/2019</a:t>
             </a:fld>
             <a:endParaRPr lang="en-US" dirty="0"/>
           </a:p>
@@ -5701,7 +5709,7 @@
           <a:p>
             <a:fld id="{B183DE74-4CAD-4852-95E7-A055FD779420}" type="datetime1">
               <a:rPr lang="en-US" smtClean="0"/>
-              <a:t>12/3/2019</a:t>
+              <a:t>12/9/2019</a:t>
             </a:fld>
             <a:endParaRPr lang="en-US" dirty="0"/>
           </a:p>
@@ -10868,7 +10876,7 @@
         <p:spPr>
           <a:xfrm>
             <a:off x="821471" y="2966517"/>
-            <a:ext cx="10131425" cy="2117112"/>
+            <a:ext cx="10131425" cy="2218042"/>
           </a:xfrm>
         </p:spPr>
         <p:txBody>
@@ -10881,8 +10889,8 @@
               <a:buNone/>
             </a:pPr>
             <a:r>
-              <a:rPr lang="en-US" cap="all" dirty="0"/>
-              <a:t>For that for this project I decided To do a Parallel Ray Tracer. The end result was a parallel ray tracer that is able to render spheres with multiple lights and different materials that interact with the scene to produce shadows and reelections.</a:t>
+              <a:rPr lang="en-GB" dirty="0"/>
+              <a:t>For this project I choose to do a parallel ray tracer. With an end result that is able to render some simple shapes with a choice of different material for each shape that would interact with multiple lights. </a:t>
             </a:r>
           </a:p>
           <a:p>
@@ -10890,9 +10898,10 @@
               <a:buNone/>
             </a:pPr>
             <a:r>
-              <a:rPr lang="en-US" cap="all" dirty="0"/>
-              <a:t>Through this Presentation I will go over and Discuses my research into ray tracing and parallel programing and how I used said research in Designing and implementing the project. </a:t>
+              <a:rPr lang="en-GB" dirty="0"/>
+              <a:t>Throughout this video I will go over and discuss my research into ray tracing and parallelisation and how it helped me in design and implement my ray tracer</a:t>
             </a:r>
+            <a:endParaRPr lang="en-US" cap="all" dirty="0"/>
           </a:p>
         </p:txBody>
       </p:sp>
@@ -11020,7 +11029,7 @@
             <a:pPr algn="r"/>
             <a:r>
               <a:rPr lang="en-US" sz="4800" dirty="0"/>
-              <a:t>Theory</a:t>
+              <a:t>Theory and Design</a:t>
             </a:r>
           </a:p>
         </p:txBody>
@@ -15556,10 +15565,10 @@
       </p:grpSpPr>
       <p:pic>
         <p:nvPicPr>
-          <p:cNvPr id="10" name="Picture 9">
+          <p:cNvPr id="15" name="Picture 14">
             <a:extLst>
               <a:ext uri="{FF2B5EF4-FFF2-40B4-BE49-F238E27FC236}">
-                <a16:creationId xmlns:a16="http://schemas.microsoft.com/office/drawing/2014/main" id="{0FDC26C9-3923-4F5B-884B-45F0E0E3E678}"/>
+                <a16:creationId xmlns:a16="http://schemas.microsoft.com/office/drawing/2014/main" id="{AF5DAC7F-B72E-4788-88FC-638A285D90C4}"/>
               </a:ext>
               <a:ext uri="{C183D7F6-B498-43B3-948B-1728B52AA6E4}">
                 <adec:decorative xmlns:adec="http://schemas.microsoft.com/office/drawing/2017/decorative" val="1"/>
@@ -15617,8 +15626,8 @@
         </p:nvSpPr>
         <p:spPr>
           <a:xfrm>
-            <a:off x="668385" y="1271452"/>
-            <a:ext cx="6282266" cy="1456267"/>
+            <a:off x="7865806" y="643463"/>
+            <a:ext cx="3706762" cy="1608124"/>
           </a:xfrm>
         </p:spPr>
         <p:txBody>
@@ -15629,11 +15638,42 @@
           <a:p>
             <a:r>
               <a:rPr lang="en-US" dirty="0"/>
-              <a:t>Ray Tracing - History</a:t>
+              <a:t>What is Ray Tracing</a:t>
             </a:r>
           </a:p>
         </p:txBody>
       </p:sp>
+      <p:pic>
+        <p:nvPicPr>
+          <p:cNvPr id="7" name="Content Placeholder 6">
+            <a:extLst>
+              <a:ext uri="{FF2B5EF4-FFF2-40B4-BE49-F238E27FC236}">
+                <a16:creationId xmlns:a16="http://schemas.microsoft.com/office/drawing/2014/main" id="{02AA90A6-E800-45C1-A91C-5C87334AF400}"/>
+              </a:ext>
+            </a:extLst>
+          </p:cNvPr>
+          <p:cNvPicPr>
+            <a:picLocks noGrp="1" noChangeAspect="1"/>
+          </p:cNvPicPr>
+          <p:nvPr>
+            <p:ph sz="half" idx="2"/>
+          </p:nvPr>
+        </p:nvPicPr>
+        <p:blipFill rotWithShape="1">
+          <a:blip r:embed="rId4"/>
+          <a:srcRect l="12216" r="9864" b="-1"/>
+          <a:stretch/>
+        </p:blipFill>
+        <p:spPr>
+          <a:xfrm>
+            <a:off x="20" y="975"/>
+            <a:ext cx="7552924" cy="6858000"/>
+          </a:xfrm>
+          <a:prstGeom prst="rect">
+            <a:avLst/>
+          </a:prstGeom>
+        </p:spPr>
+      </p:pic>
       <p:sp>
         <p:nvSpPr>
           <p:cNvPr id="4" name="Content Placeholder 3">
@@ -15652,12 +15692,12 @@
         </p:nvSpPr>
         <p:spPr>
           <a:xfrm>
-            <a:off x="668385" y="2508069"/>
-            <a:ext cx="6056743" cy="2807053"/>
+            <a:off x="7865806" y="2251587"/>
+            <a:ext cx="3706762" cy="3972232"/>
           </a:xfrm>
         </p:spPr>
         <p:txBody>
-          <a:bodyPr vert="horz" lIns="91440" tIns="45720" rIns="91440" bIns="45720" rtlCol="0" anchor="t">
+          <a:bodyPr vert="horz" lIns="91440" tIns="45720" rIns="91440" bIns="45720" rtlCol="0" anchor="ctr">
             <a:normAutofit/>
           </a:bodyPr>
           <a:lstStyle/>
@@ -15666,80 +15706,20 @@
               <a:buNone/>
             </a:pPr>
             <a:r>
-              <a:rPr lang="en-US" dirty="0"/>
-              <a:t>Ray Tracing is the process of rendering a 3D images on a 2D display by tracing a path of light through pixels on an image plane. Though ray tracing is capable of producing a much higher degree of realism over other rendering methods, it comes a much greater computational cost. This cost was fine for producing images in TV and film had been much to high for games to implement into real-time. But with technological advances, like the </a:t>
+              <a:rPr lang="en-US" sz="1700" dirty="0"/>
+              <a:t>	Ray Tracing is the process of rendering a 3D images on a 2D display by tracing a path of light through pixels on an image plane. Though ray tracing is capable of producing a much higher degree of realism over other rendering methods, it comes a much greater computational cost. This cost was fine for producing images in TV and film had been much to high for games to implement into real-time. But with technological advances, like the </a:t>
             </a:r>
             <a:r>
-              <a:rPr lang="en-US" i="1" dirty="0"/>
+              <a:rPr lang="en-US" sz="1700" i="1" dirty="0"/>
               <a:t>Nvidia GeForce RTX 2080, </a:t>
             </a:r>
             <a:r>
-              <a:rPr lang="en-US" dirty="0"/>
+              <a:rPr lang="en-US" sz="1700" dirty="0"/>
               <a:t> it is slowly becoming possible for real-time. </a:t>
             </a:r>
           </a:p>
         </p:txBody>
       </p:sp>
-      <p:pic>
-        <p:nvPicPr>
-          <p:cNvPr id="5" name="Content Placeholder 4">
-            <a:extLst>
-              <a:ext uri="{FF2B5EF4-FFF2-40B4-BE49-F238E27FC236}">
-                <a16:creationId xmlns:a16="http://schemas.microsoft.com/office/drawing/2014/main" id="{5221D25B-54A0-45E2-8160-48371C45DD60}"/>
-              </a:ext>
-            </a:extLst>
-          </p:cNvPr>
-          <p:cNvPicPr>
-            <a:picLocks noGrp="1" noChangeAspect="1"/>
-          </p:cNvPicPr>
-          <p:nvPr>
-            <p:ph sz="half" idx="2"/>
-          </p:nvPr>
-        </p:nvPicPr>
-        <p:blipFill>
-          <a:blip r:embed="rId4"/>
-          <a:stretch>
-            <a:fillRect/>
-          </a:stretch>
-        </p:blipFill>
-        <p:spPr>
-          <a:xfrm>
-            <a:off x="7107011" y="1741715"/>
-            <a:ext cx="4086393" cy="2911555"/>
-          </a:xfrm>
-          <a:prstGeom prst="roundRect">
-            <a:avLst>
-              <a:gd name="adj" fmla="val 4380"/>
-            </a:avLst>
-          </a:prstGeom>
-          <a:ln w="50800" cap="sq" cmpd="dbl">
-            <a:gradFill flip="none" rotWithShape="1">
-              <a:gsLst>
-                <a:gs pos="0">
-                  <a:srgbClr val="FFFFFF"/>
-                </a:gs>
-                <a:gs pos="100000">
-                  <a:schemeClr val="tx1">
-                    <a:alpha val="0"/>
-                  </a:schemeClr>
-                </a:gs>
-              </a:gsLst>
-              <a:path path="circle">
-                <a:fillToRect l="50000" t="50000" r="50000" b="50000"/>
-              </a:path>
-              <a:tileRect/>
-            </a:gradFill>
-            <a:miter lim="800000"/>
-          </a:ln>
-          <a:effectLst>
-            <a:outerShdw blurRad="254000" algn="tl" rotWithShape="0">
-              <a:srgbClr val="000000">
-                <a:alpha val="43000"/>
-              </a:srgbClr>
-            </a:outerShdw>
-          </a:effectLst>
-        </p:spPr>
-      </p:pic>
     </p:spTree>
     <p:extLst>
       <p:ext uri="{BB962C8B-B14F-4D97-AF65-F5344CB8AC3E}">
@@ -15754,6 +15734,124 @@
 </file>
 
 <file path=ppt/slides/slide5.xml><?xml version="1.0" encoding="utf-8"?>
+<p:sld xmlns:a="http://schemas.openxmlformats.org/drawingml/2006/main" xmlns:r="http://schemas.openxmlformats.org/officeDocument/2006/relationships" xmlns:p="http://schemas.openxmlformats.org/presentationml/2006/main">
+  <p:cSld>
+    <p:spTree>
+      <p:nvGrpSpPr>
+        <p:cNvPr id="1" name=""/>
+        <p:cNvGrpSpPr/>
+        <p:nvPr/>
+      </p:nvGrpSpPr>
+      <p:grpSpPr>
+        <a:xfrm>
+          <a:off x="0" y="0"/>
+          <a:ext cx="0" cy="0"/>
+          <a:chOff x="0" y="0"/>
+          <a:chExt cx="0" cy="0"/>
+        </a:xfrm>
+      </p:grpSpPr>
+      <p:sp>
+        <p:nvSpPr>
+          <p:cNvPr id="2" name="Title 1">
+            <a:extLst>
+              <a:ext uri="{FF2B5EF4-FFF2-40B4-BE49-F238E27FC236}">
+                <a16:creationId xmlns:a16="http://schemas.microsoft.com/office/drawing/2014/main" id="{B14F6006-1205-47BC-A762-83872E86C915}"/>
+              </a:ext>
+            </a:extLst>
+          </p:cNvPr>
+          <p:cNvSpPr>
+            <a:spLocks noGrp="1"/>
+          </p:cNvSpPr>
+          <p:nvPr>
+            <p:ph type="title"/>
+          </p:nvPr>
+        </p:nvSpPr>
+        <p:spPr/>
+        <p:txBody>
+          <a:bodyPr/>
+          <a:lstStyle/>
+          <a:p>
+            <a:r>
+              <a:rPr lang="en-US" dirty="0"/>
+              <a:t>What is </a:t>
+            </a:r>
+            <a:r>
+              <a:rPr lang="en-GB" dirty="0"/>
+              <a:t>parallel programming </a:t>
+            </a:r>
+          </a:p>
+        </p:txBody>
+      </p:sp>
+      <p:sp>
+        <p:nvSpPr>
+          <p:cNvPr id="3" name="Content Placeholder 2">
+            <a:extLst>
+              <a:ext uri="{FF2B5EF4-FFF2-40B4-BE49-F238E27FC236}">
+                <a16:creationId xmlns:a16="http://schemas.microsoft.com/office/drawing/2014/main" id="{045B9E8D-3227-45B1-B2FC-4C6BC7353614}"/>
+              </a:ext>
+            </a:extLst>
+          </p:cNvPr>
+          <p:cNvSpPr>
+            <a:spLocks noGrp="1"/>
+          </p:cNvSpPr>
+          <p:nvPr>
+            <p:ph sz="half" idx="1"/>
+          </p:nvPr>
+        </p:nvSpPr>
+        <p:spPr/>
+        <p:txBody>
+          <a:bodyPr/>
+          <a:lstStyle/>
+          <a:p>
+            <a:pPr marL="0" indent="0">
+              <a:buNone/>
+            </a:pPr>
+            <a:r>
+              <a:rPr lang="en-GB" dirty="0"/>
+              <a:t>parallel programming is a type of computation in which many processes or the execution of processes are carried out simultaneously</a:t>
+            </a:r>
+          </a:p>
+        </p:txBody>
+      </p:sp>
+      <p:sp>
+        <p:nvSpPr>
+          <p:cNvPr id="4" name="Content Placeholder 3">
+            <a:extLst>
+              <a:ext uri="{FF2B5EF4-FFF2-40B4-BE49-F238E27FC236}">
+                <a16:creationId xmlns:a16="http://schemas.microsoft.com/office/drawing/2014/main" id="{ADDFC75D-ED8A-4125-8A27-471CA4481E85}"/>
+              </a:ext>
+            </a:extLst>
+          </p:cNvPr>
+          <p:cNvSpPr>
+            <a:spLocks noGrp="1"/>
+          </p:cNvSpPr>
+          <p:nvPr>
+            <p:ph sz="half" idx="2"/>
+          </p:nvPr>
+        </p:nvSpPr>
+        <p:spPr/>
+        <p:txBody>
+          <a:bodyPr/>
+          <a:lstStyle/>
+          <a:p>
+            <a:endParaRPr lang="en-GB"/>
+          </a:p>
+        </p:txBody>
+      </p:sp>
+    </p:spTree>
+    <p:extLst>
+      <p:ext uri="{BB962C8B-B14F-4D97-AF65-F5344CB8AC3E}">
+        <p14:creationId xmlns:p14="http://schemas.microsoft.com/office/powerpoint/2010/main" val="3860322181"/>
+      </p:ext>
+    </p:extLst>
+  </p:cSld>
+  <p:clrMapOvr>
+    <a:masterClrMapping/>
+  </p:clrMapOvr>
+</p:sld>
+</file>
+
+<file path=ppt/slides/slide6.xml><?xml version="1.0" encoding="utf-8"?>
 <p:sld xmlns:a="http://schemas.openxmlformats.org/drawingml/2006/main" xmlns:r="http://schemas.openxmlformats.org/officeDocument/2006/relationships" xmlns:p="http://schemas.openxmlformats.org/presentationml/2006/main">
   <p:cSld>
     <p:spTree>
@@ -15793,7 +15891,7 @@
           <a:p>
             <a:r>
               <a:rPr lang="en-US" dirty="0"/>
-              <a:t>Ray Tracing - Camera</a:t>
+              <a:t>Ray Tracing – Rays and Camera</a:t>
             </a:r>
             <a:endParaRPr lang="en-GB" dirty="0"/>
           </a:p>
@@ -15820,7 +15918,31 @@
           <a:bodyPr/>
           <a:lstStyle/>
           <a:p>
-            <a:endParaRPr lang="en-GB"/>
+            <a:pPr marL="0" indent="0">
+              <a:buNone/>
+            </a:pPr>
+            <a:r>
+              <a:rPr lang="en-GB" dirty="0"/>
+              <a:t>Now the bases of any ray tracer is the rays and the camera. </a:t>
+            </a:r>
+          </a:p>
+          <a:p>
+            <a:pPr marL="0" indent="0">
+              <a:buNone/>
+            </a:pPr>
+            <a:r>
+              <a:rPr lang="en-GB" dirty="0"/>
+              <a:t>A ray is represented by 2 vectors, an origin vector and a direction vector. The "viewing" rays are used to represent each pixel in the screen and find what colour it is supposed to be. There are other rays used to check for shadows, lighting and reflections as well.</a:t>
+            </a:r>
+          </a:p>
+          <a:p>
+            <a:pPr marL="0" indent="0">
+              <a:buNone/>
+            </a:pPr>
+            <a:r>
+              <a:rPr lang="en-GB" dirty="0"/>
+              <a:t>The camera is where these "viewing" rays are generated, here is where the 2D pixel coordinates are transformed into world space coordinates and a direction. </a:t>
+            </a:r>
           </a:p>
         </p:txBody>
       </p:sp>
@@ -15964,6 +16086,9286 @@
     <p:extLst>
       <p:ext uri="{BB962C8B-B14F-4D97-AF65-F5344CB8AC3E}">
         <p14:creationId xmlns:p14="http://schemas.microsoft.com/office/powerpoint/2010/main" val="2223077701"/>
+      </p:ext>
+    </p:extLst>
+  </p:cSld>
+  <p:clrMapOvr>
+    <a:masterClrMapping/>
+  </p:clrMapOvr>
+</p:sld>
+</file>
+
+<file path=ppt/slides/slide7.xml><?xml version="1.0" encoding="utf-8"?>
+<p:sld xmlns:a="http://schemas.openxmlformats.org/drawingml/2006/main" xmlns:r="http://schemas.openxmlformats.org/officeDocument/2006/relationships" xmlns:p="http://schemas.openxmlformats.org/presentationml/2006/main">
+  <p:cSld>
+    <p:spTree>
+      <p:nvGrpSpPr>
+        <p:cNvPr id="1" name=""/>
+        <p:cNvGrpSpPr/>
+        <p:nvPr/>
+      </p:nvGrpSpPr>
+      <p:grpSpPr>
+        <a:xfrm>
+          <a:off x="0" y="0"/>
+          <a:ext cx="0" cy="0"/>
+          <a:chOff x="0" y="0"/>
+          <a:chExt cx="0" cy="0"/>
+        </a:xfrm>
+      </p:grpSpPr>
+      <p:sp>
+        <p:nvSpPr>
+          <p:cNvPr id="2" name="Title 1">
+            <a:extLst>
+              <a:ext uri="{FF2B5EF4-FFF2-40B4-BE49-F238E27FC236}">
+                <a16:creationId xmlns:a16="http://schemas.microsoft.com/office/drawing/2014/main" id="{6A6672B7-4777-4E9C-BC6C-9E970FE58C87}"/>
+              </a:ext>
+            </a:extLst>
+          </p:cNvPr>
+          <p:cNvSpPr>
+            <a:spLocks noGrp="1"/>
+          </p:cNvSpPr>
+          <p:nvPr>
+            <p:ph type="title"/>
+          </p:nvPr>
+        </p:nvSpPr>
+        <p:spPr/>
+        <p:txBody>
+          <a:bodyPr/>
+          <a:lstStyle/>
+          <a:p>
+            <a:r>
+              <a:rPr lang="en-US" dirty="0"/>
+              <a:t>Ray Tracing – Intersections </a:t>
+            </a:r>
+            <a:endParaRPr lang="en-GB" dirty="0"/>
+          </a:p>
+        </p:txBody>
+      </p:sp>
+      <p:sp>
+        <p:nvSpPr>
+          <p:cNvPr id="3" name="Content Placeholder 2">
+            <a:extLst>
+              <a:ext uri="{FF2B5EF4-FFF2-40B4-BE49-F238E27FC236}">
+                <a16:creationId xmlns:a16="http://schemas.microsoft.com/office/drawing/2014/main" id="{0DC77E54-1B3C-4195-B31B-F39CDA7B111E}"/>
+              </a:ext>
+            </a:extLst>
+          </p:cNvPr>
+          <p:cNvSpPr>
+            <a:spLocks noGrp="1"/>
+          </p:cNvSpPr>
+          <p:nvPr>
+            <p:ph sz="half" idx="1"/>
+          </p:nvPr>
+        </p:nvSpPr>
+        <p:spPr/>
+        <p:txBody>
+          <a:bodyPr/>
+          <a:lstStyle/>
+          <a:p>
+            <a:endParaRPr lang="en-GB" dirty="0"/>
+          </a:p>
+        </p:txBody>
+      </p:sp>
+      <p:sp>
+        <p:nvSpPr>
+          <p:cNvPr id="4" name="Content Placeholder 3">
+            <a:extLst>
+              <a:ext uri="{FF2B5EF4-FFF2-40B4-BE49-F238E27FC236}">
+                <a16:creationId xmlns:a16="http://schemas.microsoft.com/office/drawing/2014/main" id="{98F771AC-8B92-4871-80DF-36F5FAB77922}"/>
+              </a:ext>
+            </a:extLst>
+          </p:cNvPr>
+          <p:cNvSpPr>
+            <a:spLocks noGrp="1"/>
+          </p:cNvSpPr>
+          <p:nvPr>
+            <p:ph sz="half" idx="2"/>
+          </p:nvPr>
+        </p:nvSpPr>
+        <p:spPr/>
+        <p:txBody>
+          <a:bodyPr/>
+          <a:lstStyle/>
+          <a:p>
+            <a:endParaRPr lang="en-GB" dirty="0"/>
+          </a:p>
+        </p:txBody>
+      </p:sp>
+    </p:spTree>
+    <p:extLst>
+      <p:ext uri="{BB962C8B-B14F-4D97-AF65-F5344CB8AC3E}">
+        <p14:creationId xmlns:p14="http://schemas.microsoft.com/office/powerpoint/2010/main" val="763461315"/>
+      </p:ext>
+    </p:extLst>
+  </p:cSld>
+  <p:clrMapOvr>
+    <a:masterClrMapping/>
+  </p:clrMapOvr>
+</p:sld>
+</file>
+
+<file path=ppt/slides/slide8.xml><?xml version="1.0" encoding="utf-8"?>
+<p:sld xmlns:a="http://schemas.openxmlformats.org/drawingml/2006/main" xmlns:r="http://schemas.openxmlformats.org/officeDocument/2006/relationships" xmlns:p="http://schemas.openxmlformats.org/presentationml/2006/main">
+  <p:cSld>
+    <p:bg>
+      <p:bgPr>
+        <a:blipFill>
+          <a:blip r:embed="rId2">
+            <a:extLst/>
+          </a:blip>
+          <a:stretch/>
+        </a:blipFill>
+        <a:effectLst/>
+      </p:bgPr>
+    </p:bg>
+    <p:spTree>
+      <p:nvGrpSpPr>
+        <p:cNvPr id="1" name=""/>
+        <p:cNvGrpSpPr/>
+        <p:nvPr/>
+      </p:nvGrpSpPr>
+      <p:grpSpPr>
+        <a:xfrm>
+          <a:off x="0" y="0"/>
+          <a:ext cx="0" cy="0"/>
+          <a:chOff x="0" y="0"/>
+          <a:chExt cx="0" cy="0"/>
+        </a:xfrm>
+      </p:grpSpPr>
+      <p:pic>
+        <p:nvPicPr>
+          <p:cNvPr id="191" name="Picture 104">
+            <a:extLst>
+              <a:ext uri="{FF2B5EF4-FFF2-40B4-BE49-F238E27FC236}">
+                <a16:creationId xmlns:a16="http://schemas.microsoft.com/office/drawing/2014/main" id="{F3812132-56AD-436D-A522-B55990A6A8E0}"/>
+              </a:ext>
+              <a:ext uri="{C183D7F6-B498-43B3-948B-1728B52AA6E4}">
+                <adec:decorative xmlns:adec="http://schemas.microsoft.com/office/drawing/2017/decorative" val="1"/>
+              </a:ext>
+            </a:extLst>
+          </p:cNvPr>
+          <p:cNvPicPr>
+            <a:picLocks noGrp="1" noRot="1" noChangeAspect="1" noMove="1" noResize="1" noEditPoints="1" noAdjustHandles="1" noChangeArrowheads="1" noChangeShapeType="1" noCrop="1"/>
+          </p:cNvPicPr>
+          <p:nvPr>
+            <p:extLst>
+              <p:ext uri="{386F3935-93C4-4BCD-93E2-E3B085C9AB24}">
+                <p16:designElem xmlns:p16="http://schemas.microsoft.com/office/powerpoint/2015/main" val="1"/>
+              </p:ext>
+            </p:extLst>
+          </p:nvPr>
+        </p:nvPicPr>
+        <p:blipFill>
+          <a:blip r:embed="rId3">
+            <a:extLst>
+              <a:ext uri="{28A0092B-C50C-407E-A947-70E740481C1C}">
+                <a14:useLocalDpi xmlns:a14="http://schemas.microsoft.com/office/drawing/2010/main" val="0"/>
+              </a:ext>
+            </a:extLst>
+          </a:blip>
+          <a:stretch>
+            <a:fillRect/>
+          </a:stretch>
+        </p:blipFill>
+        <p:spPr>
+          <a:xfrm>
+            <a:off x="0" y="0"/>
+            <a:ext cx="12188825" cy="6856214"/>
+          </a:xfrm>
+          <a:prstGeom prst="rect">
+            <a:avLst/>
+          </a:prstGeom>
+        </p:spPr>
+      </p:pic>
+      <p:sp>
+        <p:nvSpPr>
+          <p:cNvPr id="2" name="Title 1">
+            <a:extLst>
+              <a:ext uri="{FF2B5EF4-FFF2-40B4-BE49-F238E27FC236}">
+                <a16:creationId xmlns:a16="http://schemas.microsoft.com/office/drawing/2014/main" id="{041F596B-A040-4499-A7B1-24345F070EDE}"/>
+              </a:ext>
+            </a:extLst>
+          </p:cNvPr>
+          <p:cNvSpPr>
+            <a:spLocks noGrp="1"/>
+          </p:cNvSpPr>
+          <p:nvPr>
+            <p:ph type="title"/>
+          </p:nvPr>
+        </p:nvSpPr>
+        <p:spPr>
+          <a:xfrm>
+            <a:off x="486876" y="2032000"/>
+            <a:ext cx="4513792" cy="2819398"/>
+          </a:xfrm>
+        </p:spPr>
+        <p:txBody>
+          <a:bodyPr vert="horz" lIns="91440" tIns="45720" rIns="91440" bIns="45720" rtlCol="0" anchor="b">
+            <a:normAutofit/>
+          </a:bodyPr>
+          <a:lstStyle/>
+          <a:p>
+            <a:pPr algn="r"/>
+            <a:r>
+              <a:rPr lang="en-US" sz="4400"/>
+              <a:t>Implementation</a:t>
+            </a:r>
+          </a:p>
+        </p:txBody>
+      </p:sp>
+      <p:sp>
+        <p:nvSpPr>
+          <p:cNvPr id="192" name="Freeform 5">
+            <a:extLst>
+              <a:ext uri="{FF2B5EF4-FFF2-40B4-BE49-F238E27FC236}">
+                <a16:creationId xmlns:a16="http://schemas.microsoft.com/office/drawing/2014/main" id="{91D0B925-2B82-4283-9A4B-26D75B37C1F8}"/>
+              </a:ext>
+              <a:ext uri="{C183D7F6-B498-43B3-948B-1728B52AA6E4}">
+                <adec:decorative xmlns:adec="http://schemas.microsoft.com/office/drawing/2017/decorative" val="1"/>
+              </a:ext>
+            </a:extLst>
+          </p:cNvPr>
+          <p:cNvSpPr>
+            <a:spLocks noGrp="1" noRot="1" noChangeAspect="1" noMove="1" noResize="1" noEditPoints="1" noAdjustHandles="1" noChangeArrowheads="1" noChangeShapeType="1" noTextEdit="1"/>
+          </p:cNvSpPr>
+          <p:nvPr>
+            <p:extLst>
+              <p:ext uri="{386F3935-93C4-4BCD-93E2-E3B085C9AB24}">
+                <p16:designElem xmlns:p16="http://schemas.microsoft.com/office/powerpoint/2015/main" val="1"/>
+              </p:ext>
+            </p:extLst>
+          </p:nvPr>
+        </p:nvSpPr>
+        <p:spPr bwMode="grayWhite">
+          <a:xfrm>
+            <a:off x="5827529" y="660400"/>
+            <a:ext cx="6381405" cy="6214533"/>
+          </a:xfrm>
+          <a:custGeom>
+            <a:avLst/>
+            <a:gdLst>
+              <a:gd name="T0" fmla="*/ 1333 w 1333"/>
+              <a:gd name="T1" fmla="*/ 1031 h 1298"/>
+              <a:gd name="T2" fmla="*/ 1333 w 1333"/>
+              <a:gd name="T3" fmla="*/ 380 h 1298"/>
+              <a:gd name="T4" fmla="*/ 706 w 1333"/>
+              <a:gd name="T5" fmla="*/ 0 h 1298"/>
+              <a:gd name="T6" fmla="*/ 0 w 1333"/>
+              <a:gd name="T7" fmla="*/ 706 h 1298"/>
+              <a:gd name="T8" fmla="*/ 323 w 1333"/>
+              <a:gd name="T9" fmla="*/ 1298 h 1298"/>
+              <a:gd name="T10" fmla="*/ 1090 w 1333"/>
+              <a:gd name="T11" fmla="*/ 1298 h 1298"/>
+              <a:gd name="T12" fmla="*/ 1333 w 1333"/>
+              <a:gd name="T13" fmla="*/ 1031 h 1298"/>
+            </a:gdLst>
+            <a:ahLst/>
+            <a:cxnLst>
+              <a:cxn ang="0">
+                <a:pos x="T0" y="T1"/>
+              </a:cxn>
+              <a:cxn ang="0">
+                <a:pos x="T2" y="T3"/>
+              </a:cxn>
+              <a:cxn ang="0">
+                <a:pos x="T4" y="T5"/>
+              </a:cxn>
+              <a:cxn ang="0">
+                <a:pos x="T6" y="T7"/>
+              </a:cxn>
+              <a:cxn ang="0">
+                <a:pos x="T8" y="T9"/>
+              </a:cxn>
+              <a:cxn ang="0">
+                <a:pos x="T10" y="T11"/>
+              </a:cxn>
+              <a:cxn ang="0">
+                <a:pos x="T12" y="T13"/>
+              </a:cxn>
+            </a:cxnLst>
+            <a:rect l="0" t="0" r="r" b="b"/>
+            <a:pathLst>
+              <a:path w="1333" h="1298">
+                <a:moveTo>
+                  <a:pt x="1333" y="1031"/>
+                </a:moveTo>
+                <a:cubicBezTo>
+                  <a:pt x="1333" y="380"/>
+                  <a:pt x="1333" y="380"/>
+                  <a:pt x="1333" y="380"/>
+                </a:cubicBezTo>
+                <a:cubicBezTo>
+                  <a:pt x="1215" y="154"/>
+                  <a:pt x="979" y="0"/>
+                  <a:pt x="706" y="0"/>
+                </a:cubicBezTo>
+                <a:cubicBezTo>
+                  <a:pt x="317" y="0"/>
+                  <a:pt x="0" y="316"/>
+                  <a:pt x="0" y="706"/>
+                </a:cubicBezTo>
+                <a:cubicBezTo>
+                  <a:pt x="0" y="954"/>
+                  <a:pt x="129" y="1172"/>
+                  <a:pt x="323" y="1298"/>
+                </a:cubicBezTo>
+                <a:cubicBezTo>
+                  <a:pt x="1090" y="1298"/>
+                  <a:pt x="1090" y="1298"/>
+                  <a:pt x="1090" y="1298"/>
+                </a:cubicBezTo>
+                <a:cubicBezTo>
+                  <a:pt x="1193" y="1232"/>
+                  <a:pt x="1276" y="1140"/>
+                  <a:pt x="1333" y="1031"/>
+                </a:cubicBezTo>
+                <a:close/>
+              </a:path>
+            </a:pathLst>
+          </a:custGeom>
+          <a:solidFill>
+            <a:schemeClr val="tx1"/>
+          </a:solidFill>
+          <a:ln w="50800" cap="sq" cmpd="dbl">
+            <a:gradFill flip="none" rotWithShape="1">
+              <a:gsLst>
+                <a:gs pos="0">
+                  <a:srgbClr val="FFFFFF"/>
+                </a:gs>
+                <a:gs pos="100000">
+                  <a:schemeClr val="tx1">
+                    <a:alpha val="0"/>
+                  </a:schemeClr>
+                </a:gs>
+              </a:gsLst>
+              <a:path path="circle">
+                <a:fillToRect l="50000" t="50000" r="50000" b="50000"/>
+              </a:path>
+              <a:tileRect/>
+            </a:gradFill>
+            <a:miter lim="800000"/>
+          </a:ln>
+          <a:effectLst>
+            <a:outerShdw blurRad="254000" algn="tl" rotWithShape="0">
+              <a:srgbClr val="000000">
+                <a:alpha val="43000"/>
+              </a:srgbClr>
+            </a:outerShdw>
+          </a:effectLst>
+        </p:spPr>
+        <p:txBody>
+          <a:bodyPr vert="horz" lIns="91440" tIns="45720" rIns="91440" bIns="45720" rtlCol="0" anchor="t">
+            <a:normAutofit/>
+          </a:bodyPr>
+          <a:lstStyle/>
+          <a:p>
+            <a:pPr algn="ctr">
+              <a:spcAft>
+                <a:spcPts val="1000"/>
+              </a:spcAft>
+              <a:buClr>
+                <a:schemeClr val="tx1"/>
+              </a:buClr>
+              <a:buSzPct val="100000"/>
+              <a:buFont typeface="Arial"/>
+              <a:buNone/>
+            </a:pPr>
+            <a:endParaRPr lang="en-US" sz="1600" cap="all"/>
+          </a:p>
+        </p:txBody>
+      </p:sp>
+      <p:sp>
+        <p:nvSpPr>
+          <p:cNvPr id="193" name="Freeform 14">
+            <a:extLst>
+              <a:ext uri="{FF2B5EF4-FFF2-40B4-BE49-F238E27FC236}">
+                <a16:creationId xmlns:a16="http://schemas.microsoft.com/office/drawing/2014/main" id="{9CA437C7-84DA-4869-8B01-ED2D78490B03}"/>
+              </a:ext>
+              <a:ext uri="{C183D7F6-B498-43B3-948B-1728B52AA6E4}">
+                <adec:decorative xmlns:adec="http://schemas.microsoft.com/office/drawing/2017/decorative" val="1"/>
+              </a:ext>
+            </a:extLst>
+          </p:cNvPr>
+          <p:cNvSpPr>
+            <a:spLocks noGrp="1" noRot="1" noChangeAspect="1" noMove="1" noResize="1" noEditPoints="1" noAdjustHandles="1" noChangeArrowheads="1" noChangeShapeType="1" noTextEdit="1"/>
+          </p:cNvSpPr>
+          <p:nvPr>
+            <p:extLst>
+              <p:ext uri="{386F3935-93C4-4BCD-93E2-E3B085C9AB24}">
+                <p16:designElem xmlns:p16="http://schemas.microsoft.com/office/powerpoint/2015/main" val="1"/>
+              </p:ext>
+            </p:extLst>
+          </p:nvPr>
+        </p:nvSpPr>
+        <p:spPr>
+          <a:xfrm>
+            <a:off x="5281603" y="104899"/>
+            <a:ext cx="6896713" cy="6005491"/>
+          </a:xfrm>
+          <a:custGeom>
+            <a:avLst/>
+            <a:gdLst>
+              <a:gd name="connsiteX0" fmla="*/ 3912717 w 6896713"/>
+              <a:gd name="connsiteY0" fmla="*/ 0 h 6005491"/>
+              <a:gd name="connsiteX1" fmla="*/ 6679426 w 6896713"/>
+              <a:gd name="connsiteY1" fmla="*/ 1146008 h 6005491"/>
+              <a:gd name="connsiteX2" fmla="*/ 6896713 w 6896713"/>
+              <a:gd name="connsiteY2" fmla="*/ 1385085 h 6005491"/>
+              <a:gd name="connsiteX3" fmla="*/ 6896713 w 6896713"/>
+              <a:gd name="connsiteY3" fmla="*/ 1431256 h 6005491"/>
+              <a:gd name="connsiteX4" fmla="*/ 6657442 w 6896713"/>
+              <a:gd name="connsiteY4" fmla="*/ 1167992 h 6005491"/>
+              <a:gd name="connsiteX5" fmla="*/ 3912717 w 6896713"/>
+              <a:gd name="connsiteY5" fmla="*/ 31089 h 6005491"/>
+              <a:gd name="connsiteX6" fmla="*/ 31089 w 6896713"/>
+              <a:gd name="connsiteY6" fmla="*/ 3912717 h 6005491"/>
+              <a:gd name="connsiteX7" fmla="*/ 593046 w 6896713"/>
+              <a:gd name="connsiteY7" fmla="*/ 5925483 h 6005491"/>
+              <a:gd name="connsiteX8" fmla="*/ 633874 w 6896713"/>
+              <a:gd name="connsiteY8" fmla="*/ 5989169 h 6005491"/>
+              <a:gd name="connsiteX9" fmla="*/ 607415 w 6896713"/>
+              <a:gd name="connsiteY9" fmla="*/ 6005491 h 6005491"/>
+              <a:gd name="connsiteX10" fmla="*/ 566458 w 6896713"/>
+              <a:gd name="connsiteY10" fmla="*/ 5941603 h 6005491"/>
+              <a:gd name="connsiteX11" fmla="*/ 0 w 6896713"/>
+              <a:gd name="connsiteY11" fmla="*/ 3912717 h 6005491"/>
+              <a:gd name="connsiteX12" fmla="*/ 3912717 w 6896713"/>
+              <a:gd name="connsiteY12" fmla="*/ 0 h 6005491"/>
+            </a:gdLst>
+            <a:ahLst/>
+            <a:cxnLst>
+              <a:cxn ang="0">
+                <a:pos x="connsiteX0" y="connsiteY0"/>
+              </a:cxn>
+              <a:cxn ang="0">
+                <a:pos x="connsiteX1" y="connsiteY1"/>
+              </a:cxn>
+              <a:cxn ang="0">
+                <a:pos x="connsiteX2" y="connsiteY2"/>
+              </a:cxn>
+              <a:cxn ang="0">
+                <a:pos x="connsiteX3" y="connsiteY3"/>
+              </a:cxn>
+              <a:cxn ang="0">
+                <a:pos x="connsiteX4" y="connsiteY4"/>
+              </a:cxn>
+              <a:cxn ang="0">
+                <a:pos x="connsiteX5" y="connsiteY5"/>
+              </a:cxn>
+              <a:cxn ang="0">
+                <a:pos x="connsiteX6" y="connsiteY6"/>
+              </a:cxn>
+              <a:cxn ang="0">
+                <a:pos x="connsiteX7" y="connsiteY7"/>
+              </a:cxn>
+              <a:cxn ang="0">
+                <a:pos x="connsiteX8" y="connsiteY8"/>
+              </a:cxn>
+              <a:cxn ang="0">
+                <a:pos x="connsiteX9" y="connsiteY9"/>
+              </a:cxn>
+              <a:cxn ang="0">
+                <a:pos x="connsiteX10" y="connsiteY10"/>
+              </a:cxn>
+              <a:cxn ang="0">
+                <a:pos x="connsiteX11" y="connsiteY11"/>
+              </a:cxn>
+              <a:cxn ang="0">
+                <a:pos x="connsiteX12" y="connsiteY12"/>
+              </a:cxn>
+            </a:cxnLst>
+            <a:rect l="l" t="t" r="r" b="b"/>
+            <a:pathLst>
+              <a:path w="6896713" h="6005491">
+                <a:moveTo>
+                  <a:pt x="3912717" y="0"/>
+                </a:moveTo>
+                <a:cubicBezTo>
+                  <a:pt x="4993184" y="0"/>
+                  <a:pt x="5971363" y="437946"/>
+                  <a:pt x="6679426" y="1146008"/>
+                </a:cubicBezTo>
+                <a:lnTo>
+                  <a:pt x="6896713" y="1385085"/>
+                </a:lnTo>
+                <a:lnTo>
+                  <a:pt x="6896713" y="1431256"/>
+                </a:lnTo>
+                <a:lnTo>
+                  <a:pt x="6657442" y="1167992"/>
+                </a:lnTo>
+                <a:cubicBezTo>
+                  <a:pt x="5955006" y="465555"/>
+                  <a:pt x="4984599" y="31089"/>
+                  <a:pt x="3912717" y="31089"/>
+                </a:cubicBezTo>
+                <a:cubicBezTo>
+                  <a:pt x="1768953" y="31089"/>
+                  <a:pt x="31089" y="1768953"/>
+                  <a:pt x="31089" y="3912717"/>
+                </a:cubicBezTo>
+                <a:cubicBezTo>
+                  <a:pt x="31089" y="4649636"/>
+                  <a:pt x="236442" y="5338592"/>
+                  <a:pt x="593046" y="5925483"/>
+                </a:cubicBezTo>
+                <a:lnTo>
+                  <a:pt x="633874" y="5989169"/>
+                </a:lnTo>
+                <a:lnTo>
+                  <a:pt x="607415" y="6005491"/>
+                </a:lnTo>
+                <a:lnTo>
+                  <a:pt x="566458" y="5941603"/>
+                </a:lnTo>
+                <a:cubicBezTo>
+                  <a:pt x="206998" y="5350013"/>
+                  <a:pt x="0" y="4655538"/>
+                  <a:pt x="0" y="3912717"/>
+                </a:cubicBezTo>
+                <a:cubicBezTo>
+                  <a:pt x="0" y="1751783"/>
+                  <a:pt x="1751783" y="0"/>
+                  <a:pt x="3912717" y="0"/>
+                </a:cubicBezTo>
+                <a:close/>
+              </a:path>
+            </a:pathLst>
+          </a:custGeom>
+          <a:solidFill>
+            <a:srgbClr val="FFFFFF">
+              <a:alpha val="41961"/>
+            </a:srgbClr>
+          </a:solidFill>
+          <a:ln>
+            <a:noFill/>
+          </a:ln>
+        </p:spPr>
+        <p:style>
+          <a:lnRef idx="2">
+            <a:schemeClr val="accent1">
+              <a:shade val="50000"/>
+            </a:schemeClr>
+          </a:lnRef>
+          <a:fillRef idx="1">
+            <a:schemeClr val="accent1"/>
+          </a:fillRef>
+          <a:effectRef idx="0">
+            <a:schemeClr val="accent1"/>
+          </a:effectRef>
+          <a:fontRef idx="minor">
+            <a:schemeClr val="lt1"/>
+          </a:fontRef>
+        </p:style>
+        <p:txBody>
+          <a:bodyPr rtlCol="0" anchor="ctr"/>
+          <a:lstStyle/>
+          <a:p>
+            <a:pPr algn="ctr"/>
+            <a:endParaRPr lang="en-US"/>
+          </a:p>
+        </p:txBody>
+      </p:sp>
+      <p:grpSp>
+        <p:nvGrpSpPr>
+          <p:cNvPr id="194" name="Group 110">
+            <a:extLst>
+              <a:ext uri="{FF2B5EF4-FFF2-40B4-BE49-F238E27FC236}">
+                <a16:creationId xmlns:a16="http://schemas.microsoft.com/office/drawing/2014/main" id="{08E49678-F167-49BE-9F7A-693F682C20BA}"/>
+              </a:ext>
+              <a:ext uri="{C183D7F6-B498-43B3-948B-1728B52AA6E4}">
+                <adec:decorative xmlns:adec="http://schemas.microsoft.com/office/drawing/2017/decorative" val="1"/>
+              </a:ext>
+            </a:extLst>
+          </p:cNvPr>
+          <p:cNvGrpSpPr>
+            <a:grpSpLocks noGrp="1" noUngrp="1" noRot="1" noChangeAspect="1" noMove="1" noResize="1"/>
+          </p:cNvGrpSpPr>
+          <p:nvPr>
+            <p:extLst>
+              <p:ext uri="{386F3935-93C4-4BCD-93E2-E3B085C9AB24}">
+                <p16:designElem xmlns:p16="http://schemas.microsoft.com/office/powerpoint/2015/main" val="1"/>
+              </p:ext>
+            </p:extLst>
+          </p:nvPr>
+        </p:nvGrpSpPr>
+        <p:grpSpPr>
+          <a:xfrm>
+            <a:off x="5516018" y="331504"/>
+            <a:ext cx="6675982" cy="5235326"/>
+            <a:chOff x="5516018" y="331504"/>
+            <a:chExt cx="6675982" cy="5235326"/>
+          </a:xfrm>
+        </p:grpSpPr>
+        <p:cxnSp>
+          <p:nvCxnSpPr>
+            <p:cNvPr id="112" name="Straight Connector 111">
+              <a:extLst>
+                <a:ext uri="{FF2B5EF4-FFF2-40B4-BE49-F238E27FC236}">
+                  <a16:creationId xmlns:a16="http://schemas.microsoft.com/office/drawing/2014/main" id="{3989AB63-E648-40F0-97A1-A5B87C1ED718}"/>
+                </a:ext>
+                <a:ext uri="{C183D7F6-B498-43B3-948B-1728B52AA6E4}">
+                  <adec:decorative xmlns:adec="http://schemas.microsoft.com/office/drawing/2017/decorative" val="1"/>
+                </a:ext>
+              </a:extLst>
+            </p:cNvPr>
+            <p:cNvCxnSpPr/>
+            <p:nvPr>
+              <p:extLst>
+                <p:ext uri="{386F3935-93C4-4BCD-93E2-E3B085C9AB24}">
+                  <p16:designElem xmlns:p16="http://schemas.microsoft.com/office/powerpoint/2015/main" val="1"/>
+                </p:ext>
+              </p:extLst>
+            </p:nvPr>
+          </p:nvCxnSpPr>
+          <p:spPr>
+            <a:xfrm flipH="1">
+              <a:off x="9266830" y="331504"/>
+              <a:ext cx="3394" cy="182880"/>
+            </a:xfrm>
+            <a:prstGeom prst="line">
+              <a:avLst/>
+            </a:prstGeom>
+            <a:ln>
+              <a:solidFill>
+                <a:srgbClr val="FFFFFF">
+                  <a:alpha val="30196"/>
+                </a:srgbClr>
+              </a:solidFill>
+            </a:ln>
+          </p:spPr>
+          <p:style>
+            <a:lnRef idx="1">
+              <a:schemeClr val="accent1"/>
+            </a:lnRef>
+            <a:fillRef idx="0">
+              <a:schemeClr val="accent1"/>
+            </a:fillRef>
+            <a:effectRef idx="0">
+              <a:schemeClr val="accent1"/>
+            </a:effectRef>
+            <a:fontRef idx="minor">
+              <a:schemeClr val="tx1"/>
+            </a:fontRef>
+          </p:style>
+        </p:cxnSp>
+        <p:cxnSp>
+          <p:nvCxnSpPr>
+            <p:cNvPr id="113" name="Straight Connector 112">
+              <a:extLst>
+                <a:ext uri="{FF2B5EF4-FFF2-40B4-BE49-F238E27FC236}">
+                  <a16:creationId xmlns:a16="http://schemas.microsoft.com/office/drawing/2014/main" id="{36F692CF-7BBB-46E8-ACFF-93EFB5450D8B}"/>
+                </a:ext>
+                <a:ext uri="{C183D7F6-B498-43B3-948B-1728B52AA6E4}">
+                  <adec:decorative xmlns:adec="http://schemas.microsoft.com/office/drawing/2017/decorative" val="1"/>
+                </a:ext>
+              </a:extLst>
+            </p:cNvPr>
+            <p:cNvCxnSpPr/>
+            <p:nvPr>
+              <p:extLst>
+                <p:ext uri="{386F3935-93C4-4BCD-93E2-E3B085C9AB24}">
+                  <p16:designElem xmlns:p16="http://schemas.microsoft.com/office/powerpoint/2015/main" val="1"/>
+                </p:ext>
+              </p:extLst>
+            </p:nvPr>
+          </p:nvCxnSpPr>
+          <p:spPr>
+            <a:xfrm rot="120000" flipH="1">
+              <a:off x="9408861" y="338328"/>
+              <a:ext cx="3394" cy="182880"/>
+            </a:xfrm>
+            <a:prstGeom prst="line">
+              <a:avLst/>
+            </a:prstGeom>
+            <a:ln>
+              <a:solidFill>
+                <a:srgbClr val="FFFFFF">
+                  <a:alpha val="30196"/>
+                </a:srgbClr>
+              </a:solidFill>
+            </a:ln>
+          </p:spPr>
+          <p:style>
+            <a:lnRef idx="1">
+              <a:schemeClr val="accent1"/>
+            </a:lnRef>
+            <a:fillRef idx="0">
+              <a:schemeClr val="accent1"/>
+            </a:fillRef>
+            <a:effectRef idx="0">
+              <a:schemeClr val="accent1"/>
+            </a:effectRef>
+            <a:fontRef idx="minor">
+              <a:schemeClr val="tx1"/>
+            </a:fontRef>
+          </p:style>
+        </p:cxnSp>
+        <p:cxnSp>
+          <p:nvCxnSpPr>
+            <p:cNvPr id="114" name="Straight Connector 113">
+              <a:extLst>
+                <a:ext uri="{FF2B5EF4-FFF2-40B4-BE49-F238E27FC236}">
+                  <a16:creationId xmlns:a16="http://schemas.microsoft.com/office/drawing/2014/main" id="{563285BC-98B3-4A2A-A616-5C357EB14D41}"/>
+                </a:ext>
+                <a:ext uri="{C183D7F6-B498-43B3-948B-1728B52AA6E4}">
+                  <adec:decorative xmlns:adec="http://schemas.microsoft.com/office/drawing/2017/decorative" val="1"/>
+                </a:ext>
+              </a:extLst>
+            </p:cNvPr>
+            <p:cNvCxnSpPr/>
+            <p:nvPr>
+              <p:extLst>
+                <p:ext uri="{386F3935-93C4-4BCD-93E2-E3B085C9AB24}">
+                  <p16:designElem xmlns:p16="http://schemas.microsoft.com/office/powerpoint/2015/main" val="1"/>
+                </p:ext>
+              </p:extLst>
+            </p:nvPr>
+          </p:nvCxnSpPr>
+          <p:spPr>
+            <a:xfrm rot="240000" flipH="1">
+              <a:off x="9551700" y="347636"/>
+              <a:ext cx="3394" cy="182880"/>
+            </a:xfrm>
+            <a:prstGeom prst="line">
+              <a:avLst/>
+            </a:prstGeom>
+            <a:ln>
+              <a:solidFill>
+                <a:srgbClr val="FFFFFF">
+                  <a:alpha val="30196"/>
+                </a:srgbClr>
+              </a:solidFill>
+            </a:ln>
+          </p:spPr>
+          <p:style>
+            <a:lnRef idx="1">
+              <a:schemeClr val="accent1"/>
+            </a:lnRef>
+            <a:fillRef idx="0">
+              <a:schemeClr val="accent1"/>
+            </a:fillRef>
+            <a:effectRef idx="0">
+              <a:schemeClr val="accent1"/>
+            </a:effectRef>
+            <a:fontRef idx="minor">
+              <a:schemeClr val="tx1"/>
+            </a:fontRef>
+          </p:style>
+        </p:cxnSp>
+        <p:cxnSp>
+          <p:nvCxnSpPr>
+            <p:cNvPr id="115" name="Straight Connector 114">
+              <a:extLst>
+                <a:ext uri="{FF2B5EF4-FFF2-40B4-BE49-F238E27FC236}">
+                  <a16:creationId xmlns:a16="http://schemas.microsoft.com/office/drawing/2014/main" id="{366F05B3-3344-4BA6-878B-9E4383540D36}"/>
+                </a:ext>
+                <a:ext uri="{C183D7F6-B498-43B3-948B-1728B52AA6E4}">
+                  <adec:decorative xmlns:adec="http://schemas.microsoft.com/office/drawing/2017/decorative" val="1"/>
+                </a:ext>
+              </a:extLst>
+            </p:cNvPr>
+            <p:cNvCxnSpPr/>
+            <p:nvPr>
+              <p:extLst>
+                <p:ext uri="{386F3935-93C4-4BCD-93E2-E3B085C9AB24}">
+                  <p16:designElem xmlns:p16="http://schemas.microsoft.com/office/powerpoint/2015/main" val="1"/>
+                </p:ext>
+              </p:extLst>
+            </p:nvPr>
+          </p:nvCxnSpPr>
+          <p:spPr>
+            <a:xfrm rot="360000" flipH="1">
+              <a:off x="9688748" y="368088"/>
+              <a:ext cx="3394" cy="182880"/>
+            </a:xfrm>
+            <a:prstGeom prst="line">
+              <a:avLst/>
+            </a:prstGeom>
+            <a:ln>
+              <a:solidFill>
+                <a:srgbClr val="FFFFFF">
+                  <a:alpha val="30196"/>
+                </a:srgbClr>
+              </a:solidFill>
+            </a:ln>
+          </p:spPr>
+          <p:style>
+            <a:lnRef idx="1">
+              <a:schemeClr val="accent1"/>
+            </a:lnRef>
+            <a:fillRef idx="0">
+              <a:schemeClr val="accent1"/>
+            </a:fillRef>
+            <a:effectRef idx="0">
+              <a:schemeClr val="accent1"/>
+            </a:effectRef>
+            <a:fontRef idx="minor">
+              <a:schemeClr val="tx1"/>
+            </a:fontRef>
+          </p:style>
+        </p:cxnSp>
+        <p:cxnSp>
+          <p:nvCxnSpPr>
+            <p:cNvPr id="116" name="Straight Connector 115">
+              <a:extLst>
+                <a:ext uri="{FF2B5EF4-FFF2-40B4-BE49-F238E27FC236}">
+                  <a16:creationId xmlns:a16="http://schemas.microsoft.com/office/drawing/2014/main" id="{55782A78-EE5F-4FC6-9497-EFDB579502CA}"/>
+                </a:ext>
+                <a:ext uri="{C183D7F6-B498-43B3-948B-1728B52AA6E4}">
+                  <adec:decorative xmlns:adec="http://schemas.microsoft.com/office/drawing/2017/decorative" val="1"/>
+                </a:ext>
+              </a:extLst>
+            </p:cNvPr>
+            <p:cNvCxnSpPr/>
+            <p:nvPr>
+              <p:extLst>
+                <p:ext uri="{386F3935-93C4-4BCD-93E2-E3B085C9AB24}">
+                  <p16:designElem xmlns:p16="http://schemas.microsoft.com/office/powerpoint/2015/main" val="1"/>
+                </p:ext>
+              </p:extLst>
+            </p:nvPr>
+          </p:nvCxnSpPr>
+          <p:spPr>
+            <a:xfrm rot="540000" flipH="1">
+              <a:off x="9824866" y="389224"/>
+              <a:ext cx="3394" cy="182880"/>
+            </a:xfrm>
+            <a:prstGeom prst="line">
+              <a:avLst/>
+            </a:prstGeom>
+            <a:ln>
+              <a:solidFill>
+                <a:srgbClr val="FFFFFF">
+                  <a:alpha val="30196"/>
+                </a:srgbClr>
+              </a:solidFill>
+            </a:ln>
+          </p:spPr>
+          <p:style>
+            <a:lnRef idx="1">
+              <a:schemeClr val="accent1"/>
+            </a:lnRef>
+            <a:fillRef idx="0">
+              <a:schemeClr val="accent1"/>
+            </a:fillRef>
+            <a:effectRef idx="0">
+              <a:schemeClr val="accent1"/>
+            </a:effectRef>
+            <a:fontRef idx="minor">
+              <a:schemeClr val="tx1"/>
+            </a:fontRef>
+          </p:style>
+        </p:cxnSp>
+        <p:cxnSp>
+          <p:nvCxnSpPr>
+            <p:cNvPr id="117" name="Straight Connector 116">
+              <a:extLst>
+                <a:ext uri="{FF2B5EF4-FFF2-40B4-BE49-F238E27FC236}">
+                  <a16:creationId xmlns:a16="http://schemas.microsoft.com/office/drawing/2014/main" id="{79ED5AE6-D5B8-4FDE-AF61-AEBE1C347486}"/>
+                </a:ext>
+                <a:ext uri="{C183D7F6-B498-43B3-948B-1728B52AA6E4}">
+                  <adec:decorative xmlns:adec="http://schemas.microsoft.com/office/drawing/2017/decorative" val="1"/>
+                </a:ext>
+              </a:extLst>
+            </p:cNvPr>
+            <p:cNvCxnSpPr/>
+            <p:nvPr>
+              <p:extLst>
+                <p:ext uri="{386F3935-93C4-4BCD-93E2-E3B085C9AB24}">
+                  <p16:designElem xmlns:p16="http://schemas.microsoft.com/office/powerpoint/2015/main" val="1"/>
+                </p:ext>
+              </p:extLst>
+            </p:nvPr>
+          </p:nvCxnSpPr>
+          <p:spPr>
+            <a:xfrm rot="660000" flipH="1">
+              <a:off x="9966867" y="417549"/>
+              <a:ext cx="3394" cy="182880"/>
+            </a:xfrm>
+            <a:prstGeom prst="line">
+              <a:avLst/>
+            </a:prstGeom>
+            <a:ln>
+              <a:solidFill>
+                <a:srgbClr val="FFFFFF">
+                  <a:alpha val="30196"/>
+                </a:srgbClr>
+              </a:solidFill>
+            </a:ln>
+          </p:spPr>
+          <p:style>
+            <a:lnRef idx="1">
+              <a:schemeClr val="accent1"/>
+            </a:lnRef>
+            <a:fillRef idx="0">
+              <a:schemeClr val="accent1"/>
+            </a:fillRef>
+            <a:effectRef idx="0">
+              <a:schemeClr val="accent1"/>
+            </a:effectRef>
+            <a:fontRef idx="minor">
+              <a:schemeClr val="tx1"/>
+            </a:fontRef>
+          </p:style>
+        </p:cxnSp>
+        <p:cxnSp>
+          <p:nvCxnSpPr>
+            <p:cNvPr id="118" name="Straight Connector 117">
+              <a:extLst>
+                <a:ext uri="{FF2B5EF4-FFF2-40B4-BE49-F238E27FC236}">
+                  <a16:creationId xmlns:a16="http://schemas.microsoft.com/office/drawing/2014/main" id="{104FBD67-AA20-4E2C-A0DB-A1402FE4A17B}"/>
+                </a:ext>
+                <a:ext uri="{C183D7F6-B498-43B3-948B-1728B52AA6E4}">
+                  <adec:decorative xmlns:adec="http://schemas.microsoft.com/office/drawing/2017/decorative" val="1"/>
+                </a:ext>
+              </a:extLst>
+            </p:cNvPr>
+            <p:cNvCxnSpPr/>
+            <p:nvPr>
+              <p:extLst>
+                <p:ext uri="{386F3935-93C4-4BCD-93E2-E3B085C9AB24}">
+                  <p16:designElem xmlns:p16="http://schemas.microsoft.com/office/powerpoint/2015/main" val="1"/>
+                </p:ext>
+              </p:extLst>
+            </p:nvPr>
+          </p:nvCxnSpPr>
+          <p:spPr>
+            <a:xfrm rot="780000" flipH="1">
+              <a:off x="10104425" y="445874"/>
+              <a:ext cx="3394" cy="182880"/>
+            </a:xfrm>
+            <a:prstGeom prst="line">
+              <a:avLst/>
+            </a:prstGeom>
+            <a:ln>
+              <a:solidFill>
+                <a:srgbClr val="FFFFFF">
+                  <a:alpha val="30196"/>
+                </a:srgbClr>
+              </a:solidFill>
+            </a:ln>
+          </p:spPr>
+          <p:style>
+            <a:lnRef idx="1">
+              <a:schemeClr val="accent1"/>
+            </a:lnRef>
+            <a:fillRef idx="0">
+              <a:schemeClr val="accent1"/>
+            </a:fillRef>
+            <a:effectRef idx="0">
+              <a:schemeClr val="accent1"/>
+            </a:effectRef>
+            <a:fontRef idx="minor">
+              <a:schemeClr val="tx1"/>
+            </a:fontRef>
+          </p:style>
+        </p:cxnSp>
+        <p:cxnSp>
+          <p:nvCxnSpPr>
+            <p:cNvPr id="119" name="Straight Connector 118">
+              <a:extLst>
+                <a:ext uri="{FF2B5EF4-FFF2-40B4-BE49-F238E27FC236}">
+                  <a16:creationId xmlns:a16="http://schemas.microsoft.com/office/drawing/2014/main" id="{CBF097E4-BDA7-4C1C-8EBF-054455E611BF}"/>
+                </a:ext>
+                <a:ext uri="{C183D7F6-B498-43B3-948B-1728B52AA6E4}">
+                  <adec:decorative xmlns:adec="http://schemas.microsoft.com/office/drawing/2017/decorative" val="1"/>
+                </a:ext>
+              </a:extLst>
+            </p:cNvPr>
+            <p:cNvCxnSpPr/>
+            <p:nvPr>
+              <p:extLst>
+                <p:ext uri="{386F3935-93C4-4BCD-93E2-E3B085C9AB24}">
+                  <p16:designElem xmlns:p16="http://schemas.microsoft.com/office/powerpoint/2015/main" val="1"/>
+                </p:ext>
+              </p:extLst>
+            </p:nvPr>
+          </p:nvCxnSpPr>
+          <p:spPr>
+            <a:xfrm rot="900000" flipH="1">
+              <a:off x="10240513" y="479483"/>
+              <a:ext cx="3394" cy="182880"/>
+            </a:xfrm>
+            <a:prstGeom prst="line">
+              <a:avLst/>
+            </a:prstGeom>
+            <a:ln>
+              <a:solidFill>
+                <a:srgbClr val="FFFFFF">
+                  <a:alpha val="30196"/>
+                </a:srgbClr>
+              </a:solidFill>
+            </a:ln>
+          </p:spPr>
+          <p:style>
+            <a:lnRef idx="1">
+              <a:schemeClr val="accent1"/>
+            </a:lnRef>
+            <a:fillRef idx="0">
+              <a:schemeClr val="accent1"/>
+            </a:fillRef>
+            <a:effectRef idx="0">
+              <a:schemeClr val="accent1"/>
+            </a:effectRef>
+            <a:fontRef idx="minor">
+              <a:schemeClr val="tx1"/>
+            </a:fontRef>
+          </p:style>
+        </p:cxnSp>
+        <p:cxnSp>
+          <p:nvCxnSpPr>
+            <p:cNvPr id="120" name="Straight Connector 119">
+              <a:extLst>
+                <a:ext uri="{FF2B5EF4-FFF2-40B4-BE49-F238E27FC236}">
+                  <a16:creationId xmlns:a16="http://schemas.microsoft.com/office/drawing/2014/main" id="{0F92AA45-5A4B-450D-B699-8DD0728B1393}"/>
+                </a:ext>
+                <a:ext uri="{C183D7F6-B498-43B3-948B-1728B52AA6E4}">
+                  <adec:decorative xmlns:adec="http://schemas.microsoft.com/office/drawing/2017/decorative" val="1"/>
+                </a:ext>
+              </a:extLst>
+            </p:cNvPr>
+            <p:cNvCxnSpPr/>
+            <p:nvPr>
+              <p:extLst>
+                <p:ext uri="{386F3935-93C4-4BCD-93E2-E3B085C9AB24}">
+                  <p16:designElem xmlns:p16="http://schemas.microsoft.com/office/powerpoint/2015/main" val="1"/>
+                </p:ext>
+              </p:extLst>
+            </p:nvPr>
+          </p:nvCxnSpPr>
+          <p:spPr>
+            <a:xfrm rot="1080000" flipH="1">
+              <a:off x="10373882" y="524355"/>
+              <a:ext cx="3394" cy="182880"/>
+            </a:xfrm>
+            <a:prstGeom prst="line">
+              <a:avLst/>
+            </a:prstGeom>
+            <a:ln>
+              <a:solidFill>
+                <a:srgbClr val="FFFFFF">
+                  <a:alpha val="30196"/>
+                </a:srgbClr>
+              </a:solidFill>
+            </a:ln>
+          </p:spPr>
+          <p:style>
+            <a:lnRef idx="1">
+              <a:schemeClr val="accent1"/>
+            </a:lnRef>
+            <a:fillRef idx="0">
+              <a:schemeClr val="accent1"/>
+            </a:fillRef>
+            <a:effectRef idx="0">
+              <a:schemeClr val="accent1"/>
+            </a:effectRef>
+            <a:fontRef idx="minor">
+              <a:schemeClr val="tx1"/>
+            </a:fontRef>
+          </p:style>
+        </p:cxnSp>
+        <p:cxnSp>
+          <p:nvCxnSpPr>
+            <p:cNvPr id="121" name="Straight Connector 120">
+              <a:extLst>
+                <a:ext uri="{FF2B5EF4-FFF2-40B4-BE49-F238E27FC236}">
+                  <a16:creationId xmlns:a16="http://schemas.microsoft.com/office/drawing/2014/main" id="{E6642BB7-23F8-4490-93A3-FC1493AD237B}"/>
+                </a:ext>
+                <a:ext uri="{C183D7F6-B498-43B3-948B-1728B52AA6E4}">
+                  <adec:decorative xmlns:adec="http://schemas.microsoft.com/office/drawing/2017/decorative" val="1"/>
+                </a:ext>
+              </a:extLst>
+            </p:cNvPr>
+            <p:cNvCxnSpPr/>
+            <p:nvPr>
+              <p:extLst>
+                <p:ext uri="{386F3935-93C4-4BCD-93E2-E3B085C9AB24}">
+                  <p16:designElem xmlns:p16="http://schemas.microsoft.com/office/powerpoint/2015/main" val="1"/>
+                </p:ext>
+              </p:extLst>
+            </p:nvPr>
+          </p:nvCxnSpPr>
+          <p:spPr>
+            <a:xfrm rot="1200000" flipH="1">
+              <a:off x="10505632" y="570628"/>
+              <a:ext cx="3394" cy="182880"/>
+            </a:xfrm>
+            <a:prstGeom prst="line">
+              <a:avLst/>
+            </a:prstGeom>
+            <a:ln>
+              <a:solidFill>
+                <a:srgbClr val="FFFFFF">
+                  <a:alpha val="30196"/>
+                </a:srgbClr>
+              </a:solidFill>
+            </a:ln>
+          </p:spPr>
+          <p:style>
+            <a:lnRef idx="1">
+              <a:schemeClr val="accent1"/>
+            </a:lnRef>
+            <a:fillRef idx="0">
+              <a:schemeClr val="accent1"/>
+            </a:fillRef>
+            <a:effectRef idx="0">
+              <a:schemeClr val="accent1"/>
+            </a:effectRef>
+            <a:fontRef idx="minor">
+              <a:schemeClr val="tx1"/>
+            </a:fontRef>
+          </p:style>
+        </p:cxnSp>
+        <p:cxnSp>
+          <p:nvCxnSpPr>
+            <p:cNvPr id="122" name="Straight Connector 121">
+              <a:extLst>
+                <a:ext uri="{FF2B5EF4-FFF2-40B4-BE49-F238E27FC236}">
+                  <a16:creationId xmlns:a16="http://schemas.microsoft.com/office/drawing/2014/main" id="{7CC61F0B-A9CB-4BBB-AE84-50A8DAA5FFF6}"/>
+                </a:ext>
+                <a:ext uri="{C183D7F6-B498-43B3-948B-1728B52AA6E4}">
+                  <adec:decorative xmlns:adec="http://schemas.microsoft.com/office/drawing/2017/decorative" val="1"/>
+                </a:ext>
+              </a:extLst>
+            </p:cNvPr>
+            <p:cNvCxnSpPr/>
+            <p:nvPr>
+              <p:extLst>
+                <p:ext uri="{386F3935-93C4-4BCD-93E2-E3B085C9AB24}">
+                  <p16:designElem xmlns:p16="http://schemas.microsoft.com/office/powerpoint/2015/main" val="1"/>
+                </p:ext>
+              </p:extLst>
+            </p:nvPr>
+          </p:nvCxnSpPr>
+          <p:spPr>
+            <a:xfrm rot="1320000" flipH="1">
+              <a:off x="10637382" y="621344"/>
+              <a:ext cx="3394" cy="182880"/>
+            </a:xfrm>
+            <a:prstGeom prst="line">
+              <a:avLst/>
+            </a:prstGeom>
+            <a:ln>
+              <a:solidFill>
+                <a:srgbClr val="FFFFFF">
+                  <a:alpha val="30196"/>
+                </a:srgbClr>
+              </a:solidFill>
+            </a:ln>
+          </p:spPr>
+          <p:style>
+            <a:lnRef idx="1">
+              <a:schemeClr val="accent1"/>
+            </a:lnRef>
+            <a:fillRef idx="0">
+              <a:schemeClr val="accent1"/>
+            </a:fillRef>
+            <a:effectRef idx="0">
+              <a:schemeClr val="accent1"/>
+            </a:effectRef>
+            <a:fontRef idx="minor">
+              <a:schemeClr val="tx1"/>
+            </a:fontRef>
+          </p:style>
+        </p:cxnSp>
+        <p:cxnSp>
+          <p:nvCxnSpPr>
+            <p:cNvPr id="123" name="Straight Connector 122">
+              <a:extLst>
+                <a:ext uri="{FF2B5EF4-FFF2-40B4-BE49-F238E27FC236}">
+                  <a16:creationId xmlns:a16="http://schemas.microsoft.com/office/drawing/2014/main" id="{1CCF85E9-8BF1-4390-8430-93CF67C49780}"/>
+                </a:ext>
+                <a:ext uri="{C183D7F6-B498-43B3-948B-1728B52AA6E4}">
+                  <adec:decorative xmlns:adec="http://schemas.microsoft.com/office/drawing/2017/decorative" val="1"/>
+                </a:ext>
+              </a:extLst>
+            </p:cNvPr>
+            <p:cNvCxnSpPr/>
+            <p:nvPr>
+              <p:extLst>
+                <p:ext uri="{386F3935-93C4-4BCD-93E2-E3B085C9AB24}">
+                  <p16:designElem xmlns:p16="http://schemas.microsoft.com/office/powerpoint/2015/main" val="1"/>
+                </p:ext>
+              </p:extLst>
+            </p:nvPr>
+          </p:nvCxnSpPr>
+          <p:spPr>
+            <a:xfrm rot="1440000" flipH="1">
+              <a:off x="10760965" y="690439"/>
+              <a:ext cx="3394" cy="182880"/>
+            </a:xfrm>
+            <a:prstGeom prst="line">
+              <a:avLst/>
+            </a:prstGeom>
+            <a:ln>
+              <a:solidFill>
+                <a:srgbClr val="FFFFFF">
+                  <a:alpha val="30196"/>
+                </a:srgbClr>
+              </a:solidFill>
+            </a:ln>
+          </p:spPr>
+          <p:style>
+            <a:lnRef idx="1">
+              <a:schemeClr val="accent1"/>
+            </a:lnRef>
+            <a:fillRef idx="0">
+              <a:schemeClr val="accent1"/>
+            </a:fillRef>
+            <a:effectRef idx="0">
+              <a:schemeClr val="accent1"/>
+            </a:effectRef>
+            <a:fontRef idx="minor">
+              <a:schemeClr val="tx1"/>
+            </a:fontRef>
+          </p:style>
+        </p:cxnSp>
+        <p:cxnSp>
+          <p:nvCxnSpPr>
+            <p:cNvPr id="124" name="Straight Connector 123">
+              <a:extLst>
+                <a:ext uri="{FF2B5EF4-FFF2-40B4-BE49-F238E27FC236}">
+                  <a16:creationId xmlns:a16="http://schemas.microsoft.com/office/drawing/2014/main" id="{C12D5937-83B8-44DB-92EE-F8CE39628116}"/>
+                </a:ext>
+                <a:ext uri="{C183D7F6-B498-43B3-948B-1728B52AA6E4}">
+                  <adec:decorative xmlns:adec="http://schemas.microsoft.com/office/drawing/2017/decorative" val="1"/>
+                </a:ext>
+              </a:extLst>
+            </p:cNvPr>
+            <p:cNvCxnSpPr/>
+            <p:nvPr>
+              <p:extLst>
+                <p:ext uri="{386F3935-93C4-4BCD-93E2-E3B085C9AB24}">
+                  <p16:designElem xmlns:p16="http://schemas.microsoft.com/office/powerpoint/2015/main" val="1"/>
+                </p:ext>
+              </p:extLst>
+            </p:nvPr>
+          </p:nvCxnSpPr>
+          <p:spPr>
+            <a:xfrm rot="1620000" flipH="1">
+              <a:off x="10888991" y="755091"/>
+              <a:ext cx="3394" cy="182880"/>
+            </a:xfrm>
+            <a:prstGeom prst="line">
+              <a:avLst/>
+            </a:prstGeom>
+            <a:ln>
+              <a:solidFill>
+                <a:srgbClr val="FFFFFF">
+                  <a:alpha val="30196"/>
+                </a:srgbClr>
+              </a:solidFill>
+            </a:ln>
+          </p:spPr>
+          <p:style>
+            <a:lnRef idx="1">
+              <a:schemeClr val="accent1"/>
+            </a:lnRef>
+            <a:fillRef idx="0">
+              <a:schemeClr val="accent1"/>
+            </a:fillRef>
+            <a:effectRef idx="0">
+              <a:schemeClr val="accent1"/>
+            </a:effectRef>
+            <a:fontRef idx="minor">
+              <a:schemeClr val="tx1"/>
+            </a:fontRef>
+          </p:style>
+        </p:cxnSp>
+        <p:cxnSp>
+          <p:nvCxnSpPr>
+            <p:cNvPr id="125" name="Straight Connector 124">
+              <a:extLst>
+                <a:ext uri="{FF2B5EF4-FFF2-40B4-BE49-F238E27FC236}">
+                  <a16:creationId xmlns:a16="http://schemas.microsoft.com/office/drawing/2014/main" id="{8F70DE7D-2944-4F28-94F4-DB5FF3665AA6}"/>
+                </a:ext>
+                <a:ext uri="{C183D7F6-B498-43B3-948B-1728B52AA6E4}">
+                  <adec:decorative xmlns:adec="http://schemas.microsoft.com/office/drawing/2017/decorative" val="1"/>
+                </a:ext>
+              </a:extLst>
+            </p:cNvPr>
+            <p:cNvCxnSpPr/>
+            <p:nvPr>
+              <p:extLst>
+                <p:ext uri="{386F3935-93C4-4BCD-93E2-E3B085C9AB24}">
+                  <p16:designElem xmlns:p16="http://schemas.microsoft.com/office/powerpoint/2015/main" val="1"/>
+                </p:ext>
+              </p:extLst>
+            </p:nvPr>
+          </p:nvCxnSpPr>
+          <p:spPr>
+            <a:xfrm rot="1740000" flipH="1">
+              <a:off x="11010193" y="819743"/>
+              <a:ext cx="3394" cy="182880"/>
+            </a:xfrm>
+            <a:prstGeom prst="line">
+              <a:avLst/>
+            </a:prstGeom>
+            <a:ln>
+              <a:solidFill>
+                <a:srgbClr val="FFFFFF">
+                  <a:alpha val="30196"/>
+                </a:srgbClr>
+              </a:solidFill>
+            </a:ln>
+          </p:spPr>
+          <p:style>
+            <a:lnRef idx="1">
+              <a:schemeClr val="accent1"/>
+            </a:lnRef>
+            <a:fillRef idx="0">
+              <a:schemeClr val="accent1"/>
+            </a:fillRef>
+            <a:effectRef idx="0">
+              <a:schemeClr val="accent1"/>
+            </a:effectRef>
+            <a:fontRef idx="minor">
+              <a:schemeClr val="tx1"/>
+            </a:fontRef>
+          </p:style>
+        </p:cxnSp>
+        <p:cxnSp>
+          <p:nvCxnSpPr>
+            <p:cNvPr id="126" name="Straight Connector 125">
+              <a:extLst>
+                <a:ext uri="{FF2B5EF4-FFF2-40B4-BE49-F238E27FC236}">
+                  <a16:creationId xmlns:a16="http://schemas.microsoft.com/office/drawing/2014/main" id="{0275C592-D23A-4D17-A5D0-1CB0A63C2EFB}"/>
+                </a:ext>
+                <a:ext uri="{C183D7F6-B498-43B3-948B-1728B52AA6E4}">
+                  <adec:decorative xmlns:adec="http://schemas.microsoft.com/office/drawing/2017/decorative" val="1"/>
+                </a:ext>
+              </a:extLst>
+            </p:cNvPr>
+            <p:cNvCxnSpPr/>
+            <p:nvPr>
+              <p:extLst>
+                <p:ext uri="{386F3935-93C4-4BCD-93E2-E3B085C9AB24}">
+                  <p16:designElem xmlns:p16="http://schemas.microsoft.com/office/powerpoint/2015/main" val="1"/>
+                </p:ext>
+              </p:extLst>
+            </p:nvPr>
+          </p:nvCxnSpPr>
+          <p:spPr>
+            <a:xfrm rot="1860000" flipH="1">
+              <a:off x="11129014" y="895662"/>
+              <a:ext cx="3394" cy="182880"/>
+            </a:xfrm>
+            <a:prstGeom prst="line">
+              <a:avLst/>
+            </a:prstGeom>
+            <a:ln>
+              <a:solidFill>
+                <a:srgbClr val="FFFFFF">
+                  <a:alpha val="30196"/>
+                </a:srgbClr>
+              </a:solidFill>
+            </a:ln>
+          </p:spPr>
+          <p:style>
+            <a:lnRef idx="1">
+              <a:schemeClr val="accent1"/>
+            </a:lnRef>
+            <a:fillRef idx="0">
+              <a:schemeClr val="accent1"/>
+            </a:fillRef>
+            <a:effectRef idx="0">
+              <a:schemeClr val="accent1"/>
+            </a:effectRef>
+            <a:fontRef idx="minor">
+              <a:schemeClr val="tx1"/>
+            </a:fontRef>
+          </p:style>
+        </p:cxnSp>
+        <p:cxnSp>
+          <p:nvCxnSpPr>
+            <p:cNvPr id="127" name="Straight Connector 126">
+              <a:extLst>
+                <a:ext uri="{FF2B5EF4-FFF2-40B4-BE49-F238E27FC236}">
+                  <a16:creationId xmlns:a16="http://schemas.microsoft.com/office/drawing/2014/main" id="{6E6A99D6-C0BF-40C0-BA07-7B60B3008C2B}"/>
+                </a:ext>
+                <a:ext uri="{C183D7F6-B498-43B3-948B-1728B52AA6E4}">
+                  <adec:decorative xmlns:adec="http://schemas.microsoft.com/office/drawing/2017/decorative" val="1"/>
+                </a:ext>
+              </a:extLst>
+            </p:cNvPr>
+            <p:cNvCxnSpPr/>
+            <p:nvPr>
+              <p:extLst>
+                <p:ext uri="{386F3935-93C4-4BCD-93E2-E3B085C9AB24}">
+                  <p16:designElem xmlns:p16="http://schemas.microsoft.com/office/powerpoint/2015/main" val="1"/>
+                </p:ext>
+              </p:extLst>
+            </p:nvPr>
+          </p:nvCxnSpPr>
+          <p:spPr>
+            <a:xfrm rot="1980000" flipH="1">
+              <a:off x="11249872" y="968091"/>
+              <a:ext cx="3394" cy="182880"/>
+            </a:xfrm>
+            <a:prstGeom prst="line">
+              <a:avLst/>
+            </a:prstGeom>
+            <a:ln>
+              <a:solidFill>
+                <a:srgbClr val="FFFFFF">
+                  <a:alpha val="30196"/>
+                </a:srgbClr>
+              </a:solidFill>
+            </a:ln>
+          </p:spPr>
+          <p:style>
+            <a:lnRef idx="1">
+              <a:schemeClr val="accent1"/>
+            </a:lnRef>
+            <a:fillRef idx="0">
+              <a:schemeClr val="accent1"/>
+            </a:fillRef>
+            <a:effectRef idx="0">
+              <a:schemeClr val="accent1"/>
+            </a:effectRef>
+            <a:fontRef idx="minor">
+              <a:schemeClr val="tx1"/>
+            </a:fontRef>
+          </p:style>
+        </p:cxnSp>
+        <p:cxnSp>
+          <p:nvCxnSpPr>
+            <p:cNvPr id="128" name="Straight Connector 127">
+              <a:extLst>
+                <a:ext uri="{FF2B5EF4-FFF2-40B4-BE49-F238E27FC236}">
+                  <a16:creationId xmlns:a16="http://schemas.microsoft.com/office/drawing/2014/main" id="{52DC88DB-D650-4294-944B-43B5CAB75EBE}"/>
+                </a:ext>
+                <a:ext uri="{C183D7F6-B498-43B3-948B-1728B52AA6E4}">
+                  <adec:decorative xmlns:adec="http://schemas.microsoft.com/office/drawing/2017/decorative" val="1"/>
+                </a:ext>
+              </a:extLst>
+            </p:cNvPr>
+            <p:cNvCxnSpPr/>
+            <p:nvPr>
+              <p:extLst>
+                <p:ext uri="{386F3935-93C4-4BCD-93E2-E3B085C9AB24}">
+                  <p16:designElem xmlns:p16="http://schemas.microsoft.com/office/powerpoint/2015/main" val="1"/>
+                </p:ext>
+              </p:extLst>
+            </p:nvPr>
+          </p:nvCxnSpPr>
+          <p:spPr>
+            <a:xfrm rot="2160000" flipH="1">
+              <a:off x="11366875" y="1048084"/>
+              <a:ext cx="3394" cy="182880"/>
+            </a:xfrm>
+            <a:prstGeom prst="line">
+              <a:avLst/>
+            </a:prstGeom>
+            <a:ln>
+              <a:solidFill>
+                <a:srgbClr val="FFFFFF">
+                  <a:alpha val="30196"/>
+                </a:srgbClr>
+              </a:solidFill>
+            </a:ln>
+          </p:spPr>
+          <p:style>
+            <a:lnRef idx="1">
+              <a:schemeClr val="accent1"/>
+            </a:lnRef>
+            <a:fillRef idx="0">
+              <a:schemeClr val="accent1"/>
+            </a:fillRef>
+            <a:effectRef idx="0">
+              <a:schemeClr val="accent1"/>
+            </a:effectRef>
+            <a:fontRef idx="minor">
+              <a:schemeClr val="tx1"/>
+            </a:fontRef>
+          </p:style>
+        </p:cxnSp>
+        <p:cxnSp>
+          <p:nvCxnSpPr>
+            <p:cNvPr id="129" name="Straight Connector 128">
+              <a:extLst>
+                <a:ext uri="{FF2B5EF4-FFF2-40B4-BE49-F238E27FC236}">
+                  <a16:creationId xmlns:a16="http://schemas.microsoft.com/office/drawing/2014/main" id="{AD45E2EA-A847-4EF1-BFFC-BE40296C663D}"/>
+                </a:ext>
+                <a:ext uri="{C183D7F6-B498-43B3-948B-1728B52AA6E4}">
+                  <adec:decorative xmlns:adec="http://schemas.microsoft.com/office/drawing/2017/decorative" val="1"/>
+                </a:ext>
+              </a:extLst>
+            </p:cNvPr>
+            <p:cNvCxnSpPr/>
+            <p:nvPr>
+              <p:extLst>
+                <p:ext uri="{386F3935-93C4-4BCD-93E2-E3B085C9AB24}">
+                  <p16:designElem xmlns:p16="http://schemas.microsoft.com/office/powerpoint/2015/main" val="1"/>
+                </p:ext>
+              </p:extLst>
+            </p:nvPr>
+          </p:nvCxnSpPr>
+          <p:spPr>
+            <a:xfrm rot="2280000" flipH="1">
+              <a:off x="11474058" y="1131525"/>
+              <a:ext cx="3394" cy="182880"/>
+            </a:xfrm>
+            <a:prstGeom prst="line">
+              <a:avLst/>
+            </a:prstGeom>
+            <a:ln>
+              <a:solidFill>
+                <a:srgbClr val="FFFFFF">
+                  <a:alpha val="30196"/>
+                </a:srgbClr>
+              </a:solidFill>
+            </a:ln>
+          </p:spPr>
+          <p:style>
+            <a:lnRef idx="1">
+              <a:schemeClr val="accent1"/>
+            </a:lnRef>
+            <a:fillRef idx="0">
+              <a:schemeClr val="accent1"/>
+            </a:fillRef>
+            <a:effectRef idx="0">
+              <a:schemeClr val="accent1"/>
+            </a:effectRef>
+            <a:fontRef idx="minor">
+              <a:schemeClr val="tx1"/>
+            </a:fontRef>
+          </p:style>
+        </p:cxnSp>
+        <p:cxnSp>
+          <p:nvCxnSpPr>
+            <p:cNvPr id="130" name="Straight Connector 129">
+              <a:extLst>
+                <a:ext uri="{FF2B5EF4-FFF2-40B4-BE49-F238E27FC236}">
+                  <a16:creationId xmlns:a16="http://schemas.microsoft.com/office/drawing/2014/main" id="{BDB920C9-FFFE-4273-B2A5-A065D243140F}"/>
+                </a:ext>
+                <a:ext uri="{C183D7F6-B498-43B3-948B-1728B52AA6E4}">
+                  <adec:decorative xmlns:adec="http://schemas.microsoft.com/office/drawing/2017/decorative" val="1"/>
+                </a:ext>
+              </a:extLst>
+            </p:cNvPr>
+            <p:cNvCxnSpPr/>
+            <p:nvPr>
+              <p:extLst>
+                <p:ext uri="{386F3935-93C4-4BCD-93E2-E3B085C9AB24}">
+                  <p16:designElem xmlns:p16="http://schemas.microsoft.com/office/powerpoint/2015/main" val="1"/>
+                </p:ext>
+              </p:extLst>
+            </p:nvPr>
+          </p:nvCxnSpPr>
+          <p:spPr>
+            <a:xfrm rot="2400000" flipH="1">
+              <a:off x="11583303" y="1221790"/>
+              <a:ext cx="3394" cy="182880"/>
+            </a:xfrm>
+            <a:prstGeom prst="line">
+              <a:avLst/>
+            </a:prstGeom>
+            <a:ln>
+              <a:solidFill>
+                <a:srgbClr val="FFFFFF">
+                  <a:alpha val="30196"/>
+                </a:srgbClr>
+              </a:solidFill>
+            </a:ln>
+          </p:spPr>
+          <p:style>
+            <a:lnRef idx="1">
+              <a:schemeClr val="accent1"/>
+            </a:lnRef>
+            <a:fillRef idx="0">
+              <a:schemeClr val="accent1"/>
+            </a:fillRef>
+            <a:effectRef idx="0">
+              <a:schemeClr val="accent1"/>
+            </a:effectRef>
+            <a:fontRef idx="minor">
+              <a:schemeClr val="tx1"/>
+            </a:fontRef>
+          </p:style>
+        </p:cxnSp>
+        <p:cxnSp>
+          <p:nvCxnSpPr>
+            <p:cNvPr id="131" name="Straight Connector 130">
+              <a:extLst>
+                <a:ext uri="{FF2B5EF4-FFF2-40B4-BE49-F238E27FC236}">
+                  <a16:creationId xmlns:a16="http://schemas.microsoft.com/office/drawing/2014/main" id="{EE1355A7-015B-447B-8540-4191EAFA770A}"/>
+                </a:ext>
+                <a:ext uri="{C183D7F6-B498-43B3-948B-1728B52AA6E4}">
+                  <adec:decorative xmlns:adec="http://schemas.microsoft.com/office/drawing/2017/decorative" val="1"/>
+                </a:ext>
+              </a:extLst>
+            </p:cNvPr>
+            <p:cNvCxnSpPr/>
+            <p:nvPr>
+              <p:extLst>
+                <p:ext uri="{386F3935-93C4-4BCD-93E2-E3B085C9AB24}">
+                  <p16:designElem xmlns:p16="http://schemas.microsoft.com/office/powerpoint/2015/main" val="1"/>
+                </p:ext>
+              </p:extLst>
+            </p:nvPr>
+          </p:nvCxnSpPr>
+          <p:spPr>
+            <a:xfrm rot="2520000" flipH="1">
+              <a:off x="11685344" y="1321772"/>
+              <a:ext cx="3394" cy="182880"/>
+            </a:xfrm>
+            <a:prstGeom prst="line">
+              <a:avLst/>
+            </a:prstGeom>
+            <a:ln>
+              <a:solidFill>
+                <a:srgbClr val="FFFFFF">
+                  <a:alpha val="30196"/>
+                </a:srgbClr>
+              </a:solidFill>
+            </a:ln>
+          </p:spPr>
+          <p:style>
+            <a:lnRef idx="1">
+              <a:schemeClr val="accent1"/>
+            </a:lnRef>
+            <a:fillRef idx="0">
+              <a:schemeClr val="accent1"/>
+            </a:fillRef>
+            <a:effectRef idx="0">
+              <a:schemeClr val="accent1"/>
+            </a:effectRef>
+            <a:fontRef idx="minor">
+              <a:schemeClr val="tx1"/>
+            </a:fontRef>
+          </p:style>
+        </p:cxnSp>
+        <p:cxnSp>
+          <p:nvCxnSpPr>
+            <p:cNvPr id="132" name="Straight Connector 131">
+              <a:extLst>
+                <a:ext uri="{FF2B5EF4-FFF2-40B4-BE49-F238E27FC236}">
+                  <a16:creationId xmlns:a16="http://schemas.microsoft.com/office/drawing/2014/main" id="{24443849-1476-409B-BC52-22EE2D88F947}"/>
+                </a:ext>
+                <a:ext uri="{C183D7F6-B498-43B3-948B-1728B52AA6E4}">
+                  <adec:decorative xmlns:adec="http://schemas.microsoft.com/office/drawing/2017/decorative" val="1"/>
+                </a:ext>
+              </a:extLst>
+            </p:cNvPr>
+            <p:cNvCxnSpPr/>
+            <p:nvPr>
+              <p:extLst>
+                <p:ext uri="{386F3935-93C4-4BCD-93E2-E3B085C9AB24}">
+                  <p16:designElem xmlns:p16="http://schemas.microsoft.com/office/powerpoint/2015/main" val="1"/>
+                </p:ext>
+              </p:extLst>
+            </p:nvPr>
+          </p:nvCxnSpPr>
+          <p:spPr>
+            <a:xfrm rot="2700000" flipH="1">
+              <a:off x="11787704" y="1417630"/>
+              <a:ext cx="3394" cy="182880"/>
+            </a:xfrm>
+            <a:prstGeom prst="line">
+              <a:avLst/>
+            </a:prstGeom>
+            <a:ln>
+              <a:solidFill>
+                <a:srgbClr val="FFFFFF">
+                  <a:alpha val="30196"/>
+                </a:srgbClr>
+              </a:solidFill>
+            </a:ln>
+          </p:spPr>
+          <p:style>
+            <a:lnRef idx="1">
+              <a:schemeClr val="accent1"/>
+            </a:lnRef>
+            <a:fillRef idx="0">
+              <a:schemeClr val="accent1"/>
+            </a:fillRef>
+            <a:effectRef idx="0">
+              <a:schemeClr val="accent1"/>
+            </a:effectRef>
+            <a:fontRef idx="minor">
+              <a:schemeClr val="tx1"/>
+            </a:fontRef>
+          </p:style>
+        </p:cxnSp>
+        <p:cxnSp>
+          <p:nvCxnSpPr>
+            <p:cNvPr id="133" name="Straight Connector 132">
+              <a:extLst>
+                <a:ext uri="{FF2B5EF4-FFF2-40B4-BE49-F238E27FC236}">
+                  <a16:creationId xmlns:a16="http://schemas.microsoft.com/office/drawing/2014/main" id="{42081A51-7D07-419B-9B62-0CCBBDC70DBE}"/>
+                </a:ext>
+                <a:ext uri="{C183D7F6-B498-43B3-948B-1728B52AA6E4}">
+                  <adec:decorative xmlns:adec="http://schemas.microsoft.com/office/drawing/2017/decorative" val="1"/>
+                </a:ext>
+              </a:extLst>
+            </p:cNvPr>
+            <p:cNvCxnSpPr/>
+            <p:nvPr>
+              <p:extLst>
+                <p:ext uri="{386F3935-93C4-4BCD-93E2-E3B085C9AB24}">
+                  <p16:designElem xmlns:p16="http://schemas.microsoft.com/office/powerpoint/2015/main" val="1"/>
+                </p:ext>
+              </p:extLst>
+            </p:nvPr>
+          </p:nvCxnSpPr>
+          <p:spPr>
+            <a:xfrm rot="2820000" flipH="1">
+              <a:off x="11880859" y="1517931"/>
+              <a:ext cx="3394" cy="182880"/>
+            </a:xfrm>
+            <a:prstGeom prst="line">
+              <a:avLst/>
+            </a:prstGeom>
+            <a:ln>
+              <a:solidFill>
+                <a:srgbClr val="FFFFFF">
+                  <a:alpha val="30196"/>
+                </a:srgbClr>
+              </a:solidFill>
+            </a:ln>
+          </p:spPr>
+          <p:style>
+            <a:lnRef idx="1">
+              <a:schemeClr val="accent1"/>
+            </a:lnRef>
+            <a:fillRef idx="0">
+              <a:schemeClr val="accent1"/>
+            </a:fillRef>
+            <a:effectRef idx="0">
+              <a:schemeClr val="accent1"/>
+            </a:effectRef>
+            <a:fontRef idx="minor">
+              <a:schemeClr val="tx1"/>
+            </a:fontRef>
+          </p:style>
+        </p:cxnSp>
+        <p:cxnSp>
+          <p:nvCxnSpPr>
+            <p:cNvPr id="134" name="Straight Connector 133">
+              <a:extLst>
+                <a:ext uri="{FF2B5EF4-FFF2-40B4-BE49-F238E27FC236}">
+                  <a16:creationId xmlns:a16="http://schemas.microsoft.com/office/drawing/2014/main" id="{9CD47CE7-D458-4E21-8924-2AA0E9ED1EC0}"/>
+                </a:ext>
+                <a:ext uri="{C183D7F6-B498-43B3-948B-1728B52AA6E4}">
+                  <adec:decorative xmlns:adec="http://schemas.microsoft.com/office/drawing/2017/decorative" val="1"/>
+                </a:ext>
+              </a:extLst>
+            </p:cNvPr>
+            <p:cNvCxnSpPr/>
+            <p:nvPr>
+              <p:extLst>
+                <p:ext uri="{386F3935-93C4-4BCD-93E2-E3B085C9AB24}">
+                  <p16:designElem xmlns:p16="http://schemas.microsoft.com/office/powerpoint/2015/main" val="1"/>
+                </p:ext>
+              </p:extLst>
+            </p:nvPr>
+          </p:nvCxnSpPr>
+          <p:spPr>
+            <a:xfrm rot="2940000" flipH="1">
+              <a:off x="11969252" y="1627437"/>
+              <a:ext cx="3394" cy="182880"/>
+            </a:xfrm>
+            <a:prstGeom prst="line">
+              <a:avLst/>
+            </a:prstGeom>
+            <a:ln>
+              <a:solidFill>
+                <a:srgbClr val="FFFFFF">
+                  <a:alpha val="30196"/>
+                </a:srgbClr>
+              </a:solidFill>
+            </a:ln>
+          </p:spPr>
+          <p:style>
+            <a:lnRef idx="1">
+              <a:schemeClr val="accent1"/>
+            </a:lnRef>
+            <a:fillRef idx="0">
+              <a:schemeClr val="accent1"/>
+            </a:fillRef>
+            <a:effectRef idx="0">
+              <a:schemeClr val="accent1"/>
+            </a:effectRef>
+            <a:fontRef idx="minor">
+              <a:schemeClr val="tx1"/>
+            </a:fontRef>
+          </p:style>
+        </p:cxnSp>
+        <p:cxnSp>
+          <p:nvCxnSpPr>
+            <p:cNvPr id="135" name="Straight Connector 134">
+              <a:extLst>
+                <a:ext uri="{FF2B5EF4-FFF2-40B4-BE49-F238E27FC236}">
+                  <a16:creationId xmlns:a16="http://schemas.microsoft.com/office/drawing/2014/main" id="{DCE023FD-9F08-4439-8FF3-52EA7A9843CE}"/>
+                </a:ext>
+                <a:ext uri="{C183D7F6-B498-43B3-948B-1728B52AA6E4}">
+                  <adec:decorative xmlns:adec="http://schemas.microsoft.com/office/drawing/2017/decorative" val="1"/>
+                </a:ext>
+              </a:extLst>
+            </p:cNvPr>
+            <p:cNvCxnSpPr/>
+            <p:nvPr>
+              <p:extLst>
+                <p:ext uri="{386F3935-93C4-4BCD-93E2-E3B085C9AB24}">
+                  <p16:designElem xmlns:p16="http://schemas.microsoft.com/office/powerpoint/2015/main" val="1"/>
+                </p:ext>
+              </p:extLst>
+            </p:nvPr>
+          </p:nvCxnSpPr>
+          <p:spPr>
+            <a:xfrm rot="3060000" flipH="1">
+              <a:off x="12062016" y="1736011"/>
+              <a:ext cx="3394" cy="182880"/>
+            </a:xfrm>
+            <a:prstGeom prst="line">
+              <a:avLst/>
+            </a:prstGeom>
+            <a:ln>
+              <a:solidFill>
+                <a:srgbClr val="FFFFFF">
+                  <a:alpha val="30196"/>
+                </a:srgbClr>
+              </a:solidFill>
+            </a:ln>
+          </p:spPr>
+          <p:style>
+            <a:lnRef idx="1">
+              <a:schemeClr val="accent1"/>
+            </a:lnRef>
+            <a:fillRef idx="0">
+              <a:schemeClr val="accent1"/>
+            </a:fillRef>
+            <a:effectRef idx="0">
+              <a:schemeClr val="accent1"/>
+            </a:effectRef>
+            <a:fontRef idx="minor">
+              <a:schemeClr val="tx1"/>
+            </a:fontRef>
+          </p:style>
+        </p:cxnSp>
+        <p:cxnSp>
+          <p:nvCxnSpPr>
+            <p:cNvPr id="136" name="Straight Connector 135">
+              <a:extLst>
+                <a:ext uri="{FF2B5EF4-FFF2-40B4-BE49-F238E27FC236}">
+                  <a16:creationId xmlns:a16="http://schemas.microsoft.com/office/drawing/2014/main" id="{A828C8C7-54EA-42D6-9CEE-49852B270565}"/>
+                </a:ext>
+                <a:ext uri="{C183D7F6-B498-43B3-948B-1728B52AA6E4}">
+                  <adec:decorative xmlns:adec="http://schemas.microsoft.com/office/drawing/2017/decorative" val="1"/>
+                </a:ext>
+              </a:extLst>
+            </p:cNvPr>
+            <p:cNvCxnSpPr/>
+            <p:nvPr>
+              <p:extLst>
+                <p:ext uri="{386F3935-93C4-4BCD-93E2-E3B085C9AB24}">
+                  <p16:designElem xmlns:p16="http://schemas.microsoft.com/office/powerpoint/2015/main" val="1"/>
+                </p:ext>
+              </p:extLst>
+            </p:nvPr>
+          </p:nvCxnSpPr>
+          <p:spPr>
+            <a:xfrm flipH="1">
+              <a:off x="12074680" y="1910249"/>
+              <a:ext cx="117320" cy="82912"/>
+            </a:xfrm>
+            <a:prstGeom prst="line">
+              <a:avLst/>
+            </a:prstGeom>
+            <a:ln>
+              <a:solidFill>
+                <a:srgbClr val="FFFFFF">
+                  <a:alpha val="30196"/>
+                </a:srgbClr>
+              </a:solidFill>
+            </a:ln>
+          </p:spPr>
+          <p:style>
+            <a:lnRef idx="1">
+              <a:schemeClr val="accent1"/>
+            </a:lnRef>
+            <a:fillRef idx="0">
+              <a:schemeClr val="accent1"/>
+            </a:fillRef>
+            <a:effectRef idx="0">
+              <a:schemeClr val="accent1"/>
+            </a:effectRef>
+            <a:fontRef idx="minor">
+              <a:schemeClr val="tx1"/>
+            </a:fontRef>
+          </p:style>
+        </p:cxnSp>
+        <p:cxnSp>
+          <p:nvCxnSpPr>
+            <p:cNvPr id="137" name="Straight Connector 136">
+              <a:extLst>
+                <a:ext uri="{FF2B5EF4-FFF2-40B4-BE49-F238E27FC236}">
+                  <a16:creationId xmlns:a16="http://schemas.microsoft.com/office/drawing/2014/main" id="{0934EA16-F0C9-4D15-84BF-E83A81D6B045}"/>
+                </a:ext>
+                <a:ext uri="{C183D7F6-B498-43B3-948B-1728B52AA6E4}">
+                  <adec:decorative xmlns:adec="http://schemas.microsoft.com/office/drawing/2017/decorative" val="1"/>
+                </a:ext>
+              </a:extLst>
+            </p:cNvPr>
+            <p:cNvCxnSpPr/>
+            <p:nvPr>
+              <p:extLst>
+                <p:ext uri="{386F3935-93C4-4BCD-93E2-E3B085C9AB24}">
+                  <p16:designElem xmlns:p16="http://schemas.microsoft.com/office/powerpoint/2015/main" val="1"/>
+                </p:ext>
+              </p:extLst>
+            </p:nvPr>
+          </p:nvCxnSpPr>
+          <p:spPr>
+            <a:xfrm flipH="1">
+              <a:off x="12149943" y="2083594"/>
+              <a:ext cx="39676" cy="21436"/>
+            </a:xfrm>
+            <a:prstGeom prst="line">
+              <a:avLst/>
+            </a:prstGeom>
+            <a:ln>
+              <a:solidFill>
+                <a:srgbClr val="FFFFFF">
+                  <a:alpha val="30196"/>
+                </a:srgbClr>
+              </a:solidFill>
+            </a:ln>
+          </p:spPr>
+          <p:style>
+            <a:lnRef idx="1">
+              <a:schemeClr val="accent1"/>
+            </a:lnRef>
+            <a:fillRef idx="0">
+              <a:schemeClr val="accent1"/>
+            </a:fillRef>
+            <a:effectRef idx="0">
+              <a:schemeClr val="accent1"/>
+            </a:effectRef>
+            <a:fontRef idx="minor">
+              <a:schemeClr val="tx1"/>
+            </a:fontRef>
+          </p:style>
+        </p:cxnSp>
+        <p:cxnSp>
+          <p:nvCxnSpPr>
+            <p:cNvPr id="138" name="Straight Connector 137">
+              <a:extLst>
+                <a:ext uri="{FF2B5EF4-FFF2-40B4-BE49-F238E27FC236}">
+                  <a16:creationId xmlns:a16="http://schemas.microsoft.com/office/drawing/2014/main" id="{7B3FD5BE-A781-4490-AE3F-E5650DF6683F}"/>
+                </a:ext>
+                <a:ext uri="{C183D7F6-B498-43B3-948B-1728B52AA6E4}">
+                  <adec:decorative xmlns:adec="http://schemas.microsoft.com/office/drawing/2017/decorative" val="1"/>
+                </a:ext>
+              </a:extLst>
+            </p:cNvPr>
+            <p:cNvCxnSpPr/>
+            <p:nvPr>
+              <p:extLst>
+                <p:ext uri="{386F3935-93C4-4BCD-93E2-E3B085C9AB24}">
+                  <p16:designElem xmlns:p16="http://schemas.microsoft.com/office/powerpoint/2015/main" val="1"/>
+                </p:ext>
+              </p:extLst>
+            </p:nvPr>
+          </p:nvCxnSpPr>
+          <p:spPr>
+            <a:xfrm rot="-180000" flipH="1">
+              <a:off x="9127990" y="334251"/>
+              <a:ext cx="3394" cy="182880"/>
+            </a:xfrm>
+            <a:prstGeom prst="line">
+              <a:avLst/>
+            </a:prstGeom>
+            <a:ln>
+              <a:solidFill>
+                <a:srgbClr val="FFFFFF">
+                  <a:alpha val="30196"/>
+                </a:srgbClr>
+              </a:solidFill>
+            </a:ln>
+          </p:spPr>
+          <p:style>
+            <a:lnRef idx="1">
+              <a:schemeClr val="accent1"/>
+            </a:lnRef>
+            <a:fillRef idx="0">
+              <a:schemeClr val="accent1"/>
+            </a:fillRef>
+            <a:effectRef idx="0">
+              <a:schemeClr val="accent1"/>
+            </a:effectRef>
+            <a:fontRef idx="minor">
+              <a:schemeClr val="tx1"/>
+            </a:fontRef>
+          </p:style>
+        </p:cxnSp>
+        <p:cxnSp>
+          <p:nvCxnSpPr>
+            <p:cNvPr id="139" name="Straight Connector 138">
+              <a:extLst>
+                <a:ext uri="{FF2B5EF4-FFF2-40B4-BE49-F238E27FC236}">
+                  <a16:creationId xmlns:a16="http://schemas.microsoft.com/office/drawing/2014/main" id="{B6A60DCE-BCDB-4F06-BAF8-4DC5591F23A8}"/>
+                </a:ext>
+                <a:ext uri="{C183D7F6-B498-43B3-948B-1728B52AA6E4}">
+                  <adec:decorative xmlns:adec="http://schemas.microsoft.com/office/drawing/2017/decorative" val="1"/>
+                </a:ext>
+              </a:extLst>
+            </p:cNvPr>
+            <p:cNvCxnSpPr/>
+            <p:nvPr>
+              <p:extLst>
+                <p:ext uri="{386F3935-93C4-4BCD-93E2-E3B085C9AB24}">
+                  <p16:designElem xmlns:p16="http://schemas.microsoft.com/office/powerpoint/2015/main" val="1"/>
+                </p:ext>
+              </p:extLst>
+            </p:nvPr>
+          </p:nvCxnSpPr>
+          <p:spPr>
+            <a:xfrm rot="-300000" flipH="1">
+              <a:off x="8987576" y="336633"/>
+              <a:ext cx="3394" cy="182880"/>
+            </a:xfrm>
+            <a:prstGeom prst="line">
+              <a:avLst/>
+            </a:prstGeom>
+            <a:ln>
+              <a:solidFill>
+                <a:srgbClr val="FFFFFF">
+                  <a:alpha val="30196"/>
+                </a:srgbClr>
+              </a:solidFill>
+            </a:ln>
+          </p:spPr>
+          <p:style>
+            <a:lnRef idx="1">
+              <a:schemeClr val="accent1"/>
+            </a:lnRef>
+            <a:fillRef idx="0">
+              <a:schemeClr val="accent1"/>
+            </a:fillRef>
+            <a:effectRef idx="0">
+              <a:schemeClr val="accent1"/>
+            </a:effectRef>
+            <a:fontRef idx="minor">
+              <a:schemeClr val="tx1"/>
+            </a:fontRef>
+          </p:style>
+        </p:cxnSp>
+        <p:cxnSp>
+          <p:nvCxnSpPr>
+            <p:cNvPr id="140" name="Straight Connector 139">
+              <a:extLst>
+                <a:ext uri="{FF2B5EF4-FFF2-40B4-BE49-F238E27FC236}">
+                  <a16:creationId xmlns:a16="http://schemas.microsoft.com/office/drawing/2014/main" id="{DD8E6559-4AA5-488E-839C-44B9ABE2602C}"/>
+                </a:ext>
+                <a:ext uri="{C183D7F6-B498-43B3-948B-1728B52AA6E4}">
+                  <adec:decorative xmlns:adec="http://schemas.microsoft.com/office/drawing/2017/decorative" val="1"/>
+                </a:ext>
+              </a:extLst>
+            </p:cNvPr>
+            <p:cNvCxnSpPr/>
+            <p:nvPr>
+              <p:extLst>
+                <p:ext uri="{386F3935-93C4-4BCD-93E2-E3B085C9AB24}">
+                  <p16:designElem xmlns:p16="http://schemas.microsoft.com/office/powerpoint/2015/main" val="1"/>
+                </p:ext>
+              </p:extLst>
+            </p:nvPr>
+          </p:nvCxnSpPr>
+          <p:spPr>
+            <a:xfrm rot="-420000" flipH="1">
+              <a:off x="8844859" y="351176"/>
+              <a:ext cx="3394" cy="182880"/>
+            </a:xfrm>
+            <a:prstGeom prst="line">
+              <a:avLst/>
+            </a:prstGeom>
+            <a:ln>
+              <a:solidFill>
+                <a:srgbClr val="FFFFFF">
+                  <a:alpha val="30196"/>
+                </a:srgbClr>
+              </a:solidFill>
+            </a:ln>
+          </p:spPr>
+          <p:style>
+            <a:lnRef idx="1">
+              <a:schemeClr val="accent1"/>
+            </a:lnRef>
+            <a:fillRef idx="0">
+              <a:schemeClr val="accent1"/>
+            </a:fillRef>
+            <a:effectRef idx="0">
+              <a:schemeClr val="accent1"/>
+            </a:effectRef>
+            <a:fontRef idx="minor">
+              <a:schemeClr val="tx1"/>
+            </a:fontRef>
+          </p:style>
+        </p:cxnSp>
+        <p:cxnSp>
+          <p:nvCxnSpPr>
+            <p:cNvPr id="141" name="Straight Connector 140">
+              <a:extLst>
+                <a:ext uri="{FF2B5EF4-FFF2-40B4-BE49-F238E27FC236}">
+                  <a16:creationId xmlns:a16="http://schemas.microsoft.com/office/drawing/2014/main" id="{1F764FF6-87D9-4563-B257-0901F5C04E0F}"/>
+                </a:ext>
+                <a:ext uri="{C183D7F6-B498-43B3-948B-1728B52AA6E4}">
+                  <adec:decorative xmlns:adec="http://schemas.microsoft.com/office/drawing/2017/decorative" val="1"/>
+                </a:ext>
+              </a:extLst>
+            </p:cNvPr>
+            <p:cNvCxnSpPr/>
+            <p:nvPr>
+              <p:extLst>
+                <p:ext uri="{386F3935-93C4-4BCD-93E2-E3B085C9AB24}">
+                  <p16:designElem xmlns:p16="http://schemas.microsoft.com/office/powerpoint/2015/main" val="1"/>
+                </p:ext>
+              </p:extLst>
+            </p:nvPr>
+          </p:nvCxnSpPr>
+          <p:spPr>
+            <a:xfrm rot="-540000" flipH="1">
+              <a:off x="8706904" y="365719"/>
+              <a:ext cx="3394" cy="182880"/>
+            </a:xfrm>
+            <a:prstGeom prst="line">
+              <a:avLst/>
+            </a:prstGeom>
+            <a:ln>
+              <a:solidFill>
+                <a:srgbClr val="FFFFFF">
+                  <a:alpha val="30196"/>
+                </a:srgbClr>
+              </a:solidFill>
+            </a:ln>
+          </p:spPr>
+          <p:style>
+            <a:lnRef idx="1">
+              <a:schemeClr val="accent1"/>
+            </a:lnRef>
+            <a:fillRef idx="0">
+              <a:schemeClr val="accent1"/>
+            </a:fillRef>
+            <a:effectRef idx="0">
+              <a:schemeClr val="accent1"/>
+            </a:effectRef>
+            <a:fontRef idx="minor">
+              <a:schemeClr val="tx1"/>
+            </a:fontRef>
+          </p:style>
+        </p:cxnSp>
+        <p:cxnSp>
+          <p:nvCxnSpPr>
+            <p:cNvPr id="142" name="Straight Connector 141">
+              <a:extLst>
+                <a:ext uri="{FF2B5EF4-FFF2-40B4-BE49-F238E27FC236}">
+                  <a16:creationId xmlns:a16="http://schemas.microsoft.com/office/drawing/2014/main" id="{FB52E1AD-28FF-4199-B00E-A426860CE3AA}"/>
+                </a:ext>
+                <a:ext uri="{C183D7F6-B498-43B3-948B-1728B52AA6E4}">
+                  <adec:decorative xmlns:adec="http://schemas.microsoft.com/office/drawing/2017/decorative" val="1"/>
+                </a:ext>
+              </a:extLst>
+            </p:cNvPr>
+            <p:cNvCxnSpPr/>
+            <p:nvPr>
+              <p:extLst>
+                <p:ext uri="{386F3935-93C4-4BCD-93E2-E3B085C9AB24}">
+                  <p16:designElem xmlns:p16="http://schemas.microsoft.com/office/powerpoint/2015/main" val="1"/>
+                </p:ext>
+              </p:extLst>
+            </p:nvPr>
+          </p:nvCxnSpPr>
+          <p:spPr>
+            <a:xfrm rot="-720000" flipH="1">
+              <a:off x="8568008" y="387891"/>
+              <a:ext cx="3394" cy="182880"/>
+            </a:xfrm>
+            <a:prstGeom prst="line">
+              <a:avLst/>
+            </a:prstGeom>
+            <a:ln>
+              <a:solidFill>
+                <a:srgbClr val="FFFFFF">
+                  <a:alpha val="30196"/>
+                </a:srgbClr>
+              </a:solidFill>
+            </a:ln>
+          </p:spPr>
+          <p:style>
+            <a:lnRef idx="1">
+              <a:schemeClr val="accent1"/>
+            </a:lnRef>
+            <a:fillRef idx="0">
+              <a:schemeClr val="accent1"/>
+            </a:fillRef>
+            <a:effectRef idx="0">
+              <a:schemeClr val="accent1"/>
+            </a:effectRef>
+            <a:fontRef idx="minor">
+              <a:schemeClr val="tx1"/>
+            </a:fontRef>
+          </p:style>
+        </p:cxnSp>
+        <p:cxnSp>
+          <p:nvCxnSpPr>
+            <p:cNvPr id="143" name="Straight Connector 142">
+              <a:extLst>
+                <a:ext uri="{FF2B5EF4-FFF2-40B4-BE49-F238E27FC236}">
+                  <a16:creationId xmlns:a16="http://schemas.microsoft.com/office/drawing/2014/main" id="{EED0001C-A0BE-455E-B3DE-7896C92D7AB3}"/>
+                </a:ext>
+                <a:ext uri="{C183D7F6-B498-43B3-948B-1728B52AA6E4}">
+                  <adec:decorative xmlns:adec="http://schemas.microsoft.com/office/drawing/2017/decorative" val="1"/>
+                </a:ext>
+              </a:extLst>
+            </p:cNvPr>
+            <p:cNvCxnSpPr/>
+            <p:nvPr>
+              <p:extLst>
+                <p:ext uri="{386F3935-93C4-4BCD-93E2-E3B085C9AB24}">
+                  <p16:designElem xmlns:p16="http://schemas.microsoft.com/office/powerpoint/2015/main" val="1"/>
+                </p:ext>
+              </p:extLst>
+            </p:nvPr>
+          </p:nvCxnSpPr>
+          <p:spPr>
+            <a:xfrm rot="-840000" flipH="1">
+              <a:off x="8429112" y="410063"/>
+              <a:ext cx="3394" cy="182880"/>
+            </a:xfrm>
+            <a:prstGeom prst="line">
+              <a:avLst/>
+            </a:prstGeom>
+            <a:ln>
+              <a:solidFill>
+                <a:srgbClr val="FFFFFF">
+                  <a:alpha val="30196"/>
+                </a:srgbClr>
+              </a:solidFill>
+            </a:ln>
+          </p:spPr>
+          <p:style>
+            <a:lnRef idx="1">
+              <a:schemeClr val="accent1"/>
+            </a:lnRef>
+            <a:fillRef idx="0">
+              <a:schemeClr val="accent1"/>
+            </a:fillRef>
+            <a:effectRef idx="0">
+              <a:schemeClr val="accent1"/>
+            </a:effectRef>
+            <a:fontRef idx="minor">
+              <a:schemeClr val="tx1"/>
+            </a:fontRef>
+          </p:style>
+        </p:cxnSp>
+        <p:cxnSp>
+          <p:nvCxnSpPr>
+            <p:cNvPr id="144" name="Straight Connector 143">
+              <a:extLst>
+                <a:ext uri="{FF2B5EF4-FFF2-40B4-BE49-F238E27FC236}">
+                  <a16:creationId xmlns:a16="http://schemas.microsoft.com/office/drawing/2014/main" id="{319FC06C-2C6A-47E2-B879-A0EF41237BC7}"/>
+                </a:ext>
+                <a:ext uri="{C183D7F6-B498-43B3-948B-1728B52AA6E4}">
+                  <adec:decorative xmlns:adec="http://schemas.microsoft.com/office/drawing/2017/decorative" val="1"/>
+                </a:ext>
+              </a:extLst>
+            </p:cNvPr>
+            <p:cNvCxnSpPr/>
+            <p:nvPr>
+              <p:extLst>
+                <p:ext uri="{386F3935-93C4-4BCD-93E2-E3B085C9AB24}">
+                  <p16:designElem xmlns:p16="http://schemas.microsoft.com/office/powerpoint/2015/main" val="1"/>
+                </p:ext>
+              </p:extLst>
+            </p:nvPr>
+          </p:nvCxnSpPr>
+          <p:spPr>
+            <a:xfrm rot="-960000" flipH="1">
+              <a:off x="8294968" y="446219"/>
+              <a:ext cx="3394" cy="182880"/>
+            </a:xfrm>
+            <a:prstGeom prst="line">
+              <a:avLst/>
+            </a:prstGeom>
+            <a:ln>
+              <a:solidFill>
+                <a:srgbClr val="FFFFFF">
+                  <a:alpha val="30196"/>
+                </a:srgbClr>
+              </a:solidFill>
+            </a:ln>
+          </p:spPr>
+          <p:style>
+            <a:lnRef idx="1">
+              <a:schemeClr val="accent1"/>
+            </a:lnRef>
+            <a:fillRef idx="0">
+              <a:schemeClr val="accent1"/>
+            </a:fillRef>
+            <a:effectRef idx="0">
+              <a:schemeClr val="accent1"/>
+            </a:effectRef>
+            <a:fontRef idx="minor">
+              <a:schemeClr val="tx1"/>
+            </a:fontRef>
+          </p:style>
+        </p:cxnSp>
+        <p:cxnSp>
+          <p:nvCxnSpPr>
+            <p:cNvPr id="145" name="Straight Connector 144">
+              <a:extLst>
+                <a:ext uri="{FF2B5EF4-FFF2-40B4-BE49-F238E27FC236}">
+                  <a16:creationId xmlns:a16="http://schemas.microsoft.com/office/drawing/2014/main" id="{CA8873BC-1926-4114-BE10-E14FF64B0E53}"/>
+                </a:ext>
+                <a:ext uri="{C183D7F6-B498-43B3-948B-1728B52AA6E4}">
+                  <adec:decorative xmlns:adec="http://schemas.microsoft.com/office/drawing/2017/decorative" val="1"/>
+                </a:ext>
+              </a:extLst>
+            </p:cNvPr>
+            <p:cNvCxnSpPr/>
+            <p:nvPr>
+              <p:extLst>
+                <p:ext uri="{386F3935-93C4-4BCD-93E2-E3B085C9AB24}">
+                  <p16:designElem xmlns:p16="http://schemas.microsoft.com/office/powerpoint/2015/main" val="1"/>
+                </p:ext>
+              </p:extLst>
+            </p:nvPr>
+          </p:nvCxnSpPr>
+          <p:spPr>
+            <a:xfrm rot="-1080000" flipH="1">
+              <a:off x="8160824" y="482375"/>
+              <a:ext cx="3394" cy="182880"/>
+            </a:xfrm>
+            <a:prstGeom prst="line">
+              <a:avLst/>
+            </a:prstGeom>
+            <a:ln>
+              <a:solidFill>
+                <a:srgbClr val="FFFFFF">
+                  <a:alpha val="30196"/>
+                </a:srgbClr>
+              </a:solidFill>
+            </a:ln>
+          </p:spPr>
+          <p:style>
+            <a:lnRef idx="1">
+              <a:schemeClr val="accent1"/>
+            </a:lnRef>
+            <a:fillRef idx="0">
+              <a:schemeClr val="accent1"/>
+            </a:fillRef>
+            <a:effectRef idx="0">
+              <a:schemeClr val="accent1"/>
+            </a:effectRef>
+            <a:fontRef idx="minor">
+              <a:schemeClr val="tx1"/>
+            </a:fontRef>
+          </p:style>
+        </p:cxnSp>
+        <p:cxnSp>
+          <p:nvCxnSpPr>
+            <p:cNvPr id="146" name="Straight Connector 145">
+              <a:extLst>
+                <a:ext uri="{FF2B5EF4-FFF2-40B4-BE49-F238E27FC236}">
+                  <a16:creationId xmlns:a16="http://schemas.microsoft.com/office/drawing/2014/main" id="{51439012-3E51-4D74-9FF2-780C87DB0222}"/>
+                </a:ext>
+                <a:ext uri="{C183D7F6-B498-43B3-948B-1728B52AA6E4}">
+                  <adec:decorative xmlns:adec="http://schemas.microsoft.com/office/drawing/2017/decorative" val="1"/>
+                </a:ext>
+              </a:extLst>
+            </p:cNvPr>
+            <p:cNvCxnSpPr/>
+            <p:nvPr>
+              <p:extLst>
+                <p:ext uri="{386F3935-93C4-4BCD-93E2-E3B085C9AB24}">
+                  <p16:designElem xmlns:p16="http://schemas.microsoft.com/office/powerpoint/2015/main" val="1"/>
+                </p:ext>
+              </p:extLst>
+            </p:nvPr>
+          </p:nvCxnSpPr>
+          <p:spPr>
+            <a:xfrm rot="-1260000" flipH="1">
+              <a:off x="8027689" y="531848"/>
+              <a:ext cx="3394" cy="182880"/>
+            </a:xfrm>
+            <a:prstGeom prst="line">
+              <a:avLst/>
+            </a:prstGeom>
+            <a:ln>
+              <a:solidFill>
+                <a:srgbClr val="FFFFFF">
+                  <a:alpha val="30196"/>
+                </a:srgbClr>
+              </a:solidFill>
+            </a:ln>
+          </p:spPr>
+          <p:style>
+            <a:lnRef idx="1">
+              <a:schemeClr val="accent1"/>
+            </a:lnRef>
+            <a:fillRef idx="0">
+              <a:schemeClr val="accent1"/>
+            </a:fillRef>
+            <a:effectRef idx="0">
+              <a:schemeClr val="accent1"/>
+            </a:effectRef>
+            <a:fontRef idx="minor">
+              <a:schemeClr val="tx1"/>
+            </a:fontRef>
+          </p:style>
+        </p:cxnSp>
+        <p:cxnSp>
+          <p:nvCxnSpPr>
+            <p:cNvPr id="147" name="Straight Connector 146">
+              <a:extLst>
+                <a:ext uri="{FF2B5EF4-FFF2-40B4-BE49-F238E27FC236}">
+                  <a16:creationId xmlns:a16="http://schemas.microsoft.com/office/drawing/2014/main" id="{035FC7B3-BF05-4E37-882C-2A791A49416E}"/>
+                </a:ext>
+                <a:ext uri="{C183D7F6-B498-43B3-948B-1728B52AA6E4}">
+                  <adec:decorative xmlns:adec="http://schemas.microsoft.com/office/drawing/2017/decorative" val="1"/>
+                </a:ext>
+              </a:extLst>
+            </p:cNvPr>
+            <p:cNvCxnSpPr/>
+            <p:nvPr>
+              <p:extLst>
+                <p:ext uri="{386F3935-93C4-4BCD-93E2-E3B085C9AB24}">
+                  <p16:designElem xmlns:p16="http://schemas.microsoft.com/office/powerpoint/2015/main" val="1"/>
+                </p:ext>
+              </p:extLst>
+            </p:nvPr>
+          </p:nvCxnSpPr>
+          <p:spPr>
+            <a:xfrm rot="-1380000" flipH="1">
+              <a:off x="7894554" y="581321"/>
+              <a:ext cx="3394" cy="182880"/>
+            </a:xfrm>
+            <a:prstGeom prst="line">
+              <a:avLst/>
+            </a:prstGeom>
+            <a:ln>
+              <a:solidFill>
+                <a:srgbClr val="FFFFFF">
+                  <a:alpha val="30196"/>
+                </a:srgbClr>
+              </a:solidFill>
+            </a:ln>
+          </p:spPr>
+          <p:style>
+            <a:lnRef idx="1">
+              <a:schemeClr val="accent1"/>
+            </a:lnRef>
+            <a:fillRef idx="0">
+              <a:schemeClr val="accent1"/>
+            </a:fillRef>
+            <a:effectRef idx="0">
+              <a:schemeClr val="accent1"/>
+            </a:effectRef>
+            <a:fontRef idx="minor">
+              <a:schemeClr val="tx1"/>
+            </a:fontRef>
+          </p:style>
+        </p:cxnSp>
+        <p:cxnSp>
+          <p:nvCxnSpPr>
+            <p:cNvPr id="148" name="Straight Connector 147">
+              <a:extLst>
+                <a:ext uri="{FF2B5EF4-FFF2-40B4-BE49-F238E27FC236}">
+                  <a16:creationId xmlns:a16="http://schemas.microsoft.com/office/drawing/2014/main" id="{A7C567FF-44E4-4C58-959F-28D7826C3617}"/>
+                </a:ext>
+                <a:ext uri="{C183D7F6-B498-43B3-948B-1728B52AA6E4}">
+                  <adec:decorative xmlns:adec="http://schemas.microsoft.com/office/drawing/2017/decorative" val="1"/>
+                </a:ext>
+              </a:extLst>
+            </p:cNvPr>
+            <p:cNvCxnSpPr/>
+            <p:nvPr>
+              <p:extLst>
+                <p:ext uri="{386F3935-93C4-4BCD-93E2-E3B085C9AB24}">
+                  <p16:designElem xmlns:p16="http://schemas.microsoft.com/office/powerpoint/2015/main" val="1"/>
+                </p:ext>
+              </p:extLst>
+            </p:nvPr>
+          </p:nvCxnSpPr>
+          <p:spPr>
+            <a:xfrm rot="-1500000" flipH="1">
+              <a:off x="7761419" y="630794"/>
+              <a:ext cx="3394" cy="182880"/>
+            </a:xfrm>
+            <a:prstGeom prst="line">
+              <a:avLst/>
+            </a:prstGeom>
+            <a:ln>
+              <a:solidFill>
+                <a:srgbClr val="FFFFFF">
+                  <a:alpha val="30196"/>
+                </a:srgbClr>
+              </a:solidFill>
+            </a:ln>
+          </p:spPr>
+          <p:style>
+            <a:lnRef idx="1">
+              <a:schemeClr val="accent1"/>
+            </a:lnRef>
+            <a:fillRef idx="0">
+              <a:schemeClr val="accent1"/>
+            </a:fillRef>
+            <a:effectRef idx="0">
+              <a:schemeClr val="accent1"/>
+            </a:effectRef>
+            <a:fontRef idx="minor">
+              <a:schemeClr val="tx1"/>
+            </a:fontRef>
+          </p:style>
+        </p:cxnSp>
+        <p:cxnSp>
+          <p:nvCxnSpPr>
+            <p:cNvPr id="149" name="Straight Connector 148">
+              <a:extLst>
+                <a:ext uri="{FF2B5EF4-FFF2-40B4-BE49-F238E27FC236}">
+                  <a16:creationId xmlns:a16="http://schemas.microsoft.com/office/drawing/2014/main" id="{FB56B76F-8C76-4947-888A-75F5E92EF8A3}"/>
+                </a:ext>
+                <a:ext uri="{C183D7F6-B498-43B3-948B-1728B52AA6E4}">
+                  <adec:decorative xmlns:adec="http://schemas.microsoft.com/office/drawing/2017/decorative" val="1"/>
+                </a:ext>
+              </a:extLst>
+            </p:cNvPr>
+            <p:cNvCxnSpPr/>
+            <p:nvPr>
+              <p:extLst>
+                <p:ext uri="{386F3935-93C4-4BCD-93E2-E3B085C9AB24}">
+                  <p16:designElem xmlns:p16="http://schemas.microsoft.com/office/powerpoint/2015/main" val="1"/>
+                </p:ext>
+              </p:extLst>
+            </p:nvPr>
+          </p:nvCxnSpPr>
+          <p:spPr>
+            <a:xfrm rot="-1620000" flipH="1">
+              <a:off x="7636645" y="689804"/>
+              <a:ext cx="3394" cy="182880"/>
+            </a:xfrm>
+            <a:prstGeom prst="line">
+              <a:avLst/>
+            </a:prstGeom>
+            <a:ln>
+              <a:solidFill>
+                <a:srgbClr val="FFFFFF">
+                  <a:alpha val="30196"/>
+                </a:srgbClr>
+              </a:solidFill>
+            </a:ln>
+          </p:spPr>
+          <p:style>
+            <a:lnRef idx="1">
+              <a:schemeClr val="accent1"/>
+            </a:lnRef>
+            <a:fillRef idx="0">
+              <a:schemeClr val="accent1"/>
+            </a:fillRef>
+            <a:effectRef idx="0">
+              <a:schemeClr val="accent1"/>
+            </a:effectRef>
+            <a:fontRef idx="minor">
+              <a:schemeClr val="tx1"/>
+            </a:fontRef>
+          </p:style>
+        </p:cxnSp>
+        <p:cxnSp>
+          <p:nvCxnSpPr>
+            <p:cNvPr id="150" name="Straight Connector 149">
+              <a:extLst>
+                <a:ext uri="{FF2B5EF4-FFF2-40B4-BE49-F238E27FC236}">
+                  <a16:creationId xmlns:a16="http://schemas.microsoft.com/office/drawing/2014/main" id="{B18A492E-231C-4B89-B11A-A1CE7E165853}"/>
+                </a:ext>
+                <a:ext uri="{C183D7F6-B498-43B3-948B-1728B52AA6E4}">
+                  <adec:decorative xmlns:adec="http://schemas.microsoft.com/office/drawing/2017/decorative" val="1"/>
+                </a:ext>
+              </a:extLst>
+            </p:cNvPr>
+            <p:cNvCxnSpPr/>
+            <p:nvPr>
+              <p:extLst>
+                <p:ext uri="{386F3935-93C4-4BCD-93E2-E3B085C9AB24}">
+                  <p16:designElem xmlns:p16="http://schemas.microsoft.com/office/powerpoint/2015/main" val="1"/>
+                </p:ext>
+              </p:extLst>
+            </p:nvPr>
+          </p:nvCxnSpPr>
+          <p:spPr>
+            <a:xfrm rot="-1800000" flipH="1">
+              <a:off x="7511871" y="751195"/>
+              <a:ext cx="3394" cy="182880"/>
+            </a:xfrm>
+            <a:prstGeom prst="line">
+              <a:avLst/>
+            </a:prstGeom>
+            <a:ln>
+              <a:solidFill>
+                <a:srgbClr val="FFFFFF">
+                  <a:alpha val="30196"/>
+                </a:srgbClr>
+              </a:solidFill>
+            </a:ln>
+          </p:spPr>
+          <p:style>
+            <a:lnRef idx="1">
+              <a:schemeClr val="accent1"/>
+            </a:lnRef>
+            <a:fillRef idx="0">
+              <a:schemeClr val="accent1"/>
+            </a:fillRef>
+            <a:effectRef idx="0">
+              <a:schemeClr val="accent1"/>
+            </a:effectRef>
+            <a:fontRef idx="minor">
+              <a:schemeClr val="tx1"/>
+            </a:fontRef>
+          </p:style>
+        </p:cxnSp>
+        <p:cxnSp>
+          <p:nvCxnSpPr>
+            <p:cNvPr id="151" name="Straight Connector 150">
+              <a:extLst>
+                <a:ext uri="{FF2B5EF4-FFF2-40B4-BE49-F238E27FC236}">
+                  <a16:creationId xmlns:a16="http://schemas.microsoft.com/office/drawing/2014/main" id="{127E4F73-4A9F-4AA2-A6B8-3145A87A8367}"/>
+                </a:ext>
+                <a:ext uri="{C183D7F6-B498-43B3-948B-1728B52AA6E4}">
+                  <adec:decorative xmlns:adec="http://schemas.microsoft.com/office/drawing/2017/decorative" val="1"/>
+                </a:ext>
+              </a:extLst>
+            </p:cNvPr>
+            <p:cNvCxnSpPr/>
+            <p:nvPr>
+              <p:extLst>
+                <p:ext uri="{386F3935-93C4-4BCD-93E2-E3B085C9AB24}">
+                  <p16:designElem xmlns:p16="http://schemas.microsoft.com/office/powerpoint/2015/main" val="1"/>
+                </p:ext>
+              </p:extLst>
+            </p:nvPr>
+          </p:nvCxnSpPr>
+          <p:spPr>
+            <a:xfrm rot="-1920000" flipH="1">
+              <a:off x="7387899" y="819771"/>
+              <a:ext cx="3394" cy="182880"/>
+            </a:xfrm>
+            <a:prstGeom prst="line">
+              <a:avLst/>
+            </a:prstGeom>
+            <a:ln>
+              <a:solidFill>
+                <a:srgbClr val="FFFFFF">
+                  <a:alpha val="30196"/>
+                </a:srgbClr>
+              </a:solidFill>
+            </a:ln>
+          </p:spPr>
+          <p:style>
+            <a:lnRef idx="1">
+              <a:schemeClr val="accent1"/>
+            </a:lnRef>
+            <a:fillRef idx="0">
+              <a:schemeClr val="accent1"/>
+            </a:fillRef>
+            <a:effectRef idx="0">
+              <a:schemeClr val="accent1"/>
+            </a:effectRef>
+            <a:fontRef idx="minor">
+              <a:schemeClr val="tx1"/>
+            </a:fontRef>
+          </p:style>
+        </p:cxnSp>
+        <p:cxnSp>
+          <p:nvCxnSpPr>
+            <p:cNvPr id="152" name="Straight Connector 151">
+              <a:extLst>
+                <a:ext uri="{FF2B5EF4-FFF2-40B4-BE49-F238E27FC236}">
+                  <a16:creationId xmlns:a16="http://schemas.microsoft.com/office/drawing/2014/main" id="{3B2AC0D9-242E-4D92-B102-221EBD6F982A}"/>
+                </a:ext>
+                <a:ext uri="{C183D7F6-B498-43B3-948B-1728B52AA6E4}">
+                  <adec:decorative xmlns:adec="http://schemas.microsoft.com/office/drawing/2017/decorative" val="1"/>
+                </a:ext>
+              </a:extLst>
+            </p:cNvPr>
+            <p:cNvCxnSpPr/>
+            <p:nvPr>
+              <p:extLst>
+                <p:ext uri="{386F3935-93C4-4BCD-93E2-E3B085C9AB24}">
+                  <p16:designElem xmlns:p16="http://schemas.microsoft.com/office/powerpoint/2015/main" val="1"/>
+                </p:ext>
+              </p:extLst>
+            </p:nvPr>
+          </p:nvCxnSpPr>
+          <p:spPr>
+            <a:xfrm rot="-2040000" flipH="1">
+              <a:off x="7268530" y="893163"/>
+              <a:ext cx="3394" cy="182880"/>
+            </a:xfrm>
+            <a:prstGeom prst="line">
+              <a:avLst/>
+            </a:prstGeom>
+            <a:ln>
+              <a:solidFill>
+                <a:srgbClr val="FFFFFF">
+                  <a:alpha val="30196"/>
+                </a:srgbClr>
+              </a:solidFill>
+            </a:ln>
+          </p:spPr>
+          <p:style>
+            <a:lnRef idx="1">
+              <a:schemeClr val="accent1"/>
+            </a:lnRef>
+            <a:fillRef idx="0">
+              <a:schemeClr val="accent1"/>
+            </a:fillRef>
+            <a:effectRef idx="0">
+              <a:schemeClr val="accent1"/>
+            </a:effectRef>
+            <a:fontRef idx="minor">
+              <a:schemeClr val="tx1"/>
+            </a:fontRef>
+          </p:style>
+        </p:cxnSp>
+        <p:cxnSp>
+          <p:nvCxnSpPr>
+            <p:cNvPr id="153" name="Straight Connector 152">
+              <a:extLst>
+                <a:ext uri="{FF2B5EF4-FFF2-40B4-BE49-F238E27FC236}">
+                  <a16:creationId xmlns:a16="http://schemas.microsoft.com/office/drawing/2014/main" id="{AA83426A-015F-4B17-9820-E6D76A38374E}"/>
+                </a:ext>
+                <a:ext uri="{C183D7F6-B498-43B3-948B-1728B52AA6E4}">
+                  <adec:decorative xmlns:adec="http://schemas.microsoft.com/office/drawing/2017/decorative" val="1"/>
+                </a:ext>
+              </a:extLst>
+            </p:cNvPr>
+            <p:cNvCxnSpPr/>
+            <p:nvPr>
+              <p:extLst>
+                <p:ext uri="{386F3935-93C4-4BCD-93E2-E3B085C9AB24}">
+                  <p16:designElem xmlns:p16="http://schemas.microsoft.com/office/powerpoint/2015/main" val="1"/>
+                </p:ext>
+              </p:extLst>
+            </p:nvPr>
+          </p:nvCxnSpPr>
+          <p:spPr>
+            <a:xfrm rot="-2160000" flipH="1">
+              <a:off x="7152030" y="976584"/>
+              <a:ext cx="3394" cy="182880"/>
+            </a:xfrm>
+            <a:prstGeom prst="line">
+              <a:avLst/>
+            </a:prstGeom>
+            <a:ln>
+              <a:solidFill>
+                <a:srgbClr val="FFFFFF">
+                  <a:alpha val="30196"/>
+                </a:srgbClr>
+              </a:solidFill>
+            </a:ln>
+          </p:spPr>
+          <p:style>
+            <a:lnRef idx="1">
+              <a:schemeClr val="accent1"/>
+            </a:lnRef>
+            <a:fillRef idx="0">
+              <a:schemeClr val="accent1"/>
+            </a:fillRef>
+            <a:effectRef idx="0">
+              <a:schemeClr val="accent1"/>
+            </a:effectRef>
+            <a:fontRef idx="minor">
+              <a:schemeClr val="tx1"/>
+            </a:fontRef>
+          </p:style>
+        </p:cxnSp>
+        <p:cxnSp>
+          <p:nvCxnSpPr>
+            <p:cNvPr id="154" name="Straight Connector 153">
+              <a:extLst>
+                <a:ext uri="{FF2B5EF4-FFF2-40B4-BE49-F238E27FC236}">
+                  <a16:creationId xmlns:a16="http://schemas.microsoft.com/office/drawing/2014/main" id="{9C41F0A8-7466-4B03-9EE0-4A5D1517686A}"/>
+                </a:ext>
+                <a:ext uri="{C183D7F6-B498-43B3-948B-1728B52AA6E4}">
+                  <adec:decorative xmlns:adec="http://schemas.microsoft.com/office/drawing/2017/decorative" val="1"/>
+                </a:ext>
+              </a:extLst>
+            </p:cNvPr>
+            <p:cNvCxnSpPr/>
+            <p:nvPr>
+              <p:extLst>
+                <p:ext uri="{386F3935-93C4-4BCD-93E2-E3B085C9AB24}">
+                  <p16:designElem xmlns:p16="http://schemas.microsoft.com/office/powerpoint/2015/main" val="1"/>
+                </p:ext>
+              </p:extLst>
+            </p:nvPr>
+          </p:nvCxnSpPr>
+          <p:spPr>
+            <a:xfrm rot="-2340000" flipH="1">
+              <a:off x="7041695" y="1060025"/>
+              <a:ext cx="3394" cy="182880"/>
+            </a:xfrm>
+            <a:prstGeom prst="line">
+              <a:avLst/>
+            </a:prstGeom>
+            <a:ln>
+              <a:solidFill>
+                <a:srgbClr val="FFFFFF">
+                  <a:alpha val="30196"/>
+                </a:srgbClr>
+              </a:solidFill>
+            </a:ln>
+          </p:spPr>
+          <p:style>
+            <a:lnRef idx="1">
+              <a:schemeClr val="accent1"/>
+            </a:lnRef>
+            <a:fillRef idx="0">
+              <a:schemeClr val="accent1"/>
+            </a:fillRef>
+            <a:effectRef idx="0">
+              <a:schemeClr val="accent1"/>
+            </a:effectRef>
+            <a:fontRef idx="minor">
+              <a:schemeClr val="tx1"/>
+            </a:fontRef>
+          </p:style>
+        </p:cxnSp>
+        <p:cxnSp>
+          <p:nvCxnSpPr>
+            <p:cNvPr id="155" name="Straight Connector 154">
+              <a:extLst>
+                <a:ext uri="{FF2B5EF4-FFF2-40B4-BE49-F238E27FC236}">
+                  <a16:creationId xmlns:a16="http://schemas.microsoft.com/office/drawing/2014/main" id="{BD6F7B8C-9482-4E23-AA7F-9411BF837520}"/>
+                </a:ext>
+                <a:ext uri="{C183D7F6-B498-43B3-948B-1728B52AA6E4}">
+                  <adec:decorative xmlns:adec="http://schemas.microsoft.com/office/drawing/2017/decorative" val="1"/>
+                </a:ext>
+              </a:extLst>
+            </p:cNvPr>
+            <p:cNvCxnSpPr/>
+            <p:nvPr>
+              <p:extLst>
+                <p:ext uri="{386F3935-93C4-4BCD-93E2-E3B085C9AB24}">
+                  <p16:designElem xmlns:p16="http://schemas.microsoft.com/office/powerpoint/2015/main" val="1"/>
+                </p:ext>
+              </p:extLst>
+            </p:nvPr>
+          </p:nvCxnSpPr>
+          <p:spPr>
+            <a:xfrm rot="-2460000" flipH="1">
+              <a:off x="6931360" y="1143466"/>
+              <a:ext cx="3394" cy="182880"/>
+            </a:xfrm>
+            <a:prstGeom prst="line">
+              <a:avLst/>
+            </a:prstGeom>
+            <a:ln>
+              <a:solidFill>
+                <a:srgbClr val="FFFFFF">
+                  <a:alpha val="30196"/>
+                </a:srgbClr>
+              </a:solidFill>
+            </a:ln>
+          </p:spPr>
+          <p:style>
+            <a:lnRef idx="1">
+              <a:schemeClr val="accent1"/>
+            </a:lnRef>
+            <a:fillRef idx="0">
+              <a:schemeClr val="accent1"/>
+            </a:fillRef>
+            <a:effectRef idx="0">
+              <a:schemeClr val="accent1"/>
+            </a:effectRef>
+            <a:fontRef idx="minor">
+              <a:schemeClr val="tx1"/>
+            </a:fontRef>
+          </p:style>
+        </p:cxnSp>
+        <p:cxnSp>
+          <p:nvCxnSpPr>
+            <p:cNvPr id="156" name="Straight Connector 155">
+              <a:extLst>
+                <a:ext uri="{FF2B5EF4-FFF2-40B4-BE49-F238E27FC236}">
+                  <a16:creationId xmlns:a16="http://schemas.microsoft.com/office/drawing/2014/main" id="{0EE1D4E2-E92F-440B-A775-9B80D9AA0FD4}"/>
+                </a:ext>
+                <a:ext uri="{C183D7F6-B498-43B3-948B-1728B52AA6E4}">
+                  <adec:decorative xmlns:adec="http://schemas.microsoft.com/office/drawing/2017/decorative" val="1"/>
+                </a:ext>
+              </a:extLst>
+            </p:cNvPr>
+            <p:cNvCxnSpPr/>
+            <p:nvPr>
+              <p:extLst>
+                <p:ext uri="{386F3935-93C4-4BCD-93E2-E3B085C9AB24}">
+                  <p16:designElem xmlns:p16="http://schemas.microsoft.com/office/powerpoint/2015/main" val="1"/>
+                </p:ext>
+              </p:extLst>
+            </p:nvPr>
+          </p:nvCxnSpPr>
+          <p:spPr>
+            <a:xfrm rot="-2580000" flipH="1">
+              <a:off x="6819070" y="1235864"/>
+              <a:ext cx="3394" cy="182880"/>
+            </a:xfrm>
+            <a:prstGeom prst="line">
+              <a:avLst/>
+            </a:prstGeom>
+            <a:ln>
+              <a:solidFill>
+                <a:srgbClr val="FFFFFF">
+                  <a:alpha val="30196"/>
+                </a:srgbClr>
+              </a:solidFill>
+            </a:ln>
+          </p:spPr>
+          <p:style>
+            <a:lnRef idx="1">
+              <a:schemeClr val="accent1"/>
+            </a:lnRef>
+            <a:fillRef idx="0">
+              <a:schemeClr val="accent1"/>
+            </a:fillRef>
+            <a:effectRef idx="0">
+              <a:schemeClr val="accent1"/>
+            </a:effectRef>
+            <a:fontRef idx="minor">
+              <a:schemeClr val="tx1"/>
+            </a:fontRef>
+          </p:style>
+        </p:cxnSp>
+        <p:cxnSp>
+          <p:nvCxnSpPr>
+            <p:cNvPr id="157" name="Straight Connector 156">
+              <a:extLst>
+                <a:ext uri="{FF2B5EF4-FFF2-40B4-BE49-F238E27FC236}">
+                  <a16:creationId xmlns:a16="http://schemas.microsoft.com/office/drawing/2014/main" id="{B66C2472-0C84-4CEA-A6E9-5BC5A3DB309E}"/>
+                </a:ext>
+                <a:ext uri="{C183D7F6-B498-43B3-948B-1728B52AA6E4}">
+                  <adec:decorative xmlns:adec="http://schemas.microsoft.com/office/drawing/2017/decorative" val="1"/>
+                </a:ext>
+              </a:extLst>
+            </p:cNvPr>
+            <p:cNvCxnSpPr/>
+            <p:nvPr>
+              <p:extLst>
+                <p:ext uri="{386F3935-93C4-4BCD-93E2-E3B085C9AB24}">
+                  <p16:designElem xmlns:p16="http://schemas.microsoft.com/office/powerpoint/2015/main" val="1"/>
+                </p:ext>
+              </p:extLst>
+            </p:nvPr>
+          </p:nvCxnSpPr>
+          <p:spPr>
+            <a:xfrm rot="-2700000" flipH="1">
+              <a:off x="6721359" y="1332746"/>
+              <a:ext cx="3394" cy="182880"/>
+            </a:xfrm>
+            <a:prstGeom prst="line">
+              <a:avLst/>
+            </a:prstGeom>
+            <a:ln>
+              <a:solidFill>
+                <a:srgbClr val="FFFFFF">
+                  <a:alpha val="30196"/>
+                </a:srgbClr>
+              </a:solidFill>
+            </a:ln>
+          </p:spPr>
+          <p:style>
+            <a:lnRef idx="1">
+              <a:schemeClr val="accent1"/>
+            </a:lnRef>
+            <a:fillRef idx="0">
+              <a:schemeClr val="accent1"/>
+            </a:fillRef>
+            <a:effectRef idx="0">
+              <a:schemeClr val="accent1"/>
+            </a:effectRef>
+            <a:fontRef idx="minor">
+              <a:schemeClr val="tx1"/>
+            </a:fontRef>
+          </p:style>
+        </p:cxnSp>
+        <p:cxnSp>
+          <p:nvCxnSpPr>
+            <p:cNvPr id="158" name="Straight Connector 157">
+              <a:extLst>
+                <a:ext uri="{FF2B5EF4-FFF2-40B4-BE49-F238E27FC236}">
+                  <a16:creationId xmlns:a16="http://schemas.microsoft.com/office/drawing/2014/main" id="{0FF2AFF3-F889-4A9E-AEC1-FA94331B416F}"/>
+                </a:ext>
+                <a:ext uri="{C183D7F6-B498-43B3-948B-1728B52AA6E4}">
+                  <adec:decorative xmlns:adec="http://schemas.microsoft.com/office/drawing/2017/decorative" val="1"/>
+                </a:ext>
+              </a:extLst>
+            </p:cNvPr>
+            <p:cNvCxnSpPr/>
+            <p:nvPr>
+              <p:extLst>
+                <p:ext uri="{386F3935-93C4-4BCD-93E2-E3B085C9AB24}">
+                  <p16:designElem xmlns:p16="http://schemas.microsoft.com/office/powerpoint/2015/main" val="1"/>
+                </p:ext>
+              </p:extLst>
+            </p:nvPr>
+          </p:nvCxnSpPr>
+          <p:spPr>
+            <a:xfrm rot="-2880000" flipH="1">
+              <a:off x="6617467" y="1429423"/>
+              <a:ext cx="3394" cy="182880"/>
+            </a:xfrm>
+            <a:prstGeom prst="line">
+              <a:avLst/>
+            </a:prstGeom>
+            <a:ln>
+              <a:solidFill>
+                <a:srgbClr val="FFFFFF">
+                  <a:alpha val="30196"/>
+                </a:srgbClr>
+              </a:solidFill>
+            </a:ln>
+          </p:spPr>
+          <p:style>
+            <a:lnRef idx="1">
+              <a:schemeClr val="accent1"/>
+            </a:lnRef>
+            <a:fillRef idx="0">
+              <a:schemeClr val="accent1"/>
+            </a:fillRef>
+            <a:effectRef idx="0">
+              <a:schemeClr val="accent1"/>
+            </a:effectRef>
+            <a:fontRef idx="minor">
+              <a:schemeClr val="tx1"/>
+            </a:fontRef>
+          </p:style>
+        </p:cxnSp>
+        <p:cxnSp>
+          <p:nvCxnSpPr>
+            <p:cNvPr id="159" name="Straight Connector 158">
+              <a:extLst>
+                <a:ext uri="{FF2B5EF4-FFF2-40B4-BE49-F238E27FC236}">
+                  <a16:creationId xmlns:a16="http://schemas.microsoft.com/office/drawing/2014/main" id="{E1E652F4-2AFF-4616-9615-64FC697C407D}"/>
+                </a:ext>
+                <a:ext uri="{C183D7F6-B498-43B3-948B-1728B52AA6E4}">
+                  <adec:decorative xmlns:adec="http://schemas.microsoft.com/office/drawing/2017/decorative" val="1"/>
+                </a:ext>
+              </a:extLst>
+            </p:cNvPr>
+            <p:cNvCxnSpPr/>
+            <p:nvPr>
+              <p:extLst>
+                <p:ext uri="{386F3935-93C4-4BCD-93E2-E3B085C9AB24}">
+                  <p16:designElem xmlns:p16="http://schemas.microsoft.com/office/powerpoint/2015/main" val="1"/>
+                </p:ext>
+              </p:extLst>
+            </p:nvPr>
+          </p:nvCxnSpPr>
+          <p:spPr>
+            <a:xfrm rot="-3000000" flipH="1">
+              <a:off x="6520032" y="1527285"/>
+              <a:ext cx="3394" cy="182880"/>
+            </a:xfrm>
+            <a:prstGeom prst="line">
+              <a:avLst/>
+            </a:prstGeom>
+            <a:ln>
+              <a:solidFill>
+                <a:srgbClr val="FFFFFF">
+                  <a:alpha val="30196"/>
+                </a:srgbClr>
+              </a:solidFill>
+            </a:ln>
+          </p:spPr>
+          <p:style>
+            <a:lnRef idx="1">
+              <a:schemeClr val="accent1"/>
+            </a:lnRef>
+            <a:fillRef idx="0">
+              <a:schemeClr val="accent1"/>
+            </a:fillRef>
+            <a:effectRef idx="0">
+              <a:schemeClr val="accent1"/>
+            </a:effectRef>
+            <a:fontRef idx="minor">
+              <a:schemeClr val="tx1"/>
+            </a:fontRef>
+          </p:style>
+        </p:cxnSp>
+        <p:cxnSp>
+          <p:nvCxnSpPr>
+            <p:cNvPr id="160" name="Straight Connector 159">
+              <a:extLst>
+                <a:ext uri="{FF2B5EF4-FFF2-40B4-BE49-F238E27FC236}">
+                  <a16:creationId xmlns:a16="http://schemas.microsoft.com/office/drawing/2014/main" id="{D78ED91D-C9D7-49CA-8718-8E7351F7E5B8}"/>
+                </a:ext>
+                <a:ext uri="{C183D7F6-B498-43B3-948B-1728B52AA6E4}">
+                  <adec:decorative xmlns:adec="http://schemas.microsoft.com/office/drawing/2017/decorative" val="1"/>
+                </a:ext>
+              </a:extLst>
+            </p:cNvPr>
+            <p:cNvCxnSpPr/>
+            <p:nvPr>
+              <p:extLst>
+                <p:ext uri="{386F3935-93C4-4BCD-93E2-E3B085C9AB24}">
+                  <p16:designElem xmlns:p16="http://schemas.microsoft.com/office/powerpoint/2015/main" val="1"/>
+                </p:ext>
+              </p:extLst>
+            </p:nvPr>
+          </p:nvCxnSpPr>
+          <p:spPr>
+            <a:xfrm rot="-3120000" flipH="1">
+              <a:off x="6429579" y="1641610"/>
+              <a:ext cx="3394" cy="182880"/>
+            </a:xfrm>
+            <a:prstGeom prst="line">
+              <a:avLst/>
+            </a:prstGeom>
+            <a:ln>
+              <a:solidFill>
+                <a:srgbClr val="FFFFFF">
+                  <a:alpha val="30196"/>
+                </a:srgbClr>
+              </a:solidFill>
+            </a:ln>
+          </p:spPr>
+          <p:style>
+            <a:lnRef idx="1">
+              <a:schemeClr val="accent1"/>
+            </a:lnRef>
+            <a:fillRef idx="0">
+              <a:schemeClr val="accent1"/>
+            </a:fillRef>
+            <a:effectRef idx="0">
+              <a:schemeClr val="accent1"/>
+            </a:effectRef>
+            <a:fontRef idx="minor">
+              <a:schemeClr val="tx1"/>
+            </a:fontRef>
+          </p:style>
+        </p:cxnSp>
+        <p:cxnSp>
+          <p:nvCxnSpPr>
+            <p:cNvPr id="161" name="Straight Connector 160">
+              <a:extLst>
+                <a:ext uri="{FF2B5EF4-FFF2-40B4-BE49-F238E27FC236}">
+                  <a16:creationId xmlns:a16="http://schemas.microsoft.com/office/drawing/2014/main" id="{F4F29D0E-CB4D-43FB-8EFF-447A147C1454}"/>
+                </a:ext>
+                <a:ext uri="{C183D7F6-B498-43B3-948B-1728B52AA6E4}">
+                  <adec:decorative xmlns:adec="http://schemas.microsoft.com/office/drawing/2017/decorative" val="1"/>
+                </a:ext>
+              </a:extLst>
+            </p:cNvPr>
+            <p:cNvCxnSpPr/>
+            <p:nvPr>
+              <p:extLst>
+                <p:ext uri="{386F3935-93C4-4BCD-93E2-E3B085C9AB24}">
+                  <p16:designElem xmlns:p16="http://schemas.microsoft.com/office/powerpoint/2015/main" val="1"/>
+                </p:ext>
+              </p:extLst>
+            </p:nvPr>
+          </p:nvCxnSpPr>
+          <p:spPr>
+            <a:xfrm rot="-3240000" flipH="1">
+              <a:off x="6340532" y="1750423"/>
+              <a:ext cx="3394" cy="182880"/>
+            </a:xfrm>
+            <a:prstGeom prst="line">
+              <a:avLst/>
+            </a:prstGeom>
+            <a:ln>
+              <a:solidFill>
+                <a:srgbClr val="FFFFFF">
+                  <a:alpha val="30196"/>
+                </a:srgbClr>
+              </a:solidFill>
+            </a:ln>
+          </p:spPr>
+          <p:style>
+            <a:lnRef idx="1">
+              <a:schemeClr val="accent1"/>
+            </a:lnRef>
+            <a:fillRef idx="0">
+              <a:schemeClr val="accent1"/>
+            </a:fillRef>
+            <a:effectRef idx="0">
+              <a:schemeClr val="accent1"/>
+            </a:effectRef>
+            <a:fontRef idx="minor">
+              <a:schemeClr val="tx1"/>
+            </a:fontRef>
+          </p:style>
+        </p:cxnSp>
+        <p:cxnSp>
+          <p:nvCxnSpPr>
+            <p:cNvPr id="162" name="Straight Connector 161">
+              <a:extLst>
+                <a:ext uri="{FF2B5EF4-FFF2-40B4-BE49-F238E27FC236}">
+                  <a16:creationId xmlns:a16="http://schemas.microsoft.com/office/drawing/2014/main" id="{6B1D77EC-50A5-4994-A389-65C7770681CB}"/>
+                </a:ext>
+                <a:ext uri="{C183D7F6-B498-43B3-948B-1728B52AA6E4}">
+                  <adec:decorative xmlns:adec="http://schemas.microsoft.com/office/drawing/2017/decorative" val="1"/>
+                </a:ext>
+              </a:extLst>
+            </p:cNvPr>
+            <p:cNvCxnSpPr/>
+            <p:nvPr>
+              <p:extLst>
+                <p:ext uri="{386F3935-93C4-4BCD-93E2-E3B085C9AB24}">
+                  <p16:designElem xmlns:p16="http://schemas.microsoft.com/office/powerpoint/2015/main" val="1"/>
+                </p:ext>
+              </p:extLst>
+            </p:nvPr>
+          </p:nvCxnSpPr>
+          <p:spPr>
+            <a:xfrm rot="-3420000" flipH="1">
+              <a:off x="6261757" y="1860178"/>
+              <a:ext cx="3394" cy="182880"/>
+            </a:xfrm>
+            <a:prstGeom prst="line">
+              <a:avLst/>
+            </a:prstGeom>
+            <a:ln>
+              <a:solidFill>
+                <a:srgbClr val="FFFFFF">
+                  <a:alpha val="30196"/>
+                </a:srgbClr>
+              </a:solidFill>
+            </a:ln>
+          </p:spPr>
+          <p:style>
+            <a:lnRef idx="1">
+              <a:schemeClr val="accent1"/>
+            </a:lnRef>
+            <a:fillRef idx="0">
+              <a:schemeClr val="accent1"/>
+            </a:fillRef>
+            <a:effectRef idx="0">
+              <a:schemeClr val="accent1"/>
+            </a:effectRef>
+            <a:fontRef idx="minor">
+              <a:schemeClr val="tx1"/>
+            </a:fontRef>
+          </p:style>
+        </p:cxnSp>
+        <p:cxnSp>
+          <p:nvCxnSpPr>
+            <p:cNvPr id="163" name="Straight Connector 162">
+              <a:extLst>
+                <a:ext uri="{FF2B5EF4-FFF2-40B4-BE49-F238E27FC236}">
+                  <a16:creationId xmlns:a16="http://schemas.microsoft.com/office/drawing/2014/main" id="{62CDEEE6-A2B4-45C0-B942-66306583B5E2}"/>
+                </a:ext>
+                <a:ext uri="{C183D7F6-B498-43B3-948B-1728B52AA6E4}">
+                  <adec:decorative xmlns:adec="http://schemas.microsoft.com/office/drawing/2017/decorative" val="1"/>
+                </a:ext>
+              </a:extLst>
+            </p:cNvPr>
+            <p:cNvCxnSpPr/>
+            <p:nvPr>
+              <p:extLst>
+                <p:ext uri="{386F3935-93C4-4BCD-93E2-E3B085C9AB24}">
+                  <p16:designElem xmlns:p16="http://schemas.microsoft.com/office/powerpoint/2015/main" val="1"/>
+                </p:ext>
+              </p:extLst>
+            </p:nvPr>
+          </p:nvCxnSpPr>
+          <p:spPr>
+            <a:xfrm rot="-3540000" flipH="1">
+              <a:off x="6184144" y="1979619"/>
+              <a:ext cx="3394" cy="182880"/>
+            </a:xfrm>
+            <a:prstGeom prst="line">
+              <a:avLst/>
+            </a:prstGeom>
+            <a:ln>
+              <a:solidFill>
+                <a:srgbClr val="FFFFFF">
+                  <a:alpha val="30196"/>
+                </a:srgbClr>
+              </a:solidFill>
+            </a:ln>
+          </p:spPr>
+          <p:style>
+            <a:lnRef idx="1">
+              <a:schemeClr val="accent1"/>
+            </a:lnRef>
+            <a:fillRef idx="0">
+              <a:schemeClr val="accent1"/>
+            </a:fillRef>
+            <a:effectRef idx="0">
+              <a:schemeClr val="accent1"/>
+            </a:effectRef>
+            <a:fontRef idx="minor">
+              <a:schemeClr val="tx1"/>
+            </a:fontRef>
+          </p:style>
+        </p:cxnSp>
+        <p:cxnSp>
+          <p:nvCxnSpPr>
+            <p:cNvPr id="164" name="Straight Connector 163">
+              <a:extLst>
+                <a:ext uri="{FF2B5EF4-FFF2-40B4-BE49-F238E27FC236}">
+                  <a16:creationId xmlns:a16="http://schemas.microsoft.com/office/drawing/2014/main" id="{1F83B12D-91B8-4D06-9DBC-0607226B5DB4}"/>
+                </a:ext>
+                <a:ext uri="{C183D7F6-B498-43B3-948B-1728B52AA6E4}">
+                  <adec:decorative xmlns:adec="http://schemas.microsoft.com/office/drawing/2017/decorative" val="1"/>
+                </a:ext>
+              </a:extLst>
+            </p:cNvPr>
+            <p:cNvCxnSpPr/>
+            <p:nvPr>
+              <p:extLst>
+                <p:ext uri="{386F3935-93C4-4BCD-93E2-E3B085C9AB24}">
+                  <p16:designElem xmlns:p16="http://schemas.microsoft.com/office/powerpoint/2015/main" val="1"/>
+                </p:ext>
+              </p:extLst>
+            </p:nvPr>
+          </p:nvCxnSpPr>
+          <p:spPr>
+            <a:xfrm rot="-3660000" flipH="1">
+              <a:off x="6106531" y="2099060"/>
+              <a:ext cx="3394" cy="182880"/>
+            </a:xfrm>
+            <a:prstGeom prst="line">
+              <a:avLst/>
+            </a:prstGeom>
+            <a:ln>
+              <a:solidFill>
+                <a:srgbClr val="FFFFFF">
+                  <a:alpha val="30196"/>
+                </a:srgbClr>
+              </a:solidFill>
+            </a:ln>
+          </p:spPr>
+          <p:style>
+            <a:lnRef idx="1">
+              <a:schemeClr val="accent1"/>
+            </a:lnRef>
+            <a:fillRef idx="0">
+              <a:schemeClr val="accent1"/>
+            </a:fillRef>
+            <a:effectRef idx="0">
+              <a:schemeClr val="accent1"/>
+            </a:effectRef>
+            <a:fontRef idx="minor">
+              <a:schemeClr val="tx1"/>
+            </a:fontRef>
+          </p:style>
+        </p:cxnSp>
+        <p:cxnSp>
+          <p:nvCxnSpPr>
+            <p:cNvPr id="165" name="Straight Connector 164">
+              <a:extLst>
+                <a:ext uri="{FF2B5EF4-FFF2-40B4-BE49-F238E27FC236}">
+                  <a16:creationId xmlns:a16="http://schemas.microsoft.com/office/drawing/2014/main" id="{A25594B9-1F75-4E14-AF9B-806D06683B9D}"/>
+                </a:ext>
+                <a:ext uri="{C183D7F6-B498-43B3-948B-1728B52AA6E4}">
+                  <adec:decorative xmlns:adec="http://schemas.microsoft.com/office/drawing/2017/decorative" val="1"/>
+                </a:ext>
+              </a:extLst>
+            </p:cNvPr>
+            <p:cNvCxnSpPr/>
+            <p:nvPr>
+              <p:extLst>
+                <p:ext uri="{386F3935-93C4-4BCD-93E2-E3B085C9AB24}">
+                  <p16:designElem xmlns:p16="http://schemas.microsoft.com/office/powerpoint/2015/main" val="1"/>
+                </p:ext>
+              </p:extLst>
+            </p:nvPr>
+          </p:nvCxnSpPr>
+          <p:spPr>
+            <a:xfrm rot="-3780000" flipH="1">
+              <a:off x="6043206" y="2222556"/>
+              <a:ext cx="3394" cy="182880"/>
+            </a:xfrm>
+            <a:prstGeom prst="line">
+              <a:avLst/>
+            </a:prstGeom>
+            <a:ln>
+              <a:solidFill>
+                <a:srgbClr val="FFFFFF">
+                  <a:alpha val="30196"/>
+                </a:srgbClr>
+              </a:solidFill>
+            </a:ln>
+          </p:spPr>
+          <p:style>
+            <a:lnRef idx="1">
+              <a:schemeClr val="accent1"/>
+            </a:lnRef>
+            <a:fillRef idx="0">
+              <a:schemeClr val="accent1"/>
+            </a:fillRef>
+            <a:effectRef idx="0">
+              <a:schemeClr val="accent1"/>
+            </a:effectRef>
+            <a:fontRef idx="minor">
+              <a:schemeClr val="tx1"/>
+            </a:fontRef>
+          </p:style>
+        </p:cxnSp>
+        <p:cxnSp>
+          <p:nvCxnSpPr>
+            <p:cNvPr id="166" name="Straight Connector 165">
+              <a:extLst>
+                <a:ext uri="{FF2B5EF4-FFF2-40B4-BE49-F238E27FC236}">
+                  <a16:creationId xmlns:a16="http://schemas.microsoft.com/office/drawing/2014/main" id="{6E447488-CCC0-4267-BD73-6DC2775B1ADA}"/>
+                </a:ext>
+                <a:ext uri="{C183D7F6-B498-43B3-948B-1728B52AA6E4}">
+                  <adec:decorative xmlns:adec="http://schemas.microsoft.com/office/drawing/2017/decorative" val="1"/>
+                </a:ext>
+              </a:extLst>
+            </p:cNvPr>
+            <p:cNvCxnSpPr/>
+            <p:nvPr>
+              <p:extLst>
+                <p:ext uri="{386F3935-93C4-4BCD-93E2-E3B085C9AB24}">
+                  <p16:designElem xmlns:p16="http://schemas.microsoft.com/office/powerpoint/2015/main" val="1"/>
+                </p:ext>
+              </p:extLst>
+            </p:nvPr>
+          </p:nvCxnSpPr>
+          <p:spPr>
+            <a:xfrm rot="-3960000" flipH="1">
+              <a:off x="5978913" y="2344301"/>
+              <a:ext cx="3394" cy="182880"/>
+            </a:xfrm>
+            <a:prstGeom prst="line">
+              <a:avLst/>
+            </a:prstGeom>
+            <a:ln>
+              <a:solidFill>
+                <a:srgbClr val="FFFFFF">
+                  <a:alpha val="30196"/>
+                </a:srgbClr>
+              </a:solidFill>
+            </a:ln>
+          </p:spPr>
+          <p:style>
+            <a:lnRef idx="1">
+              <a:schemeClr val="accent1"/>
+            </a:lnRef>
+            <a:fillRef idx="0">
+              <a:schemeClr val="accent1"/>
+            </a:fillRef>
+            <a:effectRef idx="0">
+              <a:schemeClr val="accent1"/>
+            </a:effectRef>
+            <a:fontRef idx="minor">
+              <a:schemeClr val="tx1"/>
+            </a:fontRef>
+          </p:style>
+        </p:cxnSp>
+        <p:cxnSp>
+          <p:nvCxnSpPr>
+            <p:cNvPr id="167" name="Straight Connector 166">
+              <a:extLst>
+                <a:ext uri="{FF2B5EF4-FFF2-40B4-BE49-F238E27FC236}">
+                  <a16:creationId xmlns:a16="http://schemas.microsoft.com/office/drawing/2014/main" id="{B7E2176D-B76F-494D-AEE5-BC0E445D8CAE}"/>
+                </a:ext>
+                <a:ext uri="{C183D7F6-B498-43B3-948B-1728B52AA6E4}">
+                  <adec:decorative xmlns:adec="http://schemas.microsoft.com/office/drawing/2017/decorative" val="1"/>
+                </a:ext>
+              </a:extLst>
+            </p:cNvPr>
+            <p:cNvCxnSpPr/>
+            <p:nvPr>
+              <p:extLst>
+                <p:ext uri="{386F3935-93C4-4BCD-93E2-E3B085C9AB24}">
+                  <p16:designElem xmlns:p16="http://schemas.microsoft.com/office/powerpoint/2015/main" val="1"/>
+                </p:ext>
+              </p:extLst>
+            </p:nvPr>
+          </p:nvCxnSpPr>
+          <p:spPr>
+            <a:xfrm rot="-4080000" flipH="1">
+              <a:off x="5912438" y="2470678"/>
+              <a:ext cx="3394" cy="182880"/>
+            </a:xfrm>
+            <a:prstGeom prst="line">
+              <a:avLst/>
+            </a:prstGeom>
+            <a:ln>
+              <a:solidFill>
+                <a:srgbClr val="FFFFFF">
+                  <a:alpha val="30196"/>
+                </a:srgbClr>
+              </a:solidFill>
+            </a:ln>
+          </p:spPr>
+          <p:style>
+            <a:lnRef idx="1">
+              <a:schemeClr val="accent1"/>
+            </a:lnRef>
+            <a:fillRef idx="0">
+              <a:schemeClr val="accent1"/>
+            </a:fillRef>
+            <a:effectRef idx="0">
+              <a:schemeClr val="accent1"/>
+            </a:effectRef>
+            <a:fontRef idx="minor">
+              <a:schemeClr val="tx1"/>
+            </a:fontRef>
+          </p:style>
+        </p:cxnSp>
+        <p:cxnSp>
+          <p:nvCxnSpPr>
+            <p:cNvPr id="168" name="Straight Connector 167">
+              <a:extLst>
+                <a:ext uri="{FF2B5EF4-FFF2-40B4-BE49-F238E27FC236}">
+                  <a16:creationId xmlns:a16="http://schemas.microsoft.com/office/drawing/2014/main" id="{DBD50096-36E6-4DE9-AEB8-A360216DC264}"/>
+                </a:ext>
+                <a:ext uri="{C183D7F6-B498-43B3-948B-1728B52AA6E4}">
+                  <adec:decorative xmlns:adec="http://schemas.microsoft.com/office/drawing/2017/decorative" val="1"/>
+                </a:ext>
+              </a:extLst>
+            </p:cNvPr>
+            <p:cNvCxnSpPr/>
+            <p:nvPr>
+              <p:extLst>
+                <p:ext uri="{386F3935-93C4-4BCD-93E2-E3B085C9AB24}">
+                  <p16:designElem xmlns:p16="http://schemas.microsoft.com/office/powerpoint/2015/main" val="1"/>
+                </p:ext>
+              </p:extLst>
+            </p:nvPr>
+          </p:nvCxnSpPr>
+          <p:spPr>
+            <a:xfrm rot="-4200000" flipH="1">
+              <a:off x="5858875" y="2600922"/>
+              <a:ext cx="3394" cy="182880"/>
+            </a:xfrm>
+            <a:prstGeom prst="line">
+              <a:avLst/>
+            </a:prstGeom>
+            <a:ln>
+              <a:solidFill>
+                <a:srgbClr val="FFFFFF">
+                  <a:alpha val="30196"/>
+                </a:srgbClr>
+              </a:solidFill>
+            </a:ln>
+          </p:spPr>
+          <p:style>
+            <a:lnRef idx="1">
+              <a:schemeClr val="accent1"/>
+            </a:lnRef>
+            <a:fillRef idx="0">
+              <a:schemeClr val="accent1"/>
+            </a:fillRef>
+            <a:effectRef idx="0">
+              <a:schemeClr val="accent1"/>
+            </a:effectRef>
+            <a:fontRef idx="minor">
+              <a:schemeClr val="tx1"/>
+            </a:fontRef>
+          </p:style>
+        </p:cxnSp>
+        <p:cxnSp>
+          <p:nvCxnSpPr>
+            <p:cNvPr id="169" name="Straight Connector 168">
+              <a:extLst>
+                <a:ext uri="{FF2B5EF4-FFF2-40B4-BE49-F238E27FC236}">
+                  <a16:creationId xmlns:a16="http://schemas.microsoft.com/office/drawing/2014/main" id="{0D6F891C-00E0-46CF-8138-64A70AEEA280}"/>
+                </a:ext>
+                <a:ext uri="{C183D7F6-B498-43B3-948B-1728B52AA6E4}">
+                  <adec:decorative xmlns:adec="http://schemas.microsoft.com/office/drawing/2017/decorative" val="1"/>
+                </a:ext>
+              </a:extLst>
+            </p:cNvPr>
+            <p:cNvCxnSpPr/>
+            <p:nvPr>
+              <p:extLst>
+                <p:ext uri="{386F3935-93C4-4BCD-93E2-E3B085C9AB24}">
+                  <p16:designElem xmlns:p16="http://schemas.microsoft.com/office/powerpoint/2015/main" val="1"/>
+                </p:ext>
+              </p:extLst>
+            </p:nvPr>
+          </p:nvCxnSpPr>
+          <p:spPr>
+            <a:xfrm rot="-4320000" flipH="1">
+              <a:off x="5808182" y="2734040"/>
+              <a:ext cx="3394" cy="182880"/>
+            </a:xfrm>
+            <a:prstGeom prst="line">
+              <a:avLst/>
+            </a:prstGeom>
+            <a:ln>
+              <a:solidFill>
+                <a:srgbClr val="FFFFFF">
+                  <a:alpha val="30196"/>
+                </a:srgbClr>
+              </a:solidFill>
+            </a:ln>
+          </p:spPr>
+          <p:style>
+            <a:lnRef idx="1">
+              <a:schemeClr val="accent1"/>
+            </a:lnRef>
+            <a:fillRef idx="0">
+              <a:schemeClr val="accent1"/>
+            </a:fillRef>
+            <a:effectRef idx="0">
+              <a:schemeClr val="accent1"/>
+            </a:effectRef>
+            <a:fontRef idx="minor">
+              <a:schemeClr val="tx1"/>
+            </a:fontRef>
+          </p:style>
+        </p:cxnSp>
+        <p:cxnSp>
+          <p:nvCxnSpPr>
+            <p:cNvPr id="170" name="Straight Connector 169">
+              <a:extLst>
+                <a:ext uri="{FF2B5EF4-FFF2-40B4-BE49-F238E27FC236}">
+                  <a16:creationId xmlns:a16="http://schemas.microsoft.com/office/drawing/2014/main" id="{4D117AD0-1882-4AD9-A765-EDB9B21C532F}"/>
+                </a:ext>
+                <a:ext uri="{C183D7F6-B498-43B3-948B-1728B52AA6E4}">
+                  <adec:decorative xmlns:adec="http://schemas.microsoft.com/office/drawing/2017/decorative" val="1"/>
+                </a:ext>
+              </a:extLst>
+            </p:cNvPr>
+            <p:cNvCxnSpPr/>
+            <p:nvPr>
+              <p:extLst>
+                <p:ext uri="{386F3935-93C4-4BCD-93E2-E3B085C9AB24}">
+                  <p16:designElem xmlns:p16="http://schemas.microsoft.com/office/powerpoint/2015/main" val="1"/>
+                </p:ext>
+              </p:extLst>
+            </p:nvPr>
+          </p:nvCxnSpPr>
+          <p:spPr>
+            <a:xfrm rot="-4500000" flipH="1">
+              <a:off x="5773263" y="2866860"/>
+              <a:ext cx="3394" cy="182880"/>
+            </a:xfrm>
+            <a:prstGeom prst="line">
+              <a:avLst/>
+            </a:prstGeom>
+            <a:ln>
+              <a:solidFill>
+                <a:srgbClr val="FFFFFF">
+                  <a:alpha val="30196"/>
+                </a:srgbClr>
+              </a:solidFill>
+            </a:ln>
+          </p:spPr>
+          <p:style>
+            <a:lnRef idx="1">
+              <a:schemeClr val="accent1"/>
+            </a:lnRef>
+            <a:fillRef idx="0">
+              <a:schemeClr val="accent1"/>
+            </a:fillRef>
+            <a:effectRef idx="0">
+              <a:schemeClr val="accent1"/>
+            </a:effectRef>
+            <a:fontRef idx="minor">
+              <a:schemeClr val="tx1"/>
+            </a:fontRef>
+          </p:style>
+        </p:cxnSp>
+        <p:cxnSp>
+          <p:nvCxnSpPr>
+            <p:cNvPr id="171" name="Straight Connector 170">
+              <a:extLst>
+                <a:ext uri="{FF2B5EF4-FFF2-40B4-BE49-F238E27FC236}">
+                  <a16:creationId xmlns:a16="http://schemas.microsoft.com/office/drawing/2014/main" id="{DDFCFFB0-2E4B-4B50-9297-42B1F1D5D5F5}"/>
+                </a:ext>
+                <a:ext uri="{C183D7F6-B498-43B3-948B-1728B52AA6E4}">
+                  <adec:decorative xmlns:adec="http://schemas.microsoft.com/office/drawing/2017/decorative" val="1"/>
+                </a:ext>
+              </a:extLst>
+            </p:cNvPr>
+            <p:cNvCxnSpPr/>
+            <p:nvPr>
+              <p:extLst>
+                <p:ext uri="{386F3935-93C4-4BCD-93E2-E3B085C9AB24}">
+                  <p16:designElem xmlns:p16="http://schemas.microsoft.com/office/powerpoint/2015/main" val="1"/>
+                </p:ext>
+              </p:extLst>
+            </p:nvPr>
+          </p:nvCxnSpPr>
+          <p:spPr>
+            <a:xfrm rot="-4620000" flipH="1">
+              <a:off x="5735963" y="3002061"/>
+              <a:ext cx="3394" cy="182880"/>
+            </a:xfrm>
+            <a:prstGeom prst="line">
+              <a:avLst/>
+            </a:prstGeom>
+            <a:ln>
+              <a:solidFill>
+                <a:srgbClr val="FFFFFF">
+                  <a:alpha val="30196"/>
+                </a:srgbClr>
+              </a:solidFill>
+            </a:ln>
+          </p:spPr>
+          <p:style>
+            <a:lnRef idx="1">
+              <a:schemeClr val="accent1"/>
+            </a:lnRef>
+            <a:fillRef idx="0">
+              <a:schemeClr val="accent1"/>
+            </a:fillRef>
+            <a:effectRef idx="0">
+              <a:schemeClr val="accent1"/>
+            </a:effectRef>
+            <a:fontRef idx="minor">
+              <a:schemeClr val="tx1"/>
+            </a:fontRef>
+          </p:style>
+        </p:cxnSp>
+        <p:cxnSp>
+          <p:nvCxnSpPr>
+            <p:cNvPr id="172" name="Straight Connector 171">
+              <a:extLst>
+                <a:ext uri="{FF2B5EF4-FFF2-40B4-BE49-F238E27FC236}">
+                  <a16:creationId xmlns:a16="http://schemas.microsoft.com/office/drawing/2014/main" id="{F66C79DB-E90E-4192-9A64-34FA2EB5DB3A}"/>
+                </a:ext>
+                <a:ext uri="{C183D7F6-B498-43B3-948B-1728B52AA6E4}">
+                  <adec:decorative xmlns:adec="http://schemas.microsoft.com/office/drawing/2017/decorative" val="1"/>
+                </a:ext>
+              </a:extLst>
+            </p:cNvPr>
+            <p:cNvCxnSpPr/>
+            <p:nvPr>
+              <p:extLst>
+                <p:ext uri="{386F3935-93C4-4BCD-93E2-E3B085C9AB24}">
+                  <p16:designElem xmlns:p16="http://schemas.microsoft.com/office/powerpoint/2015/main" val="1"/>
+                </p:ext>
+              </p:extLst>
+            </p:nvPr>
+          </p:nvCxnSpPr>
+          <p:spPr>
+            <a:xfrm rot="-4740000" flipH="1">
+              <a:off x="5700105" y="3138910"/>
+              <a:ext cx="3394" cy="182880"/>
+            </a:xfrm>
+            <a:prstGeom prst="line">
+              <a:avLst/>
+            </a:prstGeom>
+            <a:ln>
+              <a:solidFill>
+                <a:srgbClr val="FFFFFF">
+                  <a:alpha val="30196"/>
+                </a:srgbClr>
+              </a:solidFill>
+            </a:ln>
+          </p:spPr>
+          <p:style>
+            <a:lnRef idx="1">
+              <a:schemeClr val="accent1"/>
+            </a:lnRef>
+            <a:fillRef idx="0">
+              <a:schemeClr val="accent1"/>
+            </a:fillRef>
+            <a:effectRef idx="0">
+              <a:schemeClr val="accent1"/>
+            </a:effectRef>
+            <a:fontRef idx="minor">
+              <a:schemeClr val="tx1"/>
+            </a:fontRef>
+          </p:style>
+        </p:cxnSp>
+        <p:cxnSp>
+          <p:nvCxnSpPr>
+            <p:cNvPr id="173" name="Straight Connector 172">
+              <a:extLst>
+                <a:ext uri="{FF2B5EF4-FFF2-40B4-BE49-F238E27FC236}">
+                  <a16:creationId xmlns:a16="http://schemas.microsoft.com/office/drawing/2014/main" id="{143FC299-982A-4307-97E4-00A1BDAEB734}"/>
+                </a:ext>
+                <a:ext uri="{C183D7F6-B498-43B3-948B-1728B52AA6E4}">
+                  <adec:decorative xmlns:adec="http://schemas.microsoft.com/office/drawing/2017/decorative" val="1"/>
+                </a:ext>
+              </a:extLst>
+            </p:cNvPr>
+            <p:cNvCxnSpPr/>
+            <p:nvPr>
+              <p:extLst>
+                <p:ext uri="{386F3935-93C4-4BCD-93E2-E3B085C9AB24}">
+                  <p16:designElem xmlns:p16="http://schemas.microsoft.com/office/powerpoint/2015/main" val="1"/>
+                </p:ext>
+              </p:extLst>
+            </p:nvPr>
+          </p:nvCxnSpPr>
+          <p:spPr>
+            <a:xfrm rot="-4860000" flipH="1">
+              <a:off x="5665939" y="3275489"/>
+              <a:ext cx="3394" cy="182880"/>
+            </a:xfrm>
+            <a:prstGeom prst="line">
+              <a:avLst/>
+            </a:prstGeom>
+            <a:ln>
+              <a:solidFill>
+                <a:srgbClr val="FFFFFF">
+                  <a:alpha val="30196"/>
+                </a:srgbClr>
+              </a:solidFill>
+            </a:ln>
+          </p:spPr>
+          <p:style>
+            <a:lnRef idx="1">
+              <a:schemeClr val="accent1"/>
+            </a:lnRef>
+            <a:fillRef idx="0">
+              <a:schemeClr val="accent1"/>
+            </a:fillRef>
+            <a:effectRef idx="0">
+              <a:schemeClr val="accent1"/>
+            </a:effectRef>
+            <a:fontRef idx="minor">
+              <a:schemeClr val="tx1"/>
+            </a:fontRef>
+          </p:style>
+        </p:cxnSp>
+        <p:cxnSp>
+          <p:nvCxnSpPr>
+            <p:cNvPr id="174" name="Straight Connector 173">
+              <a:extLst>
+                <a:ext uri="{FF2B5EF4-FFF2-40B4-BE49-F238E27FC236}">
+                  <a16:creationId xmlns:a16="http://schemas.microsoft.com/office/drawing/2014/main" id="{3A76C799-63FA-4767-A0FA-E018EF6EE284}"/>
+                </a:ext>
+                <a:ext uri="{C183D7F6-B498-43B3-948B-1728B52AA6E4}">
+                  <adec:decorative xmlns:adec="http://schemas.microsoft.com/office/drawing/2017/decorative" val="1"/>
+                </a:ext>
+              </a:extLst>
+            </p:cNvPr>
+            <p:cNvCxnSpPr/>
+            <p:nvPr>
+              <p:extLst>
+                <p:ext uri="{386F3935-93C4-4BCD-93E2-E3B085C9AB24}">
+                  <p16:designElem xmlns:p16="http://schemas.microsoft.com/office/powerpoint/2015/main" val="1"/>
+                </p:ext>
+              </p:extLst>
+            </p:nvPr>
+          </p:nvCxnSpPr>
+          <p:spPr>
+            <a:xfrm rot="-5040000" flipH="1">
+              <a:off x="5644476" y="3414251"/>
+              <a:ext cx="3394" cy="182880"/>
+            </a:xfrm>
+            <a:prstGeom prst="line">
+              <a:avLst/>
+            </a:prstGeom>
+            <a:ln>
+              <a:solidFill>
+                <a:srgbClr val="FFFFFF">
+                  <a:alpha val="30196"/>
+                </a:srgbClr>
+              </a:solidFill>
+            </a:ln>
+          </p:spPr>
+          <p:style>
+            <a:lnRef idx="1">
+              <a:schemeClr val="accent1"/>
+            </a:lnRef>
+            <a:fillRef idx="0">
+              <a:schemeClr val="accent1"/>
+            </a:fillRef>
+            <a:effectRef idx="0">
+              <a:schemeClr val="accent1"/>
+            </a:effectRef>
+            <a:fontRef idx="minor">
+              <a:schemeClr val="tx1"/>
+            </a:fontRef>
+          </p:style>
+        </p:cxnSp>
+        <p:cxnSp>
+          <p:nvCxnSpPr>
+            <p:cNvPr id="175" name="Straight Connector 174">
+              <a:extLst>
+                <a:ext uri="{FF2B5EF4-FFF2-40B4-BE49-F238E27FC236}">
+                  <a16:creationId xmlns:a16="http://schemas.microsoft.com/office/drawing/2014/main" id="{F22B23C3-FCEF-4BFC-AD03-17D92E07AD66}"/>
+                </a:ext>
+                <a:ext uri="{C183D7F6-B498-43B3-948B-1728B52AA6E4}">
+                  <adec:decorative xmlns:adec="http://schemas.microsoft.com/office/drawing/2017/decorative" val="1"/>
+                </a:ext>
+              </a:extLst>
+            </p:cNvPr>
+            <p:cNvCxnSpPr/>
+            <p:nvPr>
+              <p:extLst>
+                <p:ext uri="{386F3935-93C4-4BCD-93E2-E3B085C9AB24}">
+                  <p16:designElem xmlns:p16="http://schemas.microsoft.com/office/powerpoint/2015/main" val="1"/>
+                </p:ext>
+              </p:extLst>
+            </p:nvPr>
+          </p:nvCxnSpPr>
+          <p:spPr>
+            <a:xfrm rot="-5160000" flipH="1">
+              <a:off x="5626530" y="3554628"/>
+              <a:ext cx="3394" cy="182880"/>
+            </a:xfrm>
+            <a:prstGeom prst="line">
+              <a:avLst/>
+            </a:prstGeom>
+            <a:ln>
+              <a:solidFill>
+                <a:srgbClr val="FFFFFF">
+                  <a:alpha val="30196"/>
+                </a:srgbClr>
+              </a:solidFill>
+            </a:ln>
+          </p:spPr>
+          <p:style>
+            <a:lnRef idx="1">
+              <a:schemeClr val="accent1"/>
+            </a:lnRef>
+            <a:fillRef idx="0">
+              <a:schemeClr val="accent1"/>
+            </a:fillRef>
+            <a:effectRef idx="0">
+              <a:schemeClr val="accent1"/>
+            </a:effectRef>
+            <a:fontRef idx="minor">
+              <a:schemeClr val="tx1"/>
+            </a:fontRef>
+          </p:style>
+        </p:cxnSp>
+        <p:cxnSp>
+          <p:nvCxnSpPr>
+            <p:cNvPr id="176" name="Straight Connector 175">
+              <a:extLst>
+                <a:ext uri="{FF2B5EF4-FFF2-40B4-BE49-F238E27FC236}">
+                  <a16:creationId xmlns:a16="http://schemas.microsoft.com/office/drawing/2014/main" id="{EBF5C56D-9DBE-454E-A584-422E5FB2F865}"/>
+                </a:ext>
+                <a:ext uri="{C183D7F6-B498-43B3-948B-1728B52AA6E4}">
+                  <adec:decorative xmlns:adec="http://schemas.microsoft.com/office/drawing/2017/decorative" val="1"/>
+                </a:ext>
+              </a:extLst>
+            </p:cNvPr>
+            <p:cNvCxnSpPr/>
+            <p:nvPr>
+              <p:extLst>
+                <p:ext uri="{386F3935-93C4-4BCD-93E2-E3B085C9AB24}">
+                  <p16:designElem xmlns:p16="http://schemas.microsoft.com/office/powerpoint/2015/main" val="1"/>
+                </p:ext>
+              </p:extLst>
+            </p:nvPr>
+          </p:nvCxnSpPr>
+          <p:spPr>
+            <a:xfrm rot="-5280000" flipH="1">
+              <a:off x="5616429" y="3691831"/>
+              <a:ext cx="3394" cy="182880"/>
+            </a:xfrm>
+            <a:prstGeom prst="line">
+              <a:avLst/>
+            </a:prstGeom>
+            <a:ln>
+              <a:solidFill>
+                <a:srgbClr val="FFFFFF">
+                  <a:alpha val="30196"/>
+                </a:srgbClr>
+              </a:solidFill>
+            </a:ln>
+          </p:spPr>
+          <p:style>
+            <a:lnRef idx="1">
+              <a:schemeClr val="accent1"/>
+            </a:lnRef>
+            <a:fillRef idx="0">
+              <a:schemeClr val="accent1"/>
+            </a:fillRef>
+            <a:effectRef idx="0">
+              <a:schemeClr val="accent1"/>
+            </a:effectRef>
+            <a:fontRef idx="minor">
+              <a:schemeClr val="tx1"/>
+            </a:fontRef>
+          </p:style>
+        </p:cxnSp>
+        <p:cxnSp>
+          <p:nvCxnSpPr>
+            <p:cNvPr id="177" name="Straight Connector 176">
+              <a:extLst>
+                <a:ext uri="{FF2B5EF4-FFF2-40B4-BE49-F238E27FC236}">
+                  <a16:creationId xmlns:a16="http://schemas.microsoft.com/office/drawing/2014/main" id="{4608B5A8-9FAA-4DC0-87FC-F4D879ABE8C8}"/>
+                </a:ext>
+                <a:ext uri="{C183D7F6-B498-43B3-948B-1728B52AA6E4}">
+                  <adec:decorative xmlns:adec="http://schemas.microsoft.com/office/drawing/2017/decorative" val="1"/>
+                </a:ext>
+              </a:extLst>
+            </p:cNvPr>
+            <p:cNvCxnSpPr/>
+            <p:nvPr>
+              <p:extLst>
+                <p:ext uri="{386F3935-93C4-4BCD-93E2-E3B085C9AB24}">
+                  <p16:designElem xmlns:p16="http://schemas.microsoft.com/office/powerpoint/2015/main" val="1"/>
+                </p:ext>
+              </p:extLst>
+            </p:nvPr>
+          </p:nvCxnSpPr>
+          <p:spPr>
+            <a:xfrm rot="-5400000" flipH="1">
+              <a:off x="5611319" y="3835374"/>
+              <a:ext cx="3394" cy="182880"/>
+            </a:xfrm>
+            <a:prstGeom prst="line">
+              <a:avLst/>
+            </a:prstGeom>
+            <a:ln>
+              <a:solidFill>
+                <a:srgbClr val="FFFFFF">
+                  <a:alpha val="30196"/>
+                </a:srgbClr>
+              </a:solidFill>
+            </a:ln>
+          </p:spPr>
+          <p:style>
+            <a:lnRef idx="1">
+              <a:schemeClr val="accent1"/>
+            </a:lnRef>
+            <a:fillRef idx="0">
+              <a:schemeClr val="accent1"/>
+            </a:fillRef>
+            <a:effectRef idx="0">
+              <a:schemeClr val="accent1"/>
+            </a:effectRef>
+            <a:fontRef idx="minor">
+              <a:schemeClr val="tx1"/>
+            </a:fontRef>
+          </p:style>
+        </p:cxnSp>
+        <p:cxnSp>
+          <p:nvCxnSpPr>
+            <p:cNvPr id="178" name="Straight Connector 177">
+              <a:extLst>
+                <a:ext uri="{FF2B5EF4-FFF2-40B4-BE49-F238E27FC236}">
+                  <a16:creationId xmlns:a16="http://schemas.microsoft.com/office/drawing/2014/main" id="{3B279D37-02D4-4925-B2DD-3765F65F7EBD}"/>
+                </a:ext>
+                <a:ext uri="{C183D7F6-B498-43B3-948B-1728B52AA6E4}">
+                  <adec:decorative xmlns:adec="http://schemas.microsoft.com/office/drawing/2017/decorative" val="1"/>
+                </a:ext>
+              </a:extLst>
+            </p:cNvPr>
+            <p:cNvCxnSpPr/>
+            <p:nvPr>
+              <p:extLst>
+                <p:ext uri="{386F3935-93C4-4BCD-93E2-E3B085C9AB24}">
+                  <p16:designElem xmlns:p16="http://schemas.microsoft.com/office/powerpoint/2015/main" val="1"/>
+                </p:ext>
+              </p:extLst>
+            </p:nvPr>
+          </p:nvCxnSpPr>
+          <p:spPr>
+            <a:xfrm rot="-5580000" flipH="1">
+              <a:off x="5608540" y="3975726"/>
+              <a:ext cx="3394" cy="182880"/>
+            </a:xfrm>
+            <a:prstGeom prst="line">
+              <a:avLst/>
+            </a:prstGeom>
+            <a:ln>
+              <a:solidFill>
+                <a:srgbClr val="FFFFFF">
+                  <a:alpha val="30196"/>
+                </a:srgbClr>
+              </a:solidFill>
+            </a:ln>
+          </p:spPr>
+          <p:style>
+            <a:lnRef idx="1">
+              <a:schemeClr val="accent1"/>
+            </a:lnRef>
+            <a:fillRef idx="0">
+              <a:schemeClr val="accent1"/>
+            </a:fillRef>
+            <a:effectRef idx="0">
+              <a:schemeClr val="accent1"/>
+            </a:effectRef>
+            <a:fontRef idx="minor">
+              <a:schemeClr val="tx1"/>
+            </a:fontRef>
+          </p:style>
+        </p:cxnSp>
+        <p:cxnSp>
+          <p:nvCxnSpPr>
+            <p:cNvPr id="179" name="Straight Connector 178">
+              <a:extLst>
+                <a:ext uri="{FF2B5EF4-FFF2-40B4-BE49-F238E27FC236}">
+                  <a16:creationId xmlns:a16="http://schemas.microsoft.com/office/drawing/2014/main" id="{9E72009F-1FFC-4EDB-9C18-EB0F5E8B9E2D}"/>
+                </a:ext>
+                <a:ext uri="{C183D7F6-B498-43B3-948B-1728B52AA6E4}">
+                  <adec:decorative xmlns:adec="http://schemas.microsoft.com/office/drawing/2017/decorative" val="1"/>
+                </a:ext>
+              </a:extLst>
+            </p:cNvPr>
+            <p:cNvCxnSpPr/>
+            <p:nvPr>
+              <p:extLst>
+                <p:ext uri="{386F3935-93C4-4BCD-93E2-E3B085C9AB24}">
+                  <p16:designElem xmlns:p16="http://schemas.microsoft.com/office/powerpoint/2015/main" val="1"/>
+                </p:ext>
+              </p:extLst>
+            </p:nvPr>
+          </p:nvCxnSpPr>
+          <p:spPr>
+            <a:xfrm rot="-5700000" flipH="1">
+              <a:off x="5605761" y="4116078"/>
+              <a:ext cx="3394" cy="182880"/>
+            </a:xfrm>
+            <a:prstGeom prst="line">
+              <a:avLst/>
+            </a:prstGeom>
+            <a:ln>
+              <a:solidFill>
+                <a:srgbClr val="FFFFFF">
+                  <a:alpha val="30196"/>
+                </a:srgbClr>
+              </a:solidFill>
+            </a:ln>
+          </p:spPr>
+          <p:style>
+            <a:lnRef idx="1">
+              <a:schemeClr val="accent1"/>
+            </a:lnRef>
+            <a:fillRef idx="0">
+              <a:schemeClr val="accent1"/>
+            </a:fillRef>
+            <a:effectRef idx="0">
+              <a:schemeClr val="accent1"/>
+            </a:effectRef>
+            <a:fontRef idx="minor">
+              <a:schemeClr val="tx1"/>
+            </a:fontRef>
+          </p:style>
+        </p:cxnSp>
+        <p:cxnSp>
+          <p:nvCxnSpPr>
+            <p:cNvPr id="180" name="Straight Connector 179">
+              <a:extLst>
+                <a:ext uri="{FF2B5EF4-FFF2-40B4-BE49-F238E27FC236}">
+                  <a16:creationId xmlns:a16="http://schemas.microsoft.com/office/drawing/2014/main" id="{91FA6C71-6237-4ED8-A9BE-D15AC1111602}"/>
+                </a:ext>
+                <a:ext uri="{C183D7F6-B498-43B3-948B-1728B52AA6E4}">
+                  <adec:decorative xmlns:adec="http://schemas.microsoft.com/office/drawing/2017/decorative" val="1"/>
+                </a:ext>
+              </a:extLst>
+            </p:cNvPr>
+            <p:cNvCxnSpPr/>
+            <p:nvPr>
+              <p:extLst>
+                <p:ext uri="{386F3935-93C4-4BCD-93E2-E3B085C9AB24}">
+                  <p16:designElem xmlns:p16="http://schemas.microsoft.com/office/powerpoint/2015/main" val="1"/>
+                </p:ext>
+              </p:extLst>
+            </p:nvPr>
+          </p:nvCxnSpPr>
+          <p:spPr>
+            <a:xfrm rot="-5820000" flipH="1">
+              <a:off x="5624195" y="4254218"/>
+              <a:ext cx="3394" cy="182880"/>
+            </a:xfrm>
+            <a:prstGeom prst="line">
+              <a:avLst/>
+            </a:prstGeom>
+            <a:ln>
+              <a:solidFill>
+                <a:srgbClr val="FFFFFF">
+                  <a:alpha val="30196"/>
+                </a:srgbClr>
+              </a:solidFill>
+            </a:ln>
+          </p:spPr>
+          <p:style>
+            <a:lnRef idx="1">
+              <a:schemeClr val="accent1"/>
+            </a:lnRef>
+            <a:fillRef idx="0">
+              <a:schemeClr val="accent1"/>
+            </a:fillRef>
+            <a:effectRef idx="0">
+              <a:schemeClr val="accent1"/>
+            </a:effectRef>
+            <a:fontRef idx="minor">
+              <a:schemeClr val="tx1"/>
+            </a:fontRef>
+          </p:style>
+        </p:cxnSp>
+        <p:cxnSp>
+          <p:nvCxnSpPr>
+            <p:cNvPr id="181" name="Straight Connector 180">
+              <a:extLst>
+                <a:ext uri="{FF2B5EF4-FFF2-40B4-BE49-F238E27FC236}">
+                  <a16:creationId xmlns:a16="http://schemas.microsoft.com/office/drawing/2014/main" id="{ED2DD310-9B69-442B-89C0-37F7412DDA75}"/>
+                </a:ext>
+                <a:ext uri="{C183D7F6-B498-43B3-948B-1728B52AA6E4}">
+                  <adec:decorative xmlns:adec="http://schemas.microsoft.com/office/drawing/2017/decorative" val="1"/>
+                </a:ext>
+              </a:extLst>
+            </p:cNvPr>
+            <p:cNvCxnSpPr/>
+            <p:nvPr>
+              <p:extLst>
+                <p:ext uri="{386F3935-93C4-4BCD-93E2-E3B085C9AB24}">
+                  <p16:designElem xmlns:p16="http://schemas.microsoft.com/office/powerpoint/2015/main" val="1"/>
+                </p:ext>
+              </p:extLst>
+            </p:nvPr>
+          </p:nvCxnSpPr>
+          <p:spPr>
+            <a:xfrm rot="-5940000" flipH="1">
+              <a:off x="5642629" y="4392358"/>
+              <a:ext cx="3394" cy="182880"/>
+            </a:xfrm>
+            <a:prstGeom prst="line">
+              <a:avLst/>
+            </a:prstGeom>
+            <a:ln>
+              <a:solidFill>
+                <a:srgbClr val="FFFFFF">
+                  <a:alpha val="30196"/>
+                </a:srgbClr>
+              </a:solidFill>
+            </a:ln>
+          </p:spPr>
+          <p:style>
+            <a:lnRef idx="1">
+              <a:schemeClr val="accent1"/>
+            </a:lnRef>
+            <a:fillRef idx="0">
+              <a:schemeClr val="accent1"/>
+            </a:fillRef>
+            <a:effectRef idx="0">
+              <a:schemeClr val="accent1"/>
+            </a:effectRef>
+            <a:fontRef idx="minor">
+              <a:schemeClr val="tx1"/>
+            </a:fontRef>
+          </p:style>
+        </p:cxnSp>
+        <p:cxnSp>
+          <p:nvCxnSpPr>
+            <p:cNvPr id="182" name="Straight Connector 181">
+              <a:extLst>
+                <a:ext uri="{FF2B5EF4-FFF2-40B4-BE49-F238E27FC236}">
+                  <a16:creationId xmlns:a16="http://schemas.microsoft.com/office/drawing/2014/main" id="{4F9FE545-059E-4996-9E84-BCE18A735D9A}"/>
+                </a:ext>
+                <a:ext uri="{C183D7F6-B498-43B3-948B-1728B52AA6E4}">
+                  <adec:decorative xmlns:adec="http://schemas.microsoft.com/office/drawing/2017/decorative" val="1"/>
+                </a:ext>
+              </a:extLst>
+            </p:cNvPr>
+            <p:cNvCxnSpPr/>
+            <p:nvPr>
+              <p:extLst>
+                <p:ext uri="{386F3935-93C4-4BCD-93E2-E3B085C9AB24}">
+                  <p16:designElem xmlns:p16="http://schemas.microsoft.com/office/powerpoint/2015/main" val="1"/>
+                </p:ext>
+              </p:extLst>
+            </p:nvPr>
+          </p:nvCxnSpPr>
+          <p:spPr>
+            <a:xfrm rot="-6120000" flipH="1">
+              <a:off x="5654818" y="4536385"/>
+              <a:ext cx="3394" cy="182880"/>
+            </a:xfrm>
+            <a:prstGeom prst="line">
+              <a:avLst/>
+            </a:prstGeom>
+            <a:ln>
+              <a:solidFill>
+                <a:srgbClr val="FFFFFF">
+                  <a:alpha val="30196"/>
+                </a:srgbClr>
+              </a:solidFill>
+            </a:ln>
+          </p:spPr>
+          <p:style>
+            <a:lnRef idx="1">
+              <a:schemeClr val="accent1"/>
+            </a:lnRef>
+            <a:fillRef idx="0">
+              <a:schemeClr val="accent1"/>
+            </a:fillRef>
+            <a:effectRef idx="0">
+              <a:schemeClr val="accent1"/>
+            </a:effectRef>
+            <a:fontRef idx="minor">
+              <a:schemeClr val="tx1"/>
+            </a:fontRef>
+          </p:style>
+        </p:cxnSp>
+        <p:cxnSp>
+          <p:nvCxnSpPr>
+            <p:cNvPr id="183" name="Straight Connector 182">
+              <a:extLst>
+                <a:ext uri="{FF2B5EF4-FFF2-40B4-BE49-F238E27FC236}">
+                  <a16:creationId xmlns:a16="http://schemas.microsoft.com/office/drawing/2014/main" id="{36849649-2DB2-427D-B6CB-9CFB032BFC7E}"/>
+                </a:ext>
+                <a:ext uri="{C183D7F6-B498-43B3-948B-1728B52AA6E4}">
+                  <adec:decorative xmlns:adec="http://schemas.microsoft.com/office/drawing/2017/decorative" val="1"/>
+                </a:ext>
+              </a:extLst>
+            </p:cNvPr>
+            <p:cNvCxnSpPr/>
+            <p:nvPr>
+              <p:extLst>
+                <p:ext uri="{386F3935-93C4-4BCD-93E2-E3B085C9AB24}">
+                  <p16:designElem xmlns:p16="http://schemas.microsoft.com/office/powerpoint/2015/main" val="1"/>
+                </p:ext>
+              </p:extLst>
+            </p:nvPr>
+          </p:nvCxnSpPr>
+          <p:spPr>
+            <a:xfrm rot="-6240000" flipH="1">
+              <a:off x="5684446" y="4671367"/>
+              <a:ext cx="3394" cy="182880"/>
+            </a:xfrm>
+            <a:prstGeom prst="line">
+              <a:avLst/>
+            </a:prstGeom>
+            <a:ln>
+              <a:solidFill>
+                <a:srgbClr val="FFFFFF">
+                  <a:alpha val="30196"/>
+                </a:srgbClr>
+              </a:solidFill>
+            </a:ln>
+          </p:spPr>
+          <p:style>
+            <a:lnRef idx="1">
+              <a:schemeClr val="accent1"/>
+            </a:lnRef>
+            <a:fillRef idx="0">
+              <a:schemeClr val="accent1"/>
+            </a:fillRef>
+            <a:effectRef idx="0">
+              <a:schemeClr val="accent1"/>
+            </a:effectRef>
+            <a:fontRef idx="minor">
+              <a:schemeClr val="tx1"/>
+            </a:fontRef>
+          </p:style>
+        </p:cxnSp>
+        <p:cxnSp>
+          <p:nvCxnSpPr>
+            <p:cNvPr id="184" name="Straight Connector 183">
+              <a:extLst>
+                <a:ext uri="{FF2B5EF4-FFF2-40B4-BE49-F238E27FC236}">
+                  <a16:creationId xmlns:a16="http://schemas.microsoft.com/office/drawing/2014/main" id="{D1BAB73D-2CD4-48CF-8299-CB2B8F08780A}"/>
+                </a:ext>
+                <a:ext uri="{C183D7F6-B498-43B3-948B-1728B52AA6E4}">
+                  <adec:decorative xmlns:adec="http://schemas.microsoft.com/office/drawing/2017/decorative" val="1"/>
+                </a:ext>
+              </a:extLst>
+            </p:cNvPr>
+            <p:cNvCxnSpPr/>
+            <p:nvPr>
+              <p:extLst>
+                <p:ext uri="{386F3935-93C4-4BCD-93E2-E3B085C9AB24}">
+                  <p16:designElem xmlns:p16="http://schemas.microsoft.com/office/powerpoint/2015/main" val="1"/>
+                </p:ext>
+              </p:extLst>
+            </p:nvPr>
+          </p:nvCxnSpPr>
+          <p:spPr>
+            <a:xfrm rot="-6360000" flipH="1">
+              <a:off x="5714074" y="4808730"/>
+              <a:ext cx="3394" cy="182880"/>
+            </a:xfrm>
+            <a:prstGeom prst="line">
+              <a:avLst/>
+            </a:prstGeom>
+            <a:ln>
+              <a:solidFill>
+                <a:srgbClr val="FFFFFF">
+                  <a:alpha val="30196"/>
+                </a:srgbClr>
+              </a:solidFill>
+            </a:ln>
+          </p:spPr>
+          <p:style>
+            <a:lnRef idx="1">
+              <a:schemeClr val="accent1"/>
+            </a:lnRef>
+            <a:fillRef idx="0">
+              <a:schemeClr val="accent1"/>
+            </a:fillRef>
+            <a:effectRef idx="0">
+              <a:schemeClr val="accent1"/>
+            </a:effectRef>
+            <a:fontRef idx="minor">
+              <a:schemeClr val="tx1"/>
+            </a:fontRef>
+          </p:style>
+        </p:cxnSp>
+        <p:cxnSp>
+          <p:nvCxnSpPr>
+            <p:cNvPr id="185" name="Straight Connector 184">
+              <a:extLst>
+                <a:ext uri="{FF2B5EF4-FFF2-40B4-BE49-F238E27FC236}">
+                  <a16:creationId xmlns:a16="http://schemas.microsoft.com/office/drawing/2014/main" id="{B156630B-D53F-46CB-BC27-BEB8138CB575}"/>
+                </a:ext>
+                <a:ext uri="{C183D7F6-B498-43B3-948B-1728B52AA6E4}">
+                  <adec:decorative xmlns:adec="http://schemas.microsoft.com/office/drawing/2017/decorative" val="1"/>
+                </a:ext>
+              </a:extLst>
+            </p:cNvPr>
+            <p:cNvCxnSpPr/>
+            <p:nvPr>
+              <p:extLst>
+                <p:ext uri="{386F3935-93C4-4BCD-93E2-E3B085C9AB24}">
+                  <p16:designElem xmlns:p16="http://schemas.microsoft.com/office/powerpoint/2015/main" val="1"/>
+                </p:ext>
+              </p:extLst>
+            </p:nvPr>
+          </p:nvCxnSpPr>
+          <p:spPr>
+            <a:xfrm rot="-6480000" flipH="1">
+              <a:off x="5748464" y="4948474"/>
+              <a:ext cx="3394" cy="182880"/>
+            </a:xfrm>
+            <a:prstGeom prst="line">
+              <a:avLst/>
+            </a:prstGeom>
+            <a:ln>
+              <a:solidFill>
+                <a:srgbClr val="FFFFFF">
+                  <a:alpha val="30196"/>
+                </a:srgbClr>
+              </a:solidFill>
+            </a:ln>
+          </p:spPr>
+          <p:style>
+            <a:lnRef idx="1">
+              <a:schemeClr val="accent1"/>
+            </a:lnRef>
+            <a:fillRef idx="0">
+              <a:schemeClr val="accent1"/>
+            </a:fillRef>
+            <a:effectRef idx="0">
+              <a:schemeClr val="accent1"/>
+            </a:effectRef>
+            <a:fontRef idx="minor">
+              <a:schemeClr val="tx1"/>
+            </a:fontRef>
+          </p:style>
+        </p:cxnSp>
+        <p:cxnSp>
+          <p:nvCxnSpPr>
+            <p:cNvPr id="186" name="Straight Connector 185">
+              <a:extLst>
+                <a:ext uri="{FF2B5EF4-FFF2-40B4-BE49-F238E27FC236}">
+                  <a16:creationId xmlns:a16="http://schemas.microsoft.com/office/drawing/2014/main" id="{4FEC10B1-AF32-4C41-B84C-FEC99614BD1D}"/>
+                </a:ext>
+                <a:ext uri="{C183D7F6-B498-43B3-948B-1728B52AA6E4}">
+                  <adec:decorative xmlns:adec="http://schemas.microsoft.com/office/drawing/2017/decorative" val="1"/>
+                </a:ext>
+              </a:extLst>
+            </p:cNvPr>
+            <p:cNvCxnSpPr/>
+            <p:nvPr>
+              <p:extLst>
+                <p:ext uri="{386F3935-93C4-4BCD-93E2-E3B085C9AB24}">
+                  <p16:designElem xmlns:p16="http://schemas.microsoft.com/office/powerpoint/2015/main" val="1"/>
+                </p:ext>
+              </p:extLst>
+            </p:nvPr>
+          </p:nvCxnSpPr>
+          <p:spPr>
+            <a:xfrm rot="-6660000" flipH="1">
+              <a:off x="5792091" y="5077607"/>
+              <a:ext cx="3394" cy="182880"/>
+            </a:xfrm>
+            <a:prstGeom prst="line">
+              <a:avLst/>
+            </a:prstGeom>
+            <a:ln>
+              <a:solidFill>
+                <a:srgbClr val="FFFFFF">
+                  <a:alpha val="30196"/>
+                </a:srgbClr>
+              </a:solidFill>
+            </a:ln>
+          </p:spPr>
+          <p:style>
+            <a:lnRef idx="1">
+              <a:schemeClr val="accent1"/>
+            </a:lnRef>
+            <a:fillRef idx="0">
+              <a:schemeClr val="accent1"/>
+            </a:fillRef>
+            <a:effectRef idx="0">
+              <a:schemeClr val="accent1"/>
+            </a:effectRef>
+            <a:fontRef idx="minor">
+              <a:schemeClr val="tx1"/>
+            </a:fontRef>
+          </p:style>
+        </p:cxnSp>
+        <p:cxnSp>
+          <p:nvCxnSpPr>
+            <p:cNvPr id="187" name="Straight Connector 186">
+              <a:extLst>
+                <a:ext uri="{FF2B5EF4-FFF2-40B4-BE49-F238E27FC236}">
+                  <a16:creationId xmlns:a16="http://schemas.microsoft.com/office/drawing/2014/main" id="{D7EDD4C7-FBEF-4868-96E8-214EE6C78276}"/>
+                </a:ext>
+                <a:ext uri="{C183D7F6-B498-43B3-948B-1728B52AA6E4}">
+                  <adec:decorative xmlns:adec="http://schemas.microsoft.com/office/drawing/2017/decorative" val="1"/>
+                </a:ext>
+              </a:extLst>
+            </p:cNvPr>
+            <p:cNvCxnSpPr/>
+            <p:nvPr>
+              <p:extLst>
+                <p:ext uri="{386F3935-93C4-4BCD-93E2-E3B085C9AB24}">
+                  <p16:designElem xmlns:p16="http://schemas.microsoft.com/office/powerpoint/2015/main" val="1"/>
+                </p:ext>
+              </p:extLst>
+            </p:nvPr>
+          </p:nvCxnSpPr>
+          <p:spPr>
+            <a:xfrm rot="-6780000" flipH="1">
+              <a:off x="5847441" y="5211223"/>
+              <a:ext cx="3394" cy="182880"/>
+            </a:xfrm>
+            <a:prstGeom prst="line">
+              <a:avLst/>
+            </a:prstGeom>
+            <a:ln>
+              <a:solidFill>
+                <a:srgbClr val="FFFFFF">
+                  <a:alpha val="30196"/>
+                </a:srgbClr>
+              </a:solidFill>
+            </a:ln>
+          </p:spPr>
+          <p:style>
+            <a:lnRef idx="1">
+              <a:schemeClr val="accent1"/>
+            </a:lnRef>
+            <a:fillRef idx="0">
+              <a:schemeClr val="accent1"/>
+            </a:fillRef>
+            <a:effectRef idx="0">
+              <a:schemeClr val="accent1"/>
+            </a:effectRef>
+            <a:fontRef idx="minor">
+              <a:schemeClr val="tx1"/>
+            </a:fontRef>
+          </p:style>
+        </p:cxnSp>
+        <p:cxnSp>
+          <p:nvCxnSpPr>
+            <p:cNvPr id="188" name="Straight Connector 187">
+              <a:extLst>
+                <a:ext uri="{FF2B5EF4-FFF2-40B4-BE49-F238E27FC236}">
+                  <a16:creationId xmlns:a16="http://schemas.microsoft.com/office/drawing/2014/main" id="{3E79D291-029D-40DE-B44A-B52781E970D6}"/>
+                </a:ext>
+                <a:ext uri="{C183D7F6-B498-43B3-948B-1728B52AA6E4}">
+                  <adec:decorative xmlns:adec="http://schemas.microsoft.com/office/drawing/2017/decorative" val="1"/>
+                </a:ext>
+              </a:extLst>
+            </p:cNvPr>
+            <p:cNvCxnSpPr/>
+            <p:nvPr>
+              <p:extLst>
+                <p:ext uri="{386F3935-93C4-4BCD-93E2-E3B085C9AB24}">
+                  <p16:designElem xmlns:p16="http://schemas.microsoft.com/office/powerpoint/2015/main" val="1"/>
+                </p:ext>
+              </p:extLst>
+            </p:nvPr>
+          </p:nvCxnSpPr>
+          <p:spPr>
+            <a:xfrm rot="-6900000" flipH="1">
+              <a:off x="5900410" y="5342458"/>
+              <a:ext cx="3394" cy="182880"/>
+            </a:xfrm>
+            <a:prstGeom prst="line">
+              <a:avLst/>
+            </a:prstGeom>
+            <a:ln>
+              <a:solidFill>
+                <a:srgbClr val="FFFFFF">
+                  <a:alpha val="30196"/>
+                </a:srgbClr>
+              </a:solidFill>
+            </a:ln>
+          </p:spPr>
+          <p:style>
+            <a:lnRef idx="1">
+              <a:schemeClr val="accent1"/>
+            </a:lnRef>
+            <a:fillRef idx="0">
+              <a:schemeClr val="accent1"/>
+            </a:fillRef>
+            <a:effectRef idx="0">
+              <a:schemeClr val="accent1"/>
+            </a:effectRef>
+            <a:fontRef idx="minor">
+              <a:schemeClr val="tx1"/>
+            </a:fontRef>
+          </p:style>
+        </p:cxnSp>
+        <p:cxnSp>
+          <p:nvCxnSpPr>
+            <p:cNvPr id="189" name="Straight Connector 188">
+              <a:extLst>
+                <a:ext uri="{FF2B5EF4-FFF2-40B4-BE49-F238E27FC236}">
+                  <a16:creationId xmlns:a16="http://schemas.microsoft.com/office/drawing/2014/main" id="{A8677C5F-1BF8-4733-9E39-A570EC8F02CC}"/>
+                </a:ext>
+                <a:ext uri="{C183D7F6-B498-43B3-948B-1728B52AA6E4}">
+                  <adec:decorative xmlns:adec="http://schemas.microsoft.com/office/drawing/2017/decorative" val="1"/>
+                </a:ext>
+              </a:extLst>
+            </p:cNvPr>
+            <p:cNvCxnSpPr/>
+            <p:nvPr>
+              <p:extLst>
+                <p:ext uri="{386F3935-93C4-4BCD-93E2-E3B085C9AB24}">
+                  <p16:designElem xmlns:p16="http://schemas.microsoft.com/office/powerpoint/2015/main" val="1"/>
+                </p:ext>
+              </p:extLst>
+            </p:nvPr>
+          </p:nvCxnSpPr>
+          <p:spPr>
+            <a:xfrm rot="-7020000" flipH="1">
+              <a:off x="5955760" y="5473693"/>
+              <a:ext cx="3394" cy="182880"/>
+            </a:xfrm>
+            <a:prstGeom prst="line">
+              <a:avLst/>
+            </a:prstGeom>
+            <a:ln>
+              <a:solidFill>
+                <a:srgbClr val="FFFFFF">
+                  <a:alpha val="30196"/>
+                </a:srgbClr>
+              </a:solidFill>
+            </a:ln>
+          </p:spPr>
+          <p:style>
+            <a:lnRef idx="1">
+              <a:schemeClr val="accent1"/>
+            </a:lnRef>
+            <a:fillRef idx="0">
+              <a:schemeClr val="accent1"/>
+            </a:fillRef>
+            <a:effectRef idx="0">
+              <a:schemeClr val="accent1"/>
+            </a:effectRef>
+            <a:fontRef idx="minor">
+              <a:schemeClr val="tx1"/>
+            </a:fontRef>
+          </p:style>
+        </p:cxnSp>
+      </p:grpSp>
+      <p:pic>
+        <p:nvPicPr>
+          <p:cNvPr id="195" name="Graphic 101" descr="Arrow Circle">
+            <a:extLst>
+              <a:ext uri="{FF2B5EF4-FFF2-40B4-BE49-F238E27FC236}">
+                <a16:creationId xmlns:a16="http://schemas.microsoft.com/office/drawing/2014/main" id="{298168C1-6174-497D-ACE1-CF0F06527801}"/>
+              </a:ext>
+            </a:extLst>
+          </p:cNvPr>
+          <p:cNvPicPr>
+            <a:picLocks noChangeAspect="1"/>
+          </p:cNvPicPr>
+          <p:nvPr/>
+        </p:nvPicPr>
+        <p:blipFill>
+          <a:blip r:embed="rId4">
+            <a:extLst>
+              <a:ext uri="{28A0092B-C50C-407E-A947-70E740481C1C}">
+                <a14:useLocalDpi xmlns:a14="http://schemas.microsoft.com/office/drawing/2010/main" val="0"/>
+              </a:ext>
+              <a:ext uri="{96DAC541-7B7A-43D3-8B79-37D633B846F1}">
+                <asvg:svgBlip xmlns:asvg="http://schemas.microsoft.com/office/drawing/2016/SVG/main" r:embed="rId5"/>
+              </a:ext>
+            </a:extLst>
+          </a:blip>
+          <a:stretch>
+            <a:fillRect/>
+          </a:stretch>
+        </p:blipFill>
+        <p:spPr>
+          <a:xfrm>
+            <a:off x="7355001" y="2191639"/>
+            <a:ext cx="3686910" cy="3686910"/>
+          </a:xfrm>
+          <a:prstGeom prst="rect">
+            <a:avLst/>
+          </a:prstGeom>
+          <a:effectLst>
+            <a:innerShdw blurRad="114300">
+              <a:prstClr val="black"/>
+            </a:innerShdw>
+          </a:effectLst>
+        </p:spPr>
+      </p:pic>
+    </p:spTree>
+    <p:extLst>
+      <p:ext uri="{BB962C8B-B14F-4D97-AF65-F5344CB8AC3E}">
+        <p14:creationId xmlns:p14="http://schemas.microsoft.com/office/powerpoint/2010/main" val="1083007699"/>
+      </p:ext>
+    </p:extLst>
+  </p:cSld>
+  <p:clrMapOvr>
+    <a:masterClrMapping/>
+  </p:clrMapOvr>
+</p:sld>
+</file>
+
+<file path=ppt/slides/slide9.xml><?xml version="1.0" encoding="utf-8"?>
+<p:sld xmlns:a="http://schemas.openxmlformats.org/drawingml/2006/main" xmlns:r="http://schemas.openxmlformats.org/officeDocument/2006/relationships" xmlns:p="http://schemas.openxmlformats.org/presentationml/2006/main">
+  <p:cSld>
+    <p:bg>
+      <p:bgPr>
+        <a:blipFill>
+          <a:blip r:embed="rId2">
+            <a:extLst/>
+          </a:blip>
+          <a:stretch/>
+        </a:blipFill>
+        <a:effectLst/>
+      </p:bgPr>
+    </p:bg>
+    <p:spTree>
+      <p:nvGrpSpPr>
+        <p:cNvPr id="1" name=""/>
+        <p:cNvGrpSpPr/>
+        <p:nvPr/>
+      </p:nvGrpSpPr>
+      <p:grpSpPr>
+        <a:xfrm>
+          <a:off x="0" y="0"/>
+          <a:ext cx="0" cy="0"/>
+          <a:chOff x="0" y="0"/>
+          <a:chExt cx="0" cy="0"/>
+        </a:xfrm>
+      </p:grpSpPr>
+      <p:pic>
+        <p:nvPicPr>
+          <p:cNvPr id="191" name="Picture 104">
+            <a:extLst>
+              <a:ext uri="{FF2B5EF4-FFF2-40B4-BE49-F238E27FC236}">
+                <a16:creationId xmlns:a16="http://schemas.microsoft.com/office/drawing/2014/main" id="{F3812132-56AD-436D-A522-B55990A6A8E0}"/>
+              </a:ext>
+              <a:ext uri="{C183D7F6-B498-43B3-948B-1728B52AA6E4}">
+                <adec:decorative xmlns:adec="http://schemas.microsoft.com/office/drawing/2017/decorative" val="1"/>
+              </a:ext>
+            </a:extLst>
+          </p:cNvPr>
+          <p:cNvPicPr>
+            <a:picLocks noGrp="1" noRot="1" noChangeAspect="1" noMove="1" noResize="1" noEditPoints="1" noAdjustHandles="1" noChangeArrowheads="1" noChangeShapeType="1" noCrop="1"/>
+          </p:cNvPicPr>
+          <p:nvPr>
+            <p:extLst>
+              <p:ext uri="{386F3935-93C4-4BCD-93E2-E3B085C9AB24}">
+                <p16:designElem xmlns:p16="http://schemas.microsoft.com/office/powerpoint/2015/main" val="1"/>
+              </p:ext>
+            </p:extLst>
+          </p:nvPr>
+        </p:nvPicPr>
+        <p:blipFill>
+          <a:blip r:embed="rId3">
+            <a:extLst>
+              <a:ext uri="{28A0092B-C50C-407E-A947-70E740481C1C}">
+                <a14:useLocalDpi xmlns:a14="http://schemas.microsoft.com/office/drawing/2010/main" val="0"/>
+              </a:ext>
+            </a:extLst>
+          </a:blip>
+          <a:stretch>
+            <a:fillRect/>
+          </a:stretch>
+        </p:blipFill>
+        <p:spPr>
+          <a:xfrm>
+            <a:off x="0" y="0"/>
+            <a:ext cx="12188825" cy="6856214"/>
+          </a:xfrm>
+          <a:prstGeom prst="rect">
+            <a:avLst/>
+          </a:prstGeom>
+        </p:spPr>
+      </p:pic>
+      <p:sp>
+        <p:nvSpPr>
+          <p:cNvPr id="2" name="Title 1">
+            <a:extLst>
+              <a:ext uri="{FF2B5EF4-FFF2-40B4-BE49-F238E27FC236}">
+                <a16:creationId xmlns:a16="http://schemas.microsoft.com/office/drawing/2014/main" id="{041F596B-A040-4499-A7B1-24345F070EDE}"/>
+              </a:ext>
+            </a:extLst>
+          </p:cNvPr>
+          <p:cNvSpPr>
+            <a:spLocks noGrp="1"/>
+          </p:cNvSpPr>
+          <p:nvPr>
+            <p:ph type="title"/>
+          </p:nvPr>
+        </p:nvSpPr>
+        <p:spPr>
+          <a:xfrm>
+            <a:off x="486876" y="2032000"/>
+            <a:ext cx="4513792" cy="2819398"/>
+          </a:xfrm>
+        </p:spPr>
+        <p:txBody>
+          <a:bodyPr vert="horz" lIns="91440" tIns="45720" rIns="91440" bIns="45720" rtlCol="0" anchor="b">
+            <a:normAutofit/>
+          </a:bodyPr>
+          <a:lstStyle/>
+          <a:p>
+            <a:pPr algn="r"/>
+            <a:r>
+              <a:rPr lang="en-GB" sz="4800" dirty="0"/>
+              <a:t>Evaluation</a:t>
+            </a:r>
+            <a:endParaRPr lang="en-US" sz="4400" dirty="0"/>
+          </a:p>
+        </p:txBody>
+      </p:sp>
+      <p:sp>
+        <p:nvSpPr>
+          <p:cNvPr id="192" name="Freeform 5">
+            <a:extLst>
+              <a:ext uri="{FF2B5EF4-FFF2-40B4-BE49-F238E27FC236}">
+                <a16:creationId xmlns:a16="http://schemas.microsoft.com/office/drawing/2014/main" id="{91D0B925-2B82-4283-9A4B-26D75B37C1F8}"/>
+              </a:ext>
+              <a:ext uri="{C183D7F6-B498-43B3-948B-1728B52AA6E4}">
+                <adec:decorative xmlns:adec="http://schemas.microsoft.com/office/drawing/2017/decorative" val="1"/>
+              </a:ext>
+            </a:extLst>
+          </p:cNvPr>
+          <p:cNvSpPr>
+            <a:spLocks noGrp="1" noRot="1" noChangeAspect="1" noMove="1" noResize="1" noEditPoints="1" noAdjustHandles="1" noChangeArrowheads="1" noChangeShapeType="1" noTextEdit="1"/>
+          </p:cNvSpPr>
+          <p:nvPr>
+            <p:extLst>
+              <p:ext uri="{386F3935-93C4-4BCD-93E2-E3B085C9AB24}">
+                <p16:designElem xmlns:p16="http://schemas.microsoft.com/office/powerpoint/2015/main" val="1"/>
+              </p:ext>
+            </p:extLst>
+          </p:nvPr>
+        </p:nvSpPr>
+        <p:spPr bwMode="grayWhite">
+          <a:xfrm>
+            <a:off x="5827529" y="660400"/>
+            <a:ext cx="6381405" cy="6214533"/>
+          </a:xfrm>
+          <a:custGeom>
+            <a:avLst/>
+            <a:gdLst>
+              <a:gd name="T0" fmla="*/ 1333 w 1333"/>
+              <a:gd name="T1" fmla="*/ 1031 h 1298"/>
+              <a:gd name="T2" fmla="*/ 1333 w 1333"/>
+              <a:gd name="T3" fmla="*/ 380 h 1298"/>
+              <a:gd name="T4" fmla="*/ 706 w 1333"/>
+              <a:gd name="T5" fmla="*/ 0 h 1298"/>
+              <a:gd name="T6" fmla="*/ 0 w 1333"/>
+              <a:gd name="T7" fmla="*/ 706 h 1298"/>
+              <a:gd name="T8" fmla="*/ 323 w 1333"/>
+              <a:gd name="T9" fmla="*/ 1298 h 1298"/>
+              <a:gd name="T10" fmla="*/ 1090 w 1333"/>
+              <a:gd name="T11" fmla="*/ 1298 h 1298"/>
+              <a:gd name="T12" fmla="*/ 1333 w 1333"/>
+              <a:gd name="T13" fmla="*/ 1031 h 1298"/>
+            </a:gdLst>
+            <a:ahLst/>
+            <a:cxnLst>
+              <a:cxn ang="0">
+                <a:pos x="T0" y="T1"/>
+              </a:cxn>
+              <a:cxn ang="0">
+                <a:pos x="T2" y="T3"/>
+              </a:cxn>
+              <a:cxn ang="0">
+                <a:pos x="T4" y="T5"/>
+              </a:cxn>
+              <a:cxn ang="0">
+                <a:pos x="T6" y="T7"/>
+              </a:cxn>
+              <a:cxn ang="0">
+                <a:pos x="T8" y="T9"/>
+              </a:cxn>
+              <a:cxn ang="0">
+                <a:pos x="T10" y="T11"/>
+              </a:cxn>
+              <a:cxn ang="0">
+                <a:pos x="T12" y="T13"/>
+              </a:cxn>
+            </a:cxnLst>
+            <a:rect l="0" t="0" r="r" b="b"/>
+            <a:pathLst>
+              <a:path w="1333" h="1298">
+                <a:moveTo>
+                  <a:pt x="1333" y="1031"/>
+                </a:moveTo>
+                <a:cubicBezTo>
+                  <a:pt x="1333" y="380"/>
+                  <a:pt x="1333" y="380"/>
+                  <a:pt x="1333" y="380"/>
+                </a:cubicBezTo>
+                <a:cubicBezTo>
+                  <a:pt x="1215" y="154"/>
+                  <a:pt x="979" y="0"/>
+                  <a:pt x="706" y="0"/>
+                </a:cubicBezTo>
+                <a:cubicBezTo>
+                  <a:pt x="317" y="0"/>
+                  <a:pt x="0" y="316"/>
+                  <a:pt x="0" y="706"/>
+                </a:cubicBezTo>
+                <a:cubicBezTo>
+                  <a:pt x="0" y="954"/>
+                  <a:pt x="129" y="1172"/>
+                  <a:pt x="323" y="1298"/>
+                </a:cubicBezTo>
+                <a:cubicBezTo>
+                  <a:pt x="1090" y="1298"/>
+                  <a:pt x="1090" y="1298"/>
+                  <a:pt x="1090" y="1298"/>
+                </a:cubicBezTo>
+                <a:cubicBezTo>
+                  <a:pt x="1193" y="1232"/>
+                  <a:pt x="1276" y="1140"/>
+                  <a:pt x="1333" y="1031"/>
+                </a:cubicBezTo>
+                <a:close/>
+              </a:path>
+            </a:pathLst>
+          </a:custGeom>
+          <a:solidFill>
+            <a:schemeClr val="tx1"/>
+          </a:solidFill>
+          <a:ln w="50800" cap="sq" cmpd="dbl">
+            <a:gradFill flip="none" rotWithShape="1">
+              <a:gsLst>
+                <a:gs pos="0">
+                  <a:srgbClr val="FFFFFF"/>
+                </a:gs>
+                <a:gs pos="100000">
+                  <a:schemeClr val="tx1">
+                    <a:alpha val="0"/>
+                  </a:schemeClr>
+                </a:gs>
+              </a:gsLst>
+              <a:path path="circle">
+                <a:fillToRect l="50000" t="50000" r="50000" b="50000"/>
+              </a:path>
+              <a:tileRect/>
+            </a:gradFill>
+            <a:miter lim="800000"/>
+          </a:ln>
+          <a:effectLst>
+            <a:outerShdw blurRad="254000" algn="tl" rotWithShape="0">
+              <a:srgbClr val="000000">
+                <a:alpha val="43000"/>
+              </a:srgbClr>
+            </a:outerShdw>
+          </a:effectLst>
+        </p:spPr>
+        <p:txBody>
+          <a:bodyPr vert="horz" lIns="91440" tIns="45720" rIns="91440" bIns="45720" rtlCol="0" anchor="t">
+            <a:normAutofit/>
+          </a:bodyPr>
+          <a:lstStyle/>
+          <a:p>
+            <a:pPr algn="ctr">
+              <a:spcAft>
+                <a:spcPts val="1000"/>
+              </a:spcAft>
+              <a:buClr>
+                <a:schemeClr val="tx1"/>
+              </a:buClr>
+              <a:buSzPct val="100000"/>
+              <a:buFont typeface="Arial"/>
+              <a:buNone/>
+            </a:pPr>
+            <a:endParaRPr lang="en-US" sz="1600" cap="all"/>
+          </a:p>
+        </p:txBody>
+      </p:sp>
+      <p:sp>
+        <p:nvSpPr>
+          <p:cNvPr id="193" name="Freeform 14">
+            <a:extLst>
+              <a:ext uri="{FF2B5EF4-FFF2-40B4-BE49-F238E27FC236}">
+                <a16:creationId xmlns:a16="http://schemas.microsoft.com/office/drawing/2014/main" id="{9CA437C7-84DA-4869-8B01-ED2D78490B03}"/>
+              </a:ext>
+              <a:ext uri="{C183D7F6-B498-43B3-948B-1728B52AA6E4}">
+                <adec:decorative xmlns:adec="http://schemas.microsoft.com/office/drawing/2017/decorative" val="1"/>
+              </a:ext>
+            </a:extLst>
+          </p:cNvPr>
+          <p:cNvSpPr>
+            <a:spLocks noGrp="1" noRot="1" noChangeAspect="1" noMove="1" noResize="1" noEditPoints="1" noAdjustHandles="1" noChangeArrowheads="1" noChangeShapeType="1" noTextEdit="1"/>
+          </p:cNvSpPr>
+          <p:nvPr>
+            <p:extLst>
+              <p:ext uri="{386F3935-93C4-4BCD-93E2-E3B085C9AB24}">
+                <p16:designElem xmlns:p16="http://schemas.microsoft.com/office/powerpoint/2015/main" val="1"/>
+              </p:ext>
+            </p:extLst>
+          </p:nvPr>
+        </p:nvSpPr>
+        <p:spPr>
+          <a:xfrm>
+            <a:off x="5281603" y="104899"/>
+            <a:ext cx="6896713" cy="6005491"/>
+          </a:xfrm>
+          <a:custGeom>
+            <a:avLst/>
+            <a:gdLst>
+              <a:gd name="connsiteX0" fmla="*/ 3912717 w 6896713"/>
+              <a:gd name="connsiteY0" fmla="*/ 0 h 6005491"/>
+              <a:gd name="connsiteX1" fmla="*/ 6679426 w 6896713"/>
+              <a:gd name="connsiteY1" fmla="*/ 1146008 h 6005491"/>
+              <a:gd name="connsiteX2" fmla="*/ 6896713 w 6896713"/>
+              <a:gd name="connsiteY2" fmla="*/ 1385085 h 6005491"/>
+              <a:gd name="connsiteX3" fmla="*/ 6896713 w 6896713"/>
+              <a:gd name="connsiteY3" fmla="*/ 1431256 h 6005491"/>
+              <a:gd name="connsiteX4" fmla="*/ 6657442 w 6896713"/>
+              <a:gd name="connsiteY4" fmla="*/ 1167992 h 6005491"/>
+              <a:gd name="connsiteX5" fmla="*/ 3912717 w 6896713"/>
+              <a:gd name="connsiteY5" fmla="*/ 31089 h 6005491"/>
+              <a:gd name="connsiteX6" fmla="*/ 31089 w 6896713"/>
+              <a:gd name="connsiteY6" fmla="*/ 3912717 h 6005491"/>
+              <a:gd name="connsiteX7" fmla="*/ 593046 w 6896713"/>
+              <a:gd name="connsiteY7" fmla="*/ 5925483 h 6005491"/>
+              <a:gd name="connsiteX8" fmla="*/ 633874 w 6896713"/>
+              <a:gd name="connsiteY8" fmla="*/ 5989169 h 6005491"/>
+              <a:gd name="connsiteX9" fmla="*/ 607415 w 6896713"/>
+              <a:gd name="connsiteY9" fmla="*/ 6005491 h 6005491"/>
+              <a:gd name="connsiteX10" fmla="*/ 566458 w 6896713"/>
+              <a:gd name="connsiteY10" fmla="*/ 5941603 h 6005491"/>
+              <a:gd name="connsiteX11" fmla="*/ 0 w 6896713"/>
+              <a:gd name="connsiteY11" fmla="*/ 3912717 h 6005491"/>
+              <a:gd name="connsiteX12" fmla="*/ 3912717 w 6896713"/>
+              <a:gd name="connsiteY12" fmla="*/ 0 h 6005491"/>
+            </a:gdLst>
+            <a:ahLst/>
+            <a:cxnLst>
+              <a:cxn ang="0">
+                <a:pos x="connsiteX0" y="connsiteY0"/>
+              </a:cxn>
+              <a:cxn ang="0">
+                <a:pos x="connsiteX1" y="connsiteY1"/>
+              </a:cxn>
+              <a:cxn ang="0">
+                <a:pos x="connsiteX2" y="connsiteY2"/>
+              </a:cxn>
+              <a:cxn ang="0">
+                <a:pos x="connsiteX3" y="connsiteY3"/>
+              </a:cxn>
+              <a:cxn ang="0">
+                <a:pos x="connsiteX4" y="connsiteY4"/>
+              </a:cxn>
+              <a:cxn ang="0">
+                <a:pos x="connsiteX5" y="connsiteY5"/>
+              </a:cxn>
+              <a:cxn ang="0">
+                <a:pos x="connsiteX6" y="connsiteY6"/>
+              </a:cxn>
+              <a:cxn ang="0">
+                <a:pos x="connsiteX7" y="connsiteY7"/>
+              </a:cxn>
+              <a:cxn ang="0">
+                <a:pos x="connsiteX8" y="connsiteY8"/>
+              </a:cxn>
+              <a:cxn ang="0">
+                <a:pos x="connsiteX9" y="connsiteY9"/>
+              </a:cxn>
+              <a:cxn ang="0">
+                <a:pos x="connsiteX10" y="connsiteY10"/>
+              </a:cxn>
+              <a:cxn ang="0">
+                <a:pos x="connsiteX11" y="connsiteY11"/>
+              </a:cxn>
+              <a:cxn ang="0">
+                <a:pos x="connsiteX12" y="connsiteY12"/>
+              </a:cxn>
+            </a:cxnLst>
+            <a:rect l="l" t="t" r="r" b="b"/>
+            <a:pathLst>
+              <a:path w="6896713" h="6005491">
+                <a:moveTo>
+                  <a:pt x="3912717" y="0"/>
+                </a:moveTo>
+                <a:cubicBezTo>
+                  <a:pt x="4993184" y="0"/>
+                  <a:pt x="5971363" y="437946"/>
+                  <a:pt x="6679426" y="1146008"/>
+                </a:cubicBezTo>
+                <a:lnTo>
+                  <a:pt x="6896713" y="1385085"/>
+                </a:lnTo>
+                <a:lnTo>
+                  <a:pt x="6896713" y="1431256"/>
+                </a:lnTo>
+                <a:lnTo>
+                  <a:pt x="6657442" y="1167992"/>
+                </a:lnTo>
+                <a:cubicBezTo>
+                  <a:pt x="5955006" y="465555"/>
+                  <a:pt x="4984599" y="31089"/>
+                  <a:pt x="3912717" y="31089"/>
+                </a:cubicBezTo>
+                <a:cubicBezTo>
+                  <a:pt x="1768953" y="31089"/>
+                  <a:pt x="31089" y="1768953"/>
+                  <a:pt x="31089" y="3912717"/>
+                </a:cubicBezTo>
+                <a:cubicBezTo>
+                  <a:pt x="31089" y="4649636"/>
+                  <a:pt x="236442" y="5338592"/>
+                  <a:pt x="593046" y="5925483"/>
+                </a:cubicBezTo>
+                <a:lnTo>
+                  <a:pt x="633874" y="5989169"/>
+                </a:lnTo>
+                <a:lnTo>
+                  <a:pt x="607415" y="6005491"/>
+                </a:lnTo>
+                <a:lnTo>
+                  <a:pt x="566458" y="5941603"/>
+                </a:lnTo>
+                <a:cubicBezTo>
+                  <a:pt x="206998" y="5350013"/>
+                  <a:pt x="0" y="4655538"/>
+                  <a:pt x="0" y="3912717"/>
+                </a:cubicBezTo>
+                <a:cubicBezTo>
+                  <a:pt x="0" y="1751783"/>
+                  <a:pt x="1751783" y="0"/>
+                  <a:pt x="3912717" y="0"/>
+                </a:cubicBezTo>
+                <a:close/>
+              </a:path>
+            </a:pathLst>
+          </a:custGeom>
+          <a:solidFill>
+            <a:srgbClr val="FFFFFF">
+              <a:alpha val="41961"/>
+            </a:srgbClr>
+          </a:solidFill>
+          <a:ln>
+            <a:noFill/>
+          </a:ln>
+        </p:spPr>
+        <p:style>
+          <a:lnRef idx="2">
+            <a:schemeClr val="accent1">
+              <a:shade val="50000"/>
+            </a:schemeClr>
+          </a:lnRef>
+          <a:fillRef idx="1">
+            <a:schemeClr val="accent1"/>
+          </a:fillRef>
+          <a:effectRef idx="0">
+            <a:schemeClr val="accent1"/>
+          </a:effectRef>
+          <a:fontRef idx="minor">
+            <a:schemeClr val="lt1"/>
+          </a:fontRef>
+        </p:style>
+        <p:txBody>
+          <a:bodyPr rtlCol="0" anchor="ctr"/>
+          <a:lstStyle/>
+          <a:p>
+            <a:pPr algn="ctr"/>
+            <a:endParaRPr lang="en-US"/>
+          </a:p>
+        </p:txBody>
+      </p:sp>
+      <p:grpSp>
+        <p:nvGrpSpPr>
+          <p:cNvPr id="194" name="Group 110">
+            <a:extLst>
+              <a:ext uri="{FF2B5EF4-FFF2-40B4-BE49-F238E27FC236}">
+                <a16:creationId xmlns:a16="http://schemas.microsoft.com/office/drawing/2014/main" id="{08E49678-F167-49BE-9F7A-693F682C20BA}"/>
+              </a:ext>
+              <a:ext uri="{C183D7F6-B498-43B3-948B-1728B52AA6E4}">
+                <adec:decorative xmlns:adec="http://schemas.microsoft.com/office/drawing/2017/decorative" val="1"/>
+              </a:ext>
+            </a:extLst>
+          </p:cNvPr>
+          <p:cNvGrpSpPr>
+            <a:grpSpLocks noGrp="1" noUngrp="1" noRot="1" noChangeAspect="1" noMove="1" noResize="1"/>
+          </p:cNvGrpSpPr>
+          <p:nvPr>
+            <p:extLst>
+              <p:ext uri="{386F3935-93C4-4BCD-93E2-E3B085C9AB24}">
+                <p16:designElem xmlns:p16="http://schemas.microsoft.com/office/powerpoint/2015/main" val="1"/>
+              </p:ext>
+            </p:extLst>
+          </p:nvPr>
+        </p:nvGrpSpPr>
+        <p:grpSpPr>
+          <a:xfrm>
+            <a:off x="5516018" y="331504"/>
+            <a:ext cx="6675982" cy="5235326"/>
+            <a:chOff x="5516018" y="331504"/>
+            <a:chExt cx="6675982" cy="5235326"/>
+          </a:xfrm>
+        </p:grpSpPr>
+        <p:cxnSp>
+          <p:nvCxnSpPr>
+            <p:cNvPr id="112" name="Straight Connector 111">
+              <a:extLst>
+                <a:ext uri="{FF2B5EF4-FFF2-40B4-BE49-F238E27FC236}">
+                  <a16:creationId xmlns:a16="http://schemas.microsoft.com/office/drawing/2014/main" id="{3989AB63-E648-40F0-97A1-A5B87C1ED718}"/>
+                </a:ext>
+                <a:ext uri="{C183D7F6-B498-43B3-948B-1728B52AA6E4}">
+                  <adec:decorative xmlns:adec="http://schemas.microsoft.com/office/drawing/2017/decorative" val="1"/>
+                </a:ext>
+              </a:extLst>
+            </p:cNvPr>
+            <p:cNvCxnSpPr/>
+            <p:nvPr>
+              <p:extLst>
+                <p:ext uri="{386F3935-93C4-4BCD-93E2-E3B085C9AB24}">
+                  <p16:designElem xmlns:p16="http://schemas.microsoft.com/office/powerpoint/2015/main" val="1"/>
+                </p:ext>
+              </p:extLst>
+            </p:nvPr>
+          </p:nvCxnSpPr>
+          <p:spPr>
+            <a:xfrm flipH="1">
+              <a:off x="9266830" y="331504"/>
+              <a:ext cx="3394" cy="182880"/>
+            </a:xfrm>
+            <a:prstGeom prst="line">
+              <a:avLst/>
+            </a:prstGeom>
+            <a:ln>
+              <a:solidFill>
+                <a:srgbClr val="FFFFFF">
+                  <a:alpha val="30196"/>
+                </a:srgbClr>
+              </a:solidFill>
+            </a:ln>
+          </p:spPr>
+          <p:style>
+            <a:lnRef idx="1">
+              <a:schemeClr val="accent1"/>
+            </a:lnRef>
+            <a:fillRef idx="0">
+              <a:schemeClr val="accent1"/>
+            </a:fillRef>
+            <a:effectRef idx="0">
+              <a:schemeClr val="accent1"/>
+            </a:effectRef>
+            <a:fontRef idx="minor">
+              <a:schemeClr val="tx1"/>
+            </a:fontRef>
+          </p:style>
+        </p:cxnSp>
+        <p:cxnSp>
+          <p:nvCxnSpPr>
+            <p:cNvPr id="113" name="Straight Connector 112">
+              <a:extLst>
+                <a:ext uri="{FF2B5EF4-FFF2-40B4-BE49-F238E27FC236}">
+                  <a16:creationId xmlns:a16="http://schemas.microsoft.com/office/drawing/2014/main" id="{36F692CF-7BBB-46E8-ACFF-93EFB5450D8B}"/>
+                </a:ext>
+                <a:ext uri="{C183D7F6-B498-43B3-948B-1728B52AA6E4}">
+                  <adec:decorative xmlns:adec="http://schemas.microsoft.com/office/drawing/2017/decorative" val="1"/>
+                </a:ext>
+              </a:extLst>
+            </p:cNvPr>
+            <p:cNvCxnSpPr/>
+            <p:nvPr>
+              <p:extLst>
+                <p:ext uri="{386F3935-93C4-4BCD-93E2-E3B085C9AB24}">
+                  <p16:designElem xmlns:p16="http://schemas.microsoft.com/office/powerpoint/2015/main" val="1"/>
+                </p:ext>
+              </p:extLst>
+            </p:nvPr>
+          </p:nvCxnSpPr>
+          <p:spPr>
+            <a:xfrm rot="120000" flipH="1">
+              <a:off x="9408861" y="338328"/>
+              <a:ext cx="3394" cy="182880"/>
+            </a:xfrm>
+            <a:prstGeom prst="line">
+              <a:avLst/>
+            </a:prstGeom>
+            <a:ln>
+              <a:solidFill>
+                <a:srgbClr val="FFFFFF">
+                  <a:alpha val="30196"/>
+                </a:srgbClr>
+              </a:solidFill>
+            </a:ln>
+          </p:spPr>
+          <p:style>
+            <a:lnRef idx="1">
+              <a:schemeClr val="accent1"/>
+            </a:lnRef>
+            <a:fillRef idx="0">
+              <a:schemeClr val="accent1"/>
+            </a:fillRef>
+            <a:effectRef idx="0">
+              <a:schemeClr val="accent1"/>
+            </a:effectRef>
+            <a:fontRef idx="minor">
+              <a:schemeClr val="tx1"/>
+            </a:fontRef>
+          </p:style>
+        </p:cxnSp>
+        <p:cxnSp>
+          <p:nvCxnSpPr>
+            <p:cNvPr id="114" name="Straight Connector 113">
+              <a:extLst>
+                <a:ext uri="{FF2B5EF4-FFF2-40B4-BE49-F238E27FC236}">
+                  <a16:creationId xmlns:a16="http://schemas.microsoft.com/office/drawing/2014/main" id="{563285BC-98B3-4A2A-A616-5C357EB14D41}"/>
+                </a:ext>
+                <a:ext uri="{C183D7F6-B498-43B3-948B-1728B52AA6E4}">
+                  <adec:decorative xmlns:adec="http://schemas.microsoft.com/office/drawing/2017/decorative" val="1"/>
+                </a:ext>
+              </a:extLst>
+            </p:cNvPr>
+            <p:cNvCxnSpPr/>
+            <p:nvPr>
+              <p:extLst>
+                <p:ext uri="{386F3935-93C4-4BCD-93E2-E3B085C9AB24}">
+                  <p16:designElem xmlns:p16="http://schemas.microsoft.com/office/powerpoint/2015/main" val="1"/>
+                </p:ext>
+              </p:extLst>
+            </p:nvPr>
+          </p:nvCxnSpPr>
+          <p:spPr>
+            <a:xfrm rot="240000" flipH="1">
+              <a:off x="9551700" y="347636"/>
+              <a:ext cx="3394" cy="182880"/>
+            </a:xfrm>
+            <a:prstGeom prst="line">
+              <a:avLst/>
+            </a:prstGeom>
+            <a:ln>
+              <a:solidFill>
+                <a:srgbClr val="FFFFFF">
+                  <a:alpha val="30196"/>
+                </a:srgbClr>
+              </a:solidFill>
+            </a:ln>
+          </p:spPr>
+          <p:style>
+            <a:lnRef idx="1">
+              <a:schemeClr val="accent1"/>
+            </a:lnRef>
+            <a:fillRef idx="0">
+              <a:schemeClr val="accent1"/>
+            </a:fillRef>
+            <a:effectRef idx="0">
+              <a:schemeClr val="accent1"/>
+            </a:effectRef>
+            <a:fontRef idx="minor">
+              <a:schemeClr val="tx1"/>
+            </a:fontRef>
+          </p:style>
+        </p:cxnSp>
+        <p:cxnSp>
+          <p:nvCxnSpPr>
+            <p:cNvPr id="115" name="Straight Connector 114">
+              <a:extLst>
+                <a:ext uri="{FF2B5EF4-FFF2-40B4-BE49-F238E27FC236}">
+                  <a16:creationId xmlns:a16="http://schemas.microsoft.com/office/drawing/2014/main" id="{366F05B3-3344-4BA6-878B-9E4383540D36}"/>
+                </a:ext>
+                <a:ext uri="{C183D7F6-B498-43B3-948B-1728B52AA6E4}">
+                  <adec:decorative xmlns:adec="http://schemas.microsoft.com/office/drawing/2017/decorative" val="1"/>
+                </a:ext>
+              </a:extLst>
+            </p:cNvPr>
+            <p:cNvCxnSpPr/>
+            <p:nvPr>
+              <p:extLst>
+                <p:ext uri="{386F3935-93C4-4BCD-93E2-E3B085C9AB24}">
+                  <p16:designElem xmlns:p16="http://schemas.microsoft.com/office/powerpoint/2015/main" val="1"/>
+                </p:ext>
+              </p:extLst>
+            </p:nvPr>
+          </p:nvCxnSpPr>
+          <p:spPr>
+            <a:xfrm rot="360000" flipH="1">
+              <a:off x="9688748" y="368088"/>
+              <a:ext cx="3394" cy="182880"/>
+            </a:xfrm>
+            <a:prstGeom prst="line">
+              <a:avLst/>
+            </a:prstGeom>
+            <a:ln>
+              <a:solidFill>
+                <a:srgbClr val="FFFFFF">
+                  <a:alpha val="30196"/>
+                </a:srgbClr>
+              </a:solidFill>
+            </a:ln>
+          </p:spPr>
+          <p:style>
+            <a:lnRef idx="1">
+              <a:schemeClr val="accent1"/>
+            </a:lnRef>
+            <a:fillRef idx="0">
+              <a:schemeClr val="accent1"/>
+            </a:fillRef>
+            <a:effectRef idx="0">
+              <a:schemeClr val="accent1"/>
+            </a:effectRef>
+            <a:fontRef idx="minor">
+              <a:schemeClr val="tx1"/>
+            </a:fontRef>
+          </p:style>
+        </p:cxnSp>
+        <p:cxnSp>
+          <p:nvCxnSpPr>
+            <p:cNvPr id="116" name="Straight Connector 115">
+              <a:extLst>
+                <a:ext uri="{FF2B5EF4-FFF2-40B4-BE49-F238E27FC236}">
+                  <a16:creationId xmlns:a16="http://schemas.microsoft.com/office/drawing/2014/main" id="{55782A78-EE5F-4FC6-9497-EFDB579502CA}"/>
+                </a:ext>
+                <a:ext uri="{C183D7F6-B498-43B3-948B-1728B52AA6E4}">
+                  <adec:decorative xmlns:adec="http://schemas.microsoft.com/office/drawing/2017/decorative" val="1"/>
+                </a:ext>
+              </a:extLst>
+            </p:cNvPr>
+            <p:cNvCxnSpPr/>
+            <p:nvPr>
+              <p:extLst>
+                <p:ext uri="{386F3935-93C4-4BCD-93E2-E3B085C9AB24}">
+                  <p16:designElem xmlns:p16="http://schemas.microsoft.com/office/powerpoint/2015/main" val="1"/>
+                </p:ext>
+              </p:extLst>
+            </p:nvPr>
+          </p:nvCxnSpPr>
+          <p:spPr>
+            <a:xfrm rot="540000" flipH="1">
+              <a:off x="9824866" y="389224"/>
+              <a:ext cx="3394" cy="182880"/>
+            </a:xfrm>
+            <a:prstGeom prst="line">
+              <a:avLst/>
+            </a:prstGeom>
+            <a:ln>
+              <a:solidFill>
+                <a:srgbClr val="FFFFFF">
+                  <a:alpha val="30196"/>
+                </a:srgbClr>
+              </a:solidFill>
+            </a:ln>
+          </p:spPr>
+          <p:style>
+            <a:lnRef idx="1">
+              <a:schemeClr val="accent1"/>
+            </a:lnRef>
+            <a:fillRef idx="0">
+              <a:schemeClr val="accent1"/>
+            </a:fillRef>
+            <a:effectRef idx="0">
+              <a:schemeClr val="accent1"/>
+            </a:effectRef>
+            <a:fontRef idx="minor">
+              <a:schemeClr val="tx1"/>
+            </a:fontRef>
+          </p:style>
+        </p:cxnSp>
+        <p:cxnSp>
+          <p:nvCxnSpPr>
+            <p:cNvPr id="117" name="Straight Connector 116">
+              <a:extLst>
+                <a:ext uri="{FF2B5EF4-FFF2-40B4-BE49-F238E27FC236}">
+                  <a16:creationId xmlns:a16="http://schemas.microsoft.com/office/drawing/2014/main" id="{79ED5AE6-D5B8-4FDE-AF61-AEBE1C347486}"/>
+                </a:ext>
+                <a:ext uri="{C183D7F6-B498-43B3-948B-1728B52AA6E4}">
+                  <adec:decorative xmlns:adec="http://schemas.microsoft.com/office/drawing/2017/decorative" val="1"/>
+                </a:ext>
+              </a:extLst>
+            </p:cNvPr>
+            <p:cNvCxnSpPr/>
+            <p:nvPr>
+              <p:extLst>
+                <p:ext uri="{386F3935-93C4-4BCD-93E2-E3B085C9AB24}">
+                  <p16:designElem xmlns:p16="http://schemas.microsoft.com/office/powerpoint/2015/main" val="1"/>
+                </p:ext>
+              </p:extLst>
+            </p:nvPr>
+          </p:nvCxnSpPr>
+          <p:spPr>
+            <a:xfrm rot="660000" flipH="1">
+              <a:off x="9966867" y="417549"/>
+              <a:ext cx="3394" cy="182880"/>
+            </a:xfrm>
+            <a:prstGeom prst="line">
+              <a:avLst/>
+            </a:prstGeom>
+            <a:ln>
+              <a:solidFill>
+                <a:srgbClr val="FFFFFF">
+                  <a:alpha val="30196"/>
+                </a:srgbClr>
+              </a:solidFill>
+            </a:ln>
+          </p:spPr>
+          <p:style>
+            <a:lnRef idx="1">
+              <a:schemeClr val="accent1"/>
+            </a:lnRef>
+            <a:fillRef idx="0">
+              <a:schemeClr val="accent1"/>
+            </a:fillRef>
+            <a:effectRef idx="0">
+              <a:schemeClr val="accent1"/>
+            </a:effectRef>
+            <a:fontRef idx="minor">
+              <a:schemeClr val="tx1"/>
+            </a:fontRef>
+          </p:style>
+        </p:cxnSp>
+        <p:cxnSp>
+          <p:nvCxnSpPr>
+            <p:cNvPr id="118" name="Straight Connector 117">
+              <a:extLst>
+                <a:ext uri="{FF2B5EF4-FFF2-40B4-BE49-F238E27FC236}">
+                  <a16:creationId xmlns:a16="http://schemas.microsoft.com/office/drawing/2014/main" id="{104FBD67-AA20-4E2C-A0DB-A1402FE4A17B}"/>
+                </a:ext>
+                <a:ext uri="{C183D7F6-B498-43B3-948B-1728B52AA6E4}">
+                  <adec:decorative xmlns:adec="http://schemas.microsoft.com/office/drawing/2017/decorative" val="1"/>
+                </a:ext>
+              </a:extLst>
+            </p:cNvPr>
+            <p:cNvCxnSpPr/>
+            <p:nvPr>
+              <p:extLst>
+                <p:ext uri="{386F3935-93C4-4BCD-93E2-E3B085C9AB24}">
+                  <p16:designElem xmlns:p16="http://schemas.microsoft.com/office/powerpoint/2015/main" val="1"/>
+                </p:ext>
+              </p:extLst>
+            </p:nvPr>
+          </p:nvCxnSpPr>
+          <p:spPr>
+            <a:xfrm rot="780000" flipH="1">
+              <a:off x="10104425" y="445874"/>
+              <a:ext cx="3394" cy="182880"/>
+            </a:xfrm>
+            <a:prstGeom prst="line">
+              <a:avLst/>
+            </a:prstGeom>
+            <a:ln>
+              <a:solidFill>
+                <a:srgbClr val="FFFFFF">
+                  <a:alpha val="30196"/>
+                </a:srgbClr>
+              </a:solidFill>
+            </a:ln>
+          </p:spPr>
+          <p:style>
+            <a:lnRef idx="1">
+              <a:schemeClr val="accent1"/>
+            </a:lnRef>
+            <a:fillRef idx="0">
+              <a:schemeClr val="accent1"/>
+            </a:fillRef>
+            <a:effectRef idx="0">
+              <a:schemeClr val="accent1"/>
+            </a:effectRef>
+            <a:fontRef idx="minor">
+              <a:schemeClr val="tx1"/>
+            </a:fontRef>
+          </p:style>
+        </p:cxnSp>
+        <p:cxnSp>
+          <p:nvCxnSpPr>
+            <p:cNvPr id="119" name="Straight Connector 118">
+              <a:extLst>
+                <a:ext uri="{FF2B5EF4-FFF2-40B4-BE49-F238E27FC236}">
+                  <a16:creationId xmlns:a16="http://schemas.microsoft.com/office/drawing/2014/main" id="{CBF097E4-BDA7-4C1C-8EBF-054455E611BF}"/>
+                </a:ext>
+                <a:ext uri="{C183D7F6-B498-43B3-948B-1728B52AA6E4}">
+                  <adec:decorative xmlns:adec="http://schemas.microsoft.com/office/drawing/2017/decorative" val="1"/>
+                </a:ext>
+              </a:extLst>
+            </p:cNvPr>
+            <p:cNvCxnSpPr/>
+            <p:nvPr>
+              <p:extLst>
+                <p:ext uri="{386F3935-93C4-4BCD-93E2-E3B085C9AB24}">
+                  <p16:designElem xmlns:p16="http://schemas.microsoft.com/office/powerpoint/2015/main" val="1"/>
+                </p:ext>
+              </p:extLst>
+            </p:nvPr>
+          </p:nvCxnSpPr>
+          <p:spPr>
+            <a:xfrm rot="900000" flipH="1">
+              <a:off x="10240513" y="479483"/>
+              <a:ext cx="3394" cy="182880"/>
+            </a:xfrm>
+            <a:prstGeom prst="line">
+              <a:avLst/>
+            </a:prstGeom>
+            <a:ln>
+              <a:solidFill>
+                <a:srgbClr val="FFFFFF">
+                  <a:alpha val="30196"/>
+                </a:srgbClr>
+              </a:solidFill>
+            </a:ln>
+          </p:spPr>
+          <p:style>
+            <a:lnRef idx="1">
+              <a:schemeClr val="accent1"/>
+            </a:lnRef>
+            <a:fillRef idx="0">
+              <a:schemeClr val="accent1"/>
+            </a:fillRef>
+            <a:effectRef idx="0">
+              <a:schemeClr val="accent1"/>
+            </a:effectRef>
+            <a:fontRef idx="minor">
+              <a:schemeClr val="tx1"/>
+            </a:fontRef>
+          </p:style>
+        </p:cxnSp>
+        <p:cxnSp>
+          <p:nvCxnSpPr>
+            <p:cNvPr id="120" name="Straight Connector 119">
+              <a:extLst>
+                <a:ext uri="{FF2B5EF4-FFF2-40B4-BE49-F238E27FC236}">
+                  <a16:creationId xmlns:a16="http://schemas.microsoft.com/office/drawing/2014/main" id="{0F92AA45-5A4B-450D-B699-8DD0728B1393}"/>
+                </a:ext>
+                <a:ext uri="{C183D7F6-B498-43B3-948B-1728B52AA6E4}">
+                  <adec:decorative xmlns:adec="http://schemas.microsoft.com/office/drawing/2017/decorative" val="1"/>
+                </a:ext>
+              </a:extLst>
+            </p:cNvPr>
+            <p:cNvCxnSpPr/>
+            <p:nvPr>
+              <p:extLst>
+                <p:ext uri="{386F3935-93C4-4BCD-93E2-E3B085C9AB24}">
+                  <p16:designElem xmlns:p16="http://schemas.microsoft.com/office/powerpoint/2015/main" val="1"/>
+                </p:ext>
+              </p:extLst>
+            </p:nvPr>
+          </p:nvCxnSpPr>
+          <p:spPr>
+            <a:xfrm rot="1080000" flipH="1">
+              <a:off x="10373882" y="524355"/>
+              <a:ext cx="3394" cy="182880"/>
+            </a:xfrm>
+            <a:prstGeom prst="line">
+              <a:avLst/>
+            </a:prstGeom>
+            <a:ln>
+              <a:solidFill>
+                <a:srgbClr val="FFFFFF">
+                  <a:alpha val="30196"/>
+                </a:srgbClr>
+              </a:solidFill>
+            </a:ln>
+          </p:spPr>
+          <p:style>
+            <a:lnRef idx="1">
+              <a:schemeClr val="accent1"/>
+            </a:lnRef>
+            <a:fillRef idx="0">
+              <a:schemeClr val="accent1"/>
+            </a:fillRef>
+            <a:effectRef idx="0">
+              <a:schemeClr val="accent1"/>
+            </a:effectRef>
+            <a:fontRef idx="minor">
+              <a:schemeClr val="tx1"/>
+            </a:fontRef>
+          </p:style>
+        </p:cxnSp>
+        <p:cxnSp>
+          <p:nvCxnSpPr>
+            <p:cNvPr id="121" name="Straight Connector 120">
+              <a:extLst>
+                <a:ext uri="{FF2B5EF4-FFF2-40B4-BE49-F238E27FC236}">
+                  <a16:creationId xmlns:a16="http://schemas.microsoft.com/office/drawing/2014/main" id="{E6642BB7-23F8-4490-93A3-FC1493AD237B}"/>
+                </a:ext>
+                <a:ext uri="{C183D7F6-B498-43B3-948B-1728B52AA6E4}">
+                  <adec:decorative xmlns:adec="http://schemas.microsoft.com/office/drawing/2017/decorative" val="1"/>
+                </a:ext>
+              </a:extLst>
+            </p:cNvPr>
+            <p:cNvCxnSpPr/>
+            <p:nvPr>
+              <p:extLst>
+                <p:ext uri="{386F3935-93C4-4BCD-93E2-E3B085C9AB24}">
+                  <p16:designElem xmlns:p16="http://schemas.microsoft.com/office/powerpoint/2015/main" val="1"/>
+                </p:ext>
+              </p:extLst>
+            </p:nvPr>
+          </p:nvCxnSpPr>
+          <p:spPr>
+            <a:xfrm rot="1200000" flipH="1">
+              <a:off x="10505632" y="570628"/>
+              <a:ext cx="3394" cy="182880"/>
+            </a:xfrm>
+            <a:prstGeom prst="line">
+              <a:avLst/>
+            </a:prstGeom>
+            <a:ln>
+              <a:solidFill>
+                <a:srgbClr val="FFFFFF">
+                  <a:alpha val="30196"/>
+                </a:srgbClr>
+              </a:solidFill>
+            </a:ln>
+          </p:spPr>
+          <p:style>
+            <a:lnRef idx="1">
+              <a:schemeClr val="accent1"/>
+            </a:lnRef>
+            <a:fillRef idx="0">
+              <a:schemeClr val="accent1"/>
+            </a:fillRef>
+            <a:effectRef idx="0">
+              <a:schemeClr val="accent1"/>
+            </a:effectRef>
+            <a:fontRef idx="minor">
+              <a:schemeClr val="tx1"/>
+            </a:fontRef>
+          </p:style>
+        </p:cxnSp>
+        <p:cxnSp>
+          <p:nvCxnSpPr>
+            <p:cNvPr id="122" name="Straight Connector 121">
+              <a:extLst>
+                <a:ext uri="{FF2B5EF4-FFF2-40B4-BE49-F238E27FC236}">
+                  <a16:creationId xmlns:a16="http://schemas.microsoft.com/office/drawing/2014/main" id="{7CC61F0B-A9CB-4BBB-AE84-50A8DAA5FFF6}"/>
+                </a:ext>
+                <a:ext uri="{C183D7F6-B498-43B3-948B-1728B52AA6E4}">
+                  <adec:decorative xmlns:adec="http://schemas.microsoft.com/office/drawing/2017/decorative" val="1"/>
+                </a:ext>
+              </a:extLst>
+            </p:cNvPr>
+            <p:cNvCxnSpPr/>
+            <p:nvPr>
+              <p:extLst>
+                <p:ext uri="{386F3935-93C4-4BCD-93E2-E3B085C9AB24}">
+                  <p16:designElem xmlns:p16="http://schemas.microsoft.com/office/powerpoint/2015/main" val="1"/>
+                </p:ext>
+              </p:extLst>
+            </p:nvPr>
+          </p:nvCxnSpPr>
+          <p:spPr>
+            <a:xfrm rot="1320000" flipH="1">
+              <a:off x="10637382" y="621344"/>
+              <a:ext cx="3394" cy="182880"/>
+            </a:xfrm>
+            <a:prstGeom prst="line">
+              <a:avLst/>
+            </a:prstGeom>
+            <a:ln>
+              <a:solidFill>
+                <a:srgbClr val="FFFFFF">
+                  <a:alpha val="30196"/>
+                </a:srgbClr>
+              </a:solidFill>
+            </a:ln>
+          </p:spPr>
+          <p:style>
+            <a:lnRef idx="1">
+              <a:schemeClr val="accent1"/>
+            </a:lnRef>
+            <a:fillRef idx="0">
+              <a:schemeClr val="accent1"/>
+            </a:fillRef>
+            <a:effectRef idx="0">
+              <a:schemeClr val="accent1"/>
+            </a:effectRef>
+            <a:fontRef idx="minor">
+              <a:schemeClr val="tx1"/>
+            </a:fontRef>
+          </p:style>
+        </p:cxnSp>
+        <p:cxnSp>
+          <p:nvCxnSpPr>
+            <p:cNvPr id="123" name="Straight Connector 122">
+              <a:extLst>
+                <a:ext uri="{FF2B5EF4-FFF2-40B4-BE49-F238E27FC236}">
+                  <a16:creationId xmlns:a16="http://schemas.microsoft.com/office/drawing/2014/main" id="{1CCF85E9-8BF1-4390-8430-93CF67C49780}"/>
+                </a:ext>
+                <a:ext uri="{C183D7F6-B498-43B3-948B-1728B52AA6E4}">
+                  <adec:decorative xmlns:adec="http://schemas.microsoft.com/office/drawing/2017/decorative" val="1"/>
+                </a:ext>
+              </a:extLst>
+            </p:cNvPr>
+            <p:cNvCxnSpPr/>
+            <p:nvPr>
+              <p:extLst>
+                <p:ext uri="{386F3935-93C4-4BCD-93E2-E3B085C9AB24}">
+                  <p16:designElem xmlns:p16="http://schemas.microsoft.com/office/powerpoint/2015/main" val="1"/>
+                </p:ext>
+              </p:extLst>
+            </p:nvPr>
+          </p:nvCxnSpPr>
+          <p:spPr>
+            <a:xfrm rot="1440000" flipH="1">
+              <a:off x="10760965" y="690439"/>
+              <a:ext cx="3394" cy="182880"/>
+            </a:xfrm>
+            <a:prstGeom prst="line">
+              <a:avLst/>
+            </a:prstGeom>
+            <a:ln>
+              <a:solidFill>
+                <a:srgbClr val="FFFFFF">
+                  <a:alpha val="30196"/>
+                </a:srgbClr>
+              </a:solidFill>
+            </a:ln>
+          </p:spPr>
+          <p:style>
+            <a:lnRef idx="1">
+              <a:schemeClr val="accent1"/>
+            </a:lnRef>
+            <a:fillRef idx="0">
+              <a:schemeClr val="accent1"/>
+            </a:fillRef>
+            <a:effectRef idx="0">
+              <a:schemeClr val="accent1"/>
+            </a:effectRef>
+            <a:fontRef idx="minor">
+              <a:schemeClr val="tx1"/>
+            </a:fontRef>
+          </p:style>
+        </p:cxnSp>
+        <p:cxnSp>
+          <p:nvCxnSpPr>
+            <p:cNvPr id="124" name="Straight Connector 123">
+              <a:extLst>
+                <a:ext uri="{FF2B5EF4-FFF2-40B4-BE49-F238E27FC236}">
+                  <a16:creationId xmlns:a16="http://schemas.microsoft.com/office/drawing/2014/main" id="{C12D5937-83B8-44DB-92EE-F8CE39628116}"/>
+                </a:ext>
+                <a:ext uri="{C183D7F6-B498-43B3-948B-1728B52AA6E4}">
+                  <adec:decorative xmlns:adec="http://schemas.microsoft.com/office/drawing/2017/decorative" val="1"/>
+                </a:ext>
+              </a:extLst>
+            </p:cNvPr>
+            <p:cNvCxnSpPr/>
+            <p:nvPr>
+              <p:extLst>
+                <p:ext uri="{386F3935-93C4-4BCD-93E2-E3B085C9AB24}">
+                  <p16:designElem xmlns:p16="http://schemas.microsoft.com/office/powerpoint/2015/main" val="1"/>
+                </p:ext>
+              </p:extLst>
+            </p:nvPr>
+          </p:nvCxnSpPr>
+          <p:spPr>
+            <a:xfrm rot="1620000" flipH="1">
+              <a:off x="10888991" y="755091"/>
+              <a:ext cx="3394" cy="182880"/>
+            </a:xfrm>
+            <a:prstGeom prst="line">
+              <a:avLst/>
+            </a:prstGeom>
+            <a:ln>
+              <a:solidFill>
+                <a:srgbClr val="FFFFFF">
+                  <a:alpha val="30196"/>
+                </a:srgbClr>
+              </a:solidFill>
+            </a:ln>
+          </p:spPr>
+          <p:style>
+            <a:lnRef idx="1">
+              <a:schemeClr val="accent1"/>
+            </a:lnRef>
+            <a:fillRef idx="0">
+              <a:schemeClr val="accent1"/>
+            </a:fillRef>
+            <a:effectRef idx="0">
+              <a:schemeClr val="accent1"/>
+            </a:effectRef>
+            <a:fontRef idx="minor">
+              <a:schemeClr val="tx1"/>
+            </a:fontRef>
+          </p:style>
+        </p:cxnSp>
+        <p:cxnSp>
+          <p:nvCxnSpPr>
+            <p:cNvPr id="125" name="Straight Connector 124">
+              <a:extLst>
+                <a:ext uri="{FF2B5EF4-FFF2-40B4-BE49-F238E27FC236}">
+                  <a16:creationId xmlns:a16="http://schemas.microsoft.com/office/drawing/2014/main" id="{8F70DE7D-2944-4F28-94F4-DB5FF3665AA6}"/>
+                </a:ext>
+                <a:ext uri="{C183D7F6-B498-43B3-948B-1728B52AA6E4}">
+                  <adec:decorative xmlns:adec="http://schemas.microsoft.com/office/drawing/2017/decorative" val="1"/>
+                </a:ext>
+              </a:extLst>
+            </p:cNvPr>
+            <p:cNvCxnSpPr/>
+            <p:nvPr>
+              <p:extLst>
+                <p:ext uri="{386F3935-93C4-4BCD-93E2-E3B085C9AB24}">
+                  <p16:designElem xmlns:p16="http://schemas.microsoft.com/office/powerpoint/2015/main" val="1"/>
+                </p:ext>
+              </p:extLst>
+            </p:nvPr>
+          </p:nvCxnSpPr>
+          <p:spPr>
+            <a:xfrm rot="1740000" flipH="1">
+              <a:off x="11010193" y="819743"/>
+              <a:ext cx="3394" cy="182880"/>
+            </a:xfrm>
+            <a:prstGeom prst="line">
+              <a:avLst/>
+            </a:prstGeom>
+            <a:ln>
+              <a:solidFill>
+                <a:srgbClr val="FFFFFF">
+                  <a:alpha val="30196"/>
+                </a:srgbClr>
+              </a:solidFill>
+            </a:ln>
+          </p:spPr>
+          <p:style>
+            <a:lnRef idx="1">
+              <a:schemeClr val="accent1"/>
+            </a:lnRef>
+            <a:fillRef idx="0">
+              <a:schemeClr val="accent1"/>
+            </a:fillRef>
+            <a:effectRef idx="0">
+              <a:schemeClr val="accent1"/>
+            </a:effectRef>
+            <a:fontRef idx="minor">
+              <a:schemeClr val="tx1"/>
+            </a:fontRef>
+          </p:style>
+        </p:cxnSp>
+        <p:cxnSp>
+          <p:nvCxnSpPr>
+            <p:cNvPr id="126" name="Straight Connector 125">
+              <a:extLst>
+                <a:ext uri="{FF2B5EF4-FFF2-40B4-BE49-F238E27FC236}">
+                  <a16:creationId xmlns:a16="http://schemas.microsoft.com/office/drawing/2014/main" id="{0275C592-D23A-4D17-A5D0-1CB0A63C2EFB}"/>
+                </a:ext>
+                <a:ext uri="{C183D7F6-B498-43B3-948B-1728B52AA6E4}">
+                  <adec:decorative xmlns:adec="http://schemas.microsoft.com/office/drawing/2017/decorative" val="1"/>
+                </a:ext>
+              </a:extLst>
+            </p:cNvPr>
+            <p:cNvCxnSpPr/>
+            <p:nvPr>
+              <p:extLst>
+                <p:ext uri="{386F3935-93C4-4BCD-93E2-E3B085C9AB24}">
+                  <p16:designElem xmlns:p16="http://schemas.microsoft.com/office/powerpoint/2015/main" val="1"/>
+                </p:ext>
+              </p:extLst>
+            </p:nvPr>
+          </p:nvCxnSpPr>
+          <p:spPr>
+            <a:xfrm rot="1860000" flipH="1">
+              <a:off x="11129014" y="895662"/>
+              <a:ext cx="3394" cy="182880"/>
+            </a:xfrm>
+            <a:prstGeom prst="line">
+              <a:avLst/>
+            </a:prstGeom>
+            <a:ln>
+              <a:solidFill>
+                <a:srgbClr val="FFFFFF">
+                  <a:alpha val="30196"/>
+                </a:srgbClr>
+              </a:solidFill>
+            </a:ln>
+          </p:spPr>
+          <p:style>
+            <a:lnRef idx="1">
+              <a:schemeClr val="accent1"/>
+            </a:lnRef>
+            <a:fillRef idx="0">
+              <a:schemeClr val="accent1"/>
+            </a:fillRef>
+            <a:effectRef idx="0">
+              <a:schemeClr val="accent1"/>
+            </a:effectRef>
+            <a:fontRef idx="minor">
+              <a:schemeClr val="tx1"/>
+            </a:fontRef>
+          </p:style>
+        </p:cxnSp>
+        <p:cxnSp>
+          <p:nvCxnSpPr>
+            <p:cNvPr id="127" name="Straight Connector 126">
+              <a:extLst>
+                <a:ext uri="{FF2B5EF4-FFF2-40B4-BE49-F238E27FC236}">
+                  <a16:creationId xmlns:a16="http://schemas.microsoft.com/office/drawing/2014/main" id="{6E6A99D6-C0BF-40C0-BA07-7B60B3008C2B}"/>
+                </a:ext>
+                <a:ext uri="{C183D7F6-B498-43B3-948B-1728B52AA6E4}">
+                  <adec:decorative xmlns:adec="http://schemas.microsoft.com/office/drawing/2017/decorative" val="1"/>
+                </a:ext>
+              </a:extLst>
+            </p:cNvPr>
+            <p:cNvCxnSpPr/>
+            <p:nvPr>
+              <p:extLst>
+                <p:ext uri="{386F3935-93C4-4BCD-93E2-E3B085C9AB24}">
+                  <p16:designElem xmlns:p16="http://schemas.microsoft.com/office/powerpoint/2015/main" val="1"/>
+                </p:ext>
+              </p:extLst>
+            </p:nvPr>
+          </p:nvCxnSpPr>
+          <p:spPr>
+            <a:xfrm rot="1980000" flipH="1">
+              <a:off x="11249872" y="968091"/>
+              <a:ext cx="3394" cy="182880"/>
+            </a:xfrm>
+            <a:prstGeom prst="line">
+              <a:avLst/>
+            </a:prstGeom>
+            <a:ln>
+              <a:solidFill>
+                <a:srgbClr val="FFFFFF">
+                  <a:alpha val="30196"/>
+                </a:srgbClr>
+              </a:solidFill>
+            </a:ln>
+          </p:spPr>
+          <p:style>
+            <a:lnRef idx="1">
+              <a:schemeClr val="accent1"/>
+            </a:lnRef>
+            <a:fillRef idx="0">
+              <a:schemeClr val="accent1"/>
+            </a:fillRef>
+            <a:effectRef idx="0">
+              <a:schemeClr val="accent1"/>
+            </a:effectRef>
+            <a:fontRef idx="minor">
+              <a:schemeClr val="tx1"/>
+            </a:fontRef>
+          </p:style>
+        </p:cxnSp>
+        <p:cxnSp>
+          <p:nvCxnSpPr>
+            <p:cNvPr id="128" name="Straight Connector 127">
+              <a:extLst>
+                <a:ext uri="{FF2B5EF4-FFF2-40B4-BE49-F238E27FC236}">
+                  <a16:creationId xmlns:a16="http://schemas.microsoft.com/office/drawing/2014/main" id="{52DC88DB-D650-4294-944B-43B5CAB75EBE}"/>
+                </a:ext>
+                <a:ext uri="{C183D7F6-B498-43B3-948B-1728B52AA6E4}">
+                  <adec:decorative xmlns:adec="http://schemas.microsoft.com/office/drawing/2017/decorative" val="1"/>
+                </a:ext>
+              </a:extLst>
+            </p:cNvPr>
+            <p:cNvCxnSpPr/>
+            <p:nvPr>
+              <p:extLst>
+                <p:ext uri="{386F3935-93C4-4BCD-93E2-E3B085C9AB24}">
+                  <p16:designElem xmlns:p16="http://schemas.microsoft.com/office/powerpoint/2015/main" val="1"/>
+                </p:ext>
+              </p:extLst>
+            </p:nvPr>
+          </p:nvCxnSpPr>
+          <p:spPr>
+            <a:xfrm rot="2160000" flipH="1">
+              <a:off x="11366875" y="1048084"/>
+              <a:ext cx="3394" cy="182880"/>
+            </a:xfrm>
+            <a:prstGeom prst="line">
+              <a:avLst/>
+            </a:prstGeom>
+            <a:ln>
+              <a:solidFill>
+                <a:srgbClr val="FFFFFF">
+                  <a:alpha val="30196"/>
+                </a:srgbClr>
+              </a:solidFill>
+            </a:ln>
+          </p:spPr>
+          <p:style>
+            <a:lnRef idx="1">
+              <a:schemeClr val="accent1"/>
+            </a:lnRef>
+            <a:fillRef idx="0">
+              <a:schemeClr val="accent1"/>
+            </a:fillRef>
+            <a:effectRef idx="0">
+              <a:schemeClr val="accent1"/>
+            </a:effectRef>
+            <a:fontRef idx="minor">
+              <a:schemeClr val="tx1"/>
+            </a:fontRef>
+          </p:style>
+        </p:cxnSp>
+        <p:cxnSp>
+          <p:nvCxnSpPr>
+            <p:cNvPr id="129" name="Straight Connector 128">
+              <a:extLst>
+                <a:ext uri="{FF2B5EF4-FFF2-40B4-BE49-F238E27FC236}">
+                  <a16:creationId xmlns:a16="http://schemas.microsoft.com/office/drawing/2014/main" id="{AD45E2EA-A847-4EF1-BFFC-BE40296C663D}"/>
+                </a:ext>
+                <a:ext uri="{C183D7F6-B498-43B3-948B-1728B52AA6E4}">
+                  <adec:decorative xmlns:adec="http://schemas.microsoft.com/office/drawing/2017/decorative" val="1"/>
+                </a:ext>
+              </a:extLst>
+            </p:cNvPr>
+            <p:cNvCxnSpPr/>
+            <p:nvPr>
+              <p:extLst>
+                <p:ext uri="{386F3935-93C4-4BCD-93E2-E3B085C9AB24}">
+                  <p16:designElem xmlns:p16="http://schemas.microsoft.com/office/powerpoint/2015/main" val="1"/>
+                </p:ext>
+              </p:extLst>
+            </p:nvPr>
+          </p:nvCxnSpPr>
+          <p:spPr>
+            <a:xfrm rot="2280000" flipH="1">
+              <a:off x="11474058" y="1131525"/>
+              <a:ext cx="3394" cy="182880"/>
+            </a:xfrm>
+            <a:prstGeom prst="line">
+              <a:avLst/>
+            </a:prstGeom>
+            <a:ln>
+              <a:solidFill>
+                <a:srgbClr val="FFFFFF">
+                  <a:alpha val="30196"/>
+                </a:srgbClr>
+              </a:solidFill>
+            </a:ln>
+          </p:spPr>
+          <p:style>
+            <a:lnRef idx="1">
+              <a:schemeClr val="accent1"/>
+            </a:lnRef>
+            <a:fillRef idx="0">
+              <a:schemeClr val="accent1"/>
+            </a:fillRef>
+            <a:effectRef idx="0">
+              <a:schemeClr val="accent1"/>
+            </a:effectRef>
+            <a:fontRef idx="minor">
+              <a:schemeClr val="tx1"/>
+            </a:fontRef>
+          </p:style>
+        </p:cxnSp>
+        <p:cxnSp>
+          <p:nvCxnSpPr>
+            <p:cNvPr id="130" name="Straight Connector 129">
+              <a:extLst>
+                <a:ext uri="{FF2B5EF4-FFF2-40B4-BE49-F238E27FC236}">
+                  <a16:creationId xmlns:a16="http://schemas.microsoft.com/office/drawing/2014/main" id="{BDB920C9-FFFE-4273-B2A5-A065D243140F}"/>
+                </a:ext>
+                <a:ext uri="{C183D7F6-B498-43B3-948B-1728B52AA6E4}">
+                  <adec:decorative xmlns:adec="http://schemas.microsoft.com/office/drawing/2017/decorative" val="1"/>
+                </a:ext>
+              </a:extLst>
+            </p:cNvPr>
+            <p:cNvCxnSpPr/>
+            <p:nvPr>
+              <p:extLst>
+                <p:ext uri="{386F3935-93C4-4BCD-93E2-E3B085C9AB24}">
+                  <p16:designElem xmlns:p16="http://schemas.microsoft.com/office/powerpoint/2015/main" val="1"/>
+                </p:ext>
+              </p:extLst>
+            </p:nvPr>
+          </p:nvCxnSpPr>
+          <p:spPr>
+            <a:xfrm rot="2400000" flipH="1">
+              <a:off x="11583303" y="1221790"/>
+              <a:ext cx="3394" cy="182880"/>
+            </a:xfrm>
+            <a:prstGeom prst="line">
+              <a:avLst/>
+            </a:prstGeom>
+            <a:ln>
+              <a:solidFill>
+                <a:srgbClr val="FFFFFF">
+                  <a:alpha val="30196"/>
+                </a:srgbClr>
+              </a:solidFill>
+            </a:ln>
+          </p:spPr>
+          <p:style>
+            <a:lnRef idx="1">
+              <a:schemeClr val="accent1"/>
+            </a:lnRef>
+            <a:fillRef idx="0">
+              <a:schemeClr val="accent1"/>
+            </a:fillRef>
+            <a:effectRef idx="0">
+              <a:schemeClr val="accent1"/>
+            </a:effectRef>
+            <a:fontRef idx="minor">
+              <a:schemeClr val="tx1"/>
+            </a:fontRef>
+          </p:style>
+        </p:cxnSp>
+        <p:cxnSp>
+          <p:nvCxnSpPr>
+            <p:cNvPr id="131" name="Straight Connector 130">
+              <a:extLst>
+                <a:ext uri="{FF2B5EF4-FFF2-40B4-BE49-F238E27FC236}">
+                  <a16:creationId xmlns:a16="http://schemas.microsoft.com/office/drawing/2014/main" id="{EE1355A7-015B-447B-8540-4191EAFA770A}"/>
+                </a:ext>
+                <a:ext uri="{C183D7F6-B498-43B3-948B-1728B52AA6E4}">
+                  <adec:decorative xmlns:adec="http://schemas.microsoft.com/office/drawing/2017/decorative" val="1"/>
+                </a:ext>
+              </a:extLst>
+            </p:cNvPr>
+            <p:cNvCxnSpPr/>
+            <p:nvPr>
+              <p:extLst>
+                <p:ext uri="{386F3935-93C4-4BCD-93E2-E3B085C9AB24}">
+                  <p16:designElem xmlns:p16="http://schemas.microsoft.com/office/powerpoint/2015/main" val="1"/>
+                </p:ext>
+              </p:extLst>
+            </p:nvPr>
+          </p:nvCxnSpPr>
+          <p:spPr>
+            <a:xfrm rot="2520000" flipH="1">
+              <a:off x="11685344" y="1321772"/>
+              <a:ext cx="3394" cy="182880"/>
+            </a:xfrm>
+            <a:prstGeom prst="line">
+              <a:avLst/>
+            </a:prstGeom>
+            <a:ln>
+              <a:solidFill>
+                <a:srgbClr val="FFFFFF">
+                  <a:alpha val="30196"/>
+                </a:srgbClr>
+              </a:solidFill>
+            </a:ln>
+          </p:spPr>
+          <p:style>
+            <a:lnRef idx="1">
+              <a:schemeClr val="accent1"/>
+            </a:lnRef>
+            <a:fillRef idx="0">
+              <a:schemeClr val="accent1"/>
+            </a:fillRef>
+            <a:effectRef idx="0">
+              <a:schemeClr val="accent1"/>
+            </a:effectRef>
+            <a:fontRef idx="minor">
+              <a:schemeClr val="tx1"/>
+            </a:fontRef>
+          </p:style>
+        </p:cxnSp>
+        <p:cxnSp>
+          <p:nvCxnSpPr>
+            <p:cNvPr id="132" name="Straight Connector 131">
+              <a:extLst>
+                <a:ext uri="{FF2B5EF4-FFF2-40B4-BE49-F238E27FC236}">
+                  <a16:creationId xmlns:a16="http://schemas.microsoft.com/office/drawing/2014/main" id="{24443849-1476-409B-BC52-22EE2D88F947}"/>
+                </a:ext>
+                <a:ext uri="{C183D7F6-B498-43B3-948B-1728B52AA6E4}">
+                  <adec:decorative xmlns:adec="http://schemas.microsoft.com/office/drawing/2017/decorative" val="1"/>
+                </a:ext>
+              </a:extLst>
+            </p:cNvPr>
+            <p:cNvCxnSpPr/>
+            <p:nvPr>
+              <p:extLst>
+                <p:ext uri="{386F3935-93C4-4BCD-93E2-E3B085C9AB24}">
+                  <p16:designElem xmlns:p16="http://schemas.microsoft.com/office/powerpoint/2015/main" val="1"/>
+                </p:ext>
+              </p:extLst>
+            </p:nvPr>
+          </p:nvCxnSpPr>
+          <p:spPr>
+            <a:xfrm rot="2700000" flipH="1">
+              <a:off x="11787704" y="1417630"/>
+              <a:ext cx="3394" cy="182880"/>
+            </a:xfrm>
+            <a:prstGeom prst="line">
+              <a:avLst/>
+            </a:prstGeom>
+            <a:ln>
+              <a:solidFill>
+                <a:srgbClr val="FFFFFF">
+                  <a:alpha val="30196"/>
+                </a:srgbClr>
+              </a:solidFill>
+            </a:ln>
+          </p:spPr>
+          <p:style>
+            <a:lnRef idx="1">
+              <a:schemeClr val="accent1"/>
+            </a:lnRef>
+            <a:fillRef idx="0">
+              <a:schemeClr val="accent1"/>
+            </a:fillRef>
+            <a:effectRef idx="0">
+              <a:schemeClr val="accent1"/>
+            </a:effectRef>
+            <a:fontRef idx="minor">
+              <a:schemeClr val="tx1"/>
+            </a:fontRef>
+          </p:style>
+        </p:cxnSp>
+        <p:cxnSp>
+          <p:nvCxnSpPr>
+            <p:cNvPr id="133" name="Straight Connector 132">
+              <a:extLst>
+                <a:ext uri="{FF2B5EF4-FFF2-40B4-BE49-F238E27FC236}">
+                  <a16:creationId xmlns:a16="http://schemas.microsoft.com/office/drawing/2014/main" id="{42081A51-7D07-419B-9B62-0CCBBDC70DBE}"/>
+                </a:ext>
+                <a:ext uri="{C183D7F6-B498-43B3-948B-1728B52AA6E4}">
+                  <adec:decorative xmlns:adec="http://schemas.microsoft.com/office/drawing/2017/decorative" val="1"/>
+                </a:ext>
+              </a:extLst>
+            </p:cNvPr>
+            <p:cNvCxnSpPr/>
+            <p:nvPr>
+              <p:extLst>
+                <p:ext uri="{386F3935-93C4-4BCD-93E2-E3B085C9AB24}">
+                  <p16:designElem xmlns:p16="http://schemas.microsoft.com/office/powerpoint/2015/main" val="1"/>
+                </p:ext>
+              </p:extLst>
+            </p:nvPr>
+          </p:nvCxnSpPr>
+          <p:spPr>
+            <a:xfrm rot="2820000" flipH="1">
+              <a:off x="11880859" y="1517931"/>
+              <a:ext cx="3394" cy="182880"/>
+            </a:xfrm>
+            <a:prstGeom prst="line">
+              <a:avLst/>
+            </a:prstGeom>
+            <a:ln>
+              <a:solidFill>
+                <a:srgbClr val="FFFFFF">
+                  <a:alpha val="30196"/>
+                </a:srgbClr>
+              </a:solidFill>
+            </a:ln>
+          </p:spPr>
+          <p:style>
+            <a:lnRef idx="1">
+              <a:schemeClr val="accent1"/>
+            </a:lnRef>
+            <a:fillRef idx="0">
+              <a:schemeClr val="accent1"/>
+            </a:fillRef>
+            <a:effectRef idx="0">
+              <a:schemeClr val="accent1"/>
+            </a:effectRef>
+            <a:fontRef idx="minor">
+              <a:schemeClr val="tx1"/>
+            </a:fontRef>
+          </p:style>
+        </p:cxnSp>
+        <p:cxnSp>
+          <p:nvCxnSpPr>
+            <p:cNvPr id="134" name="Straight Connector 133">
+              <a:extLst>
+                <a:ext uri="{FF2B5EF4-FFF2-40B4-BE49-F238E27FC236}">
+                  <a16:creationId xmlns:a16="http://schemas.microsoft.com/office/drawing/2014/main" id="{9CD47CE7-D458-4E21-8924-2AA0E9ED1EC0}"/>
+                </a:ext>
+                <a:ext uri="{C183D7F6-B498-43B3-948B-1728B52AA6E4}">
+                  <adec:decorative xmlns:adec="http://schemas.microsoft.com/office/drawing/2017/decorative" val="1"/>
+                </a:ext>
+              </a:extLst>
+            </p:cNvPr>
+            <p:cNvCxnSpPr/>
+            <p:nvPr>
+              <p:extLst>
+                <p:ext uri="{386F3935-93C4-4BCD-93E2-E3B085C9AB24}">
+                  <p16:designElem xmlns:p16="http://schemas.microsoft.com/office/powerpoint/2015/main" val="1"/>
+                </p:ext>
+              </p:extLst>
+            </p:nvPr>
+          </p:nvCxnSpPr>
+          <p:spPr>
+            <a:xfrm rot="2940000" flipH="1">
+              <a:off x="11969252" y="1627437"/>
+              <a:ext cx="3394" cy="182880"/>
+            </a:xfrm>
+            <a:prstGeom prst="line">
+              <a:avLst/>
+            </a:prstGeom>
+            <a:ln>
+              <a:solidFill>
+                <a:srgbClr val="FFFFFF">
+                  <a:alpha val="30196"/>
+                </a:srgbClr>
+              </a:solidFill>
+            </a:ln>
+          </p:spPr>
+          <p:style>
+            <a:lnRef idx="1">
+              <a:schemeClr val="accent1"/>
+            </a:lnRef>
+            <a:fillRef idx="0">
+              <a:schemeClr val="accent1"/>
+            </a:fillRef>
+            <a:effectRef idx="0">
+              <a:schemeClr val="accent1"/>
+            </a:effectRef>
+            <a:fontRef idx="minor">
+              <a:schemeClr val="tx1"/>
+            </a:fontRef>
+          </p:style>
+        </p:cxnSp>
+        <p:cxnSp>
+          <p:nvCxnSpPr>
+            <p:cNvPr id="135" name="Straight Connector 134">
+              <a:extLst>
+                <a:ext uri="{FF2B5EF4-FFF2-40B4-BE49-F238E27FC236}">
+                  <a16:creationId xmlns:a16="http://schemas.microsoft.com/office/drawing/2014/main" id="{DCE023FD-9F08-4439-8FF3-52EA7A9843CE}"/>
+                </a:ext>
+                <a:ext uri="{C183D7F6-B498-43B3-948B-1728B52AA6E4}">
+                  <adec:decorative xmlns:adec="http://schemas.microsoft.com/office/drawing/2017/decorative" val="1"/>
+                </a:ext>
+              </a:extLst>
+            </p:cNvPr>
+            <p:cNvCxnSpPr/>
+            <p:nvPr>
+              <p:extLst>
+                <p:ext uri="{386F3935-93C4-4BCD-93E2-E3B085C9AB24}">
+                  <p16:designElem xmlns:p16="http://schemas.microsoft.com/office/powerpoint/2015/main" val="1"/>
+                </p:ext>
+              </p:extLst>
+            </p:nvPr>
+          </p:nvCxnSpPr>
+          <p:spPr>
+            <a:xfrm rot="3060000" flipH="1">
+              <a:off x="12062016" y="1736011"/>
+              <a:ext cx="3394" cy="182880"/>
+            </a:xfrm>
+            <a:prstGeom prst="line">
+              <a:avLst/>
+            </a:prstGeom>
+            <a:ln>
+              <a:solidFill>
+                <a:srgbClr val="FFFFFF">
+                  <a:alpha val="30196"/>
+                </a:srgbClr>
+              </a:solidFill>
+            </a:ln>
+          </p:spPr>
+          <p:style>
+            <a:lnRef idx="1">
+              <a:schemeClr val="accent1"/>
+            </a:lnRef>
+            <a:fillRef idx="0">
+              <a:schemeClr val="accent1"/>
+            </a:fillRef>
+            <a:effectRef idx="0">
+              <a:schemeClr val="accent1"/>
+            </a:effectRef>
+            <a:fontRef idx="minor">
+              <a:schemeClr val="tx1"/>
+            </a:fontRef>
+          </p:style>
+        </p:cxnSp>
+        <p:cxnSp>
+          <p:nvCxnSpPr>
+            <p:cNvPr id="136" name="Straight Connector 135">
+              <a:extLst>
+                <a:ext uri="{FF2B5EF4-FFF2-40B4-BE49-F238E27FC236}">
+                  <a16:creationId xmlns:a16="http://schemas.microsoft.com/office/drawing/2014/main" id="{A828C8C7-54EA-42D6-9CEE-49852B270565}"/>
+                </a:ext>
+                <a:ext uri="{C183D7F6-B498-43B3-948B-1728B52AA6E4}">
+                  <adec:decorative xmlns:adec="http://schemas.microsoft.com/office/drawing/2017/decorative" val="1"/>
+                </a:ext>
+              </a:extLst>
+            </p:cNvPr>
+            <p:cNvCxnSpPr/>
+            <p:nvPr>
+              <p:extLst>
+                <p:ext uri="{386F3935-93C4-4BCD-93E2-E3B085C9AB24}">
+                  <p16:designElem xmlns:p16="http://schemas.microsoft.com/office/powerpoint/2015/main" val="1"/>
+                </p:ext>
+              </p:extLst>
+            </p:nvPr>
+          </p:nvCxnSpPr>
+          <p:spPr>
+            <a:xfrm flipH="1">
+              <a:off x="12074680" y="1910249"/>
+              <a:ext cx="117320" cy="82912"/>
+            </a:xfrm>
+            <a:prstGeom prst="line">
+              <a:avLst/>
+            </a:prstGeom>
+            <a:ln>
+              <a:solidFill>
+                <a:srgbClr val="FFFFFF">
+                  <a:alpha val="30196"/>
+                </a:srgbClr>
+              </a:solidFill>
+            </a:ln>
+          </p:spPr>
+          <p:style>
+            <a:lnRef idx="1">
+              <a:schemeClr val="accent1"/>
+            </a:lnRef>
+            <a:fillRef idx="0">
+              <a:schemeClr val="accent1"/>
+            </a:fillRef>
+            <a:effectRef idx="0">
+              <a:schemeClr val="accent1"/>
+            </a:effectRef>
+            <a:fontRef idx="minor">
+              <a:schemeClr val="tx1"/>
+            </a:fontRef>
+          </p:style>
+        </p:cxnSp>
+        <p:cxnSp>
+          <p:nvCxnSpPr>
+            <p:cNvPr id="137" name="Straight Connector 136">
+              <a:extLst>
+                <a:ext uri="{FF2B5EF4-FFF2-40B4-BE49-F238E27FC236}">
+                  <a16:creationId xmlns:a16="http://schemas.microsoft.com/office/drawing/2014/main" id="{0934EA16-F0C9-4D15-84BF-E83A81D6B045}"/>
+                </a:ext>
+                <a:ext uri="{C183D7F6-B498-43B3-948B-1728B52AA6E4}">
+                  <adec:decorative xmlns:adec="http://schemas.microsoft.com/office/drawing/2017/decorative" val="1"/>
+                </a:ext>
+              </a:extLst>
+            </p:cNvPr>
+            <p:cNvCxnSpPr/>
+            <p:nvPr>
+              <p:extLst>
+                <p:ext uri="{386F3935-93C4-4BCD-93E2-E3B085C9AB24}">
+                  <p16:designElem xmlns:p16="http://schemas.microsoft.com/office/powerpoint/2015/main" val="1"/>
+                </p:ext>
+              </p:extLst>
+            </p:nvPr>
+          </p:nvCxnSpPr>
+          <p:spPr>
+            <a:xfrm flipH="1">
+              <a:off x="12149943" y="2083594"/>
+              <a:ext cx="39676" cy="21436"/>
+            </a:xfrm>
+            <a:prstGeom prst="line">
+              <a:avLst/>
+            </a:prstGeom>
+            <a:ln>
+              <a:solidFill>
+                <a:srgbClr val="FFFFFF">
+                  <a:alpha val="30196"/>
+                </a:srgbClr>
+              </a:solidFill>
+            </a:ln>
+          </p:spPr>
+          <p:style>
+            <a:lnRef idx="1">
+              <a:schemeClr val="accent1"/>
+            </a:lnRef>
+            <a:fillRef idx="0">
+              <a:schemeClr val="accent1"/>
+            </a:fillRef>
+            <a:effectRef idx="0">
+              <a:schemeClr val="accent1"/>
+            </a:effectRef>
+            <a:fontRef idx="minor">
+              <a:schemeClr val="tx1"/>
+            </a:fontRef>
+          </p:style>
+        </p:cxnSp>
+        <p:cxnSp>
+          <p:nvCxnSpPr>
+            <p:cNvPr id="138" name="Straight Connector 137">
+              <a:extLst>
+                <a:ext uri="{FF2B5EF4-FFF2-40B4-BE49-F238E27FC236}">
+                  <a16:creationId xmlns:a16="http://schemas.microsoft.com/office/drawing/2014/main" id="{7B3FD5BE-A781-4490-AE3F-E5650DF6683F}"/>
+                </a:ext>
+                <a:ext uri="{C183D7F6-B498-43B3-948B-1728B52AA6E4}">
+                  <adec:decorative xmlns:adec="http://schemas.microsoft.com/office/drawing/2017/decorative" val="1"/>
+                </a:ext>
+              </a:extLst>
+            </p:cNvPr>
+            <p:cNvCxnSpPr/>
+            <p:nvPr>
+              <p:extLst>
+                <p:ext uri="{386F3935-93C4-4BCD-93E2-E3B085C9AB24}">
+                  <p16:designElem xmlns:p16="http://schemas.microsoft.com/office/powerpoint/2015/main" val="1"/>
+                </p:ext>
+              </p:extLst>
+            </p:nvPr>
+          </p:nvCxnSpPr>
+          <p:spPr>
+            <a:xfrm rot="-180000" flipH="1">
+              <a:off x="9127990" y="334251"/>
+              <a:ext cx="3394" cy="182880"/>
+            </a:xfrm>
+            <a:prstGeom prst="line">
+              <a:avLst/>
+            </a:prstGeom>
+            <a:ln>
+              <a:solidFill>
+                <a:srgbClr val="FFFFFF">
+                  <a:alpha val="30196"/>
+                </a:srgbClr>
+              </a:solidFill>
+            </a:ln>
+          </p:spPr>
+          <p:style>
+            <a:lnRef idx="1">
+              <a:schemeClr val="accent1"/>
+            </a:lnRef>
+            <a:fillRef idx="0">
+              <a:schemeClr val="accent1"/>
+            </a:fillRef>
+            <a:effectRef idx="0">
+              <a:schemeClr val="accent1"/>
+            </a:effectRef>
+            <a:fontRef idx="minor">
+              <a:schemeClr val="tx1"/>
+            </a:fontRef>
+          </p:style>
+        </p:cxnSp>
+        <p:cxnSp>
+          <p:nvCxnSpPr>
+            <p:cNvPr id="139" name="Straight Connector 138">
+              <a:extLst>
+                <a:ext uri="{FF2B5EF4-FFF2-40B4-BE49-F238E27FC236}">
+                  <a16:creationId xmlns:a16="http://schemas.microsoft.com/office/drawing/2014/main" id="{B6A60DCE-BCDB-4F06-BAF8-4DC5591F23A8}"/>
+                </a:ext>
+                <a:ext uri="{C183D7F6-B498-43B3-948B-1728B52AA6E4}">
+                  <adec:decorative xmlns:adec="http://schemas.microsoft.com/office/drawing/2017/decorative" val="1"/>
+                </a:ext>
+              </a:extLst>
+            </p:cNvPr>
+            <p:cNvCxnSpPr/>
+            <p:nvPr>
+              <p:extLst>
+                <p:ext uri="{386F3935-93C4-4BCD-93E2-E3B085C9AB24}">
+                  <p16:designElem xmlns:p16="http://schemas.microsoft.com/office/powerpoint/2015/main" val="1"/>
+                </p:ext>
+              </p:extLst>
+            </p:nvPr>
+          </p:nvCxnSpPr>
+          <p:spPr>
+            <a:xfrm rot="-300000" flipH="1">
+              <a:off x="8987576" y="336633"/>
+              <a:ext cx="3394" cy="182880"/>
+            </a:xfrm>
+            <a:prstGeom prst="line">
+              <a:avLst/>
+            </a:prstGeom>
+            <a:ln>
+              <a:solidFill>
+                <a:srgbClr val="FFFFFF">
+                  <a:alpha val="30196"/>
+                </a:srgbClr>
+              </a:solidFill>
+            </a:ln>
+          </p:spPr>
+          <p:style>
+            <a:lnRef idx="1">
+              <a:schemeClr val="accent1"/>
+            </a:lnRef>
+            <a:fillRef idx="0">
+              <a:schemeClr val="accent1"/>
+            </a:fillRef>
+            <a:effectRef idx="0">
+              <a:schemeClr val="accent1"/>
+            </a:effectRef>
+            <a:fontRef idx="minor">
+              <a:schemeClr val="tx1"/>
+            </a:fontRef>
+          </p:style>
+        </p:cxnSp>
+        <p:cxnSp>
+          <p:nvCxnSpPr>
+            <p:cNvPr id="140" name="Straight Connector 139">
+              <a:extLst>
+                <a:ext uri="{FF2B5EF4-FFF2-40B4-BE49-F238E27FC236}">
+                  <a16:creationId xmlns:a16="http://schemas.microsoft.com/office/drawing/2014/main" id="{DD8E6559-4AA5-488E-839C-44B9ABE2602C}"/>
+                </a:ext>
+                <a:ext uri="{C183D7F6-B498-43B3-948B-1728B52AA6E4}">
+                  <adec:decorative xmlns:adec="http://schemas.microsoft.com/office/drawing/2017/decorative" val="1"/>
+                </a:ext>
+              </a:extLst>
+            </p:cNvPr>
+            <p:cNvCxnSpPr/>
+            <p:nvPr>
+              <p:extLst>
+                <p:ext uri="{386F3935-93C4-4BCD-93E2-E3B085C9AB24}">
+                  <p16:designElem xmlns:p16="http://schemas.microsoft.com/office/powerpoint/2015/main" val="1"/>
+                </p:ext>
+              </p:extLst>
+            </p:nvPr>
+          </p:nvCxnSpPr>
+          <p:spPr>
+            <a:xfrm rot="-420000" flipH="1">
+              <a:off x="8844859" y="351176"/>
+              <a:ext cx="3394" cy="182880"/>
+            </a:xfrm>
+            <a:prstGeom prst="line">
+              <a:avLst/>
+            </a:prstGeom>
+            <a:ln>
+              <a:solidFill>
+                <a:srgbClr val="FFFFFF">
+                  <a:alpha val="30196"/>
+                </a:srgbClr>
+              </a:solidFill>
+            </a:ln>
+          </p:spPr>
+          <p:style>
+            <a:lnRef idx="1">
+              <a:schemeClr val="accent1"/>
+            </a:lnRef>
+            <a:fillRef idx="0">
+              <a:schemeClr val="accent1"/>
+            </a:fillRef>
+            <a:effectRef idx="0">
+              <a:schemeClr val="accent1"/>
+            </a:effectRef>
+            <a:fontRef idx="minor">
+              <a:schemeClr val="tx1"/>
+            </a:fontRef>
+          </p:style>
+        </p:cxnSp>
+        <p:cxnSp>
+          <p:nvCxnSpPr>
+            <p:cNvPr id="141" name="Straight Connector 140">
+              <a:extLst>
+                <a:ext uri="{FF2B5EF4-FFF2-40B4-BE49-F238E27FC236}">
+                  <a16:creationId xmlns:a16="http://schemas.microsoft.com/office/drawing/2014/main" id="{1F764FF6-87D9-4563-B257-0901F5C04E0F}"/>
+                </a:ext>
+                <a:ext uri="{C183D7F6-B498-43B3-948B-1728B52AA6E4}">
+                  <adec:decorative xmlns:adec="http://schemas.microsoft.com/office/drawing/2017/decorative" val="1"/>
+                </a:ext>
+              </a:extLst>
+            </p:cNvPr>
+            <p:cNvCxnSpPr/>
+            <p:nvPr>
+              <p:extLst>
+                <p:ext uri="{386F3935-93C4-4BCD-93E2-E3B085C9AB24}">
+                  <p16:designElem xmlns:p16="http://schemas.microsoft.com/office/powerpoint/2015/main" val="1"/>
+                </p:ext>
+              </p:extLst>
+            </p:nvPr>
+          </p:nvCxnSpPr>
+          <p:spPr>
+            <a:xfrm rot="-540000" flipH="1">
+              <a:off x="8706904" y="365719"/>
+              <a:ext cx="3394" cy="182880"/>
+            </a:xfrm>
+            <a:prstGeom prst="line">
+              <a:avLst/>
+            </a:prstGeom>
+            <a:ln>
+              <a:solidFill>
+                <a:srgbClr val="FFFFFF">
+                  <a:alpha val="30196"/>
+                </a:srgbClr>
+              </a:solidFill>
+            </a:ln>
+          </p:spPr>
+          <p:style>
+            <a:lnRef idx="1">
+              <a:schemeClr val="accent1"/>
+            </a:lnRef>
+            <a:fillRef idx="0">
+              <a:schemeClr val="accent1"/>
+            </a:fillRef>
+            <a:effectRef idx="0">
+              <a:schemeClr val="accent1"/>
+            </a:effectRef>
+            <a:fontRef idx="minor">
+              <a:schemeClr val="tx1"/>
+            </a:fontRef>
+          </p:style>
+        </p:cxnSp>
+        <p:cxnSp>
+          <p:nvCxnSpPr>
+            <p:cNvPr id="142" name="Straight Connector 141">
+              <a:extLst>
+                <a:ext uri="{FF2B5EF4-FFF2-40B4-BE49-F238E27FC236}">
+                  <a16:creationId xmlns:a16="http://schemas.microsoft.com/office/drawing/2014/main" id="{FB52E1AD-28FF-4199-B00E-A426860CE3AA}"/>
+                </a:ext>
+                <a:ext uri="{C183D7F6-B498-43B3-948B-1728B52AA6E4}">
+                  <adec:decorative xmlns:adec="http://schemas.microsoft.com/office/drawing/2017/decorative" val="1"/>
+                </a:ext>
+              </a:extLst>
+            </p:cNvPr>
+            <p:cNvCxnSpPr/>
+            <p:nvPr>
+              <p:extLst>
+                <p:ext uri="{386F3935-93C4-4BCD-93E2-E3B085C9AB24}">
+                  <p16:designElem xmlns:p16="http://schemas.microsoft.com/office/powerpoint/2015/main" val="1"/>
+                </p:ext>
+              </p:extLst>
+            </p:nvPr>
+          </p:nvCxnSpPr>
+          <p:spPr>
+            <a:xfrm rot="-720000" flipH="1">
+              <a:off x="8568008" y="387891"/>
+              <a:ext cx="3394" cy="182880"/>
+            </a:xfrm>
+            <a:prstGeom prst="line">
+              <a:avLst/>
+            </a:prstGeom>
+            <a:ln>
+              <a:solidFill>
+                <a:srgbClr val="FFFFFF">
+                  <a:alpha val="30196"/>
+                </a:srgbClr>
+              </a:solidFill>
+            </a:ln>
+          </p:spPr>
+          <p:style>
+            <a:lnRef idx="1">
+              <a:schemeClr val="accent1"/>
+            </a:lnRef>
+            <a:fillRef idx="0">
+              <a:schemeClr val="accent1"/>
+            </a:fillRef>
+            <a:effectRef idx="0">
+              <a:schemeClr val="accent1"/>
+            </a:effectRef>
+            <a:fontRef idx="minor">
+              <a:schemeClr val="tx1"/>
+            </a:fontRef>
+          </p:style>
+        </p:cxnSp>
+        <p:cxnSp>
+          <p:nvCxnSpPr>
+            <p:cNvPr id="143" name="Straight Connector 142">
+              <a:extLst>
+                <a:ext uri="{FF2B5EF4-FFF2-40B4-BE49-F238E27FC236}">
+                  <a16:creationId xmlns:a16="http://schemas.microsoft.com/office/drawing/2014/main" id="{EED0001C-A0BE-455E-B3DE-7896C92D7AB3}"/>
+                </a:ext>
+                <a:ext uri="{C183D7F6-B498-43B3-948B-1728B52AA6E4}">
+                  <adec:decorative xmlns:adec="http://schemas.microsoft.com/office/drawing/2017/decorative" val="1"/>
+                </a:ext>
+              </a:extLst>
+            </p:cNvPr>
+            <p:cNvCxnSpPr/>
+            <p:nvPr>
+              <p:extLst>
+                <p:ext uri="{386F3935-93C4-4BCD-93E2-E3B085C9AB24}">
+                  <p16:designElem xmlns:p16="http://schemas.microsoft.com/office/powerpoint/2015/main" val="1"/>
+                </p:ext>
+              </p:extLst>
+            </p:nvPr>
+          </p:nvCxnSpPr>
+          <p:spPr>
+            <a:xfrm rot="-840000" flipH="1">
+              <a:off x="8429112" y="410063"/>
+              <a:ext cx="3394" cy="182880"/>
+            </a:xfrm>
+            <a:prstGeom prst="line">
+              <a:avLst/>
+            </a:prstGeom>
+            <a:ln>
+              <a:solidFill>
+                <a:srgbClr val="FFFFFF">
+                  <a:alpha val="30196"/>
+                </a:srgbClr>
+              </a:solidFill>
+            </a:ln>
+          </p:spPr>
+          <p:style>
+            <a:lnRef idx="1">
+              <a:schemeClr val="accent1"/>
+            </a:lnRef>
+            <a:fillRef idx="0">
+              <a:schemeClr val="accent1"/>
+            </a:fillRef>
+            <a:effectRef idx="0">
+              <a:schemeClr val="accent1"/>
+            </a:effectRef>
+            <a:fontRef idx="minor">
+              <a:schemeClr val="tx1"/>
+            </a:fontRef>
+          </p:style>
+        </p:cxnSp>
+        <p:cxnSp>
+          <p:nvCxnSpPr>
+            <p:cNvPr id="144" name="Straight Connector 143">
+              <a:extLst>
+                <a:ext uri="{FF2B5EF4-FFF2-40B4-BE49-F238E27FC236}">
+                  <a16:creationId xmlns:a16="http://schemas.microsoft.com/office/drawing/2014/main" id="{319FC06C-2C6A-47E2-B879-A0EF41237BC7}"/>
+                </a:ext>
+                <a:ext uri="{C183D7F6-B498-43B3-948B-1728B52AA6E4}">
+                  <adec:decorative xmlns:adec="http://schemas.microsoft.com/office/drawing/2017/decorative" val="1"/>
+                </a:ext>
+              </a:extLst>
+            </p:cNvPr>
+            <p:cNvCxnSpPr/>
+            <p:nvPr>
+              <p:extLst>
+                <p:ext uri="{386F3935-93C4-4BCD-93E2-E3B085C9AB24}">
+                  <p16:designElem xmlns:p16="http://schemas.microsoft.com/office/powerpoint/2015/main" val="1"/>
+                </p:ext>
+              </p:extLst>
+            </p:nvPr>
+          </p:nvCxnSpPr>
+          <p:spPr>
+            <a:xfrm rot="-960000" flipH="1">
+              <a:off x="8294968" y="446219"/>
+              <a:ext cx="3394" cy="182880"/>
+            </a:xfrm>
+            <a:prstGeom prst="line">
+              <a:avLst/>
+            </a:prstGeom>
+            <a:ln>
+              <a:solidFill>
+                <a:srgbClr val="FFFFFF">
+                  <a:alpha val="30196"/>
+                </a:srgbClr>
+              </a:solidFill>
+            </a:ln>
+          </p:spPr>
+          <p:style>
+            <a:lnRef idx="1">
+              <a:schemeClr val="accent1"/>
+            </a:lnRef>
+            <a:fillRef idx="0">
+              <a:schemeClr val="accent1"/>
+            </a:fillRef>
+            <a:effectRef idx="0">
+              <a:schemeClr val="accent1"/>
+            </a:effectRef>
+            <a:fontRef idx="minor">
+              <a:schemeClr val="tx1"/>
+            </a:fontRef>
+          </p:style>
+        </p:cxnSp>
+        <p:cxnSp>
+          <p:nvCxnSpPr>
+            <p:cNvPr id="145" name="Straight Connector 144">
+              <a:extLst>
+                <a:ext uri="{FF2B5EF4-FFF2-40B4-BE49-F238E27FC236}">
+                  <a16:creationId xmlns:a16="http://schemas.microsoft.com/office/drawing/2014/main" id="{CA8873BC-1926-4114-BE10-E14FF64B0E53}"/>
+                </a:ext>
+                <a:ext uri="{C183D7F6-B498-43B3-948B-1728B52AA6E4}">
+                  <adec:decorative xmlns:adec="http://schemas.microsoft.com/office/drawing/2017/decorative" val="1"/>
+                </a:ext>
+              </a:extLst>
+            </p:cNvPr>
+            <p:cNvCxnSpPr/>
+            <p:nvPr>
+              <p:extLst>
+                <p:ext uri="{386F3935-93C4-4BCD-93E2-E3B085C9AB24}">
+                  <p16:designElem xmlns:p16="http://schemas.microsoft.com/office/powerpoint/2015/main" val="1"/>
+                </p:ext>
+              </p:extLst>
+            </p:nvPr>
+          </p:nvCxnSpPr>
+          <p:spPr>
+            <a:xfrm rot="-1080000" flipH="1">
+              <a:off x="8160824" y="482375"/>
+              <a:ext cx="3394" cy="182880"/>
+            </a:xfrm>
+            <a:prstGeom prst="line">
+              <a:avLst/>
+            </a:prstGeom>
+            <a:ln>
+              <a:solidFill>
+                <a:srgbClr val="FFFFFF">
+                  <a:alpha val="30196"/>
+                </a:srgbClr>
+              </a:solidFill>
+            </a:ln>
+          </p:spPr>
+          <p:style>
+            <a:lnRef idx="1">
+              <a:schemeClr val="accent1"/>
+            </a:lnRef>
+            <a:fillRef idx="0">
+              <a:schemeClr val="accent1"/>
+            </a:fillRef>
+            <a:effectRef idx="0">
+              <a:schemeClr val="accent1"/>
+            </a:effectRef>
+            <a:fontRef idx="minor">
+              <a:schemeClr val="tx1"/>
+            </a:fontRef>
+          </p:style>
+        </p:cxnSp>
+        <p:cxnSp>
+          <p:nvCxnSpPr>
+            <p:cNvPr id="146" name="Straight Connector 145">
+              <a:extLst>
+                <a:ext uri="{FF2B5EF4-FFF2-40B4-BE49-F238E27FC236}">
+                  <a16:creationId xmlns:a16="http://schemas.microsoft.com/office/drawing/2014/main" id="{51439012-3E51-4D74-9FF2-780C87DB0222}"/>
+                </a:ext>
+                <a:ext uri="{C183D7F6-B498-43B3-948B-1728B52AA6E4}">
+                  <adec:decorative xmlns:adec="http://schemas.microsoft.com/office/drawing/2017/decorative" val="1"/>
+                </a:ext>
+              </a:extLst>
+            </p:cNvPr>
+            <p:cNvCxnSpPr/>
+            <p:nvPr>
+              <p:extLst>
+                <p:ext uri="{386F3935-93C4-4BCD-93E2-E3B085C9AB24}">
+                  <p16:designElem xmlns:p16="http://schemas.microsoft.com/office/powerpoint/2015/main" val="1"/>
+                </p:ext>
+              </p:extLst>
+            </p:nvPr>
+          </p:nvCxnSpPr>
+          <p:spPr>
+            <a:xfrm rot="-1260000" flipH="1">
+              <a:off x="8027689" y="531848"/>
+              <a:ext cx="3394" cy="182880"/>
+            </a:xfrm>
+            <a:prstGeom prst="line">
+              <a:avLst/>
+            </a:prstGeom>
+            <a:ln>
+              <a:solidFill>
+                <a:srgbClr val="FFFFFF">
+                  <a:alpha val="30196"/>
+                </a:srgbClr>
+              </a:solidFill>
+            </a:ln>
+          </p:spPr>
+          <p:style>
+            <a:lnRef idx="1">
+              <a:schemeClr val="accent1"/>
+            </a:lnRef>
+            <a:fillRef idx="0">
+              <a:schemeClr val="accent1"/>
+            </a:fillRef>
+            <a:effectRef idx="0">
+              <a:schemeClr val="accent1"/>
+            </a:effectRef>
+            <a:fontRef idx="minor">
+              <a:schemeClr val="tx1"/>
+            </a:fontRef>
+          </p:style>
+        </p:cxnSp>
+        <p:cxnSp>
+          <p:nvCxnSpPr>
+            <p:cNvPr id="147" name="Straight Connector 146">
+              <a:extLst>
+                <a:ext uri="{FF2B5EF4-FFF2-40B4-BE49-F238E27FC236}">
+                  <a16:creationId xmlns:a16="http://schemas.microsoft.com/office/drawing/2014/main" id="{035FC7B3-BF05-4E37-882C-2A791A49416E}"/>
+                </a:ext>
+                <a:ext uri="{C183D7F6-B498-43B3-948B-1728B52AA6E4}">
+                  <adec:decorative xmlns:adec="http://schemas.microsoft.com/office/drawing/2017/decorative" val="1"/>
+                </a:ext>
+              </a:extLst>
+            </p:cNvPr>
+            <p:cNvCxnSpPr/>
+            <p:nvPr>
+              <p:extLst>
+                <p:ext uri="{386F3935-93C4-4BCD-93E2-E3B085C9AB24}">
+                  <p16:designElem xmlns:p16="http://schemas.microsoft.com/office/powerpoint/2015/main" val="1"/>
+                </p:ext>
+              </p:extLst>
+            </p:nvPr>
+          </p:nvCxnSpPr>
+          <p:spPr>
+            <a:xfrm rot="-1380000" flipH="1">
+              <a:off x="7894554" y="581321"/>
+              <a:ext cx="3394" cy="182880"/>
+            </a:xfrm>
+            <a:prstGeom prst="line">
+              <a:avLst/>
+            </a:prstGeom>
+            <a:ln>
+              <a:solidFill>
+                <a:srgbClr val="FFFFFF">
+                  <a:alpha val="30196"/>
+                </a:srgbClr>
+              </a:solidFill>
+            </a:ln>
+          </p:spPr>
+          <p:style>
+            <a:lnRef idx="1">
+              <a:schemeClr val="accent1"/>
+            </a:lnRef>
+            <a:fillRef idx="0">
+              <a:schemeClr val="accent1"/>
+            </a:fillRef>
+            <a:effectRef idx="0">
+              <a:schemeClr val="accent1"/>
+            </a:effectRef>
+            <a:fontRef idx="minor">
+              <a:schemeClr val="tx1"/>
+            </a:fontRef>
+          </p:style>
+        </p:cxnSp>
+        <p:cxnSp>
+          <p:nvCxnSpPr>
+            <p:cNvPr id="148" name="Straight Connector 147">
+              <a:extLst>
+                <a:ext uri="{FF2B5EF4-FFF2-40B4-BE49-F238E27FC236}">
+                  <a16:creationId xmlns:a16="http://schemas.microsoft.com/office/drawing/2014/main" id="{A7C567FF-44E4-4C58-959F-28D7826C3617}"/>
+                </a:ext>
+                <a:ext uri="{C183D7F6-B498-43B3-948B-1728B52AA6E4}">
+                  <adec:decorative xmlns:adec="http://schemas.microsoft.com/office/drawing/2017/decorative" val="1"/>
+                </a:ext>
+              </a:extLst>
+            </p:cNvPr>
+            <p:cNvCxnSpPr/>
+            <p:nvPr>
+              <p:extLst>
+                <p:ext uri="{386F3935-93C4-4BCD-93E2-E3B085C9AB24}">
+                  <p16:designElem xmlns:p16="http://schemas.microsoft.com/office/powerpoint/2015/main" val="1"/>
+                </p:ext>
+              </p:extLst>
+            </p:nvPr>
+          </p:nvCxnSpPr>
+          <p:spPr>
+            <a:xfrm rot="-1500000" flipH="1">
+              <a:off x="7761419" y="630794"/>
+              <a:ext cx="3394" cy="182880"/>
+            </a:xfrm>
+            <a:prstGeom prst="line">
+              <a:avLst/>
+            </a:prstGeom>
+            <a:ln>
+              <a:solidFill>
+                <a:srgbClr val="FFFFFF">
+                  <a:alpha val="30196"/>
+                </a:srgbClr>
+              </a:solidFill>
+            </a:ln>
+          </p:spPr>
+          <p:style>
+            <a:lnRef idx="1">
+              <a:schemeClr val="accent1"/>
+            </a:lnRef>
+            <a:fillRef idx="0">
+              <a:schemeClr val="accent1"/>
+            </a:fillRef>
+            <a:effectRef idx="0">
+              <a:schemeClr val="accent1"/>
+            </a:effectRef>
+            <a:fontRef idx="minor">
+              <a:schemeClr val="tx1"/>
+            </a:fontRef>
+          </p:style>
+        </p:cxnSp>
+        <p:cxnSp>
+          <p:nvCxnSpPr>
+            <p:cNvPr id="149" name="Straight Connector 148">
+              <a:extLst>
+                <a:ext uri="{FF2B5EF4-FFF2-40B4-BE49-F238E27FC236}">
+                  <a16:creationId xmlns:a16="http://schemas.microsoft.com/office/drawing/2014/main" id="{FB56B76F-8C76-4947-888A-75F5E92EF8A3}"/>
+                </a:ext>
+                <a:ext uri="{C183D7F6-B498-43B3-948B-1728B52AA6E4}">
+                  <adec:decorative xmlns:adec="http://schemas.microsoft.com/office/drawing/2017/decorative" val="1"/>
+                </a:ext>
+              </a:extLst>
+            </p:cNvPr>
+            <p:cNvCxnSpPr/>
+            <p:nvPr>
+              <p:extLst>
+                <p:ext uri="{386F3935-93C4-4BCD-93E2-E3B085C9AB24}">
+                  <p16:designElem xmlns:p16="http://schemas.microsoft.com/office/powerpoint/2015/main" val="1"/>
+                </p:ext>
+              </p:extLst>
+            </p:nvPr>
+          </p:nvCxnSpPr>
+          <p:spPr>
+            <a:xfrm rot="-1620000" flipH="1">
+              <a:off x="7636645" y="689804"/>
+              <a:ext cx="3394" cy="182880"/>
+            </a:xfrm>
+            <a:prstGeom prst="line">
+              <a:avLst/>
+            </a:prstGeom>
+            <a:ln>
+              <a:solidFill>
+                <a:srgbClr val="FFFFFF">
+                  <a:alpha val="30196"/>
+                </a:srgbClr>
+              </a:solidFill>
+            </a:ln>
+          </p:spPr>
+          <p:style>
+            <a:lnRef idx="1">
+              <a:schemeClr val="accent1"/>
+            </a:lnRef>
+            <a:fillRef idx="0">
+              <a:schemeClr val="accent1"/>
+            </a:fillRef>
+            <a:effectRef idx="0">
+              <a:schemeClr val="accent1"/>
+            </a:effectRef>
+            <a:fontRef idx="minor">
+              <a:schemeClr val="tx1"/>
+            </a:fontRef>
+          </p:style>
+        </p:cxnSp>
+        <p:cxnSp>
+          <p:nvCxnSpPr>
+            <p:cNvPr id="150" name="Straight Connector 149">
+              <a:extLst>
+                <a:ext uri="{FF2B5EF4-FFF2-40B4-BE49-F238E27FC236}">
+                  <a16:creationId xmlns:a16="http://schemas.microsoft.com/office/drawing/2014/main" id="{B18A492E-231C-4B89-B11A-A1CE7E165853}"/>
+                </a:ext>
+                <a:ext uri="{C183D7F6-B498-43B3-948B-1728B52AA6E4}">
+                  <adec:decorative xmlns:adec="http://schemas.microsoft.com/office/drawing/2017/decorative" val="1"/>
+                </a:ext>
+              </a:extLst>
+            </p:cNvPr>
+            <p:cNvCxnSpPr/>
+            <p:nvPr>
+              <p:extLst>
+                <p:ext uri="{386F3935-93C4-4BCD-93E2-E3B085C9AB24}">
+                  <p16:designElem xmlns:p16="http://schemas.microsoft.com/office/powerpoint/2015/main" val="1"/>
+                </p:ext>
+              </p:extLst>
+            </p:nvPr>
+          </p:nvCxnSpPr>
+          <p:spPr>
+            <a:xfrm rot="-1800000" flipH="1">
+              <a:off x="7511871" y="751195"/>
+              <a:ext cx="3394" cy="182880"/>
+            </a:xfrm>
+            <a:prstGeom prst="line">
+              <a:avLst/>
+            </a:prstGeom>
+            <a:ln>
+              <a:solidFill>
+                <a:srgbClr val="FFFFFF">
+                  <a:alpha val="30196"/>
+                </a:srgbClr>
+              </a:solidFill>
+            </a:ln>
+          </p:spPr>
+          <p:style>
+            <a:lnRef idx="1">
+              <a:schemeClr val="accent1"/>
+            </a:lnRef>
+            <a:fillRef idx="0">
+              <a:schemeClr val="accent1"/>
+            </a:fillRef>
+            <a:effectRef idx="0">
+              <a:schemeClr val="accent1"/>
+            </a:effectRef>
+            <a:fontRef idx="minor">
+              <a:schemeClr val="tx1"/>
+            </a:fontRef>
+          </p:style>
+        </p:cxnSp>
+        <p:cxnSp>
+          <p:nvCxnSpPr>
+            <p:cNvPr id="151" name="Straight Connector 150">
+              <a:extLst>
+                <a:ext uri="{FF2B5EF4-FFF2-40B4-BE49-F238E27FC236}">
+                  <a16:creationId xmlns:a16="http://schemas.microsoft.com/office/drawing/2014/main" id="{127E4F73-4A9F-4AA2-A6B8-3145A87A8367}"/>
+                </a:ext>
+                <a:ext uri="{C183D7F6-B498-43B3-948B-1728B52AA6E4}">
+                  <adec:decorative xmlns:adec="http://schemas.microsoft.com/office/drawing/2017/decorative" val="1"/>
+                </a:ext>
+              </a:extLst>
+            </p:cNvPr>
+            <p:cNvCxnSpPr/>
+            <p:nvPr>
+              <p:extLst>
+                <p:ext uri="{386F3935-93C4-4BCD-93E2-E3B085C9AB24}">
+                  <p16:designElem xmlns:p16="http://schemas.microsoft.com/office/powerpoint/2015/main" val="1"/>
+                </p:ext>
+              </p:extLst>
+            </p:nvPr>
+          </p:nvCxnSpPr>
+          <p:spPr>
+            <a:xfrm rot="-1920000" flipH="1">
+              <a:off x="7387899" y="819771"/>
+              <a:ext cx="3394" cy="182880"/>
+            </a:xfrm>
+            <a:prstGeom prst="line">
+              <a:avLst/>
+            </a:prstGeom>
+            <a:ln>
+              <a:solidFill>
+                <a:srgbClr val="FFFFFF">
+                  <a:alpha val="30196"/>
+                </a:srgbClr>
+              </a:solidFill>
+            </a:ln>
+          </p:spPr>
+          <p:style>
+            <a:lnRef idx="1">
+              <a:schemeClr val="accent1"/>
+            </a:lnRef>
+            <a:fillRef idx="0">
+              <a:schemeClr val="accent1"/>
+            </a:fillRef>
+            <a:effectRef idx="0">
+              <a:schemeClr val="accent1"/>
+            </a:effectRef>
+            <a:fontRef idx="minor">
+              <a:schemeClr val="tx1"/>
+            </a:fontRef>
+          </p:style>
+        </p:cxnSp>
+        <p:cxnSp>
+          <p:nvCxnSpPr>
+            <p:cNvPr id="152" name="Straight Connector 151">
+              <a:extLst>
+                <a:ext uri="{FF2B5EF4-FFF2-40B4-BE49-F238E27FC236}">
+                  <a16:creationId xmlns:a16="http://schemas.microsoft.com/office/drawing/2014/main" id="{3B2AC0D9-242E-4D92-B102-221EBD6F982A}"/>
+                </a:ext>
+                <a:ext uri="{C183D7F6-B498-43B3-948B-1728B52AA6E4}">
+                  <adec:decorative xmlns:adec="http://schemas.microsoft.com/office/drawing/2017/decorative" val="1"/>
+                </a:ext>
+              </a:extLst>
+            </p:cNvPr>
+            <p:cNvCxnSpPr/>
+            <p:nvPr>
+              <p:extLst>
+                <p:ext uri="{386F3935-93C4-4BCD-93E2-E3B085C9AB24}">
+                  <p16:designElem xmlns:p16="http://schemas.microsoft.com/office/powerpoint/2015/main" val="1"/>
+                </p:ext>
+              </p:extLst>
+            </p:nvPr>
+          </p:nvCxnSpPr>
+          <p:spPr>
+            <a:xfrm rot="-2040000" flipH="1">
+              <a:off x="7268530" y="893163"/>
+              <a:ext cx="3394" cy="182880"/>
+            </a:xfrm>
+            <a:prstGeom prst="line">
+              <a:avLst/>
+            </a:prstGeom>
+            <a:ln>
+              <a:solidFill>
+                <a:srgbClr val="FFFFFF">
+                  <a:alpha val="30196"/>
+                </a:srgbClr>
+              </a:solidFill>
+            </a:ln>
+          </p:spPr>
+          <p:style>
+            <a:lnRef idx="1">
+              <a:schemeClr val="accent1"/>
+            </a:lnRef>
+            <a:fillRef idx="0">
+              <a:schemeClr val="accent1"/>
+            </a:fillRef>
+            <a:effectRef idx="0">
+              <a:schemeClr val="accent1"/>
+            </a:effectRef>
+            <a:fontRef idx="minor">
+              <a:schemeClr val="tx1"/>
+            </a:fontRef>
+          </p:style>
+        </p:cxnSp>
+        <p:cxnSp>
+          <p:nvCxnSpPr>
+            <p:cNvPr id="153" name="Straight Connector 152">
+              <a:extLst>
+                <a:ext uri="{FF2B5EF4-FFF2-40B4-BE49-F238E27FC236}">
+                  <a16:creationId xmlns:a16="http://schemas.microsoft.com/office/drawing/2014/main" id="{AA83426A-015F-4B17-9820-E6D76A38374E}"/>
+                </a:ext>
+                <a:ext uri="{C183D7F6-B498-43B3-948B-1728B52AA6E4}">
+                  <adec:decorative xmlns:adec="http://schemas.microsoft.com/office/drawing/2017/decorative" val="1"/>
+                </a:ext>
+              </a:extLst>
+            </p:cNvPr>
+            <p:cNvCxnSpPr/>
+            <p:nvPr>
+              <p:extLst>
+                <p:ext uri="{386F3935-93C4-4BCD-93E2-E3B085C9AB24}">
+                  <p16:designElem xmlns:p16="http://schemas.microsoft.com/office/powerpoint/2015/main" val="1"/>
+                </p:ext>
+              </p:extLst>
+            </p:nvPr>
+          </p:nvCxnSpPr>
+          <p:spPr>
+            <a:xfrm rot="-2160000" flipH="1">
+              <a:off x="7152030" y="976584"/>
+              <a:ext cx="3394" cy="182880"/>
+            </a:xfrm>
+            <a:prstGeom prst="line">
+              <a:avLst/>
+            </a:prstGeom>
+            <a:ln>
+              <a:solidFill>
+                <a:srgbClr val="FFFFFF">
+                  <a:alpha val="30196"/>
+                </a:srgbClr>
+              </a:solidFill>
+            </a:ln>
+          </p:spPr>
+          <p:style>
+            <a:lnRef idx="1">
+              <a:schemeClr val="accent1"/>
+            </a:lnRef>
+            <a:fillRef idx="0">
+              <a:schemeClr val="accent1"/>
+            </a:fillRef>
+            <a:effectRef idx="0">
+              <a:schemeClr val="accent1"/>
+            </a:effectRef>
+            <a:fontRef idx="minor">
+              <a:schemeClr val="tx1"/>
+            </a:fontRef>
+          </p:style>
+        </p:cxnSp>
+        <p:cxnSp>
+          <p:nvCxnSpPr>
+            <p:cNvPr id="154" name="Straight Connector 153">
+              <a:extLst>
+                <a:ext uri="{FF2B5EF4-FFF2-40B4-BE49-F238E27FC236}">
+                  <a16:creationId xmlns:a16="http://schemas.microsoft.com/office/drawing/2014/main" id="{9C41F0A8-7466-4B03-9EE0-4A5D1517686A}"/>
+                </a:ext>
+                <a:ext uri="{C183D7F6-B498-43B3-948B-1728B52AA6E4}">
+                  <adec:decorative xmlns:adec="http://schemas.microsoft.com/office/drawing/2017/decorative" val="1"/>
+                </a:ext>
+              </a:extLst>
+            </p:cNvPr>
+            <p:cNvCxnSpPr/>
+            <p:nvPr>
+              <p:extLst>
+                <p:ext uri="{386F3935-93C4-4BCD-93E2-E3B085C9AB24}">
+                  <p16:designElem xmlns:p16="http://schemas.microsoft.com/office/powerpoint/2015/main" val="1"/>
+                </p:ext>
+              </p:extLst>
+            </p:nvPr>
+          </p:nvCxnSpPr>
+          <p:spPr>
+            <a:xfrm rot="-2340000" flipH="1">
+              <a:off x="7041695" y="1060025"/>
+              <a:ext cx="3394" cy="182880"/>
+            </a:xfrm>
+            <a:prstGeom prst="line">
+              <a:avLst/>
+            </a:prstGeom>
+            <a:ln>
+              <a:solidFill>
+                <a:srgbClr val="FFFFFF">
+                  <a:alpha val="30196"/>
+                </a:srgbClr>
+              </a:solidFill>
+            </a:ln>
+          </p:spPr>
+          <p:style>
+            <a:lnRef idx="1">
+              <a:schemeClr val="accent1"/>
+            </a:lnRef>
+            <a:fillRef idx="0">
+              <a:schemeClr val="accent1"/>
+            </a:fillRef>
+            <a:effectRef idx="0">
+              <a:schemeClr val="accent1"/>
+            </a:effectRef>
+            <a:fontRef idx="minor">
+              <a:schemeClr val="tx1"/>
+            </a:fontRef>
+          </p:style>
+        </p:cxnSp>
+        <p:cxnSp>
+          <p:nvCxnSpPr>
+            <p:cNvPr id="155" name="Straight Connector 154">
+              <a:extLst>
+                <a:ext uri="{FF2B5EF4-FFF2-40B4-BE49-F238E27FC236}">
+                  <a16:creationId xmlns:a16="http://schemas.microsoft.com/office/drawing/2014/main" id="{BD6F7B8C-9482-4E23-AA7F-9411BF837520}"/>
+                </a:ext>
+                <a:ext uri="{C183D7F6-B498-43B3-948B-1728B52AA6E4}">
+                  <adec:decorative xmlns:adec="http://schemas.microsoft.com/office/drawing/2017/decorative" val="1"/>
+                </a:ext>
+              </a:extLst>
+            </p:cNvPr>
+            <p:cNvCxnSpPr/>
+            <p:nvPr>
+              <p:extLst>
+                <p:ext uri="{386F3935-93C4-4BCD-93E2-E3B085C9AB24}">
+                  <p16:designElem xmlns:p16="http://schemas.microsoft.com/office/powerpoint/2015/main" val="1"/>
+                </p:ext>
+              </p:extLst>
+            </p:nvPr>
+          </p:nvCxnSpPr>
+          <p:spPr>
+            <a:xfrm rot="-2460000" flipH="1">
+              <a:off x="6931360" y="1143466"/>
+              <a:ext cx="3394" cy="182880"/>
+            </a:xfrm>
+            <a:prstGeom prst="line">
+              <a:avLst/>
+            </a:prstGeom>
+            <a:ln>
+              <a:solidFill>
+                <a:srgbClr val="FFFFFF">
+                  <a:alpha val="30196"/>
+                </a:srgbClr>
+              </a:solidFill>
+            </a:ln>
+          </p:spPr>
+          <p:style>
+            <a:lnRef idx="1">
+              <a:schemeClr val="accent1"/>
+            </a:lnRef>
+            <a:fillRef idx="0">
+              <a:schemeClr val="accent1"/>
+            </a:fillRef>
+            <a:effectRef idx="0">
+              <a:schemeClr val="accent1"/>
+            </a:effectRef>
+            <a:fontRef idx="minor">
+              <a:schemeClr val="tx1"/>
+            </a:fontRef>
+          </p:style>
+        </p:cxnSp>
+        <p:cxnSp>
+          <p:nvCxnSpPr>
+            <p:cNvPr id="156" name="Straight Connector 155">
+              <a:extLst>
+                <a:ext uri="{FF2B5EF4-FFF2-40B4-BE49-F238E27FC236}">
+                  <a16:creationId xmlns:a16="http://schemas.microsoft.com/office/drawing/2014/main" id="{0EE1D4E2-E92F-440B-A775-9B80D9AA0FD4}"/>
+                </a:ext>
+                <a:ext uri="{C183D7F6-B498-43B3-948B-1728B52AA6E4}">
+                  <adec:decorative xmlns:adec="http://schemas.microsoft.com/office/drawing/2017/decorative" val="1"/>
+                </a:ext>
+              </a:extLst>
+            </p:cNvPr>
+            <p:cNvCxnSpPr/>
+            <p:nvPr>
+              <p:extLst>
+                <p:ext uri="{386F3935-93C4-4BCD-93E2-E3B085C9AB24}">
+                  <p16:designElem xmlns:p16="http://schemas.microsoft.com/office/powerpoint/2015/main" val="1"/>
+                </p:ext>
+              </p:extLst>
+            </p:nvPr>
+          </p:nvCxnSpPr>
+          <p:spPr>
+            <a:xfrm rot="-2580000" flipH="1">
+              <a:off x="6819070" y="1235864"/>
+              <a:ext cx="3394" cy="182880"/>
+            </a:xfrm>
+            <a:prstGeom prst="line">
+              <a:avLst/>
+            </a:prstGeom>
+            <a:ln>
+              <a:solidFill>
+                <a:srgbClr val="FFFFFF">
+                  <a:alpha val="30196"/>
+                </a:srgbClr>
+              </a:solidFill>
+            </a:ln>
+          </p:spPr>
+          <p:style>
+            <a:lnRef idx="1">
+              <a:schemeClr val="accent1"/>
+            </a:lnRef>
+            <a:fillRef idx="0">
+              <a:schemeClr val="accent1"/>
+            </a:fillRef>
+            <a:effectRef idx="0">
+              <a:schemeClr val="accent1"/>
+            </a:effectRef>
+            <a:fontRef idx="minor">
+              <a:schemeClr val="tx1"/>
+            </a:fontRef>
+          </p:style>
+        </p:cxnSp>
+        <p:cxnSp>
+          <p:nvCxnSpPr>
+            <p:cNvPr id="157" name="Straight Connector 156">
+              <a:extLst>
+                <a:ext uri="{FF2B5EF4-FFF2-40B4-BE49-F238E27FC236}">
+                  <a16:creationId xmlns:a16="http://schemas.microsoft.com/office/drawing/2014/main" id="{B66C2472-0C84-4CEA-A6E9-5BC5A3DB309E}"/>
+                </a:ext>
+                <a:ext uri="{C183D7F6-B498-43B3-948B-1728B52AA6E4}">
+                  <adec:decorative xmlns:adec="http://schemas.microsoft.com/office/drawing/2017/decorative" val="1"/>
+                </a:ext>
+              </a:extLst>
+            </p:cNvPr>
+            <p:cNvCxnSpPr/>
+            <p:nvPr>
+              <p:extLst>
+                <p:ext uri="{386F3935-93C4-4BCD-93E2-E3B085C9AB24}">
+                  <p16:designElem xmlns:p16="http://schemas.microsoft.com/office/powerpoint/2015/main" val="1"/>
+                </p:ext>
+              </p:extLst>
+            </p:nvPr>
+          </p:nvCxnSpPr>
+          <p:spPr>
+            <a:xfrm rot="-2700000" flipH="1">
+              <a:off x="6721359" y="1332746"/>
+              <a:ext cx="3394" cy="182880"/>
+            </a:xfrm>
+            <a:prstGeom prst="line">
+              <a:avLst/>
+            </a:prstGeom>
+            <a:ln>
+              <a:solidFill>
+                <a:srgbClr val="FFFFFF">
+                  <a:alpha val="30196"/>
+                </a:srgbClr>
+              </a:solidFill>
+            </a:ln>
+          </p:spPr>
+          <p:style>
+            <a:lnRef idx="1">
+              <a:schemeClr val="accent1"/>
+            </a:lnRef>
+            <a:fillRef idx="0">
+              <a:schemeClr val="accent1"/>
+            </a:fillRef>
+            <a:effectRef idx="0">
+              <a:schemeClr val="accent1"/>
+            </a:effectRef>
+            <a:fontRef idx="minor">
+              <a:schemeClr val="tx1"/>
+            </a:fontRef>
+          </p:style>
+        </p:cxnSp>
+        <p:cxnSp>
+          <p:nvCxnSpPr>
+            <p:cNvPr id="158" name="Straight Connector 157">
+              <a:extLst>
+                <a:ext uri="{FF2B5EF4-FFF2-40B4-BE49-F238E27FC236}">
+                  <a16:creationId xmlns:a16="http://schemas.microsoft.com/office/drawing/2014/main" id="{0FF2AFF3-F889-4A9E-AEC1-FA94331B416F}"/>
+                </a:ext>
+                <a:ext uri="{C183D7F6-B498-43B3-948B-1728B52AA6E4}">
+                  <adec:decorative xmlns:adec="http://schemas.microsoft.com/office/drawing/2017/decorative" val="1"/>
+                </a:ext>
+              </a:extLst>
+            </p:cNvPr>
+            <p:cNvCxnSpPr/>
+            <p:nvPr>
+              <p:extLst>
+                <p:ext uri="{386F3935-93C4-4BCD-93E2-E3B085C9AB24}">
+                  <p16:designElem xmlns:p16="http://schemas.microsoft.com/office/powerpoint/2015/main" val="1"/>
+                </p:ext>
+              </p:extLst>
+            </p:nvPr>
+          </p:nvCxnSpPr>
+          <p:spPr>
+            <a:xfrm rot="-2880000" flipH="1">
+              <a:off x="6617467" y="1429423"/>
+              <a:ext cx="3394" cy="182880"/>
+            </a:xfrm>
+            <a:prstGeom prst="line">
+              <a:avLst/>
+            </a:prstGeom>
+            <a:ln>
+              <a:solidFill>
+                <a:srgbClr val="FFFFFF">
+                  <a:alpha val="30196"/>
+                </a:srgbClr>
+              </a:solidFill>
+            </a:ln>
+          </p:spPr>
+          <p:style>
+            <a:lnRef idx="1">
+              <a:schemeClr val="accent1"/>
+            </a:lnRef>
+            <a:fillRef idx="0">
+              <a:schemeClr val="accent1"/>
+            </a:fillRef>
+            <a:effectRef idx="0">
+              <a:schemeClr val="accent1"/>
+            </a:effectRef>
+            <a:fontRef idx="minor">
+              <a:schemeClr val="tx1"/>
+            </a:fontRef>
+          </p:style>
+        </p:cxnSp>
+        <p:cxnSp>
+          <p:nvCxnSpPr>
+            <p:cNvPr id="159" name="Straight Connector 158">
+              <a:extLst>
+                <a:ext uri="{FF2B5EF4-FFF2-40B4-BE49-F238E27FC236}">
+                  <a16:creationId xmlns:a16="http://schemas.microsoft.com/office/drawing/2014/main" id="{E1E652F4-2AFF-4616-9615-64FC697C407D}"/>
+                </a:ext>
+                <a:ext uri="{C183D7F6-B498-43B3-948B-1728B52AA6E4}">
+                  <adec:decorative xmlns:adec="http://schemas.microsoft.com/office/drawing/2017/decorative" val="1"/>
+                </a:ext>
+              </a:extLst>
+            </p:cNvPr>
+            <p:cNvCxnSpPr/>
+            <p:nvPr>
+              <p:extLst>
+                <p:ext uri="{386F3935-93C4-4BCD-93E2-E3B085C9AB24}">
+                  <p16:designElem xmlns:p16="http://schemas.microsoft.com/office/powerpoint/2015/main" val="1"/>
+                </p:ext>
+              </p:extLst>
+            </p:nvPr>
+          </p:nvCxnSpPr>
+          <p:spPr>
+            <a:xfrm rot="-3000000" flipH="1">
+              <a:off x="6520032" y="1527285"/>
+              <a:ext cx="3394" cy="182880"/>
+            </a:xfrm>
+            <a:prstGeom prst="line">
+              <a:avLst/>
+            </a:prstGeom>
+            <a:ln>
+              <a:solidFill>
+                <a:srgbClr val="FFFFFF">
+                  <a:alpha val="30196"/>
+                </a:srgbClr>
+              </a:solidFill>
+            </a:ln>
+          </p:spPr>
+          <p:style>
+            <a:lnRef idx="1">
+              <a:schemeClr val="accent1"/>
+            </a:lnRef>
+            <a:fillRef idx="0">
+              <a:schemeClr val="accent1"/>
+            </a:fillRef>
+            <a:effectRef idx="0">
+              <a:schemeClr val="accent1"/>
+            </a:effectRef>
+            <a:fontRef idx="minor">
+              <a:schemeClr val="tx1"/>
+            </a:fontRef>
+          </p:style>
+        </p:cxnSp>
+        <p:cxnSp>
+          <p:nvCxnSpPr>
+            <p:cNvPr id="160" name="Straight Connector 159">
+              <a:extLst>
+                <a:ext uri="{FF2B5EF4-FFF2-40B4-BE49-F238E27FC236}">
+                  <a16:creationId xmlns:a16="http://schemas.microsoft.com/office/drawing/2014/main" id="{D78ED91D-C9D7-49CA-8718-8E7351F7E5B8}"/>
+                </a:ext>
+                <a:ext uri="{C183D7F6-B498-43B3-948B-1728B52AA6E4}">
+                  <adec:decorative xmlns:adec="http://schemas.microsoft.com/office/drawing/2017/decorative" val="1"/>
+                </a:ext>
+              </a:extLst>
+            </p:cNvPr>
+            <p:cNvCxnSpPr/>
+            <p:nvPr>
+              <p:extLst>
+                <p:ext uri="{386F3935-93C4-4BCD-93E2-E3B085C9AB24}">
+                  <p16:designElem xmlns:p16="http://schemas.microsoft.com/office/powerpoint/2015/main" val="1"/>
+                </p:ext>
+              </p:extLst>
+            </p:nvPr>
+          </p:nvCxnSpPr>
+          <p:spPr>
+            <a:xfrm rot="-3120000" flipH="1">
+              <a:off x="6429579" y="1641610"/>
+              <a:ext cx="3394" cy="182880"/>
+            </a:xfrm>
+            <a:prstGeom prst="line">
+              <a:avLst/>
+            </a:prstGeom>
+            <a:ln>
+              <a:solidFill>
+                <a:srgbClr val="FFFFFF">
+                  <a:alpha val="30196"/>
+                </a:srgbClr>
+              </a:solidFill>
+            </a:ln>
+          </p:spPr>
+          <p:style>
+            <a:lnRef idx="1">
+              <a:schemeClr val="accent1"/>
+            </a:lnRef>
+            <a:fillRef idx="0">
+              <a:schemeClr val="accent1"/>
+            </a:fillRef>
+            <a:effectRef idx="0">
+              <a:schemeClr val="accent1"/>
+            </a:effectRef>
+            <a:fontRef idx="minor">
+              <a:schemeClr val="tx1"/>
+            </a:fontRef>
+          </p:style>
+        </p:cxnSp>
+        <p:cxnSp>
+          <p:nvCxnSpPr>
+            <p:cNvPr id="161" name="Straight Connector 160">
+              <a:extLst>
+                <a:ext uri="{FF2B5EF4-FFF2-40B4-BE49-F238E27FC236}">
+                  <a16:creationId xmlns:a16="http://schemas.microsoft.com/office/drawing/2014/main" id="{F4F29D0E-CB4D-43FB-8EFF-447A147C1454}"/>
+                </a:ext>
+                <a:ext uri="{C183D7F6-B498-43B3-948B-1728B52AA6E4}">
+                  <adec:decorative xmlns:adec="http://schemas.microsoft.com/office/drawing/2017/decorative" val="1"/>
+                </a:ext>
+              </a:extLst>
+            </p:cNvPr>
+            <p:cNvCxnSpPr/>
+            <p:nvPr>
+              <p:extLst>
+                <p:ext uri="{386F3935-93C4-4BCD-93E2-E3B085C9AB24}">
+                  <p16:designElem xmlns:p16="http://schemas.microsoft.com/office/powerpoint/2015/main" val="1"/>
+                </p:ext>
+              </p:extLst>
+            </p:nvPr>
+          </p:nvCxnSpPr>
+          <p:spPr>
+            <a:xfrm rot="-3240000" flipH="1">
+              <a:off x="6340532" y="1750423"/>
+              <a:ext cx="3394" cy="182880"/>
+            </a:xfrm>
+            <a:prstGeom prst="line">
+              <a:avLst/>
+            </a:prstGeom>
+            <a:ln>
+              <a:solidFill>
+                <a:srgbClr val="FFFFFF">
+                  <a:alpha val="30196"/>
+                </a:srgbClr>
+              </a:solidFill>
+            </a:ln>
+          </p:spPr>
+          <p:style>
+            <a:lnRef idx="1">
+              <a:schemeClr val="accent1"/>
+            </a:lnRef>
+            <a:fillRef idx="0">
+              <a:schemeClr val="accent1"/>
+            </a:fillRef>
+            <a:effectRef idx="0">
+              <a:schemeClr val="accent1"/>
+            </a:effectRef>
+            <a:fontRef idx="minor">
+              <a:schemeClr val="tx1"/>
+            </a:fontRef>
+          </p:style>
+        </p:cxnSp>
+        <p:cxnSp>
+          <p:nvCxnSpPr>
+            <p:cNvPr id="162" name="Straight Connector 161">
+              <a:extLst>
+                <a:ext uri="{FF2B5EF4-FFF2-40B4-BE49-F238E27FC236}">
+                  <a16:creationId xmlns:a16="http://schemas.microsoft.com/office/drawing/2014/main" id="{6B1D77EC-50A5-4994-A389-65C7770681CB}"/>
+                </a:ext>
+                <a:ext uri="{C183D7F6-B498-43B3-948B-1728B52AA6E4}">
+                  <adec:decorative xmlns:adec="http://schemas.microsoft.com/office/drawing/2017/decorative" val="1"/>
+                </a:ext>
+              </a:extLst>
+            </p:cNvPr>
+            <p:cNvCxnSpPr/>
+            <p:nvPr>
+              <p:extLst>
+                <p:ext uri="{386F3935-93C4-4BCD-93E2-E3B085C9AB24}">
+                  <p16:designElem xmlns:p16="http://schemas.microsoft.com/office/powerpoint/2015/main" val="1"/>
+                </p:ext>
+              </p:extLst>
+            </p:nvPr>
+          </p:nvCxnSpPr>
+          <p:spPr>
+            <a:xfrm rot="-3420000" flipH="1">
+              <a:off x="6261757" y="1860178"/>
+              <a:ext cx="3394" cy="182880"/>
+            </a:xfrm>
+            <a:prstGeom prst="line">
+              <a:avLst/>
+            </a:prstGeom>
+            <a:ln>
+              <a:solidFill>
+                <a:srgbClr val="FFFFFF">
+                  <a:alpha val="30196"/>
+                </a:srgbClr>
+              </a:solidFill>
+            </a:ln>
+          </p:spPr>
+          <p:style>
+            <a:lnRef idx="1">
+              <a:schemeClr val="accent1"/>
+            </a:lnRef>
+            <a:fillRef idx="0">
+              <a:schemeClr val="accent1"/>
+            </a:fillRef>
+            <a:effectRef idx="0">
+              <a:schemeClr val="accent1"/>
+            </a:effectRef>
+            <a:fontRef idx="minor">
+              <a:schemeClr val="tx1"/>
+            </a:fontRef>
+          </p:style>
+        </p:cxnSp>
+        <p:cxnSp>
+          <p:nvCxnSpPr>
+            <p:cNvPr id="163" name="Straight Connector 162">
+              <a:extLst>
+                <a:ext uri="{FF2B5EF4-FFF2-40B4-BE49-F238E27FC236}">
+                  <a16:creationId xmlns:a16="http://schemas.microsoft.com/office/drawing/2014/main" id="{62CDEEE6-A2B4-45C0-B942-66306583B5E2}"/>
+                </a:ext>
+                <a:ext uri="{C183D7F6-B498-43B3-948B-1728B52AA6E4}">
+                  <adec:decorative xmlns:adec="http://schemas.microsoft.com/office/drawing/2017/decorative" val="1"/>
+                </a:ext>
+              </a:extLst>
+            </p:cNvPr>
+            <p:cNvCxnSpPr/>
+            <p:nvPr>
+              <p:extLst>
+                <p:ext uri="{386F3935-93C4-4BCD-93E2-E3B085C9AB24}">
+                  <p16:designElem xmlns:p16="http://schemas.microsoft.com/office/powerpoint/2015/main" val="1"/>
+                </p:ext>
+              </p:extLst>
+            </p:nvPr>
+          </p:nvCxnSpPr>
+          <p:spPr>
+            <a:xfrm rot="-3540000" flipH="1">
+              <a:off x="6184144" y="1979619"/>
+              <a:ext cx="3394" cy="182880"/>
+            </a:xfrm>
+            <a:prstGeom prst="line">
+              <a:avLst/>
+            </a:prstGeom>
+            <a:ln>
+              <a:solidFill>
+                <a:srgbClr val="FFFFFF">
+                  <a:alpha val="30196"/>
+                </a:srgbClr>
+              </a:solidFill>
+            </a:ln>
+          </p:spPr>
+          <p:style>
+            <a:lnRef idx="1">
+              <a:schemeClr val="accent1"/>
+            </a:lnRef>
+            <a:fillRef idx="0">
+              <a:schemeClr val="accent1"/>
+            </a:fillRef>
+            <a:effectRef idx="0">
+              <a:schemeClr val="accent1"/>
+            </a:effectRef>
+            <a:fontRef idx="minor">
+              <a:schemeClr val="tx1"/>
+            </a:fontRef>
+          </p:style>
+        </p:cxnSp>
+        <p:cxnSp>
+          <p:nvCxnSpPr>
+            <p:cNvPr id="164" name="Straight Connector 163">
+              <a:extLst>
+                <a:ext uri="{FF2B5EF4-FFF2-40B4-BE49-F238E27FC236}">
+                  <a16:creationId xmlns:a16="http://schemas.microsoft.com/office/drawing/2014/main" id="{1F83B12D-91B8-4D06-9DBC-0607226B5DB4}"/>
+                </a:ext>
+                <a:ext uri="{C183D7F6-B498-43B3-948B-1728B52AA6E4}">
+                  <adec:decorative xmlns:adec="http://schemas.microsoft.com/office/drawing/2017/decorative" val="1"/>
+                </a:ext>
+              </a:extLst>
+            </p:cNvPr>
+            <p:cNvCxnSpPr/>
+            <p:nvPr>
+              <p:extLst>
+                <p:ext uri="{386F3935-93C4-4BCD-93E2-E3B085C9AB24}">
+                  <p16:designElem xmlns:p16="http://schemas.microsoft.com/office/powerpoint/2015/main" val="1"/>
+                </p:ext>
+              </p:extLst>
+            </p:nvPr>
+          </p:nvCxnSpPr>
+          <p:spPr>
+            <a:xfrm rot="-3660000" flipH="1">
+              <a:off x="6106531" y="2099060"/>
+              <a:ext cx="3394" cy="182880"/>
+            </a:xfrm>
+            <a:prstGeom prst="line">
+              <a:avLst/>
+            </a:prstGeom>
+            <a:ln>
+              <a:solidFill>
+                <a:srgbClr val="FFFFFF">
+                  <a:alpha val="30196"/>
+                </a:srgbClr>
+              </a:solidFill>
+            </a:ln>
+          </p:spPr>
+          <p:style>
+            <a:lnRef idx="1">
+              <a:schemeClr val="accent1"/>
+            </a:lnRef>
+            <a:fillRef idx="0">
+              <a:schemeClr val="accent1"/>
+            </a:fillRef>
+            <a:effectRef idx="0">
+              <a:schemeClr val="accent1"/>
+            </a:effectRef>
+            <a:fontRef idx="minor">
+              <a:schemeClr val="tx1"/>
+            </a:fontRef>
+          </p:style>
+        </p:cxnSp>
+        <p:cxnSp>
+          <p:nvCxnSpPr>
+            <p:cNvPr id="165" name="Straight Connector 164">
+              <a:extLst>
+                <a:ext uri="{FF2B5EF4-FFF2-40B4-BE49-F238E27FC236}">
+                  <a16:creationId xmlns:a16="http://schemas.microsoft.com/office/drawing/2014/main" id="{A25594B9-1F75-4E14-AF9B-806D06683B9D}"/>
+                </a:ext>
+                <a:ext uri="{C183D7F6-B498-43B3-948B-1728B52AA6E4}">
+                  <adec:decorative xmlns:adec="http://schemas.microsoft.com/office/drawing/2017/decorative" val="1"/>
+                </a:ext>
+              </a:extLst>
+            </p:cNvPr>
+            <p:cNvCxnSpPr/>
+            <p:nvPr>
+              <p:extLst>
+                <p:ext uri="{386F3935-93C4-4BCD-93E2-E3B085C9AB24}">
+                  <p16:designElem xmlns:p16="http://schemas.microsoft.com/office/powerpoint/2015/main" val="1"/>
+                </p:ext>
+              </p:extLst>
+            </p:nvPr>
+          </p:nvCxnSpPr>
+          <p:spPr>
+            <a:xfrm rot="-3780000" flipH="1">
+              <a:off x="6043206" y="2222556"/>
+              <a:ext cx="3394" cy="182880"/>
+            </a:xfrm>
+            <a:prstGeom prst="line">
+              <a:avLst/>
+            </a:prstGeom>
+            <a:ln>
+              <a:solidFill>
+                <a:srgbClr val="FFFFFF">
+                  <a:alpha val="30196"/>
+                </a:srgbClr>
+              </a:solidFill>
+            </a:ln>
+          </p:spPr>
+          <p:style>
+            <a:lnRef idx="1">
+              <a:schemeClr val="accent1"/>
+            </a:lnRef>
+            <a:fillRef idx="0">
+              <a:schemeClr val="accent1"/>
+            </a:fillRef>
+            <a:effectRef idx="0">
+              <a:schemeClr val="accent1"/>
+            </a:effectRef>
+            <a:fontRef idx="minor">
+              <a:schemeClr val="tx1"/>
+            </a:fontRef>
+          </p:style>
+        </p:cxnSp>
+        <p:cxnSp>
+          <p:nvCxnSpPr>
+            <p:cNvPr id="166" name="Straight Connector 165">
+              <a:extLst>
+                <a:ext uri="{FF2B5EF4-FFF2-40B4-BE49-F238E27FC236}">
+                  <a16:creationId xmlns:a16="http://schemas.microsoft.com/office/drawing/2014/main" id="{6E447488-CCC0-4267-BD73-6DC2775B1ADA}"/>
+                </a:ext>
+                <a:ext uri="{C183D7F6-B498-43B3-948B-1728B52AA6E4}">
+                  <adec:decorative xmlns:adec="http://schemas.microsoft.com/office/drawing/2017/decorative" val="1"/>
+                </a:ext>
+              </a:extLst>
+            </p:cNvPr>
+            <p:cNvCxnSpPr/>
+            <p:nvPr>
+              <p:extLst>
+                <p:ext uri="{386F3935-93C4-4BCD-93E2-E3B085C9AB24}">
+                  <p16:designElem xmlns:p16="http://schemas.microsoft.com/office/powerpoint/2015/main" val="1"/>
+                </p:ext>
+              </p:extLst>
+            </p:nvPr>
+          </p:nvCxnSpPr>
+          <p:spPr>
+            <a:xfrm rot="-3960000" flipH="1">
+              <a:off x="5978913" y="2344301"/>
+              <a:ext cx="3394" cy="182880"/>
+            </a:xfrm>
+            <a:prstGeom prst="line">
+              <a:avLst/>
+            </a:prstGeom>
+            <a:ln>
+              <a:solidFill>
+                <a:srgbClr val="FFFFFF">
+                  <a:alpha val="30196"/>
+                </a:srgbClr>
+              </a:solidFill>
+            </a:ln>
+          </p:spPr>
+          <p:style>
+            <a:lnRef idx="1">
+              <a:schemeClr val="accent1"/>
+            </a:lnRef>
+            <a:fillRef idx="0">
+              <a:schemeClr val="accent1"/>
+            </a:fillRef>
+            <a:effectRef idx="0">
+              <a:schemeClr val="accent1"/>
+            </a:effectRef>
+            <a:fontRef idx="minor">
+              <a:schemeClr val="tx1"/>
+            </a:fontRef>
+          </p:style>
+        </p:cxnSp>
+        <p:cxnSp>
+          <p:nvCxnSpPr>
+            <p:cNvPr id="167" name="Straight Connector 166">
+              <a:extLst>
+                <a:ext uri="{FF2B5EF4-FFF2-40B4-BE49-F238E27FC236}">
+                  <a16:creationId xmlns:a16="http://schemas.microsoft.com/office/drawing/2014/main" id="{B7E2176D-B76F-494D-AEE5-BC0E445D8CAE}"/>
+                </a:ext>
+                <a:ext uri="{C183D7F6-B498-43B3-948B-1728B52AA6E4}">
+                  <adec:decorative xmlns:adec="http://schemas.microsoft.com/office/drawing/2017/decorative" val="1"/>
+                </a:ext>
+              </a:extLst>
+            </p:cNvPr>
+            <p:cNvCxnSpPr/>
+            <p:nvPr>
+              <p:extLst>
+                <p:ext uri="{386F3935-93C4-4BCD-93E2-E3B085C9AB24}">
+                  <p16:designElem xmlns:p16="http://schemas.microsoft.com/office/powerpoint/2015/main" val="1"/>
+                </p:ext>
+              </p:extLst>
+            </p:nvPr>
+          </p:nvCxnSpPr>
+          <p:spPr>
+            <a:xfrm rot="-4080000" flipH="1">
+              <a:off x="5912438" y="2470678"/>
+              <a:ext cx="3394" cy="182880"/>
+            </a:xfrm>
+            <a:prstGeom prst="line">
+              <a:avLst/>
+            </a:prstGeom>
+            <a:ln>
+              <a:solidFill>
+                <a:srgbClr val="FFFFFF">
+                  <a:alpha val="30196"/>
+                </a:srgbClr>
+              </a:solidFill>
+            </a:ln>
+          </p:spPr>
+          <p:style>
+            <a:lnRef idx="1">
+              <a:schemeClr val="accent1"/>
+            </a:lnRef>
+            <a:fillRef idx="0">
+              <a:schemeClr val="accent1"/>
+            </a:fillRef>
+            <a:effectRef idx="0">
+              <a:schemeClr val="accent1"/>
+            </a:effectRef>
+            <a:fontRef idx="minor">
+              <a:schemeClr val="tx1"/>
+            </a:fontRef>
+          </p:style>
+        </p:cxnSp>
+        <p:cxnSp>
+          <p:nvCxnSpPr>
+            <p:cNvPr id="168" name="Straight Connector 167">
+              <a:extLst>
+                <a:ext uri="{FF2B5EF4-FFF2-40B4-BE49-F238E27FC236}">
+                  <a16:creationId xmlns:a16="http://schemas.microsoft.com/office/drawing/2014/main" id="{DBD50096-36E6-4DE9-AEB8-A360216DC264}"/>
+                </a:ext>
+                <a:ext uri="{C183D7F6-B498-43B3-948B-1728B52AA6E4}">
+                  <adec:decorative xmlns:adec="http://schemas.microsoft.com/office/drawing/2017/decorative" val="1"/>
+                </a:ext>
+              </a:extLst>
+            </p:cNvPr>
+            <p:cNvCxnSpPr/>
+            <p:nvPr>
+              <p:extLst>
+                <p:ext uri="{386F3935-93C4-4BCD-93E2-E3B085C9AB24}">
+                  <p16:designElem xmlns:p16="http://schemas.microsoft.com/office/powerpoint/2015/main" val="1"/>
+                </p:ext>
+              </p:extLst>
+            </p:nvPr>
+          </p:nvCxnSpPr>
+          <p:spPr>
+            <a:xfrm rot="-4200000" flipH="1">
+              <a:off x="5858875" y="2600922"/>
+              <a:ext cx="3394" cy="182880"/>
+            </a:xfrm>
+            <a:prstGeom prst="line">
+              <a:avLst/>
+            </a:prstGeom>
+            <a:ln>
+              <a:solidFill>
+                <a:srgbClr val="FFFFFF">
+                  <a:alpha val="30196"/>
+                </a:srgbClr>
+              </a:solidFill>
+            </a:ln>
+          </p:spPr>
+          <p:style>
+            <a:lnRef idx="1">
+              <a:schemeClr val="accent1"/>
+            </a:lnRef>
+            <a:fillRef idx="0">
+              <a:schemeClr val="accent1"/>
+            </a:fillRef>
+            <a:effectRef idx="0">
+              <a:schemeClr val="accent1"/>
+            </a:effectRef>
+            <a:fontRef idx="minor">
+              <a:schemeClr val="tx1"/>
+            </a:fontRef>
+          </p:style>
+        </p:cxnSp>
+        <p:cxnSp>
+          <p:nvCxnSpPr>
+            <p:cNvPr id="169" name="Straight Connector 168">
+              <a:extLst>
+                <a:ext uri="{FF2B5EF4-FFF2-40B4-BE49-F238E27FC236}">
+                  <a16:creationId xmlns:a16="http://schemas.microsoft.com/office/drawing/2014/main" id="{0D6F891C-00E0-46CF-8138-64A70AEEA280}"/>
+                </a:ext>
+                <a:ext uri="{C183D7F6-B498-43B3-948B-1728B52AA6E4}">
+                  <adec:decorative xmlns:adec="http://schemas.microsoft.com/office/drawing/2017/decorative" val="1"/>
+                </a:ext>
+              </a:extLst>
+            </p:cNvPr>
+            <p:cNvCxnSpPr/>
+            <p:nvPr>
+              <p:extLst>
+                <p:ext uri="{386F3935-93C4-4BCD-93E2-E3B085C9AB24}">
+                  <p16:designElem xmlns:p16="http://schemas.microsoft.com/office/powerpoint/2015/main" val="1"/>
+                </p:ext>
+              </p:extLst>
+            </p:nvPr>
+          </p:nvCxnSpPr>
+          <p:spPr>
+            <a:xfrm rot="-4320000" flipH="1">
+              <a:off x="5808182" y="2734040"/>
+              <a:ext cx="3394" cy="182880"/>
+            </a:xfrm>
+            <a:prstGeom prst="line">
+              <a:avLst/>
+            </a:prstGeom>
+            <a:ln>
+              <a:solidFill>
+                <a:srgbClr val="FFFFFF">
+                  <a:alpha val="30196"/>
+                </a:srgbClr>
+              </a:solidFill>
+            </a:ln>
+          </p:spPr>
+          <p:style>
+            <a:lnRef idx="1">
+              <a:schemeClr val="accent1"/>
+            </a:lnRef>
+            <a:fillRef idx="0">
+              <a:schemeClr val="accent1"/>
+            </a:fillRef>
+            <a:effectRef idx="0">
+              <a:schemeClr val="accent1"/>
+            </a:effectRef>
+            <a:fontRef idx="minor">
+              <a:schemeClr val="tx1"/>
+            </a:fontRef>
+          </p:style>
+        </p:cxnSp>
+        <p:cxnSp>
+          <p:nvCxnSpPr>
+            <p:cNvPr id="170" name="Straight Connector 169">
+              <a:extLst>
+                <a:ext uri="{FF2B5EF4-FFF2-40B4-BE49-F238E27FC236}">
+                  <a16:creationId xmlns:a16="http://schemas.microsoft.com/office/drawing/2014/main" id="{4D117AD0-1882-4AD9-A765-EDB9B21C532F}"/>
+                </a:ext>
+                <a:ext uri="{C183D7F6-B498-43B3-948B-1728B52AA6E4}">
+                  <adec:decorative xmlns:adec="http://schemas.microsoft.com/office/drawing/2017/decorative" val="1"/>
+                </a:ext>
+              </a:extLst>
+            </p:cNvPr>
+            <p:cNvCxnSpPr/>
+            <p:nvPr>
+              <p:extLst>
+                <p:ext uri="{386F3935-93C4-4BCD-93E2-E3B085C9AB24}">
+                  <p16:designElem xmlns:p16="http://schemas.microsoft.com/office/powerpoint/2015/main" val="1"/>
+                </p:ext>
+              </p:extLst>
+            </p:nvPr>
+          </p:nvCxnSpPr>
+          <p:spPr>
+            <a:xfrm rot="-4500000" flipH="1">
+              <a:off x="5773263" y="2866860"/>
+              <a:ext cx="3394" cy="182880"/>
+            </a:xfrm>
+            <a:prstGeom prst="line">
+              <a:avLst/>
+            </a:prstGeom>
+            <a:ln>
+              <a:solidFill>
+                <a:srgbClr val="FFFFFF">
+                  <a:alpha val="30196"/>
+                </a:srgbClr>
+              </a:solidFill>
+            </a:ln>
+          </p:spPr>
+          <p:style>
+            <a:lnRef idx="1">
+              <a:schemeClr val="accent1"/>
+            </a:lnRef>
+            <a:fillRef idx="0">
+              <a:schemeClr val="accent1"/>
+            </a:fillRef>
+            <a:effectRef idx="0">
+              <a:schemeClr val="accent1"/>
+            </a:effectRef>
+            <a:fontRef idx="minor">
+              <a:schemeClr val="tx1"/>
+            </a:fontRef>
+          </p:style>
+        </p:cxnSp>
+        <p:cxnSp>
+          <p:nvCxnSpPr>
+            <p:cNvPr id="171" name="Straight Connector 170">
+              <a:extLst>
+                <a:ext uri="{FF2B5EF4-FFF2-40B4-BE49-F238E27FC236}">
+                  <a16:creationId xmlns:a16="http://schemas.microsoft.com/office/drawing/2014/main" id="{DDFCFFB0-2E4B-4B50-9297-42B1F1D5D5F5}"/>
+                </a:ext>
+                <a:ext uri="{C183D7F6-B498-43B3-948B-1728B52AA6E4}">
+                  <adec:decorative xmlns:adec="http://schemas.microsoft.com/office/drawing/2017/decorative" val="1"/>
+                </a:ext>
+              </a:extLst>
+            </p:cNvPr>
+            <p:cNvCxnSpPr/>
+            <p:nvPr>
+              <p:extLst>
+                <p:ext uri="{386F3935-93C4-4BCD-93E2-E3B085C9AB24}">
+                  <p16:designElem xmlns:p16="http://schemas.microsoft.com/office/powerpoint/2015/main" val="1"/>
+                </p:ext>
+              </p:extLst>
+            </p:nvPr>
+          </p:nvCxnSpPr>
+          <p:spPr>
+            <a:xfrm rot="-4620000" flipH="1">
+              <a:off x="5735963" y="3002061"/>
+              <a:ext cx="3394" cy="182880"/>
+            </a:xfrm>
+            <a:prstGeom prst="line">
+              <a:avLst/>
+            </a:prstGeom>
+            <a:ln>
+              <a:solidFill>
+                <a:srgbClr val="FFFFFF">
+                  <a:alpha val="30196"/>
+                </a:srgbClr>
+              </a:solidFill>
+            </a:ln>
+          </p:spPr>
+          <p:style>
+            <a:lnRef idx="1">
+              <a:schemeClr val="accent1"/>
+            </a:lnRef>
+            <a:fillRef idx="0">
+              <a:schemeClr val="accent1"/>
+            </a:fillRef>
+            <a:effectRef idx="0">
+              <a:schemeClr val="accent1"/>
+            </a:effectRef>
+            <a:fontRef idx="minor">
+              <a:schemeClr val="tx1"/>
+            </a:fontRef>
+          </p:style>
+        </p:cxnSp>
+        <p:cxnSp>
+          <p:nvCxnSpPr>
+            <p:cNvPr id="172" name="Straight Connector 171">
+              <a:extLst>
+                <a:ext uri="{FF2B5EF4-FFF2-40B4-BE49-F238E27FC236}">
+                  <a16:creationId xmlns:a16="http://schemas.microsoft.com/office/drawing/2014/main" id="{F66C79DB-E90E-4192-9A64-34FA2EB5DB3A}"/>
+                </a:ext>
+                <a:ext uri="{C183D7F6-B498-43B3-948B-1728B52AA6E4}">
+                  <adec:decorative xmlns:adec="http://schemas.microsoft.com/office/drawing/2017/decorative" val="1"/>
+                </a:ext>
+              </a:extLst>
+            </p:cNvPr>
+            <p:cNvCxnSpPr/>
+            <p:nvPr>
+              <p:extLst>
+                <p:ext uri="{386F3935-93C4-4BCD-93E2-E3B085C9AB24}">
+                  <p16:designElem xmlns:p16="http://schemas.microsoft.com/office/powerpoint/2015/main" val="1"/>
+                </p:ext>
+              </p:extLst>
+            </p:nvPr>
+          </p:nvCxnSpPr>
+          <p:spPr>
+            <a:xfrm rot="-4740000" flipH="1">
+              <a:off x="5700105" y="3138910"/>
+              <a:ext cx="3394" cy="182880"/>
+            </a:xfrm>
+            <a:prstGeom prst="line">
+              <a:avLst/>
+            </a:prstGeom>
+            <a:ln>
+              <a:solidFill>
+                <a:srgbClr val="FFFFFF">
+                  <a:alpha val="30196"/>
+                </a:srgbClr>
+              </a:solidFill>
+            </a:ln>
+          </p:spPr>
+          <p:style>
+            <a:lnRef idx="1">
+              <a:schemeClr val="accent1"/>
+            </a:lnRef>
+            <a:fillRef idx="0">
+              <a:schemeClr val="accent1"/>
+            </a:fillRef>
+            <a:effectRef idx="0">
+              <a:schemeClr val="accent1"/>
+            </a:effectRef>
+            <a:fontRef idx="minor">
+              <a:schemeClr val="tx1"/>
+            </a:fontRef>
+          </p:style>
+        </p:cxnSp>
+        <p:cxnSp>
+          <p:nvCxnSpPr>
+            <p:cNvPr id="173" name="Straight Connector 172">
+              <a:extLst>
+                <a:ext uri="{FF2B5EF4-FFF2-40B4-BE49-F238E27FC236}">
+                  <a16:creationId xmlns:a16="http://schemas.microsoft.com/office/drawing/2014/main" id="{143FC299-982A-4307-97E4-00A1BDAEB734}"/>
+                </a:ext>
+                <a:ext uri="{C183D7F6-B498-43B3-948B-1728B52AA6E4}">
+                  <adec:decorative xmlns:adec="http://schemas.microsoft.com/office/drawing/2017/decorative" val="1"/>
+                </a:ext>
+              </a:extLst>
+            </p:cNvPr>
+            <p:cNvCxnSpPr/>
+            <p:nvPr>
+              <p:extLst>
+                <p:ext uri="{386F3935-93C4-4BCD-93E2-E3B085C9AB24}">
+                  <p16:designElem xmlns:p16="http://schemas.microsoft.com/office/powerpoint/2015/main" val="1"/>
+                </p:ext>
+              </p:extLst>
+            </p:nvPr>
+          </p:nvCxnSpPr>
+          <p:spPr>
+            <a:xfrm rot="-4860000" flipH="1">
+              <a:off x="5665939" y="3275489"/>
+              <a:ext cx="3394" cy="182880"/>
+            </a:xfrm>
+            <a:prstGeom prst="line">
+              <a:avLst/>
+            </a:prstGeom>
+            <a:ln>
+              <a:solidFill>
+                <a:srgbClr val="FFFFFF">
+                  <a:alpha val="30196"/>
+                </a:srgbClr>
+              </a:solidFill>
+            </a:ln>
+          </p:spPr>
+          <p:style>
+            <a:lnRef idx="1">
+              <a:schemeClr val="accent1"/>
+            </a:lnRef>
+            <a:fillRef idx="0">
+              <a:schemeClr val="accent1"/>
+            </a:fillRef>
+            <a:effectRef idx="0">
+              <a:schemeClr val="accent1"/>
+            </a:effectRef>
+            <a:fontRef idx="minor">
+              <a:schemeClr val="tx1"/>
+            </a:fontRef>
+          </p:style>
+        </p:cxnSp>
+        <p:cxnSp>
+          <p:nvCxnSpPr>
+            <p:cNvPr id="174" name="Straight Connector 173">
+              <a:extLst>
+                <a:ext uri="{FF2B5EF4-FFF2-40B4-BE49-F238E27FC236}">
+                  <a16:creationId xmlns:a16="http://schemas.microsoft.com/office/drawing/2014/main" id="{3A76C799-63FA-4767-A0FA-E018EF6EE284}"/>
+                </a:ext>
+                <a:ext uri="{C183D7F6-B498-43B3-948B-1728B52AA6E4}">
+                  <adec:decorative xmlns:adec="http://schemas.microsoft.com/office/drawing/2017/decorative" val="1"/>
+                </a:ext>
+              </a:extLst>
+            </p:cNvPr>
+            <p:cNvCxnSpPr/>
+            <p:nvPr>
+              <p:extLst>
+                <p:ext uri="{386F3935-93C4-4BCD-93E2-E3B085C9AB24}">
+                  <p16:designElem xmlns:p16="http://schemas.microsoft.com/office/powerpoint/2015/main" val="1"/>
+                </p:ext>
+              </p:extLst>
+            </p:nvPr>
+          </p:nvCxnSpPr>
+          <p:spPr>
+            <a:xfrm rot="-5040000" flipH="1">
+              <a:off x="5644476" y="3414251"/>
+              <a:ext cx="3394" cy="182880"/>
+            </a:xfrm>
+            <a:prstGeom prst="line">
+              <a:avLst/>
+            </a:prstGeom>
+            <a:ln>
+              <a:solidFill>
+                <a:srgbClr val="FFFFFF">
+                  <a:alpha val="30196"/>
+                </a:srgbClr>
+              </a:solidFill>
+            </a:ln>
+          </p:spPr>
+          <p:style>
+            <a:lnRef idx="1">
+              <a:schemeClr val="accent1"/>
+            </a:lnRef>
+            <a:fillRef idx="0">
+              <a:schemeClr val="accent1"/>
+            </a:fillRef>
+            <a:effectRef idx="0">
+              <a:schemeClr val="accent1"/>
+            </a:effectRef>
+            <a:fontRef idx="minor">
+              <a:schemeClr val="tx1"/>
+            </a:fontRef>
+          </p:style>
+        </p:cxnSp>
+        <p:cxnSp>
+          <p:nvCxnSpPr>
+            <p:cNvPr id="175" name="Straight Connector 174">
+              <a:extLst>
+                <a:ext uri="{FF2B5EF4-FFF2-40B4-BE49-F238E27FC236}">
+                  <a16:creationId xmlns:a16="http://schemas.microsoft.com/office/drawing/2014/main" id="{F22B23C3-FCEF-4BFC-AD03-17D92E07AD66}"/>
+                </a:ext>
+                <a:ext uri="{C183D7F6-B498-43B3-948B-1728B52AA6E4}">
+                  <adec:decorative xmlns:adec="http://schemas.microsoft.com/office/drawing/2017/decorative" val="1"/>
+                </a:ext>
+              </a:extLst>
+            </p:cNvPr>
+            <p:cNvCxnSpPr/>
+            <p:nvPr>
+              <p:extLst>
+                <p:ext uri="{386F3935-93C4-4BCD-93E2-E3B085C9AB24}">
+                  <p16:designElem xmlns:p16="http://schemas.microsoft.com/office/powerpoint/2015/main" val="1"/>
+                </p:ext>
+              </p:extLst>
+            </p:nvPr>
+          </p:nvCxnSpPr>
+          <p:spPr>
+            <a:xfrm rot="-5160000" flipH="1">
+              <a:off x="5626530" y="3554628"/>
+              <a:ext cx="3394" cy="182880"/>
+            </a:xfrm>
+            <a:prstGeom prst="line">
+              <a:avLst/>
+            </a:prstGeom>
+            <a:ln>
+              <a:solidFill>
+                <a:srgbClr val="FFFFFF">
+                  <a:alpha val="30196"/>
+                </a:srgbClr>
+              </a:solidFill>
+            </a:ln>
+          </p:spPr>
+          <p:style>
+            <a:lnRef idx="1">
+              <a:schemeClr val="accent1"/>
+            </a:lnRef>
+            <a:fillRef idx="0">
+              <a:schemeClr val="accent1"/>
+            </a:fillRef>
+            <a:effectRef idx="0">
+              <a:schemeClr val="accent1"/>
+            </a:effectRef>
+            <a:fontRef idx="minor">
+              <a:schemeClr val="tx1"/>
+            </a:fontRef>
+          </p:style>
+        </p:cxnSp>
+        <p:cxnSp>
+          <p:nvCxnSpPr>
+            <p:cNvPr id="176" name="Straight Connector 175">
+              <a:extLst>
+                <a:ext uri="{FF2B5EF4-FFF2-40B4-BE49-F238E27FC236}">
+                  <a16:creationId xmlns:a16="http://schemas.microsoft.com/office/drawing/2014/main" id="{EBF5C56D-9DBE-454E-A584-422E5FB2F865}"/>
+                </a:ext>
+                <a:ext uri="{C183D7F6-B498-43B3-948B-1728B52AA6E4}">
+                  <adec:decorative xmlns:adec="http://schemas.microsoft.com/office/drawing/2017/decorative" val="1"/>
+                </a:ext>
+              </a:extLst>
+            </p:cNvPr>
+            <p:cNvCxnSpPr/>
+            <p:nvPr>
+              <p:extLst>
+                <p:ext uri="{386F3935-93C4-4BCD-93E2-E3B085C9AB24}">
+                  <p16:designElem xmlns:p16="http://schemas.microsoft.com/office/powerpoint/2015/main" val="1"/>
+                </p:ext>
+              </p:extLst>
+            </p:nvPr>
+          </p:nvCxnSpPr>
+          <p:spPr>
+            <a:xfrm rot="-5280000" flipH="1">
+              <a:off x="5616429" y="3691831"/>
+              <a:ext cx="3394" cy="182880"/>
+            </a:xfrm>
+            <a:prstGeom prst="line">
+              <a:avLst/>
+            </a:prstGeom>
+            <a:ln>
+              <a:solidFill>
+                <a:srgbClr val="FFFFFF">
+                  <a:alpha val="30196"/>
+                </a:srgbClr>
+              </a:solidFill>
+            </a:ln>
+          </p:spPr>
+          <p:style>
+            <a:lnRef idx="1">
+              <a:schemeClr val="accent1"/>
+            </a:lnRef>
+            <a:fillRef idx="0">
+              <a:schemeClr val="accent1"/>
+            </a:fillRef>
+            <a:effectRef idx="0">
+              <a:schemeClr val="accent1"/>
+            </a:effectRef>
+            <a:fontRef idx="minor">
+              <a:schemeClr val="tx1"/>
+            </a:fontRef>
+          </p:style>
+        </p:cxnSp>
+        <p:cxnSp>
+          <p:nvCxnSpPr>
+            <p:cNvPr id="177" name="Straight Connector 176">
+              <a:extLst>
+                <a:ext uri="{FF2B5EF4-FFF2-40B4-BE49-F238E27FC236}">
+                  <a16:creationId xmlns:a16="http://schemas.microsoft.com/office/drawing/2014/main" id="{4608B5A8-9FAA-4DC0-87FC-F4D879ABE8C8}"/>
+                </a:ext>
+                <a:ext uri="{C183D7F6-B498-43B3-948B-1728B52AA6E4}">
+                  <adec:decorative xmlns:adec="http://schemas.microsoft.com/office/drawing/2017/decorative" val="1"/>
+                </a:ext>
+              </a:extLst>
+            </p:cNvPr>
+            <p:cNvCxnSpPr/>
+            <p:nvPr>
+              <p:extLst>
+                <p:ext uri="{386F3935-93C4-4BCD-93E2-E3B085C9AB24}">
+                  <p16:designElem xmlns:p16="http://schemas.microsoft.com/office/powerpoint/2015/main" val="1"/>
+                </p:ext>
+              </p:extLst>
+            </p:nvPr>
+          </p:nvCxnSpPr>
+          <p:spPr>
+            <a:xfrm rot="-5400000" flipH="1">
+              <a:off x="5611319" y="3835374"/>
+              <a:ext cx="3394" cy="182880"/>
+            </a:xfrm>
+            <a:prstGeom prst="line">
+              <a:avLst/>
+            </a:prstGeom>
+            <a:ln>
+              <a:solidFill>
+                <a:srgbClr val="FFFFFF">
+                  <a:alpha val="30196"/>
+                </a:srgbClr>
+              </a:solidFill>
+            </a:ln>
+          </p:spPr>
+          <p:style>
+            <a:lnRef idx="1">
+              <a:schemeClr val="accent1"/>
+            </a:lnRef>
+            <a:fillRef idx="0">
+              <a:schemeClr val="accent1"/>
+            </a:fillRef>
+            <a:effectRef idx="0">
+              <a:schemeClr val="accent1"/>
+            </a:effectRef>
+            <a:fontRef idx="minor">
+              <a:schemeClr val="tx1"/>
+            </a:fontRef>
+          </p:style>
+        </p:cxnSp>
+        <p:cxnSp>
+          <p:nvCxnSpPr>
+            <p:cNvPr id="178" name="Straight Connector 177">
+              <a:extLst>
+                <a:ext uri="{FF2B5EF4-FFF2-40B4-BE49-F238E27FC236}">
+                  <a16:creationId xmlns:a16="http://schemas.microsoft.com/office/drawing/2014/main" id="{3B279D37-02D4-4925-B2DD-3765F65F7EBD}"/>
+                </a:ext>
+                <a:ext uri="{C183D7F6-B498-43B3-948B-1728B52AA6E4}">
+                  <adec:decorative xmlns:adec="http://schemas.microsoft.com/office/drawing/2017/decorative" val="1"/>
+                </a:ext>
+              </a:extLst>
+            </p:cNvPr>
+            <p:cNvCxnSpPr/>
+            <p:nvPr>
+              <p:extLst>
+                <p:ext uri="{386F3935-93C4-4BCD-93E2-E3B085C9AB24}">
+                  <p16:designElem xmlns:p16="http://schemas.microsoft.com/office/powerpoint/2015/main" val="1"/>
+                </p:ext>
+              </p:extLst>
+            </p:nvPr>
+          </p:nvCxnSpPr>
+          <p:spPr>
+            <a:xfrm rot="-5580000" flipH="1">
+              <a:off x="5608540" y="3975726"/>
+              <a:ext cx="3394" cy="182880"/>
+            </a:xfrm>
+            <a:prstGeom prst="line">
+              <a:avLst/>
+            </a:prstGeom>
+            <a:ln>
+              <a:solidFill>
+                <a:srgbClr val="FFFFFF">
+                  <a:alpha val="30196"/>
+                </a:srgbClr>
+              </a:solidFill>
+            </a:ln>
+          </p:spPr>
+          <p:style>
+            <a:lnRef idx="1">
+              <a:schemeClr val="accent1"/>
+            </a:lnRef>
+            <a:fillRef idx="0">
+              <a:schemeClr val="accent1"/>
+            </a:fillRef>
+            <a:effectRef idx="0">
+              <a:schemeClr val="accent1"/>
+            </a:effectRef>
+            <a:fontRef idx="minor">
+              <a:schemeClr val="tx1"/>
+            </a:fontRef>
+          </p:style>
+        </p:cxnSp>
+        <p:cxnSp>
+          <p:nvCxnSpPr>
+            <p:cNvPr id="179" name="Straight Connector 178">
+              <a:extLst>
+                <a:ext uri="{FF2B5EF4-FFF2-40B4-BE49-F238E27FC236}">
+                  <a16:creationId xmlns:a16="http://schemas.microsoft.com/office/drawing/2014/main" id="{9E72009F-1FFC-4EDB-9C18-EB0F5E8B9E2D}"/>
+                </a:ext>
+                <a:ext uri="{C183D7F6-B498-43B3-948B-1728B52AA6E4}">
+                  <adec:decorative xmlns:adec="http://schemas.microsoft.com/office/drawing/2017/decorative" val="1"/>
+                </a:ext>
+              </a:extLst>
+            </p:cNvPr>
+            <p:cNvCxnSpPr/>
+            <p:nvPr>
+              <p:extLst>
+                <p:ext uri="{386F3935-93C4-4BCD-93E2-E3B085C9AB24}">
+                  <p16:designElem xmlns:p16="http://schemas.microsoft.com/office/powerpoint/2015/main" val="1"/>
+                </p:ext>
+              </p:extLst>
+            </p:nvPr>
+          </p:nvCxnSpPr>
+          <p:spPr>
+            <a:xfrm rot="-5700000" flipH="1">
+              <a:off x="5605761" y="4116078"/>
+              <a:ext cx="3394" cy="182880"/>
+            </a:xfrm>
+            <a:prstGeom prst="line">
+              <a:avLst/>
+            </a:prstGeom>
+            <a:ln>
+              <a:solidFill>
+                <a:srgbClr val="FFFFFF">
+                  <a:alpha val="30196"/>
+                </a:srgbClr>
+              </a:solidFill>
+            </a:ln>
+          </p:spPr>
+          <p:style>
+            <a:lnRef idx="1">
+              <a:schemeClr val="accent1"/>
+            </a:lnRef>
+            <a:fillRef idx="0">
+              <a:schemeClr val="accent1"/>
+            </a:fillRef>
+            <a:effectRef idx="0">
+              <a:schemeClr val="accent1"/>
+            </a:effectRef>
+            <a:fontRef idx="minor">
+              <a:schemeClr val="tx1"/>
+            </a:fontRef>
+          </p:style>
+        </p:cxnSp>
+        <p:cxnSp>
+          <p:nvCxnSpPr>
+            <p:cNvPr id="180" name="Straight Connector 179">
+              <a:extLst>
+                <a:ext uri="{FF2B5EF4-FFF2-40B4-BE49-F238E27FC236}">
+                  <a16:creationId xmlns:a16="http://schemas.microsoft.com/office/drawing/2014/main" id="{91FA6C71-6237-4ED8-A9BE-D15AC1111602}"/>
+                </a:ext>
+                <a:ext uri="{C183D7F6-B498-43B3-948B-1728B52AA6E4}">
+                  <adec:decorative xmlns:adec="http://schemas.microsoft.com/office/drawing/2017/decorative" val="1"/>
+                </a:ext>
+              </a:extLst>
+            </p:cNvPr>
+            <p:cNvCxnSpPr/>
+            <p:nvPr>
+              <p:extLst>
+                <p:ext uri="{386F3935-93C4-4BCD-93E2-E3B085C9AB24}">
+                  <p16:designElem xmlns:p16="http://schemas.microsoft.com/office/powerpoint/2015/main" val="1"/>
+                </p:ext>
+              </p:extLst>
+            </p:nvPr>
+          </p:nvCxnSpPr>
+          <p:spPr>
+            <a:xfrm rot="-5820000" flipH="1">
+              <a:off x="5624195" y="4254218"/>
+              <a:ext cx="3394" cy="182880"/>
+            </a:xfrm>
+            <a:prstGeom prst="line">
+              <a:avLst/>
+            </a:prstGeom>
+            <a:ln>
+              <a:solidFill>
+                <a:srgbClr val="FFFFFF">
+                  <a:alpha val="30196"/>
+                </a:srgbClr>
+              </a:solidFill>
+            </a:ln>
+          </p:spPr>
+          <p:style>
+            <a:lnRef idx="1">
+              <a:schemeClr val="accent1"/>
+            </a:lnRef>
+            <a:fillRef idx="0">
+              <a:schemeClr val="accent1"/>
+            </a:fillRef>
+            <a:effectRef idx="0">
+              <a:schemeClr val="accent1"/>
+            </a:effectRef>
+            <a:fontRef idx="minor">
+              <a:schemeClr val="tx1"/>
+            </a:fontRef>
+          </p:style>
+        </p:cxnSp>
+        <p:cxnSp>
+          <p:nvCxnSpPr>
+            <p:cNvPr id="181" name="Straight Connector 180">
+              <a:extLst>
+                <a:ext uri="{FF2B5EF4-FFF2-40B4-BE49-F238E27FC236}">
+                  <a16:creationId xmlns:a16="http://schemas.microsoft.com/office/drawing/2014/main" id="{ED2DD310-9B69-442B-89C0-37F7412DDA75}"/>
+                </a:ext>
+                <a:ext uri="{C183D7F6-B498-43B3-948B-1728B52AA6E4}">
+                  <adec:decorative xmlns:adec="http://schemas.microsoft.com/office/drawing/2017/decorative" val="1"/>
+                </a:ext>
+              </a:extLst>
+            </p:cNvPr>
+            <p:cNvCxnSpPr/>
+            <p:nvPr>
+              <p:extLst>
+                <p:ext uri="{386F3935-93C4-4BCD-93E2-E3B085C9AB24}">
+                  <p16:designElem xmlns:p16="http://schemas.microsoft.com/office/powerpoint/2015/main" val="1"/>
+                </p:ext>
+              </p:extLst>
+            </p:nvPr>
+          </p:nvCxnSpPr>
+          <p:spPr>
+            <a:xfrm rot="-5940000" flipH="1">
+              <a:off x="5642629" y="4392358"/>
+              <a:ext cx="3394" cy="182880"/>
+            </a:xfrm>
+            <a:prstGeom prst="line">
+              <a:avLst/>
+            </a:prstGeom>
+            <a:ln>
+              <a:solidFill>
+                <a:srgbClr val="FFFFFF">
+                  <a:alpha val="30196"/>
+                </a:srgbClr>
+              </a:solidFill>
+            </a:ln>
+          </p:spPr>
+          <p:style>
+            <a:lnRef idx="1">
+              <a:schemeClr val="accent1"/>
+            </a:lnRef>
+            <a:fillRef idx="0">
+              <a:schemeClr val="accent1"/>
+            </a:fillRef>
+            <a:effectRef idx="0">
+              <a:schemeClr val="accent1"/>
+            </a:effectRef>
+            <a:fontRef idx="minor">
+              <a:schemeClr val="tx1"/>
+            </a:fontRef>
+          </p:style>
+        </p:cxnSp>
+        <p:cxnSp>
+          <p:nvCxnSpPr>
+            <p:cNvPr id="182" name="Straight Connector 181">
+              <a:extLst>
+                <a:ext uri="{FF2B5EF4-FFF2-40B4-BE49-F238E27FC236}">
+                  <a16:creationId xmlns:a16="http://schemas.microsoft.com/office/drawing/2014/main" id="{4F9FE545-059E-4996-9E84-BCE18A735D9A}"/>
+                </a:ext>
+                <a:ext uri="{C183D7F6-B498-43B3-948B-1728B52AA6E4}">
+                  <adec:decorative xmlns:adec="http://schemas.microsoft.com/office/drawing/2017/decorative" val="1"/>
+                </a:ext>
+              </a:extLst>
+            </p:cNvPr>
+            <p:cNvCxnSpPr/>
+            <p:nvPr>
+              <p:extLst>
+                <p:ext uri="{386F3935-93C4-4BCD-93E2-E3B085C9AB24}">
+                  <p16:designElem xmlns:p16="http://schemas.microsoft.com/office/powerpoint/2015/main" val="1"/>
+                </p:ext>
+              </p:extLst>
+            </p:nvPr>
+          </p:nvCxnSpPr>
+          <p:spPr>
+            <a:xfrm rot="-6120000" flipH="1">
+              <a:off x="5654818" y="4536385"/>
+              <a:ext cx="3394" cy="182880"/>
+            </a:xfrm>
+            <a:prstGeom prst="line">
+              <a:avLst/>
+            </a:prstGeom>
+            <a:ln>
+              <a:solidFill>
+                <a:srgbClr val="FFFFFF">
+                  <a:alpha val="30196"/>
+                </a:srgbClr>
+              </a:solidFill>
+            </a:ln>
+          </p:spPr>
+          <p:style>
+            <a:lnRef idx="1">
+              <a:schemeClr val="accent1"/>
+            </a:lnRef>
+            <a:fillRef idx="0">
+              <a:schemeClr val="accent1"/>
+            </a:fillRef>
+            <a:effectRef idx="0">
+              <a:schemeClr val="accent1"/>
+            </a:effectRef>
+            <a:fontRef idx="minor">
+              <a:schemeClr val="tx1"/>
+            </a:fontRef>
+          </p:style>
+        </p:cxnSp>
+        <p:cxnSp>
+          <p:nvCxnSpPr>
+            <p:cNvPr id="183" name="Straight Connector 182">
+              <a:extLst>
+                <a:ext uri="{FF2B5EF4-FFF2-40B4-BE49-F238E27FC236}">
+                  <a16:creationId xmlns:a16="http://schemas.microsoft.com/office/drawing/2014/main" id="{36849649-2DB2-427D-B6CB-9CFB032BFC7E}"/>
+                </a:ext>
+                <a:ext uri="{C183D7F6-B498-43B3-948B-1728B52AA6E4}">
+                  <adec:decorative xmlns:adec="http://schemas.microsoft.com/office/drawing/2017/decorative" val="1"/>
+                </a:ext>
+              </a:extLst>
+            </p:cNvPr>
+            <p:cNvCxnSpPr/>
+            <p:nvPr>
+              <p:extLst>
+                <p:ext uri="{386F3935-93C4-4BCD-93E2-E3B085C9AB24}">
+                  <p16:designElem xmlns:p16="http://schemas.microsoft.com/office/powerpoint/2015/main" val="1"/>
+                </p:ext>
+              </p:extLst>
+            </p:nvPr>
+          </p:nvCxnSpPr>
+          <p:spPr>
+            <a:xfrm rot="-6240000" flipH="1">
+              <a:off x="5684446" y="4671367"/>
+              <a:ext cx="3394" cy="182880"/>
+            </a:xfrm>
+            <a:prstGeom prst="line">
+              <a:avLst/>
+            </a:prstGeom>
+            <a:ln>
+              <a:solidFill>
+                <a:srgbClr val="FFFFFF">
+                  <a:alpha val="30196"/>
+                </a:srgbClr>
+              </a:solidFill>
+            </a:ln>
+          </p:spPr>
+          <p:style>
+            <a:lnRef idx="1">
+              <a:schemeClr val="accent1"/>
+            </a:lnRef>
+            <a:fillRef idx="0">
+              <a:schemeClr val="accent1"/>
+            </a:fillRef>
+            <a:effectRef idx="0">
+              <a:schemeClr val="accent1"/>
+            </a:effectRef>
+            <a:fontRef idx="minor">
+              <a:schemeClr val="tx1"/>
+            </a:fontRef>
+          </p:style>
+        </p:cxnSp>
+        <p:cxnSp>
+          <p:nvCxnSpPr>
+            <p:cNvPr id="184" name="Straight Connector 183">
+              <a:extLst>
+                <a:ext uri="{FF2B5EF4-FFF2-40B4-BE49-F238E27FC236}">
+                  <a16:creationId xmlns:a16="http://schemas.microsoft.com/office/drawing/2014/main" id="{D1BAB73D-2CD4-48CF-8299-CB2B8F08780A}"/>
+                </a:ext>
+                <a:ext uri="{C183D7F6-B498-43B3-948B-1728B52AA6E4}">
+                  <adec:decorative xmlns:adec="http://schemas.microsoft.com/office/drawing/2017/decorative" val="1"/>
+                </a:ext>
+              </a:extLst>
+            </p:cNvPr>
+            <p:cNvCxnSpPr/>
+            <p:nvPr>
+              <p:extLst>
+                <p:ext uri="{386F3935-93C4-4BCD-93E2-E3B085C9AB24}">
+                  <p16:designElem xmlns:p16="http://schemas.microsoft.com/office/powerpoint/2015/main" val="1"/>
+                </p:ext>
+              </p:extLst>
+            </p:nvPr>
+          </p:nvCxnSpPr>
+          <p:spPr>
+            <a:xfrm rot="-6360000" flipH="1">
+              <a:off x="5714074" y="4808730"/>
+              <a:ext cx="3394" cy="182880"/>
+            </a:xfrm>
+            <a:prstGeom prst="line">
+              <a:avLst/>
+            </a:prstGeom>
+            <a:ln>
+              <a:solidFill>
+                <a:srgbClr val="FFFFFF">
+                  <a:alpha val="30196"/>
+                </a:srgbClr>
+              </a:solidFill>
+            </a:ln>
+          </p:spPr>
+          <p:style>
+            <a:lnRef idx="1">
+              <a:schemeClr val="accent1"/>
+            </a:lnRef>
+            <a:fillRef idx="0">
+              <a:schemeClr val="accent1"/>
+            </a:fillRef>
+            <a:effectRef idx="0">
+              <a:schemeClr val="accent1"/>
+            </a:effectRef>
+            <a:fontRef idx="minor">
+              <a:schemeClr val="tx1"/>
+            </a:fontRef>
+          </p:style>
+        </p:cxnSp>
+        <p:cxnSp>
+          <p:nvCxnSpPr>
+            <p:cNvPr id="185" name="Straight Connector 184">
+              <a:extLst>
+                <a:ext uri="{FF2B5EF4-FFF2-40B4-BE49-F238E27FC236}">
+                  <a16:creationId xmlns:a16="http://schemas.microsoft.com/office/drawing/2014/main" id="{B156630B-D53F-46CB-BC27-BEB8138CB575}"/>
+                </a:ext>
+                <a:ext uri="{C183D7F6-B498-43B3-948B-1728B52AA6E4}">
+                  <adec:decorative xmlns:adec="http://schemas.microsoft.com/office/drawing/2017/decorative" val="1"/>
+                </a:ext>
+              </a:extLst>
+            </p:cNvPr>
+            <p:cNvCxnSpPr/>
+            <p:nvPr>
+              <p:extLst>
+                <p:ext uri="{386F3935-93C4-4BCD-93E2-E3B085C9AB24}">
+                  <p16:designElem xmlns:p16="http://schemas.microsoft.com/office/powerpoint/2015/main" val="1"/>
+                </p:ext>
+              </p:extLst>
+            </p:nvPr>
+          </p:nvCxnSpPr>
+          <p:spPr>
+            <a:xfrm rot="-6480000" flipH="1">
+              <a:off x="5748464" y="4948474"/>
+              <a:ext cx="3394" cy="182880"/>
+            </a:xfrm>
+            <a:prstGeom prst="line">
+              <a:avLst/>
+            </a:prstGeom>
+            <a:ln>
+              <a:solidFill>
+                <a:srgbClr val="FFFFFF">
+                  <a:alpha val="30196"/>
+                </a:srgbClr>
+              </a:solidFill>
+            </a:ln>
+          </p:spPr>
+          <p:style>
+            <a:lnRef idx="1">
+              <a:schemeClr val="accent1"/>
+            </a:lnRef>
+            <a:fillRef idx="0">
+              <a:schemeClr val="accent1"/>
+            </a:fillRef>
+            <a:effectRef idx="0">
+              <a:schemeClr val="accent1"/>
+            </a:effectRef>
+            <a:fontRef idx="minor">
+              <a:schemeClr val="tx1"/>
+            </a:fontRef>
+          </p:style>
+        </p:cxnSp>
+        <p:cxnSp>
+          <p:nvCxnSpPr>
+            <p:cNvPr id="186" name="Straight Connector 185">
+              <a:extLst>
+                <a:ext uri="{FF2B5EF4-FFF2-40B4-BE49-F238E27FC236}">
+                  <a16:creationId xmlns:a16="http://schemas.microsoft.com/office/drawing/2014/main" id="{4FEC10B1-AF32-4C41-B84C-FEC99614BD1D}"/>
+                </a:ext>
+                <a:ext uri="{C183D7F6-B498-43B3-948B-1728B52AA6E4}">
+                  <adec:decorative xmlns:adec="http://schemas.microsoft.com/office/drawing/2017/decorative" val="1"/>
+                </a:ext>
+              </a:extLst>
+            </p:cNvPr>
+            <p:cNvCxnSpPr/>
+            <p:nvPr>
+              <p:extLst>
+                <p:ext uri="{386F3935-93C4-4BCD-93E2-E3B085C9AB24}">
+                  <p16:designElem xmlns:p16="http://schemas.microsoft.com/office/powerpoint/2015/main" val="1"/>
+                </p:ext>
+              </p:extLst>
+            </p:nvPr>
+          </p:nvCxnSpPr>
+          <p:spPr>
+            <a:xfrm rot="-6660000" flipH="1">
+              <a:off x="5792091" y="5077607"/>
+              <a:ext cx="3394" cy="182880"/>
+            </a:xfrm>
+            <a:prstGeom prst="line">
+              <a:avLst/>
+            </a:prstGeom>
+            <a:ln>
+              <a:solidFill>
+                <a:srgbClr val="FFFFFF">
+                  <a:alpha val="30196"/>
+                </a:srgbClr>
+              </a:solidFill>
+            </a:ln>
+          </p:spPr>
+          <p:style>
+            <a:lnRef idx="1">
+              <a:schemeClr val="accent1"/>
+            </a:lnRef>
+            <a:fillRef idx="0">
+              <a:schemeClr val="accent1"/>
+            </a:fillRef>
+            <a:effectRef idx="0">
+              <a:schemeClr val="accent1"/>
+            </a:effectRef>
+            <a:fontRef idx="minor">
+              <a:schemeClr val="tx1"/>
+            </a:fontRef>
+          </p:style>
+        </p:cxnSp>
+        <p:cxnSp>
+          <p:nvCxnSpPr>
+            <p:cNvPr id="187" name="Straight Connector 186">
+              <a:extLst>
+                <a:ext uri="{FF2B5EF4-FFF2-40B4-BE49-F238E27FC236}">
+                  <a16:creationId xmlns:a16="http://schemas.microsoft.com/office/drawing/2014/main" id="{D7EDD4C7-FBEF-4868-96E8-214EE6C78276}"/>
+                </a:ext>
+                <a:ext uri="{C183D7F6-B498-43B3-948B-1728B52AA6E4}">
+                  <adec:decorative xmlns:adec="http://schemas.microsoft.com/office/drawing/2017/decorative" val="1"/>
+                </a:ext>
+              </a:extLst>
+            </p:cNvPr>
+            <p:cNvCxnSpPr/>
+            <p:nvPr>
+              <p:extLst>
+                <p:ext uri="{386F3935-93C4-4BCD-93E2-E3B085C9AB24}">
+                  <p16:designElem xmlns:p16="http://schemas.microsoft.com/office/powerpoint/2015/main" val="1"/>
+                </p:ext>
+              </p:extLst>
+            </p:nvPr>
+          </p:nvCxnSpPr>
+          <p:spPr>
+            <a:xfrm rot="-6780000" flipH="1">
+              <a:off x="5847441" y="5211223"/>
+              <a:ext cx="3394" cy="182880"/>
+            </a:xfrm>
+            <a:prstGeom prst="line">
+              <a:avLst/>
+            </a:prstGeom>
+            <a:ln>
+              <a:solidFill>
+                <a:srgbClr val="FFFFFF">
+                  <a:alpha val="30196"/>
+                </a:srgbClr>
+              </a:solidFill>
+            </a:ln>
+          </p:spPr>
+          <p:style>
+            <a:lnRef idx="1">
+              <a:schemeClr val="accent1"/>
+            </a:lnRef>
+            <a:fillRef idx="0">
+              <a:schemeClr val="accent1"/>
+            </a:fillRef>
+            <a:effectRef idx="0">
+              <a:schemeClr val="accent1"/>
+            </a:effectRef>
+            <a:fontRef idx="minor">
+              <a:schemeClr val="tx1"/>
+            </a:fontRef>
+          </p:style>
+        </p:cxnSp>
+        <p:cxnSp>
+          <p:nvCxnSpPr>
+            <p:cNvPr id="188" name="Straight Connector 187">
+              <a:extLst>
+                <a:ext uri="{FF2B5EF4-FFF2-40B4-BE49-F238E27FC236}">
+                  <a16:creationId xmlns:a16="http://schemas.microsoft.com/office/drawing/2014/main" id="{3E79D291-029D-40DE-B44A-B52781E970D6}"/>
+                </a:ext>
+                <a:ext uri="{C183D7F6-B498-43B3-948B-1728B52AA6E4}">
+                  <adec:decorative xmlns:adec="http://schemas.microsoft.com/office/drawing/2017/decorative" val="1"/>
+                </a:ext>
+              </a:extLst>
+            </p:cNvPr>
+            <p:cNvCxnSpPr/>
+            <p:nvPr>
+              <p:extLst>
+                <p:ext uri="{386F3935-93C4-4BCD-93E2-E3B085C9AB24}">
+                  <p16:designElem xmlns:p16="http://schemas.microsoft.com/office/powerpoint/2015/main" val="1"/>
+                </p:ext>
+              </p:extLst>
+            </p:nvPr>
+          </p:nvCxnSpPr>
+          <p:spPr>
+            <a:xfrm rot="-6900000" flipH="1">
+              <a:off x="5900410" y="5342458"/>
+              <a:ext cx="3394" cy="182880"/>
+            </a:xfrm>
+            <a:prstGeom prst="line">
+              <a:avLst/>
+            </a:prstGeom>
+            <a:ln>
+              <a:solidFill>
+                <a:srgbClr val="FFFFFF">
+                  <a:alpha val="30196"/>
+                </a:srgbClr>
+              </a:solidFill>
+            </a:ln>
+          </p:spPr>
+          <p:style>
+            <a:lnRef idx="1">
+              <a:schemeClr val="accent1"/>
+            </a:lnRef>
+            <a:fillRef idx="0">
+              <a:schemeClr val="accent1"/>
+            </a:fillRef>
+            <a:effectRef idx="0">
+              <a:schemeClr val="accent1"/>
+            </a:effectRef>
+            <a:fontRef idx="minor">
+              <a:schemeClr val="tx1"/>
+            </a:fontRef>
+          </p:style>
+        </p:cxnSp>
+        <p:cxnSp>
+          <p:nvCxnSpPr>
+            <p:cNvPr id="189" name="Straight Connector 188">
+              <a:extLst>
+                <a:ext uri="{FF2B5EF4-FFF2-40B4-BE49-F238E27FC236}">
+                  <a16:creationId xmlns:a16="http://schemas.microsoft.com/office/drawing/2014/main" id="{A8677C5F-1BF8-4733-9E39-A570EC8F02CC}"/>
+                </a:ext>
+                <a:ext uri="{C183D7F6-B498-43B3-948B-1728B52AA6E4}">
+                  <adec:decorative xmlns:adec="http://schemas.microsoft.com/office/drawing/2017/decorative" val="1"/>
+                </a:ext>
+              </a:extLst>
+            </p:cNvPr>
+            <p:cNvCxnSpPr/>
+            <p:nvPr>
+              <p:extLst>
+                <p:ext uri="{386F3935-93C4-4BCD-93E2-E3B085C9AB24}">
+                  <p16:designElem xmlns:p16="http://schemas.microsoft.com/office/powerpoint/2015/main" val="1"/>
+                </p:ext>
+              </p:extLst>
+            </p:nvPr>
+          </p:nvCxnSpPr>
+          <p:spPr>
+            <a:xfrm rot="-7020000" flipH="1">
+              <a:off x="5955760" y="5473693"/>
+              <a:ext cx="3394" cy="182880"/>
+            </a:xfrm>
+            <a:prstGeom prst="line">
+              <a:avLst/>
+            </a:prstGeom>
+            <a:ln>
+              <a:solidFill>
+                <a:srgbClr val="FFFFFF">
+                  <a:alpha val="30196"/>
+                </a:srgbClr>
+              </a:solidFill>
+            </a:ln>
+          </p:spPr>
+          <p:style>
+            <a:lnRef idx="1">
+              <a:schemeClr val="accent1"/>
+            </a:lnRef>
+            <a:fillRef idx="0">
+              <a:schemeClr val="accent1"/>
+            </a:fillRef>
+            <a:effectRef idx="0">
+              <a:schemeClr val="accent1"/>
+            </a:effectRef>
+            <a:fontRef idx="minor">
+              <a:schemeClr val="tx1"/>
+            </a:fontRef>
+          </p:style>
+        </p:cxnSp>
+      </p:grpSp>
+    </p:spTree>
+    <p:extLst>
+      <p:ext uri="{BB962C8B-B14F-4D97-AF65-F5344CB8AC3E}">
+        <p14:creationId xmlns:p14="http://schemas.microsoft.com/office/powerpoint/2010/main" val="2654769356"/>
       </p:ext>
     </p:extLst>
   </p:cSld>
@@ -16518,15 +25920,20 @@
 </file>
 
 <file path=customXml/item1.xml><?xml version="1.0" encoding="utf-8"?>
-<Control xmlns="http://schemas.microsoft.com/VisualStudio/2011/storyboarding/control">
-  <Id Name="d5dabbf1-8298-402a-8604-1906fa3f975a" Revision="1" Stencil="System.MyShapes" StencilVersion="1.0"/>
-</Control>
+<p:properties xmlns:p="http://schemas.microsoft.com/office/2006/metadata/properties" xmlns:xsi="http://www.w3.org/2001/XMLSchema-instance" xmlns:pc="http://schemas.microsoft.com/office/infopath/2007/PartnerControls">
+  <documentManagement>
+    <MediaServiceKeyPoints xmlns="71af3243-3dd4-4a8d-8c0d-dd76da1f02a5" xsi:nil="true"/>
+  </documentManagement>
+</p:properties>
 </file>
 
 <file path=customXml/item2.xml><?xml version="1.0" encoding="utf-8"?>
-<Control xmlns="http://schemas.microsoft.com/VisualStudio/2011/storyboarding/control">
-  <Id Name="d5dabbf1-8298-402a-8604-1906fa3f975a" Revision="1" Stencil="System.MyShapes" StencilVersion="1.0"/>
-</Control>
+<?mso-contentType ?>
+<FormTemplates xmlns="http://schemas.microsoft.com/sharepoint/v3/contenttype/forms">
+  <Display>DocumentLibraryForm</Display>
+  <Edit>DocumentLibraryForm</Edit>
+  <New>DocumentLibraryForm</New>
+</FormTemplates>
 </file>
 
 <file path=customXml/item3.xml><?xml version="1.0" encoding="utf-8"?>
@@ -16741,34 +26148,38 @@
 </file>
 
 <file path=customXml/item4.xml><?xml version="1.0" encoding="utf-8"?>
-<?mso-contentType ?>
-<FormTemplates xmlns="http://schemas.microsoft.com/sharepoint/v3/contenttype/forms">
-  <Display>DocumentLibraryForm</Display>
-  <Edit>DocumentLibraryForm</Edit>
-  <New>DocumentLibraryForm</New>
-</FormTemplates>
+<Control xmlns="http://schemas.microsoft.com/VisualStudio/2011/storyboarding/control">
+  <Id Name="d5dabbf1-8298-402a-8604-1906fa3f975a" Revision="1" Stencil="System.MyShapes" StencilVersion="1.0"/>
+</Control>
 </file>
 
 <file path=customXml/item5.xml><?xml version="1.0" encoding="utf-8"?>
-<p:properties xmlns:p="http://schemas.microsoft.com/office/2006/metadata/properties" xmlns:xsi="http://www.w3.org/2001/XMLSchema-instance" xmlns:pc="http://schemas.microsoft.com/office/infopath/2007/PartnerControls">
-  <documentManagement>
-    <MediaServiceKeyPoints xmlns="71af3243-3dd4-4a8d-8c0d-dd76da1f02a5" xsi:nil="true"/>
-  </documentManagement>
-</p:properties>
+<Control xmlns="http://schemas.microsoft.com/VisualStudio/2011/storyboarding/control">
+  <Id Name="d5dabbf1-8298-402a-8604-1906fa3f975a" Revision="1" Stencil="System.MyShapes" StencilVersion="1.0"/>
+</Control>
 </file>
 
 <file path=customXml/itemProps1.xml><?xml version="1.0" encoding="utf-8"?>
-<ds:datastoreItem xmlns:ds="http://schemas.openxmlformats.org/officeDocument/2006/customXml" ds:itemID="{40E68085-A60D-4F3B-B589-FB252F8A9D28}">
+<ds:datastoreItem xmlns:ds="http://schemas.openxmlformats.org/officeDocument/2006/customXml" ds:itemID="{B26D5668-1971-40BB-BC7C-94C9B101AAB7}">
   <ds:schemaRefs>
-    <ds:schemaRef ds:uri="http://schemas.microsoft.com/VisualStudio/2011/storyboarding/control"/>
+    <ds:schemaRef ds:uri="http://schemas.microsoft.com/office/infopath/2007/PartnerControls"/>
+    <ds:schemaRef ds:uri="http://schemas.microsoft.com/office/2006/documentManagement/types"/>
+    <ds:schemaRef ds:uri="http://purl.org/dc/elements/1.1/"/>
+    <ds:schemaRef ds:uri="http://schemas.microsoft.com/office/2006/metadata/properties"/>
+    <ds:schemaRef ds:uri="http://purl.org/dc/terms/"/>
+    <ds:schemaRef ds:uri="http://schemas.openxmlformats.org/package/2006/metadata/core-properties"/>
+    <ds:schemaRef ds:uri="16c05727-aa75-4e4a-9b5f-8a80a1165891"/>
+    <ds:schemaRef ds:uri="http://purl.org/dc/dcmitype/"/>
+    <ds:schemaRef ds:uri="71af3243-3dd4-4a8d-8c0d-dd76da1f02a5"/>
+    <ds:schemaRef ds:uri="http://www.w3.org/XML/1998/namespace"/>
   </ds:schemaRefs>
 </ds:datastoreItem>
 </file>
 
 <file path=customXml/itemProps2.xml><?xml version="1.0" encoding="utf-8"?>
-<ds:datastoreItem xmlns:ds="http://schemas.openxmlformats.org/officeDocument/2006/customXml" ds:itemID="{65BDB0B7-569D-416A-B4A9-BE2A9E8CE426}">
+<ds:datastoreItem xmlns:ds="http://schemas.openxmlformats.org/officeDocument/2006/customXml" ds:itemID="{FE57094B-4684-420B-AFE0-4E41CA2AF714}">
   <ds:schemaRefs>
-    <ds:schemaRef ds:uri="http://schemas.microsoft.com/VisualStudio/2011/storyboarding/control"/>
+    <ds:schemaRef ds:uri="http://schemas.microsoft.com/sharepoint/v3/contenttype/forms"/>
   </ds:schemaRefs>
 </ds:datastoreItem>
 </file>
@@ -16793,26 +26204,17 @@
 </file>
 
 <file path=customXml/itemProps4.xml><?xml version="1.0" encoding="utf-8"?>
-<ds:datastoreItem xmlns:ds="http://schemas.openxmlformats.org/officeDocument/2006/customXml" ds:itemID="{FE57094B-4684-420B-AFE0-4E41CA2AF714}">
+<ds:datastoreItem xmlns:ds="http://schemas.openxmlformats.org/officeDocument/2006/customXml" ds:itemID="{65BDB0B7-569D-416A-B4A9-BE2A9E8CE426}">
   <ds:schemaRefs>
-    <ds:schemaRef ds:uri="http://schemas.microsoft.com/sharepoint/v3/contenttype/forms"/>
+    <ds:schemaRef ds:uri="http://schemas.microsoft.com/VisualStudio/2011/storyboarding/control"/>
   </ds:schemaRefs>
 </ds:datastoreItem>
 </file>
 
 <file path=customXml/itemProps5.xml><?xml version="1.0" encoding="utf-8"?>
-<ds:datastoreItem xmlns:ds="http://schemas.openxmlformats.org/officeDocument/2006/customXml" ds:itemID="{B26D5668-1971-40BB-BC7C-94C9B101AAB7}">
+<ds:datastoreItem xmlns:ds="http://schemas.openxmlformats.org/officeDocument/2006/customXml" ds:itemID="{40E68085-A60D-4F3B-B589-FB252F8A9D28}">
   <ds:schemaRefs>
-    <ds:schemaRef ds:uri="http://schemas.microsoft.com/office/infopath/2007/PartnerControls"/>
-    <ds:schemaRef ds:uri="http://schemas.microsoft.com/office/2006/documentManagement/types"/>
-    <ds:schemaRef ds:uri="http://purl.org/dc/elements/1.1/"/>
-    <ds:schemaRef ds:uri="http://schemas.microsoft.com/office/2006/metadata/properties"/>
-    <ds:schemaRef ds:uri="http://purl.org/dc/terms/"/>
-    <ds:schemaRef ds:uri="http://schemas.openxmlformats.org/package/2006/metadata/core-properties"/>
-    <ds:schemaRef ds:uri="16c05727-aa75-4e4a-9b5f-8a80a1165891"/>
-    <ds:schemaRef ds:uri="http://purl.org/dc/dcmitype/"/>
-    <ds:schemaRef ds:uri="71af3243-3dd4-4a8d-8c0d-dd76da1f02a5"/>
-    <ds:schemaRef ds:uri="http://www.w3.org/XML/1998/namespace"/>
+    <ds:schemaRef ds:uri="http://schemas.microsoft.com/VisualStudio/2011/storyboarding/control"/>
   </ds:schemaRefs>
 </ds:datastoreItem>
 </file>
--- a/Graphics and Computational Programming.pptx
+++ b/Graphics and Computational Programming.pptx
@@ -11239,10 +11239,10 @@
       </p:grpSpPr>
       <p:pic>
         <p:nvPicPr>
-          <p:cNvPr id="10" name="Picture 9">
+          <p:cNvPr id="17" name="Picture 14">
             <a:extLst>
               <a:ext uri="{FF2B5EF4-FFF2-40B4-BE49-F238E27FC236}">
-                <a16:creationId xmlns:a16="http://schemas.microsoft.com/office/drawing/2014/main" id="{0FDC26C9-3923-4F5B-884B-45F0E0E3E678}"/>
+                <a16:creationId xmlns:a16="http://schemas.microsoft.com/office/drawing/2014/main" id="{3CD6E863-5AFE-4FD6-B744-99F9ED99E519}"/>
               </a:ext>
               <a:ext uri="{C183D7F6-B498-43B3-948B-1728B52AA6E4}">
                 <adec:decorative xmlns:adec="http://schemas.microsoft.com/office/drawing/2017/decorative" val="1"/>
@@ -11300,8 +11300,8 @@
         </p:nvSpPr>
         <p:spPr>
           <a:xfrm>
-            <a:off x="6400800" y="609600"/>
-            <a:ext cx="5147730" cy="1641987"/>
+            <a:off x="6717278" y="1030288"/>
+            <a:ext cx="4099947" cy="1035579"/>
           </a:xfrm>
         </p:spPr>
         <p:txBody>
@@ -11310,42 +11310,15 @@
           </a:bodyPr>
           <a:lstStyle/>
           <a:p>
+            <a:pPr>
+              <a:lnSpc>
+                <a:spcPct val="90000"/>
+              </a:lnSpc>
+            </a:pPr>
             <a:r>
-              <a:rPr lang="en-US" dirty="0"/>
-              <a:t>Threads And Efficiency</a:t>
+              <a:rPr lang="en-US" sz="3300" dirty="0"/>
+              <a:t>Experiments</a:t>
             </a:r>
-          </a:p>
-        </p:txBody>
-      </p:sp>
-      <p:sp>
-        <p:nvSpPr>
-          <p:cNvPr id="3" name="Content Placeholder 2">
-            <a:extLst>
-              <a:ext uri="{FF2B5EF4-FFF2-40B4-BE49-F238E27FC236}">
-                <a16:creationId xmlns:a16="http://schemas.microsoft.com/office/drawing/2014/main" id="{0DC77E54-1B3C-4195-B31B-F39CDA7B111E}"/>
-              </a:ext>
-            </a:extLst>
-          </p:cNvPr>
-          <p:cNvSpPr>
-            <a:spLocks noGrp="1"/>
-          </p:cNvSpPr>
-          <p:nvPr>
-            <p:ph sz="half" idx="1"/>
-          </p:nvPr>
-        </p:nvSpPr>
-        <p:spPr>
-          <a:xfrm>
-            <a:off x="6400800" y="2251587"/>
-            <a:ext cx="5147730" cy="3637935"/>
-          </a:xfrm>
-        </p:spPr>
-        <p:txBody>
-          <a:bodyPr vert="horz" lIns="91440" tIns="45720" rIns="91440" bIns="45720" rtlCol="0" anchor="ctr">
-            <a:normAutofit/>
-          </a:bodyPr>
-          <a:lstStyle/>
-          <a:p>
-            <a:endParaRPr lang="en-US" dirty="0"/>
           </a:p>
         </p:txBody>
       </p:sp>
@@ -11373,12 +11346,12 @@
         </p:blipFill>
         <p:spPr>
           <a:xfrm>
-            <a:off x="476865" y="609600"/>
-            <a:ext cx="5447070" cy="3591870"/>
+            <a:off x="762228" y="477875"/>
+            <a:ext cx="4475379" cy="2951125"/>
           </a:xfrm>
           <a:prstGeom prst="roundRect">
             <a:avLst>
-              <a:gd name="adj" fmla="val 4380"/>
+              <a:gd name="adj" fmla="val 6267"/>
             </a:avLst>
           </a:prstGeom>
           <a:ln w="50800" cap="sq" cmpd="dbl">
@@ -11409,6 +11382,96 @@
           </a:effectLst>
         </p:spPr>
       </p:pic>
+      <p:pic>
+        <p:nvPicPr>
+          <p:cNvPr id="7" name="Content Placeholder 4">
+            <a:extLst>
+              <a:ext uri="{FF2B5EF4-FFF2-40B4-BE49-F238E27FC236}">
+                <a16:creationId xmlns:a16="http://schemas.microsoft.com/office/drawing/2014/main" id="{AC0B3679-4698-4856-86B9-B27289A30636}"/>
+              </a:ext>
+            </a:extLst>
+          </p:cNvPr>
+          <p:cNvPicPr>
+            <a:picLocks noChangeAspect="1"/>
+          </p:cNvPicPr>
+          <p:nvPr/>
+        </p:nvPicPr>
+        <p:blipFill>
+          <a:blip r:embed="rId6"/>
+          <a:stretch>
+            <a:fillRect/>
+          </a:stretch>
+        </p:blipFill>
+        <p:spPr>
+          <a:xfrm>
+            <a:off x="762228" y="3604662"/>
+            <a:ext cx="4473342" cy="2846672"/>
+          </a:xfrm>
+          <a:prstGeom prst="roundRect">
+            <a:avLst>
+              <a:gd name="adj" fmla="val 6267"/>
+            </a:avLst>
+          </a:prstGeom>
+          <a:ln w="50800" cap="sq" cmpd="dbl">
+            <a:gradFill flip="none" rotWithShape="1">
+              <a:gsLst>
+                <a:gs pos="0">
+                  <a:srgbClr val="FFFFFF"/>
+                </a:gs>
+                <a:gs pos="100000">
+                  <a:schemeClr val="tx1">
+                    <a:alpha val="0"/>
+                  </a:schemeClr>
+                </a:gs>
+              </a:gsLst>
+              <a:path path="circle">
+                <a:fillToRect l="50000" t="50000" r="50000" b="50000"/>
+              </a:path>
+              <a:tileRect/>
+            </a:gradFill>
+            <a:miter lim="800000"/>
+          </a:ln>
+          <a:effectLst>
+            <a:outerShdw blurRad="254000" algn="tl" rotWithShape="0">
+              <a:srgbClr val="000000">
+                <a:alpha val="43000"/>
+              </a:srgbClr>
+            </a:outerShdw>
+          </a:effectLst>
+        </p:spPr>
+      </p:pic>
+      <p:sp>
+        <p:nvSpPr>
+          <p:cNvPr id="3" name="Content Placeholder 2">
+            <a:extLst>
+              <a:ext uri="{FF2B5EF4-FFF2-40B4-BE49-F238E27FC236}">
+                <a16:creationId xmlns:a16="http://schemas.microsoft.com/office/drawing/2014/main" id="{0DC77E54-1B3C-4195-B31B-F39CDA7B111E}"/>
+              </a:ext>
+            </a:extLst>
+          </p:cNvPr>
+          <p:cNvSpPr>
+            <a:spLocks noGrp="1"/>
+          </p:cNvSpPr>
+          <p:nvPr>
+            <p:ph sz="half" idx="1"/>
+          </p:nvPr>
+        </p:nvSpPr>
+        <p:spPr>
+          <a:xfrm>
+            <a:off x="6237172" y="2142067"/>
+            <a:ext cx="4580054" cy="3649133"/>
+          </a:xfrm>
+        </p:spPr>
+        <p:txBody>
+          <a:bodyPr vert="horz" lIns="91440" tIns="45720" rIns="91440" bIns="45720" rtlCol="0" anchor="ctr">
+            <a:normAutofit/>
+          </a:bodyPr>
+          <a:lstStyle/>
+          <a:p>
+            <a:endParaRPr lang="en-US" dirty="0"/>
+          </a:p>
+        </p:txBody>
+      </p:sp>
     </p:spTree>
     <p:extLst>
       <p:ext uri="{BB962C8B-B14F-4D97-AF65-F5344CB8AC3E}">
